--- a/009YiChan/Chan's thesis/Images/Original/ppt.pptx
+++ b/009YiChan/Chan's thesis/Images/Original/ppt.pptx
@@ -4,6 +4,9 @@
   <p:sldMasterIdLst>
     <p:sldMasterId id="2147483648" r:id="rId1"/>
   </p:sldMasterIdLst>
+  <p:notesMasterIdLst>
+    <p:notesMasterId r:id="rId10"/>
+  </p:notesMasterIdLst>
   <p:sldIdLst>
     <p:sldId id="257" r:id="rId2"/>
     <p:sldId id="258" r:id="rId3"/>
@@ -11,6 +14,8 @@
     <p:sldId id="261" r:id="rId5"/>
     <p:sldId id="262" r:id="rId6"/>
     <p:sldId id="263" r:id="rId7"/>
+    <p:sldId id="266" r:id="rId8"/>
+    <p:sldId id="265" r:id="rId9"/>
   </p:sldIdLst>
   <p:sldSz cx="12192000" cy="6858000"/>
   <p:notesSz cx="6858000" cy="9144000"/>
@@ -117,6 +122,443 @@
 </p:presentation>
 </file>
 
+<file path=ppt/notesMasters/notesMaster1.xml><?xml version="1.0" encoding="utf-8"?>
+<p:notesMaster xmlns:a="http://schemas.openxmlformats.org/drawingml/2006/main" xmlns:r="http://schemas.openxmlformats.org/officeDocument/2006/relationships" xmlns:p="http://schemas.openxmlformats.org/presentationml/2006/main">
+  <p:cSld>
+    <p:bg>
+      <p:bgRef idx="1001">
+        <a:schemeClr val="bg1"/>
+      </p:bgRef>
+    </p:bg>
+    <p:spTree>
+      <p:nvGrpSpPr>
+        <p:cNvPr id="1" name=""/>
+        <p:cNvGrpSpPr/>
+        <p:nvPr/>
+      </p:nvGrpSpPr>
+      <p:grpSpPr>
+        <a:xfrm>
+          <a:off x="0" y="0"/>
+          <a:ext cx="0" cy="0"/>
+          <a:chOff x="0" y="0"/>
+          <a:chExt cx="0" cy="0"/>
+        </a:xfrm>
+      </p:grpSpPr>
+      <p:sp>
+        <p:nvSpPr>
+          <p:cNvPr id="2" name="頁首版面配置區 1"/>
+          <p:cNvSpPr>
+            <a:spLocks noGrp="1"/>
+          </p:cNvSpPr>
+          <p:nvPr>
+            <p:ph type="hdr" sz="quarter"/>
+          </p:nvPr>
+        </p:nvSpPr>
+        <p:spPr>
+          <a:xfrm>
+            <a:off x="0" y="0"/>
+            <a:ext cx="2971800" cy="458788"/>
+          </a:xfrm>
+          <a:prstGeom prst="rect">
+            <a:avLst/>
+          </a:prstGeom>
+        </p:spPr>
+        <p:txBody>
+          <a:bodyPr vert="horz" lIns="91440" tIns="45720" rIns="91440" bIns="45720" rtlCol="0"/>
+          <a:lstStyle>
+            <a:lvl1pPr algn="l">
+              <a:defRPr sz="1200"/>
+            </a:lvl1pPr>
+          </a:lstStyle>
+          <a:p>
+            <a:endParaRPr lang="zh-TW" altLang="en-US"/>
+          </a:p>
+        </p:txBody>
+      </p:sp>
+      <p:sp>
+        <p:nvSpPr>
+          <p:cNvPr id="3" name="日期版面配置區 2"/>
+          <p:cNvSpPr>
+            <a:spLocks noGrp="1"/>
+          </p:cNvSpPr>
+          <p:nvPr>
+            <p:ph type="dt" idx="1"/>
+          </p:nvPr>
+        </p:nvSpPr>
+        <p:spPr>
+          <a:xfrm>
+            <a:off x="3884613" y="0"/>
+            <a:ext cx="2971800" cy="458788"/>
+          </a:xfrm>
+          <a:prstGeom prst="rect">
+            <a:avLst/>
+          </a:prstGeom>
+        </p:spPr>
+        <p:txBody>
+          <a:bodyPr vert="horz" lIns="91440" tIns="45720" rIns="91440" bIns="45720" rtlCol="0"/>
+          <a:lstStyle>
+            <a:lvl1pPr algn="r">
+              <a:defRPr sz="1200"/>
+            </a:lvl1pPr>
+          </a:lstStyle>
+          <a:p>
+            <a:fld id="{1C8D2AD6-9366-4FD0-8D5E-D0A160B803F4}" type="datetimeFigureOut">
+              <a:rPr lang="zh-TW" altLang="en-US" smtClean="0"/>
+              <a:t>2021/4/19</a:t>
+            </a:fld>
+            <a:endParaRPr lang="zh-TW" altLang="en-US"/>
+          </a:p>
+        </p:txBody>
+      </p:sp>
+      <p:sp>
+        <p:nvSpPr>
+          <p:cNvPr id="4" name="投影片圖像版面配置區 3"/>
+          <p:cNvSpPr>
+            <a:spLocks noGrp="1" noRot="1" noChangeAspect="1"/>
+          </p:cNvSpPr>
+          <p:nvPr>
+            <p:ph type="sldImg" idx="2"/>
+          </p:nvPr>
+        </p:nvSpPr>
+        <p:spPr>
+          <a:xfrm>
+            <a:off x="685800" y="1143000"/>
+            <a:ext cx="5486400" cy="3086100"/>
+          </a:xfrm>
+          <a:prstGeom prst="rect">
+            <a:avLst/>
+          </a:prstGeom>
+          <a:noFill/>
+          <a:ln w="12700">
+            <a:solidFill>
+              <a:prstClr val="black"/>
+            </a:solidFill>
+          </a:ln>
+        </p:spPr>
+        <p:txBody>
+          <a:bodyPr vert="horz" lIns="91440" tIns="45720" rIns="91440" bIns="45720" rtlCol="0" anchor="ctr"/>
+          <a:lstStyle/>
+          <a:p>
+            <a:endParaRPr lang="zh-TW" altLang="en-US"/>
+          </a:p>
+        </p:txBody>
+      </p:sp>
+      <p:sp>
+        <p:nvSpPr>
+          <p:cNvPr id="5" name="備忘稿版面配置區 4"/>
+          <p:cNvSpPr>
+            <a:spLocks noGrp="1"/>
+          </p:cNvSpPr>
+          <p:nvPr>
+            <p:ph type="body" sz="quarter" idx="3"/>
+          </p:nvPr>
+        </p:nvSpPr>
+        <p:spPr>
+          <a:xfrm>
+            <a:off x="685800" y="4400550"/>
+            <a:ext cx="5486400" cy="3600450"/>
+          </a:xfrm>
+          <a:prstGeom prst="rect">
+            <a:avLst/>
+          </a:prstGeom>
+        </p:spPr>
+        <p:txBody>
+          <a:bodyPr vert="horz" lIns="91440" tIns="45720" rIns="91440" bIns="45720" rtlCol="0"/>
+          <a:lstStyle/>
+          <a:p>
+            <a:pPr lvl="0"/>
+            <a:r>
+              <a:rPr lang="zh-TW" altLang="en-US" smtClean="0"/>
+              <a:t>編輯母片文字樣式</a:t>
+            </a:r>
+          </a:p>
+          <a:p>
+            <a:pPr lvl="1"/>
+            <a:r>
+              <a:rPr lang="zh-TW" altLang="en-US" smtClean="0"/>
+              <a:t>第二層</a:t>
+            </a:r>
+          </a:p>
+          <a:p>
+            <a:pPr lvl="2"/>
+            <a:r>
+              <a:rPr lang="zh-TW" altLang="en-US" smtClean="0"/>
+              <a:t>第三層</a:t>
+            </a:r>
+          </a:p>
+          <a:p>
+            <a:pPr lvl="3"/>
+            <a:r>
+              <a:rPr lang="zh-TW" altLang="en-US" smtClean="0"/>
+              <a:t>第四層</a:t>
+            </a:r>
+          </a:p>
+          <a:p>
+            <a:pPr lvl="4"/>
+            <a:r>
+              <a:rPr lang="zh-TW" altLang="en-US" smtClean="0"/>
+              <a:t>第五層</a:t>
+            </a:r>
+            <a:endParaRPr lang="zh-TW" altLang="en-US"/>
+          </a:p>
+        </p:txBody>
+      </p:sp>
+      <p:sp>
+        <p:nvSpPr>
+          <p:cNvPr id="6" name="頁尾版面配置區 5"/>
+          <p:cNvSpPr>
+            <a:spLocks noGrp="1"/>
+          </p:cNvSpPr>
+          <p:nvPr>
+            <p:ph type="ftr" sz="quarter" idx="4"/>
+          </p:nvPr>
+        </p:nvSpPr>
+        <p:spPr>
+          <a:xfrm>
+            <a:off x="0" y="8685213"/>
+            <a:ext cx="2971800" cy="458787"/>
+          </a:xfrm>
+          <a:prstGeom prst="rect">
+            <a:avLst/>
+          </a:prstGeom>
+        </p:spPr>
+        <p:txBody>
+          <a:bodyPr vert="horz" lIns="91440" tIns="45720" rIns="91440" bIns="45720" rtlCol="0" anchor="b"/>
+          <a:lstStyle>
+            <a:lvl1pPr algn="l">
+              <a:defRPr sz="1200"/>
+            </a:lvl1pPr>
+          </a:lstStyle>
+          <a:p>
+            <a:endParaRPr lang="zh-TW" altLang="en-US"/>
+          </a:p>
+        </p:txBody>
+      </p:sp>
+      <p:sp>
+        <p:nvSpPr>
+          <p:cNvPr id="7" name="投影片編號版面配置區 6"/>
+          <p:cNvSpPr>
+            <a:spLocks noGrp="1"/>
+          </p:cNvSpPr>
+          <p:nvPr>
+            <p:ph type="sldNum" sz="quarter" idx="5"/>
+          </p:nvPr>
+        </p:nvSpPr>
+        <p:spPr>
+          <a:xfrm>
+            <a:off x="3884613" y="8685213"/>
+            <a:ext cx="2971800" cy="458787"/>
+          </a:xfrm>
+          <a:prstGeom prst="rect">
+            <a:avLst/>
+          </a:prstGeom>
+        </p:spPr>
+        <p:txBody>
+          <a:bodyPr vert="horz" lIns="91440" tIns="45720" rIns="91440" bIns="45720" rtlCol="0" anchor="b"/>
+          <a:lstStyle>
+            <a:lvl1pPr algn="r">
+              <a:defRPr sz="1200"/>
+            </a:lvl1pPr>
+          </a:lstStyle>
+          <a:p>
+            <a:fld id="{86251A42-F554-4333-AF4A-75B98C750E37}" type="slidenum">
+              <a:rPr lang="zh-TW" altLang="en-US" smtClean="0"/>
+              <a:t>‹#›</a:t>
+            </a:fld>
+            <a:endParaRPr lang="zh-TW" altLang="en-US"/>
+          </a:p>
+        </p:txBody>
+      </p:sp>
+    </p:spTree>
+    <p:extLst>
+      <p:ext uri="{BB962C8B-B14F-4D97-AF65-F5344CB8AC3E}">
+        <p14:creationId xmlns:p14="http://schemas.microsoft.com/office/powerpoint/2010/main" val="3699974786"/>
+      </p:ext>
+    </p:extLst>
+  </p:cSld>
+  <p:clrMap bg1="lt1" tx1="dk1" bg2="lt2" tx2="dk2" accent1="accent1" accent2="accent2" accent3="accent3" accent4="accent4" accent5="accent5" accent6="accent6" hlink="hlink" folHlink="folHlink"/>
+  <p:notesStyle>
+    <a:lvl1pPr marL="0" algn="l" defTabSz="914400" rtl="0" eaLnBrk="1" latinLnBrk="0" hangingPunct="1">
+      <a:defRPr sz="1200" kern="1200">
+        <a:solidFill>
+          <a:schemeClr val="tx1"/>
+        </a:solidFill>
+        <a:latin typeface="+mn-lt"/>
+        <a:ea typeface="+mn-ea"/>
+        <a:cs typeface="+mn-cs"/>
+      </a:defRPr>
+    </a:lvl1pPr>
+    <a:lvl2pPr marL="457200" algn="l" defTabSz="914400" rtl="0" eaLnBrk="1" latinLnBrk="0" hangingPunct="1">
+      <a:defRPr sz="1200" kern="1200">
+        <a:solidFill>
+          <a:schemeClr val="tx1"/>
+        </a:solidFill>
+        <a:latin typeface="+mn-lt"/>
+        <a:ea typeface="+mn-ea"/>
+        <a:cs typeface="+mn-cs"/>
+      </a:defRPr>
+    </a:lvl2pPr>
+    <a:lvl3pPr marL="914400" algn="l" defTabSz="914400" rtl="0" eaLnBrk="1" latinLnBrk="0" hangingPunct="1">
+      <a:defRPr sz="1200" kern="1200">
+        <a:solidFill>
+          <a:schemeClr val="tx1"/>
+        </a:solidFill>
+        <a:latin typeface="+mn-lt"/>
+        <a:ea typeface="+mn-ea"/>
+        <a:cs typeface="+mn-cs"/>
+      </a:defRPr>
+    </a:lvl3pPr>
+    <a:lvl4pPr marL="1371600" algn="l" defTabSz="914400" rtl="0" eaLnBrk="1" latinLnBrk="0" hangingPunct="1">
+      <a:defRPr sz="1200" kern="1200">
+        <a:solidFill>
+          <a:schemeClr val="tx1"/>
+        </a:solidFill>
+        <a:latin typeface="+mn-lt"/>
+        <a:ea typeface="+mn-ea"/>
+        <a:cs typeface="+mn-cs"/>
+      </a:defRPr>
+    </a:lvl4pPr>
+    <a:lvl5pPr marL="1828800" algn="l" defTabSz="914400" rtl="0" eaLnBrk="1" latinLnBrk="0" hangingPunct="1">
+      <a:defRPr sz="1200" kern="1200">
+        <a:solidFill>
+          <a:schemeClr val="tx1"/>
+        </a:solidFill>
+        <a:latin typeface="+mn-lt"/>
+        <a:ea typeface="+mn-ea"/>
+        <a:cs typeface="+mn-cs"/>
+      </a:defRPr>
+    </a:lvl5pPr>
+    <a:lvl6pPr marL="2286000" algn="l" defTabSz="914400" rtl="0" eaLnBrk="1" latinLnBrk="0" hangingPunct="1">
+      <a:defRPr sz="1200" kern="1200">
+        <a:solidFill>
+          <a:schemeClr val="tx1"/>
+        </a:solidFill>
+        <a:latin typeface="+mn-lt"/>
+        <a:ea typeface="+mn-ea"/>
+        <a:cs typeface="+mn-cs"/>
+      </a:defRPr>
+    </a:lvl6pPr>
+    <a:lvl7pPr marL="2743200" algn="l" defTabSz="914400" rtl="0" eaLnBrk="1" latinLnBrk="0" hangingPunct="1">
+      <a:defRPr sz="1200" kern="1200">
+        <a:solidFill>
+          <a:schemeClr val="tx1"/>
+        </a:solidFill>
+        <a:latin typeface="+mn-lt"/>
+        <a:ea typeface="+mn-ea"/>
+        <a:cs typeface="+mn-cs"/>
+      </a:defRPr>
+    </a:lvl7pPr>
+    <a:lvl8pPr marL="3200400" algn="l" defTabSz="914400" rtl="0" eaLnBrk="1" latinLnBrk="0" hangingPunct="1">
+      <a:defRPr sz="1200" kern="1200">
+        <a:solidFill>
+          <a:schemeClr val="tx1"/>
+        </a:solidFill>
+        <a:latin typeface="+mn-lt"/>
+        <a:ea typeface="+mn-ea"/>
+        <a:cs typeface="+mn-cs"/>
+      </a:defRPr>
+    </a:lvl8pPr>
+    <a:lvl9pPr marL="3657600" algn="l" defTabSz="914400" rtl="0" eaLnBrk="1" latinLnBrk="0" hangingPunct="1">
+      <a:defRPr sz="1200" kern="1200">
+        <a:solidFill>
+          <a:schemeClr val="tx1"/>
+        </a:solidFill>
+        <a:latin typeface="+mn-lt"/>
+        <a:ea typeface="+mn-ea"/>
+        <a:cs typeface="+mn-cs"/>
+      </a:defRPr>
+    </a:lvl9pPr>
+  </p:notesStyle>
+</p:notesMaster>
+</file>
+
+<file path=ppt/notesSlides/notesSlide1.xml><?xml version="1.0" encoding="utf-8"?>
+<p:notes xmlns:a="http://schemas.openxmlformats.org/drawingml/2006/main" xmlns:r="http://schemas.openxmlformats.org/officeDocument/2006/relationships" xmlns:p="http://schemas.openxmlformats.org/presentationml/2006/main">
+  <p:cSld>
+    <p:spTree>
+      <p:nvGrpSpPr>
+        <p:cNvPr id="1" name=""/>
+        <p:cNvGrpSpPr/>
+        <p:nvPr/>
+      </p:nvGrpSpPr>
+      <p:grpSpPr>
+        <a:xfrm>
+          <a:off x="0" y="0"/>
+          <a:ext cx="0" cy="0"/>
+          <a:chOff x="0" y="0"/>
+          <a:chExt cx="0" cy="0"/>
+        </a:xfrm>
+      </p:grpSpPr>
+      <p:sp>
+        <p:nvSpPr>
+          <p:cNvPr id="2" name="投影片圖像版面配置區 1"/>
+          <p:cNvSpPr>
+            <a:spLocks noGrp="1" noRot="1" noChangeAspect="1"/>
+          </p:cNvSpPr>
+          <p:nvPr>
+            <p:ph type="sldImg"/>
+          </p:nvPr>
+        </p:nvSpPr>
+        <p:spPr/>
+      </p:sp>
+      <p:sp>
+        <p:nvSpPr>
+          <p:cNvPr id="3" name="備忘稿版面配置區 2"/>
+          <p:cNvSpPr>
+            <a:spLocks noGrp="1"/>
+          </p:cNvSpPr>
+          <p:nvPr>
+            <p:ph type="body" idx="1"/>
+          </p:nvPr>
+        </p:nvSpPr>
+        <p:spPr/>
+        <p:txBody>
+          <a:bodyPr/>
+          <a:lstStyle/>
+          <a:p>
+            <a:endParaRPr lang="en-US" altLang="zh-TW" dirty="0" smtClean="0"/>
+          </a:p>
+          <a:p>
+            <a:endParaRPr lang="en-US" altLang="zh-TW" dirty="0" smtClean="0"/>
+          </a:p>
+        </p:txBody>
+      </p:sp>
+      <p:sp>
+        <p:nvSpPr>
+          <p:cNvPr id="4" name="投影片編號版面配置區 3"/>
+          <p:cNvSpPr>
+            <a:spLocks noGrp="1"/>
+          </p:cNvSpPr>
+          <p:nvPr>
+            <p:ph type="sldNum" sz="quarter" idx="10"/>
+          </p:nvPr>
+        </p:nvSpPr>
+        <p:spPr/>
+        <p:txBody>
+          <a:bodyPr/>
+          <a:lstStyle/>
+          <a:p>
+            <a:fld id="{D75A13AE-462F-4CB7-AAD1-2BD1DB5A1DD9}" type="slidenum">
+              <a:rPr lang="zh-TW" altLang="en-US" smtClean="0"/>
+              <a:t>8</a:t>
+            </a:fld>
+            <a:endParaRPr lang="zh-TW" altLang="en-US"/>
+          </a:p>
+        </p:txBody>
+      </p:sp>
+    </p:spTree>
+    <p:extLst>
+      <p:ext uri="{BB962C8B-B14F-4D97-AF65-F5344CB8AC3E}">
+        <p14:creationId xmlns:p14="http://schemas.microsoft.com/office/powerpoint/2010/main" val="1944773129"/>
+      </p:ext>
+    </p:extLst>
+  </p:cSld>
+  <p:clrMapOvr>
+    <a:masterClrMapping/>
+  </p:clrMapOvr>
+</p:notes>
+</file>
+
 <file path=ppt/slideLayouts/slideLayout1.xml><?xml version="1.0" encoding="utf-8"?>
 <p:sldLayout xmlns:a="http://schemas.openxmlformats.org/drawingml/2006/main" xmlns:r="http://schemas.openxmlformats.org/officeDocument/2006/relationships" xmlns:p="http://schemas.openxmlformats.org/presentationml/2006/main" type="title" preserve="1">
   <p:cSld name="標題投影片">
@@ -248,7 +690,7 @@
           <a:p>
             <a:fld id="{CA9831EC-52C6-4491-A088-87BB9C263796}" type="datetimeFigureOut">
               <a:rPr lang="zh-TW" altLang="en-US" smtClean="0"/>
-              <a:t>2021/4/17</a:t>
+              <a:t>2021/4/19</a:t>
             </a:fld>
             <a:endParaRPr lang="zh-TW" altLang="en-US"/>
           </a:p>
@@ -418,7 +860,7 @@
           <a:p>
             <a:fld id="{CA9831EC-52C6-4491-A088-87BB9C263796}" type="datetimeFigureOut">
               <a:rPr lang="zh-TW" altLang="en-US" smtClean="0"/>
-              <a:t>2021/4/17</a:t>
+              <a:t>2021/4/19</a:t>
             </a:fld>
             <a:endParaRPr lang="zh-TW" altLang="en-US"/>
           </a:p>
@@ -598,7 +1040,7 @@
           <a:p>
             <a:fld id="{CA9831EC-52C6-4491-A088-87BB9C263796}" type="datetimeFigureOut">
               <a:rPr lang="zh-TW" altLang="en-US" smtClean="0"/>
-              <a:t>2021/4/17</a:t>
+              <a:t>2021/4/19</a:t>
             </a:fld>
             <a:endParaRPr lang="zh-TW" altLang="en-US"/>
           </a:p>
@@ -768,7 +1210,7 @@
           <a:p>
             <a:fld id="{CA9831EC-52C6-4491-A088-87BB9C263796}" type="datetimeFigureOut">
               <a:rPr lang="zh-TW" altLang="en-US" smtClean="0"/>
-              <a:t>2021/4/17</a:t>
+              <a:t>2021/4/19</a:t>
             </a:fld>
             <a:endParaRPr lang="zh-TW" altLang="en-US"/>
           </a:p>
@@ -1014,7 +1456,7 @@
           <a:p>
             <a:fld id="{CA9831EC-52C6-4491-A088-87BB9C263796}" type="datetimeFigureOut">
               <a:rPr lang="zh-TW" altLang="en-US" smtClean="0"/>
-              <a:t>2021/4/17</a:t>
+              <a:t>2021/4/19</a:t>
             </a:fld>
             <a:endParaRPr lang="zh-TW" altLang="en-US"/>
           </a:p>
@@ -1246,7 +1688,7 @@
           <a:p>
             <a:fld id="{CA9831EC-52C6-4491-A088-87BB9C263796}" type="datetimeFigureOut">
               <a:rPr lang="zh-TW" altLang="en-US" smtClean="0"/>
-              <a:t>2021/4/17</a:t>
+              <a:t>2021/4/19</a:t>
             </a:fld>
             <a:endParaRPr lang="zh-TW" altLang="en-US"/>
           </a:p>
@@ -1613,7 +2055,7 @@
           <a:p>
             <a:fld id="{CA9831EC-52C6-4491-A088-87BB9C263796}" type="datetimeFigureOut">
               <a:rPr lang="zh-TW" altLang="en-US" smtClean="0"/>
-              <a:t>2021/4/17</a:t>
+              <a:t>2021/4/19</a:t>
             </a:fld>
             <a:endParaRPr lang="zh-TW" altLang="en-US"/>
           </a:p>
@@ -1731,7 +2173,7 @@
           <a:p>
             <a:fld id="{CA9831EC-52C6-4491-A088-87BB9C263796}" type="datetimeFigureOut">
               <a:rPr lang="zh-TW" altLang="en-US" smtClean="0"/>
-              <a:t>2021/4/17</a:t>
+              <a:t>2021/4/19</a:t>
             </a:fld>
             <a:endParaRPr lang="zh-TW" altLang="en-US"/>
           </a:p>
@@ -1826,7 +2268,7 @@
           <a:p>
             <a:fld id="{CA9831EC-52C6-4491-A088-87BB9C263796}" type="datetimeFigureOut">
               <a:rPr lang="zh-TW" altLang="en-US" smtClean="0"/>
-              <a:t>2021/4/17</a:t>
+              <a:t>2021/4/19</a:t>
             </a:fld>
             <a:endParaRPr lang="zh-TW" altLang="en-US"/>
           </a:p>
@@ -2103,7 +2545,7 @@
           <a:p>
             <a:fld id="{CA9831EC-52C6-4491-A088-87BB9C263796}" type="datetimeFigureOut">
               <a:rPr lang="zh-TW" altLang="en-US" smtClean="0"/>
-              <a:t>2021/4/17</a:t>
+              <a:t>2021/4/19</a:t>
             </a:fld>
             <a:endParaRPr lang="zh-TW" altLang="en-US"/>
           </a:p>
@@ -2356,7 +2798,7 @@
           <a:p>
             <a:fld id="{CA9831EC-52C6-4491-A088-87BB9C263796}" type="datetimeFigureOut">
               <a:rPr lang="zh-TW" altLang="en-US" smtClean="0"/>
-              <a:t>2021/4/17</a:t>
+              <a:t>2021/4/19</a:t>
             </a:fld>
             <a:endParaRPr lang="zh-TW" altLang="en-US"/>
           </a:p>
@@ -2569,7 +3011,7 @@
           <a:p>
             <a:fld id="{CA9831EC-52C6-4491-A088-87BB9C263796}" type="datetimeFigureOut">
               <a:rPr lang="zh-TW" altLang="en-US" smtClean="0"/>
-              <a:t>2021/4/17</a:t>
+              <a:t>2021/4/19</a:t>
             </a:fld>
             <a:endParaRPr lang="zh-TW" altLang="en-US"/>
           </a:p>
@@ -5888,6 +6330,3124 @@
 </p:sld>
 </file>
 
+<file path=ppt/slides/slide7.xml><?xml version="1.0" encoding="utf-8"?>
+<p:sld xmlns:a="http://schemas.openxmlformats.org/drawingml/2006/main" xmlns:r="http://schemas.openxmlformats.org/officeDocument/2006/relationships" xmlns:p="http://schemas.openxmlformats.org/presentationml/2006/main">
+  <p:cSld>
+    <p:spTree>
+      <p:nvGrpSpPr>
+        <p:cNvPr id="1" name=""/>
+        <p:cNvGrpSpPr/>
+        <p:nvPr/>
+      </p:nvGrpSpPr>
+      <p:grpSpPr>
+        <a:xfrm>
+          <a:off x="0" y="0"/>
+          <a:ext cx="0" cy="0"/>
+          <a:chOff x="0" y="0"/>
+          <a:chExt cx="0" cy="0"/>
+        </a:xfrm>
+      </p:grpSpPr>
+      <p:sp>
+        <p:nvSpPr>
+          <p:cNvPr id="2" name="標題 1"/>
+          <p:cNvSpPr>
+            <a:spLocks noGrp="1"/>
+          </p:cNvSpPr>
+          <p:nvPr>
+            <p:ph type="title"/>
+          </p:nvPr>
+        </p:nvSpPr>
+        <p:spPr/>
+        <p:txBody>
+          <a:bodyPr>
+            <a:normAutofit/>
+          </a:bodyPr>
+          <a:lstStyle/>
+          <a:p>
+            <a:r>
+              <a:rPr lang="en-US" altLang="zh-TW" sz="2400" dirty="0"/>
+              <a:t>Flow chart</a:t>
+            </a:r>
+            <a:endParaRPr lang="zh-TW" altLang="en-US" sz="2400" dirty="0"/>
+          </a:p>
+        </p:txBody>
+      </p:sp>
+      <p:sp>
+        <p:nvSpPr>
+          <p:cNvPr id="3" name="日期版面配置區 2"/>
+          <p:cNvSpPr>
+            <a:spLocks noGrp="1"/>
+          </p:cNvSpPr>
+          <p:nvPr>
+            <p:ph type="dt" sz="half" idx="10"/>
+          </p:nvPr>
+        </p:nvSpPr>
+        <p:spPr/>
+        <p:txBody>
+          <a:bodyPr/>
+          <a:lstStyle/>
+          <a:p>
+            <a:fld id="{979F763D-BF21-4D53-8EEE-BB706C571577}" type="datetime1">
+              <a:rPr lang="zh-TW" altLang="en-US" smtClean="0"/>
+              <a:t>2021/4/20</a:t>
+            </a:fld>
+            <a:endParaRPr lang="zh-TW" altLang="en-US"/>
+          </a:p>
+        </p:txBody>
+      </p:sp>
+      <p:sp>
+        <p:nvSpPr>
+          <p:cNvPr id="4" name="頁尾版面配置區 3"/>
+          <p:cNvSpPr>
+            <a:spLocks noGrp="1"/>
+          </p:cNvSpPr>
+          <p:nvPr>
+            <p:ph type="ftr" sz="quarter" idx="11"/>
+          </p:nvPr>
+        </p:nvSpPr>
+        <p:spPr/>
+        <p:txBody>
+          <a:bodyPr/>
+          <a:lstStyle/>
+          <a:p>
+            <a:r>
+              <a:rPr lang="en-US" altLang="zh-TW" smtClean="0"/>
+              <a:t>NASA Lab - NTUEE</a:t>
+            </a:r>
+            <a:endParaRPr lang="zh-TW" altLang="en-US" dirty="0"/>
+          </a:p>
+        </p:txBody>
+      </p:sp>
+      <p:sp>
+        <p:nvSpPr>
+          <p:cNvPr id="5" name="投影片編號版面配置區 4"/>
+          <p:cNvSpPr>
+            <a:spLocks noGrp="1"/>
+          </p:cNvSpPr>
+          <p:nvPr>
+            <p:ph type="sldNum" sz="quarter" idx="12"/>
+          </p:nvPr>
+        </p:nvSpPr>
+        <p:spPr/>
+        <p:txBody>
+          <a:bodyPr/>
+          <a:lstStyle/>
+          <a:p>
+            <a:fld id="{5AC2FA9B-9620-486D-B020-8561322475FE}" type="slidenum">
+              <a:rPr lang="zh-TW" altLang="en-US" smtClean="0"/>
+              <a:t>7</a:t>
+            </a:fld>
+            <a:endParaRPr lang="zh-TW" altLang="en-US"/>
+          </a:p>
+        </p:txBody>
+      </p:sp>
+      <p:pic>
+        <p:nvPicPr>
+          <p:cNvPr id="9" name="圖片 8"/>
+          <p:cNvPicPr>
+            <a:picLocks noChangeAspect="1"/>
+          </p:cNvPicPr>
+          <p:nvPr/>
+        </p:nvPicPr>
+        <p:blipFill>
+          <a:blip r:embed="rId2">
+            <a:extLst>
+              <a:ext uri="{28A0092B-C50C-407E-A947-70E740481C1C}">
+                <a14:useLocalDpi xmlns:a14="http://schemas.microsoft.com/office/drawing/2010/main" val="0"/>
+              </a:ext>
+            </a:extLst>
+          </a:blip>
+          <a:stretch>
+            <a:fillRect/>
+          </a:stretch>
+        </p:blipFill>
+        <p:spPr>
+          <a:xfrm>
+            <a:off x="2514252" y="909437"/>
+            <a:ext cx="3715904" cy="5446915"/>
+          </a:xfrm>
+          <a:prstGeom prst="rect">
+            <a:avLst/>
+          </a:prstGeom>
+        </p:spPr>
+      </p:pic>
+      <p:grpSp>
+        <p:nvGrpSpPr>
+          <p:cNvPr id="6" name="群組 5"/>
+          <p:cNvGrpSpPr/>
+          <p:nvPr/>
+        </p:nvGrpSpPr>
+        <p:grpSpPr>
+          <a:xfrm>
+            <a:off x="6389190" y="2064418"/>
+            <a:ext cx="3707225" cy="3032736"/>
+            <a:chOff x="6389190" y="2064418"/>
+            <a:chExt cx="3707225" cy="3032736"/>
+          </a:xfrm>
+        </p:grpSpPr>
+        <p:cxnSp>
+          <p:nvCxnSpPr>
+            <p:cNvPr id="10" name="直線箭頭接點 9"/>
+            <p:cNvCxnSpPr/>
+            <p:nvPr/>
+          </p:nvCxnSpPr>
+          <p:spPr>
+            <a:xfrm>
+              <a:off x="6582641" y="3709371"/>
+              <a:ext cx="3184814" cy="7598"/>
+            </a:xfrm>
+            <a:prstGeom prst="straightConnector1">
+              <a:avLst/>
+            </a:prstGeom>
+            <a:ln>
+              <a:tailEnd type="triangle"/>
+            </a:ln>
+          </p:spPr>
+          <p:style>
+            <a:lnRef idx="1">
+              <a:schemeClr val="accent1"/>
+            </a:lnRef>
+            <a:fillRef idx="0">
+              <a:schemeClr val="accent1"/>
+            </a:fillRef>
+            <a:effectRef idx="0">
+              <a:schemeClr val="accent1"/>
+            </a:effectRef>
+            <a:fontRef idx="minor">
+              <a:schemeClr val="tx1"/>
+            </a:fontRef>
+          </p:style>
+        </p:cxnSp>
+        <p:cxnSp>
+          <p:nvCxnSpPr>
+            <p:cNvPr id="15" name="直線箭頭接點 14"/>
+            <p:cNvCxnSpPr/>
+            <p:nvPr/>
+          </p:nvCxnSpPr>
+          <p:spPr>
+            <a:xfrm flipH="1" flipV="1">
+              <a:off x="6580909" y="2372195"/>
+              <a:ext cx="1732" cy="2724959"/>
+            </a:xfrm>
+            <a:prstGeom prst="straightConnector1">
+              <a:avLst/>
+            </a:prstGeom>
+            <a:ln>
+              <a:tailEnd type="triangle"/>
+            </a:ln>
+          </p:spPr>
+          <p:style>
+            <a:lnRef idx="1">
+              <a:schemeClr val="accent1"/>
+            </a:lnRef>
+            <a:fillRef idx="0">
+              <a:schemeClr val="accent1"/>
+            </a:fillRef>
+            <a:effectRef idx="0">
+              <a:schemeClr val="accent1"/>
+            </a:effectRef>
+            <a:fontRef idx="minor">
+              <a:schemeClr val="tx1"/>
+            </a:fontRef>
+          </p:style>
+        </p:cxnSp>
+        <p:sp>
+          <p:nvSpPr>
+            <p:cNvPr id="18" name="文字方塊 17"/>
+            <p:cNvSpPr txBox="1"/>
+            <p:nvPr/>
+          </p:nvSpPr>
+          <p:spPr>
+            <a:xfrm>
+              <a:off x="6389190" y="2064418"/>
+              <a:ext cx="383439" cy="307777"/>
+            </a:xfrm>
+            <a:prstGeom prst="rect">
+              <a:avLst/>
+            </a:prstGeom>
+            <a:noFill/>
+          </p:spPr>
+          <p:txBody>
+            <a:bodyPr wrap="none" rtlCol="0">
+              <a:spAutoFit/>
+            </a:bodyPr>
+            <a:lstStyle/>
+            <a:p>
+              <a:pPr algn="ctr"/>
+              <a:r>
+                <a:rPr kumimoji="1" lang="en-US" altLang="zh-TW" sz="1400" b="1" dirty="0" err="1">
+                  <a:solidFill>
+                    <a:srgbClr val="0070C0"/>
+                  </a:solidFill>
+                  <a:latin typeface="Arial" panose="020B0604020202020204" pitchFamily="34" charset="0"/>
+                  <a:cs typeface="Arial" panose="020B0604020202020204" pitchFamily="34" charset="0"/>
+                </a:rPr>
+                <a:t>Fz</a:t>
+              </a:r>
+              <a:endParaRPr kumimoji="1" lang="zh-TW" altLang="en-US" sz="1400" b="1" dirty="0">
+                <a:solidFill>
+                  <a:srgbClr val="0070C0"/>
+                </a:solidFill>
+                <a:latin typeface="Arial" panose="020B0604020202020204" pitchFamily="34" charset="0"/>
+                <a:cs typeface="Arial" panose="020B0604020202020204" pitchFamily="34" charset="0"/>
+              </a:endParaRPr>
+            </a:p>
+          </p:txBody>
+        </p:sp>
+        <p:cxnSp>
+          <p:nvCxnSpPr>
+            <p:cNvPr id="21" name="直線接點 20"/>
+            <p:cNvCxnSpPr/>
+            <p:nvPr/>
+          </p:nvCxnSpPr>
+          <p:spPr>
+            <a:xfrm>
+              <a:off x="6580908" y="3425967"/>
+              <a:ext cx="471056" cy="0"/>
+            </a:xfrm>
+            <a:prstGeom prst="line">
+              <a:avLst/>
+            </a:prstGeom>
+            <a:ln>
+              <a:solidFill>
+                <a:srgbClr val="FF0000"/>
+              </a:solidFill>
+            </a:ln>
+          </p:spPr>
+          <p:style>
+            <a:lnRef idx="1">
+              <a:schemeClr val="accent1"/>
+            </a:lnRef>
+            <a:fillRef idx="0">
+              <a:schemeClr val="accent1"/>
+            </a:fillRef>
+            <a:effectRef idx="0">
+              <a:schemeClr val="accent1"/>
+            </a:effectRef>
+            <a:fontRef idx="minor">
+              <a:schemeClr val="tx1"/>
+            </a:fontRef>
+          </p:style>
+        </p:cxnSp>
+        <p:cxnSp>
+          <p:nvCxnSpPr>
+            <p:cNvPr id="22" name="直線接點 21"/>
+            <p:cNvCxnSpPr/>
+            <p:nvPr/>
+          </p:nvCxnSpPr>
+          <p:spPr>
+            <a:xfrm flipV="1">
+              <a:off x="7051965" y="3966290"/>
+              <a:ext cx="290945" cy="1"/>
+            </a:xfrm>
+            <a:prstGeom prst="line">
+              <a:avLst/>
+            </a:prstGeom>
+            <a:ln>
+              <a:solidFill>
+                <a:srgbClr val="FF0000"/>
+              </a:solidFill>
+            </a:ln>
+          </p:spPr>
+          <p:style>
+            <a:lnRef idx="1">
+              <a:schemeClr val="accent1"/>
+            </a:lnRef>
+            <a:fillRef idx="0">
+              <a:schemeClr val="accent1"/>
+            </a:fillRef>
+            <a:effectRef idx="0">
+              <a:schemeClr val="accent1"/>
+            </a:effectRef>
+            <a:fontRef idx="minor">
+              <a:schemeClr val="tx1"/>
+            </a:fontRef>
+          </p:style>
+        </p:cxnSp>
+        <p:cxnSp>
+          <p:nvCxnSpPr>
+            <p:cNvPr id="24" name="直線接點 23"/>
+            <p:cNvCxnSpPr/>
+            <p:nvPr/>
+          </p:nvCxnSpPr>
+          <p:spPr>
+            <a:xfrm flipV="1">
+              <a:off x="7635607" y="3966288"/>
+              <a:ext cx="290945" cy="1"/>
+            </a:xfrm>
+            <a:prstGeom prst="line">
+              <a:avLst/>
+            </a:prstGeom>
+            <a:ln>
+              <a:solidFill>
+                <a:srgbClr val="FF0000"/>
+              </a:solidFill>
+            </a:ln>
+          </p:spPr>
+          <p:style>
+            <a:lnRef idx="1">
+              <a:schemeClr val="accent1"/>
+            </a:lnRef>
+            <a:fillRef idx="0">
+              <a:schemeClr val="accent1"/>
+            </a:fillRef>
+            <a:effectRef idx="0">
+              <a:schemeClr val="accent1"/>
+            </a:effectRef>
+            <a:fontRef idx="minor">
+              <a:schemeClr val="tx1"/>
+            </a:fontRef>
+          </p:style>
+        </p:cxnSp>
+        <p:cxnSp>
+          <p:nvCxnSpPr>
+            <p:cNvPr id="25" name="直線接點 24"/>
+            <p:cNvCxnSpPr/>
+            <p:nvPr/>
+          </p:nvCxnSpPr>
+          <p:spPr>
+            <a:xfrm flipV="1">
+              <a:off x="8505844" y="3952439"/>
+              <a:ext cx="290945" cy="1"/>
+            </a:xfrm>
+            <a:prstGeom prst="line">
+              <a:avLst/>
+            </a:prstGeom>
+            <a:ln>
+              <a:solidFill>
+                <a:srgbClr val="FF0000"/>
+              </a:solidFill>
+            </a:ln>
+          </p:spPr>
+          <p:style>
+            <a:lnRef idx="1">
+              <a:schemeClr val="accent1"/>
+            </a:lnRef>
+            <a:fillRef idx="0">
+              <a:schemeClr val="accent1"/>
+            </a:fillRef>
+            <a:effectRef idx="0">
+              <a:schemeClr val="accent1"/>
+            </a:effectRef>
+            <a:fontRef idx="minor">
+              <a:schemeClr val="tx1"/>
+            </a:fontRef>
+          </p:style>
+        </p:cxnSp>
+        <p:cxnSp>
+          <p:nvCxnSpPr>
+            <p:cNvPr id="26" name="直線接點 25"/>
+            <p:cNvCxnSpPr/>
+            <p:nvPr/>
+          </p:nvCxnSpPr>
+          <p:spPr>
+            <a:xfrm flipV="1">
+              <a:off x="7353302" y="3093457"/>
+              <a:ext cx="282304" cy="4"/>
+            </a:xfrm>
+            <a:prstGeom prst="line">
+              <a:avLst/>
+            </a:prstGeom>
+            <a:ln>
+              <a:solidFill>
+                <a:srgbClr val="FF0000"/>
+              </a:solidFill>
+            </a:ln>
+          </p:spPr>
+          <p:style>
+            <a:lnRef idx="1">
+              <a:schemeClr val="accent1"/>
+            </a:lnRef>
+            <a:fillRef idx="0">
+              <a:schemeClr val="accent1"/>
+            </a:fillRef>
+            <a:effectRef idx="0">
+              <a:schemeClr val="accent1"/>
+            </a:effectRef>
+            <a:fontRef idx="minor">
+              <a:schemeClr val="tx1"/>
+            </a:fontRef>
+          </p:style>
+        </p:cxnSp>
+        <p:sp>
+          <p:nvSpPr>
+            <p:cNvPr id="28" name="文字方塊 27"/>
+            <p:cNvSpPr txBox="1"/>
+            <p:nvPr/>
+          </p:nvSpPr>
+          <p:spPr>
+            <a:xfrm>
+              <a:off x="9852437" y="3580785"/>
+              <a:ext cx="243978" cy="307777"/>
+            </a:xfrm>
+            <a:prstGeom prst="rect">
+              <a:avLst/>
+            </a:prstGeom>
+            <a:noFill/>
+          </p:spPr>
+          <p:txBody>
+            <a:bodyPr wrap="none" rtlCol="0">
+              <a:spAutoFit/>
+            </a:bodyPr>
+            <a:lstStyle/>
+            <a:p>
+              <a:pPr algn="ctr"/>
+              <a:r>
+                <a:rPr kumimoji="1" lang="en-US" altLang="zh-TW" sz="1400" b="1" dirty="0">
+                  <a:solidFill>
+                    <a:srgbClr val="0070C0"/>
+                  </a:solidFill>
+                  <a:latin typeface="Arial" panose="020B0604020202020204" pitchFamily="34" charset="0"/>
+                  <a:cs typeface="Arial" panose="020B0604020202020204" pitchFamily="34" charset="0"/>
+                </a:rPr>
+                <a:t>t</a:t>
+              </a:r>
+              <a:endParaRPr kumimoji="1" lang="zh-TW" altLang="en-US" sz="1400" b="1" dirty="0">
+                <a:solidFill>
+                  <a:srgbClr val="0070C0"/>
+                </a:solidFill>
+                <a:latin typeface="Arial" panose="020B0604020202020204" pitchFamily="34" charset="0"/>
+                <a:cs typeface="Arial" panose="020B0604020202020204" pitchFamily="34" charset="0"/>
+              </a:endParaRPr>
+            </a:p>
+          </p:txBody>
+        </p:sp>
+        <p:cxnSp>
+          <p:nvCxnSpPr>
+            <p:cNvPr id="29" name="直線接點 28"/>
+            <p:cNvCxnSpPr/>
+            <p:nvPr/>
+          </p:nvCxnSpPr>
+          <p:spPr>
+            <a:xfrm>
+              <a:off x="7051964" y="3425967"/>
+              <a:ext cx="0" cy="540320"/>
+            </a:xfrm>
+            <a:prstGeom prst="line">
+              <a:avLst/>
+            </a:prstGeom>
+            <a:ln>
+              <a:solidFill>
+                <a:srgbClr val="FF0000"/>
+              </a:solidFill>
+              <a:prstDash val="lgDash"/>
+            </a:ln>
+          </p:spPr>
+          <p:style>
+            <a:lnRef idx="1">
+              <a:schemeClr val="accent1"/>
+            </a:lnRef>
+            <a:fillRef idx="0">
+              <a:schemeClr val="accent1"/>
+            </a:fillRef>
+            <a:effectRef idx="0">
+              <a:schemeClr val="accent1"/>
+            </a:effectRef>
+            <a:fontRef idx="minor">
+              <a:schemeClr val="tx1"/>
+            </a:fontRef>
+          </p:style>
+        </p:cxnSp>
+        <p:cxnSp>
+          <p:nvCxnSpPr>
+            <p:cNvPr id="32" name="直線接點 31"/>
+            <p:cNvCxnSpPr/>
+            <p:nvPr/>
+          </p:nvCxnSpPr>
+          <p:spPr>
+            <a:xfrm>
+              <a:off x="7633844" y="3093457"/>
+              <a:ext cx="4342" cy="872830"/>
+            </a:xfrm>
+            <a:prstGeom prst="line">
+              <a:avLst/>
+            </a:prstGeom>
+            <a:ln>
+              <a:solidFill>
+                <a:srgbClr val="FF0000"/>
+              </a:solidFill>
+              <a:prstDash val="lgDash"/>
+            </a:ln>
+          </p:spPr>
+          <p:style>
+            <a:lnRef idx="1">
+              <a:schemeClr val="accent1"/>
+            </a:lnRef>
+            <a:fillRef idx="0">
+              <a:schemeClr val="accent1"/>
+            </a:fillRef>
+            <a:effectRef idx="0">
+              <a:schemeClr val="accent1"/>
+            </a:effectRef>
+            <a:fontRef idx="minor">
+              <a:schemeClr val="tx1"/>
+            </a:fontRef>
+          </p:style>
+        </p:cxnSp>
+        <p:cxnSp>
+          <p:nvCxnSpPr>
+            <p:cNvPr id="33" name="直線接點 32"/>
+            <p:cNvCxnSpPr/>
+            <p:nvPr/>
+          </p:nvCxnSpPr>
+          <p:spPr>
+            <a:xfrm flipH="1">
+              <a:off x="7353302" y="3093459"/>
+              <a:ext cx="5195" cy="872829"/>
+            </a:xfrm>
+            <a:prstGeom prst="line">
+              <a:avLst/>
+            </a:prstGeom>
+            <a:ln>
+              <a:solidFill>
+                <a:srgbClr val="FF0000"/>
+              </a:solidFill>
+              <a:prstDash val="lgDash"/>
+            </a:ln>
+          </p:spPr>
+          <p:style>
+            <a:lnRef idx="1">
+              <a:schemeClr val="accent1"/>
+            </a:lnRef>
+            <a:fillRef idx="0">
+              <a:schemeClr val="accent1"/>
+            </a:fillRef>
+            <a:effectRef idx="0">
+              <a:schemeClr val="accent1"/>
+            </a:effectRef>
+            <a:fontRef idx="minor">
+              <a:schemeClr val="tx1"/>
+            </a:fontRef>
+          </p:style>
+        </p:cxnSp>
+        <p:cxnSp>
+          <p:nvCxnSpPr>
+            <p:cNvPr id="34" name="直線接點 33"/>
+            <p:cNvCxnSpPr/>
+            <p:nvPr/>
+          </p:nvCxnSpPr>
+          <p:spPr>
+            <a:xfrm>
+              <a:off x="8485905" y="2774802"/>
+              <a:ext cx="857" cy="1177637"/>
+            </a:xfrm>
+            <a:prstGeom prst="line">
+              <a:avLst/>
+            </a:prstGeom>
+            <a:ln>
+              <a:solidFill>
+                <a:srgbClr val="FF0000"/>
+              </a:solidFill>
+              <a:prstDash val="lgDash"/>
+            </a:ln>
+          </p:spPr>
+          <p:style>
+            <a:lnRef idx="1">
+              <a:schemeClr val="accent1"/>
+            </a:lnRef>
+            <a:fillRef idx="0">
+              <a:schemeClr val="accent1"/>
+            </a:fillRef>
+            <a:effectRef idx="0">
+              <a:schemeClr val="accent1"/>
+            </a:effectRef>
+            <a:fontRef idx="minor">
+              <a:schemeClr val="tx1"/>
+            </a:fontRef>
+          </p:style>
+        </p:cxnSp>
+        <p:cxnSp>
+          <p:nvCxnSpPr>
+            <p:cNvPr id="46" name="直線接點 45"/>
+            <p:cNvCxnSpPr/>
+            <p:nvPr/>
+          </p:nvCxnSpPr>
+          <p:spPr>
+            <a:xfrm flipV="1">
+              <a:off x="7923062" y="2754283"/>
+              <a:ext cx="562843" cy="3"/>
+            </a:xfrm>
+            <a:prstGeom prst="line">
+              <a:avLst/>
+            </a:prstGeom>
+            <a:ln>
+              <a:solidFill>
+                <a:srgbClr val="FF0000"/>
+              </a:solidFill>
+            </a:ln>
+          </p:spPr>
+          <p:style>
+            <a:lnRef idx="1">
+              <a:schemeClr val="accent1"/>
+            </a:lnRef>
+            <a:fillRef idx="0">
+              <a:schemeClr val="accent1"/>
+            </a:fillRef>
+            <a:effectRef idx="0">
+              <a:schemeClr val="accent1"/>
+            </a:effectRef>
+            <a:fontRef idx="minor">
+              <a:schemeClr val="tx1"/>
+            </a:fontRef>
+          </p:style>
+        </p:cxnSp>
+        <p:cxnSp>
+          <p:nvCxnSpPr>
+            <p:cNvPr id="47" name="直線接點 46"/>
+            <p:cNvCxnSpPr/>
+            <p:nvPr/>
+          </p:nvCxnSpPr>
+          <p:spPr>
+            <a:xfrm flipH="1">
+              <a:off x="7922206" y="2774801"/>
+              <a:ext cx="15621" cy="1191486"/>
+            </a:xfrm>
+            <a:prstGeom prst="line">
+              <a:avLst/>
+            </a:prstGeom>
+            <a:ln>
+              <a:solidFill>
+                <a:srgbClr val="FF0000"/>
+              </a:solidFill>
+              <a:prstDash val="lgDash"/>
+            </a:ln>
+          </p:spPr>
+          <p:style>
+            <a:lnRef idx="1">
+              <a:schemeClr val="accent1"/>
+            </a:lnRef>
+            <a:fillRef idx="0">
+              <a:schemeClr val="accent1"/>
+            </a:fillRef>
+            <a:effectRef idx="0">
+              <a:schemeClr val="accent1"/>
+            </a:effectRef>
+            <a:fontRef idx="minor">
+              <a:schemeClr val="tx1"/>
+            </a:fontRef>
+          </p:style>
+        </p:cxnSp>
+        <p:cxnSp>
+          <p:nvCxnSpPr>
+            <p:cNvPr id="51" name="直線接點 50"/>
+            <p:cNvCxnSpPr/>
+            <p:nvPr/>
+          </p:nvCxnSpPr>
+          <p:spPr>
+            <a:xfrm flipV="1">
+              <a:off x="8816682" y="2437409"/>
+              <a:ext cx="562843" cy="3"/>
+            </a:xfrm>
+            <a:prstGeom prst="line">
+              <a:avLst/>
+            </a:prstGeom>
+            <a:ln>
+              <a:solidFill>
+                <a:srgbClr val="FF0000"/>
+              </a:solidFill>
+            </a:ln>
+          </p:spPr>
+          <p:style>
+            <a:lnRef idx="1">
+              <a:schemeClr val="accent1"/>
+            </a:lnRef>
+            <a:fillRef idx="0">
+              <a:schemeClr val="accent1"/>
+            </a:fillRef>
+            <a:effectRef idx="0">
+              <a:schemeClr val="accent1"/>
+            </a:effectRef>
+            <a:fontRef idx="minor">
+              <a:schemeClr val="tx1"/>
+            </a:fontRef>
+          </p:style>
+        </p:cxnSp>
+        <p:cxnSp>
+          <p:nvCxnSpPr>
+            <p:cNvPr id="53" name="直線箭頭接點 52"/>
+            <p:cNvCxnSpPr/>
+            <p:nvPr/>
+          </p:nvCxnSpPr>
+          <p:spPr>
+            <a:xfrm>
+              <a:off x="6816436" y="3107311"/>
+              <a:ext cx="0" cy="318656"/>
+            </a:xfrm>
+            <a:prstGeom prst="straightConnector1">
+              <a:avLst/>
+            </a:prstGeom>
+            <a:ln>
+              <a:solidFill>
+                <a:srgbClr val="00B050"/>
+              </a:solidFill>
+              <a:headEnd type="triangle"/>
+              <a:tailEnd type="triangle"/>
+            </a:ln>
+          </p:spPr>
+          <p:style>
+            <a:lnRef idx="1">
+              <a:schemeClr val="accent1"/>
+            </a:lnRef>
+            <a:fillRef idx="0">
+              <a:schemeClr val="accent1"/>
+            </a:fillRef>
+            <a:effectRef idx="0">
+              <a:schemeClr val="accent1"/>
+            </a:effectRef>
+            <a:fontRef idx="minor">
+              <a:schemeClr val="tx1"/>
+            </a:fontRef>
+          </p:style>
+        </p:cxnSp>
+        <p:sp>
+          <p:nvSpPr>
+            <p:cNvPr id="54" name="文字方塊 53"/>
+            <p:cNvSpPr txBox="1"/>
+            <p:nvPr/>
+          </p:nvSpPr>
+          <p:spPr>
+            <a:xfrm>
+              <a:off x="6811897" y="3134966"/>
+              <a:ext cx="284052" cy="307777"/>
+            </a:xfrm>
+            <a:prstGeom prst="rect">
+              <a:avLst/>
+            </a:prstGeom>
+            <a:noFill/>
+          </p:spPr>
+          <p:txBody>
+            <a:bodyPr wrap="none" rtlCol="0">
+              <a:spAutoFit/>
+            </a:bodyPr>
+            <a:lstStyle/>
+            <a:p>
+              <a:pPr algn="ctr"/>
+              <a:r>
+                <a:rPr kumimoji="1" lang="en-US" altLang="zh-TW" sz="1400" b="1">
+                  <a:solidFill>
+                    <a:srgbClr val="00B050"/>
+                  </a:solidFill>
+                  <a:latin typeface="Arial" panose="020B0604020202020204" pitchFamily="34" charset="0"/>
+                  <a:cs typeface="Arial" panose="020B0604020202020204" pitchFamily="34" charset="0"/>
+                </a:rPr>
+                <a:t>x</a:t>
+              </a:r>
+              <a:endParaRPr kumimoji="1" lang="zh-TW" altLang="en-US" sz="1400" b="1" dirty="0">
+                <a:solidFill>
+                  <a:srgbClr val="00B050"/>
+                </a:solidFill>
+                <a:latin typeface="Arial" panose="020B0604020202020204" pitchFamily="34" charset="0"/>
+                <a:cs typeface="Arial" panose="020B0604020202020204" pitchFamily="34" charset="0"/>
+              </a:endParaRPr>
+            </a:p>
+          </p:txBody>
+        </p:sp>
+        <p:cxnSp>
+          <p:nvCxnSpPr>
+            <p:cNvPr id="56" name="直線箭頭接點 55"/>
+            <p:cNvCxnSpPr/>
+            <p:nvPr/>
+          </p:nvCxnSpPr>
+          <p:spPr>
+            <a:xfrm>
+              <a:off x="8395845" y="2435370"/>
+              <a:ext cx="0" cy="318656"/>
+            </a:xfrm>
+            <a:prstGeom prst="straightConnector1">
+              <a:avLst/>
+            </a:prstGeom>
+            <a:ln>
+              <a:solidFill>
+                <a:srgbClr val="00B050"/>
+              </a:solidFill>
+              <a:headEnd type="triangle"/>
+              <a:tailEnd type="triangle"/>
+            </a:ln>
+          </p:spPr>
+          <p:style>
+            <a:lnRef idx="1">
+              <a:schemeClr val="accent1"/>
+            </a:lnRef>
+            <a:fillRef idx="0">
+              <a:schemeClr val="accent1"/>
+            </a:fillRef>
+            <a:effectRef idx="0">
+              <a:schemeClr val="accent1"/>
+            </a:effectRef>
+            <a:fontRef idx="minor">
+              <a:schemeClr val="tx1"/>
+            </a:fontRef>
+          </p:style>
+        </p:cxnSp>
+        <p:cxnSp>
+          <p:nvCxnSpPr>
+            <p:cNvPr id="57" name="直線箭頭接點 56"/>
+            <p:cNvCxnSpPr/>
+            <p:nvPr/>
+          </p:nvCxnSpPr>
+          <p:spPr>
+            <a:xfrm>
+              <a:off x="7500498" y="2774801"/>
+              <a:ext cx="0" cy="318656"/>
+            </a:xfrm>
+            <a:prstGeom prst="straightConnector1">
+              <a:avLst/>
+            </a:prstGeom>
+            <a:ln>
+              <a:solidFill>
+                <a:srgbClr val="00B050"/>
+              </a:solidFill>
+              <a:headEnd type="triangle"/>
+              <a:tailEnd type="triangle"/>
+            </a:ln>
+          </p:spPr>
+          <p:style>
+            <a:lnRef idx="1">
+              <a:schemeClr val="accent1"/>
+            </a:lnRef>
+            <a:fillRef idx="0">
+              <a:schemeClr val="accent1"/>
+            </a:fillRef>
+            <a:effectRef idx="0">
+              <a:schemeClr val="accent1"/>
+            </a:effectRef>
+            <a:fontRef idx="minor">
+              <a:schemeClr val="tx1"/>
+            </a:fontRef>
+          </p:style>
+        </p:cxnSp>
+        <p:cxnSp>
+          <p:nvCxnSpPr>
+            <p:cNvPr id="60" name="直線接點 59"/>
+            <p:cNvCxnSpPr/>
+            <p:nvPr/>
+          </p:nvCxnSpPr>
+          <p:spPr>
+            <a:xfrm>
+              <a:off x="8810643" y="2435371"/>
+              <a:ext cx="0" cy="1530917"/>
+            </a:xfrm>
+            <a:prstGeom prst="line">
+              <a:avLst/>
+            </a:prstGeom>
+            <a:ln>
+              <a:solidFill>
+                <a:srgbClr val="FF0000"/>
+              </a:solidFill>
+              <a:prstDash val="lgDash"/>
+            </a:ln>
+          </p:spPr>
+          <p:style>
+            <a:lnRef idx="1">
+              <a:schemeClr val="accent1"/>
+            </a:lnRef>
+            <a:fillRef idx="0">
+              <a:schemeClr val="accent1"/>
+            </a:fillRef>
+            <a:effectRef idx="0">
+              <a:schemeClr val="accent1"/>
+            </a:effectRef>
+            <a:fontRef idx="minor">
+              <a:schemeClr val="tx1"/>
+            </a:fontRef>
+          </p:style>
+        </p:cxnSp>
+        <p:sp>
+          <p:nvSpPr>
+            <p:cNvPr id="66" name="文字方塊 65"/>
+            <p:cNvSpPr txBox="1"/>
+            <p:nvPr/>
+          </p:nvSpPr>
+          <p:spPr>
+            <a:xfrm flipH="1">
+              <a:off x="9199417" y="3011758"/>
+              <a:ext cx="690731" cy="307777"/>
+            </a:xfrm>
+            <a:prstGeom prst="rect">
+              <a:avLst/>
+            </a:prstGeom>
+            <a:noFill/>
+          </p:spPr>
+          <p:txBody>
+            <a:bodyPr wrap="square" rtlCol="0">
+              <a:spAutoFit/>
+            </a:bodyPr>
+            <a:lstStyle/>
+            <a:p>
+              <a:pPr algn="ctr"/>
+              <a:r>
+                <a:rPr kumimoji="1" lang="mr-IN" altLang="zh-TW" sz="1400" b="1">
+                  <a:solidFill>
+                    <a:srgbClr val="FF0000"/>
+                  </a:solidFill>
+                  <a:latin typeface="Arial" panose="020B0604020202020204" pitchFamily="34" charset="0"/>
+                  <a:cs typeface="Arial" panose="020B0604020202020204" pitchFamily="34" charset="0"/>
+                </a:rPr>
+                <a:t>…</a:t>
+              </a:r>
+              <a:endParaRPr kumimoji="1" lang="zh-TW" altLang="en-US" sz="1400" b="1" dirty="0">
+                <a:solidFill>
+                  <a:srgbClr val="FF0000"/>
+                </a:solidFill>
+                <a:latin typeface="Arial" panose="020B0604020202020204" pitchFamily="34" charset="0"/>
+                <a:cs typeface="Arial" panose="020B0604020202020204" pitchFamily="34" charset="0"/>
+              </a:endParaRPr>
+            </a:p>
+          </p:txBody>
+        </p:sp>
+      </p:grpSp>
+    </p:spTree>
+    <p:extLst>
+      <p:ext uri="{BB962C8B-B14F-4D97-AF65-F5344CB8AC3E}">
+        <p14:creationId xmlns:p14="http://schemas.microsoft.com/office/powerpoint/2010/main" val="3929027584"/>
+      </p:ext>
+    </p:extLst>
+  </p:cSld>
+  <p:clrMapOvr>
+    <a:masterClrMapping/>
+  </p:clrMapOvr>
+  <p:timing>
+    <p:tnLst>
+      <p:par>
+        <p:cTn id="1" dur="indefinite" restart="never" nodeType="tmRoot"/>
+      </p:par>
+    </p:tnLst>
+  </p:timing>
+</p:sld>
+</file>
+
+<file path=ppt/slides/slide8.xml><?xml version="1.0" encoding="utf-8"?>
+<p:sld xmlns:a="http://schemas.openxmlformats.org/drawingml/2006/main" xmlns:r="http://schemas.openxmlformats.org/officeDocument/2006/relationships" xmlns:p="http://schemas.openxmlformats.org/presentationml/2006/main">
+  <p:cSld>
+    <p:spTree>
+      <p:nvGrpSpPr>
+        <p:cNvPr id="1" name=""/>
+        <p:cNvGrpSpPr/>
+        <p:nvPr/>
+      </p:nvGrpSpPr>
+      <p:grpSpPr>
+        <a:xfrm>
+          <a:off x="0" y="0"/>
+          <a:ext cx="0" cy="0"/>
+          <a:chOff x="0" y="0"/>
+          <a:chExt cx="0" cy="0"/>
+        </a:xfrm>
+      </p:grpSpPr>
+      <p:sp>
+        <p:nvSpPr>
+          <p:cNvPr id="3" name="日期版面配置區 2"/>
+          <p:cNvSpPr>
+            <a:spLocks noGrp="1"/>
+          </p:cNvSpPr>
+          <p:nvPr>
+            <p:ph type="dt" sz="half" idx="10"/>
+          </p:nvPr>
+        </p:nvSpPr>
+        <p:spPr/>
+        <p:txBody>
+          <a:bodyPr/>
+          <a:lstStyle/>
+          <a:p>
+            <a:fld id="{979F763D-BF21-4D53-8EEE-BB706C571577}" type="datetime1">
+              <a:rPr lang="zh-TW" altLang="en-US" smtClean="0"/>
+              <a:t>2021/4/20</a:t>
+            </a:fld>
+            <a:endParaRPr lang="zh-TW" altLang="en-US"/>
+          </a:p>
+        </p:txBody>
+      </p:sp>
+      <p:sp>
+        <p:nvSpPr>
+          <p:cNvPr id="4" name="頁尾版面配置區 3"/>
+          <p:cNvSpPr>
+            <a:spLocks noGrp="1"/>
+          </p:cNvSpPr>
+          <p:nvPr>
+            <p:ph type="ftr" sz="quarter" idx="11"/>
+          </p:nvPr>
+        </p:nvSpPr>
+        <p:spPr/>
+        <p:txBody>
+          <a:bodyPr/>
+          <a:lstStyle/>
+          <a:p>
+            <a:r>
+              <a:rPr lang="en-US" altLang="zh-TW" smtClean="0"/>
+              <a:t>NASA Lab - NTUEE</a:t>
+            </a:r>
+            <a:endParaRPr lang="zh-TW" altLang="en-US" dirty="0"/>
+          </a:p>
+        </p:txBody>
+      </p:sp>
+      <p:sp>
+        <p:nvSpPr>
+          <p:cNvPr id="5" name="投影片編號版面配置區 4"/>
+          <p:cNvSpPr>
+            <a:spLocks noGrp="1"/>
+          </p:cNvSpPr>
+          <p:nvPr>
+            <p:ph type="sldNum" sz="quarter" idx="12"/>
+          </p:nvPr>
+        </p:nvSpPr>
+        <p:spPr/>
+        <p:txBody>
+          <a:bodyPr/>
+          <a:lstStyle/>
+          <a:p>
+            <a:fld id="{5AC2FA9B-9620-486D-B020-8561322475FE}" type="slidenum">
+              <a:rPr lang="zh-TW" altLang="en-US" smtClean="0"/>
+              <a:t>8</a:t>
+            </a:fld>
+            <a:endParaRPr lang="zh-TW" altLang="en-US"/>
+          </a:p>
+        </p:txBody>
+      </p:sp>
+      <p:sp>
+        <p:nvSpPr>
+          <p:cNvPr id="27" name="標題 1"/>
+          <p:cNvSpPr txBox="1">
+            <a:spLocks/>
+          </p:cNvSpPr>
+          <p:nvPr/>
+        </p:nvSpPr>
+        <p:spPr>
+          <a:xfrm>
+            <a:off x="1954332" y="955901"/>
+            <a:ext cx="3543957" cy="440092"/>
+          </a:xfrm>
+          <a:prstGeom prst="rect">
+            <a:avLst/>
+          </a:prstGeom>
+        </p:spPr>
+        <p:txBody>
+          <a:bodyPr vert="horz" lIns="91440" tIns="45720" rIns="91440" bIns="45720" rtlCol="0" anchor="ctr">
+            <a:normAutofit fontScale="92500"/>
+          </a:bodyPr>
+          <a:lstStyle>
+            <a:lvl1pPr algn="l" defTabSz="914400" rtl="0" eaLnBrk="1" latinLnBrk="0" hangingPunct="1">
+              <a:lnSpc>
+                <a:spcPct val="90000"/>
+              </a:lnSpc>
+              <a:spcBef>
+                <a:spcPct val="0"/>
+              </a:spcBef>
+              <a:buNone/>
+              <a:defRPr sz="1800" b="1" kern="1200" baseline="0">
+                <a:solidFill>
+                  <a:schemeClr val="tx1"/>
+                </a:solidFill>
+                <a:latin typeface="Arial" panose="020B0604020202020204" pitchFamily="34" charset="0"/>
+                <a:ea typeface="新細明體" panose="02020500000000000000" pitchFamily="18" charset="-120"/>
+                <a:cs typeface="Arial" panose="020B0604020202020204" pitchFamily="34" charset="0"/>
+              </a:defRPr>
+            </a:lvl1pPr>
+          </a:lstStyle>
+          <a:p>
+            <a:r>
+              <a:rPr lang="en-US" altLang="zh-TW" dirty="0"/>
+              <a:t>Same point with different frame</a:t>
+            </a:r>
+            <a:endParaRPr lang="zh-TW" altLang="en-US" dirty="0"/>
+          </a:p>
+        </p:txBody>
+      </p:sp>
+      <p:sp>
+        <p:nvSpPr>
+          <p:cNvPr id="36" name="標題 1"/>
+          <p:cNvSpPr txBox="1">
+            <a:spLocks/>
+          </p:cNvSpPr>
+          <p:nvPr/>
+        </p:nvSpPr>
+        <p:spPr>
+          <a:xfrm>
+            <a:off x="6693713" y="998387"/>
+            <a:ext cx="3543957" cy="440092"/>
+          </a:xfrm>
+          <a:prstGeom prst="rect">
+            <a:avLst/>
+          </a:prstGeom>
+        </p:spPr>
+        <p:txBody>
+          <a:bodyPr vert="horz" lIns="91440" tIns="45720" rIns="91440" bIns="45720" rtlCol="0" anchor="ctr">
+            <a:normAutofit fontScale="92500"/>
+          </a:bodyPr>
+          <a:lstStyle>
+            <a:lvl1pPr algn="l" defTabSz="914400" rtl="0" eaLnBrk="1" latinLnBrk="0" hangingPunct="1">
+              <a:lnSpc>
+                <a:spcPct val="90000"/>
+              </a:lnSpc>
+              <a:spcBef>
+                <a:spcPct val="0"/>
+              </a:spcBef>
+              <a:buNone/>
+              <a:defRPr sz="1800" b="1" kern="1200" baseline="0">
+                <a:solidFill>
+                  <a:schemeClr val="tx1"/>
+                </a:solidFill>
+                <a:latin typeface="Arial" panose="020B0604020202020204" pitchFamily="34" charset="0"/>
+                <a:ea typeface="新細明體" panose="02020500000000000000" pitchFamily="18" charset="-120"/>
+                <a:cs typeface="Arial" panose="020B0604020202020204" pitchFamily="34" charset="0"/>
+              </a:defRPr>
+            </a:lvl1pPr>
+          </a:lstStyle>
+          <a:p>
+            <a:r>
+              <a:rPr lang="en-US" altLang="zh-TW" dirty="0"/>
+              <a:t>Different point with same frame</a:t>
+            </a:r>
+            <a:endParaRPr lang="zh-TW" altLang="en-US" dirty="0"/>
+          </a:p>
+        </p:txBody>
+      </p:sp>
+      <p:pic>
+        <p:nvPicPr>
+          <p:cNvPr id="48" name="圖片 47"/>
+          <p:cNvPicPr>
+            <a:picLocks noChangeAspect="1"/>
+          </p:cNvPicPr>
+          <p:nvPr/>
+        </p:nvPicPr>
+        <p:blipFill>
+          <a:blip r:embed="rId3"/>
+          <a:stretch>
+            <a:fillRect/>
+          </a:stretch>
+        </p:blipFill>
+        <p:spPr>
+          <a:xfrm>
+            <a:off x="2167280" y="3987780"/>
+            <a:ext cx="2924583" cy="685896"/>
+          </a:xfrm>
+          <a:prstGeom prst="rect">
+            <a:avLst/>
+          </a:prstGeom>
+        </p:spPr>
+      </p:pic>
+      <p:pic>
+        <p:nvPicPr>
+          <p:cNvPr id="51" name="圖片 50"/>
+          <p:cNvPicPr>
+            <a:picLocks noChangeAspect="1"/>
+          </p:cNvPicPr>
+          <p:nvPr/>
+        </p:nvPicPr>
+        <p:blipFill>
+          <a:blip r:embed="rId4"/>
+          <a:stretch>
+            <a:fillRect/>
+          </a:stretch>
+        </p:blipFill>
+        <p:spPr>
+          <a:xfrm>
+            <a:off x="8278534" y="3789272"/>
+            <a:ext cx="981212" cy="314369"/>
+          </a:xfrm>
+          <a:prstGeom prst="rect">
+            <a:avLst/>
+          </a:prstGeom>
+        </p:spPr>
+      </p:pic>
+      <p:pic>
+        <p:nvPicPr>
+          <p:cNvPr id="52" name="圖片 51"/>
+          <p:cNvPicPr>
+            <a:picLocks noChangeAspect="1"/>
+          </p:cNvPicPr>
+          <p:nvPr/>
+        </p:nvPicPr>
+        <p:blipFill>
+          <a:blip r:embed="rId5"/>
+          <a:stretch>
+            <a:fillRect/>
+          </a:stretch>
+        </p:blipFill>
+        <p:spPr>
+          <a:xfrm>
+            <a:off x="8589615" y="4159418"/>
+            <a:ext cx="1648055" cy="342948"/>
+          </a:xfrm>
+          <a:prstGeom prst="rect">
+            <a:avLst/>
+          </a:prstGeom>
+        </p:spPr>
+      </p:pic>
+      <p:pic>
+        <p:nvPicPr>
+          <p:cNvPr id="53" name="圖片 52"/>
+          <p:cNvPicPr>
+            <a:picLocks noChangeAspect="1"/>
+          </p:cNvPicPr>
+          <p:nvPr/>
+        </p:nvPicPr>
+        <p:blipFill>
+          <a:blip r:embed="rId6"/>
+          <a:stretch>
+            <a:fillRect/>
+          </a:stretch>
+        </p:blipFill>
+        <p:spPr>
+          <a:xfrm>
+            <a:off x="8639496" y="4558144"/>
+            <a:ext cx="1543265" cy="342948"/>
+          </a:xfrm>
+          <a:prstGeom prst="rect">
+            <a:avLst/>
+          </a:prstGeom>
+        </p:spPr>
+      </p:pic>
+      <p:sp>
+        <p:nvSpPr>
+          <p:cNvPr id="54" name="向右箭號 53"/>
+          <p:cNvSpPr/>
+          <p:nvPr/>
+        </p:nvSpPr>
+        <p:spPr>
+          <a:xfrm>
+            <a:off x="2984938" y="5522603"/>
+            <a:ext cx="644632" cy="292656"/>
+          </a:xfrm>
+          <a:prstGeom prst="rightArrow">
+            <a:avLst/>
+          </a:prstGeom>
+        </p:spPr>
+        <p:style>
+          <a:lnRef idx="2">
+            <a:schemeClr val="accent3">
+              <a:shade val="50000"/>
+            </a:schemeClr>
+          </a:lnRef>
+          <a:fillRef idx="1">
+            <a:schemeClr val="accent3"/>
+          </a:fillRef>
+          <a:effectRef idx="0">
+            <a:schemeClr val="accent3"/>
+          </a:effectRef>
+          <a:fontRef idx="minor">
+            <a:schemeClr val="lt1"/>
+          </a:fontRef>
+        </p:style>
+        <p:txBody>
+          <a:bodyPr rtlCol="0" anchor="ctr"/>
+          <a:lstStyle/>
+          <a:p>
+            <a:pPr algn="ctr"/>
+            <a:endParaRPr lang="zh-TW" altLang="en-US"/>
+          </a:p>
+        </p:txBody>
+      </p:sp>
+      <p:pic>
+        <p:nvPicPr>
+          <p:cNvPr id="56" name="圖片 55"/>
+          <p:cNvPicPr>
+            <a:picLocks noChangeAspect="1"/>
+          </p:cNvPicPr>
+          <p:nvPr/>
+        </p:nvPicPr>
+        <p:blipFill>
+          <a:blip r:embed="rId7"/>
+          <a:stretch>
+            <a:fillRect/>
+          </a:stretch>
+        </p:blipFill>
+        <p:spPr>
+          <a:xfrm>
+            <a:off x="3973713" y="5308965"/>
+            <a:ext cx="4210638" cy="724001"/>
+          </a:xfrm>
+          <a:prstGeom prst="rect">
+            <a:avLst/>
+          </a:prstGeom>
+        </p:spPr>
+      </p:pic>
+      <p:sp>
+        <p:nvSpPr>
+          <p:cNvPr id="55" name="矩形 54"/>
+          <p:cNvSpPr/>
+          <p:nvPr/>
+        </p:nvSpPr>
+        <p:spPr>
+          <a:xfrm>
+            <a:off x="3919047" y="5306932"/>
+            <a:ext cx="4319970" cy="724001"/>
+          </a:xfrm>
+          <a:prstGeom prst="rect">
+            <a:avLst/>
+          </a:prstGeom>
+          <a:noFill/>
+          <a:ln>
+            <a:solidFill>
+              <a:srgbClr val="FF0000"/>
+            </a:solidFill>
+          </a:ln>
+        </p:spPr>
+        <p:style>
+          <a:lnRef idx="2">
+            <a:schemeClr val="accent1">
+              <a:shade val="50000"/>
+            </a:schemeClr>
+          </a:lnRef>
+          <a:fillRef idx="1">
+            <a:schemeClr val="accent1"/>
+          </a:fillRef>
+          <a:effectRef idx="0">
+            <a:schemeClr val="accent1"/>
+          </a:effectRef>
+          <a:fontRef idx="minor">
+            <a:schemeClr val="lt1"/>
+          </a:fontRef>
+        </p:style>
+        <p:txBody>
+          <a:bodyPr rtlCol="0" anchor="ctr"/>
+          <a:lstStyle/>
+          <a:p>
+            <a:pPr algn="ctr"/>
+            <a:endParaRPr lang="zh-TW" altLang="en-US"/>
+          </a:p>
+        </p:txBody>
+      </p:sp>
+      <p:pic>
+        <p:nvPicPr>
+          <p:cNvPr id="57" name="圖片 56"/>
+          <p:cNvPicPr>
+            <a:picLocks noChangeAspect="1"/>
+          </p:cNvPicPr>
+          <p:nvPr/>
+        </p:nvPicPr>
+        <p:blipFill>
+          <a:blip r:embed="rId8"/>
+          <a:stretch>
+            <a:fillRect/>
+          </a:stretch>
+        </p:blipFill>
+        <p:spPr>
+          <a:xfrm>
+            <a:off x="6777958" y="3754812"/>
+            <a:ext cx="914528" cy="409632"/>
+          </a:xfrm>
+          <a:prstGeom prst="rect">
+            <a:avLst/>
+          </a:prstGeom>
+        </p:spPr>
+      </p:pic>
+      <p:grpSp>
+        <p:nvGrpSpPr>
+          <p:cNvPr id="25" name="群組 24"/>
+          <p:cNvGrpSpPr/>
+          <p:nvPr/>
+        </p:nvGrpSpPr>
+        <p:grpSpPr>
+          <a:xfrm>
+            <a:off x="2243131" y="1663905"/>
+            <a:ext cx="2977279" cy="1974205"/>
+            <a:chOff x="2243131" y="1663905"/>
+            <a:chExt cx="2977279" cy="1974205"/>
+          </a:xfrm>
+        </p:grpSpPr>
+        <p:grpSp>
+          <p:nvGrpSpPr>
+            <p:cNvPr id="10" name="群組 9"/>
+            <p:cNvGrpSpPr/>
+            <p:nvPr/>
+          </p:nvGrpSpPr>
+          <p:grpSpPr>
+            <a:xfrm>
+              <a:off x="2243131" y="1663905"/>
+              <a:ext cx="2977279" cy="1974205"/>
+              <a:chOff x="2251520" y="1663905"/>
+              <a:chExt cx="2977279" cy="1974205"/>
+            </a:xfrm>
+          </p:grpSpPr>
+          <p:grpSp>
+            <p:nvGrpSpPr>
+              <p:cNvPr id="7" name="群組 6"/>
+              <p:cNvGrpSpPr/>
+              <p:nvPr/>
+            </p:nvGrpSpPr>
+            <p:grpSpPr>
+              <a:xfrm>
+                <a:off x="2513016" y="1663905"/>
+                <a:ext cx="2715783" cy="1693334"/>
+                <a:chOff x="2487272" y="1685754"/>
+                <a:chExt cx="2715783" cy="1693334"/>
+              </a:xfrm>
+            </p:grpSpPr>
+            <p:cxnSp>
+              <p:nvCxnSpPr>
+                <p:cNvPr id="58" name="直線單箭頭接點 57"/>
+                <p:cNvCxnSpPr/>
+                <p:nvPr/>
+              </p:nvCxnSpPr>
+              <p:spPr>
+                <a:xfrm flipH="1" flipV="1">
+                  <a:off x="2493070" y="2034929"/>
+                  <a:ext cx="3475" cy="1344158"/>
+                </a:xfrm>
+                <a:prstGeom prst="straightConnector1">
+                  <a:avLst/>
+                </a:prstGeom>
+                <a:ln w="38100">
+                  <a:solidFill>
+                    <a:schemeClr val="bg1">
+                      <a:lumMod val="65000"/>
+                    </a:schemeClr>
+                  </a:solidFill>
+                  <a:tailEnd type="triangle"/>
+                </a:ln>
+              </p:spPr>
+              <p:style>
+                <a:lnRef idx="1">
+                  <a:schemeClr val="accent1"/>
+                </a:lnRef>
+                <a:fillRef idx="0">
+                  <a:schemeClr val="accent1"/>
+                </a:fillRef>
+                <a:effectRef idx="0">
+                  <a:schemeClr val="accent1"/>
+                </a:effectRef>
+                <a:fontRef idx="minor">
+                  <a:schemeClr val="tx1"/>
+                </a:fontRef>
+              </p:style>
+            </p:cxnSp>
+            <p:cxnSp>
+              <p:nvCxnSpPr>
+                <p:cNvPr id="59" name="直線單箭頭接點 58"/>
+                <p:cNvCxnSpPr/>
+                <p:nvPr/>
+              </p:nvCxnSpPr>
+              <p:spPr>
+                <a:xfrm>
+                  <a:off x="2487272" y="3365760"/>
+                  <a:ext cx="1354157" cy="13328"/>
+                </a:xfrm>
+                <a:prstGeom prst="straightConnector1">
+                  <a:avLst/>
+                </a:prstGeom>
+                <a:ln w="38100">
+                  <a:solidFill>
+                    <a:schemeClr val="bg1">
+                      <a:lumMod val="65000"/>
+                    </a:schemeClr>
+                  </a:solidFill>
+                  <a:tailEnd type="triangle"/>
+                </a:ln>
+              </p:spPr>
+              <p:style>
+                <a:lnRef idx="1">
+                  <a:schemeClr val="accent1"/>
+                </a:lnRef>
+                <a:fillRef idx="0">
+                  <a:schemeClr val="accent1"/>
+                </a:fillRef>
+                <a:effectRef idx="0">
+                  <a:schemeClr val="accent1"/>
+                </a:effectRef>
+                <a:fontRef idx="minor">
+                  <a:schemeClr val="tx1"/>
+                </a:fontRef>
+              </p:style>
+            </p:cxnSp>
+            <p:sp>
+              <p:nvSpPr>
+                <p:cNvPr id="60" name="橢圓 59"/>
+                <p:cNvSpPr/>
+                <p:nvPr/>
+              </p:nvSpPr>
+              <p:spPr>
+                <a:xfrm>
+                  <a:off x="3004314" y="2769058"/>
+                  <a:ext cx="94593" cy="94593"/>
+                </a:xfrm>
+                <a:prstGeom prst="ellipse">
+                  <a:avLst/>
+                </a:prstGeom>
+                <a:solidFill>
+                  <a:schemeClr val="bg1">
+                    <a:lumMod val="50000"/>
+                  </a:schemeClr>
+                </a:solidFill>
+                <a:ln>
+                  <a:solidFill>
+                    <a:schemeClr val="bg1">
+                      <a:lumMod val="50000"/>
+                    </a:schemeClr>
+                  </a:solidFill>
+                </a:ln>
+              </p:spPr>
+              <p:style>
+                <a:lnRef idx="2">
+                  <a:schemeClr val="dk1">
+                    <a:shade val="50000"/>
+                  </a:schemeClr>
+                </a:lnRef>
+                <a:fillRef idx="1">
+                  <a:schemeClr val="dk1"/>
+                </a:fillRef>
+                <a:effectRef idx="0">
+                  <a:schemeClr val="dk1"/>
+                </a:effectRef>
+                <a:fontRef idx="minor">
+                  <a:schemeClr val="lt1"/>
+                </a:fontRef>
+              </p:style>
+              <p:txBody>
+                <a:bodyPr rtlCol="0" anchor="ctr"/>
+                <a:lstStyle/>
+                <a:p>
+                  <a:pPr algn="ctr"/>
+                  <a:endParaRPr lang="zh-TW" altLang="en-US"/>
+                </a:p>
+              </p:txBody>
+            </p:sp>
+            <p:cxnSp>
+              <p:nvCxnSpPr>
+                <p:cNvPr id="61" name="直線單箭頭接點 60"/>
+                <p:cNvCxnSpPr/>
+                <p:nvPr/>
+              </p:nvCxnSpPr>
+              <p:spPr>
+                <a:xfrm flipV="1">
+                  <a:off x="2918538" y="2358540"/>
+                  <a:ext cx="751894" cy="97250"/>
+                </a:xfrm>
+                <a:prstGeom prst="straightConnector1">
+                  <a:avLst/>
+                </a:prstGeom>
+                <a:ln w="19050">
+                  <a:solidFill>
+                    <a:schemeClr val="tx1"/>
+                  </a:solidFill>
+                  <a:tailEnd type="triangle"/>
+                </a:ln>
+              </p:spPr>
+              <p:style>
+                <a:lnRef idx="1">
+                  <a:schemeClr val="accent1"/>
+                </a:lnRef>
+                <a:fillRef idx="0">
+                  <a:schemeClr val="accent1"/>
+                </a:fillRef>
+                <a:effectRef idx="0">
+                  <a:schemeClr val="accent1"/>
+                </a:effectRef>
+                <a:fontRef idx="minor">
+                  <a:schemeClr val="tx1"/>
+                </a:fontRef>
+              </p:style>
+            </p:cxnSp>
+            <p:cxnSp>
+              <p:nvCxnSpPr>
+                <p:cNvPr id="62" name="直線單箭頭接點 61"/>
+                <p:cNvCxnSpPr>
+                  <a:endCxn id="60" idx="4"/>
+                </p:cNvCxnSpPr>
+                <p:nvPr/>
+              </p:nvCxnSpPr>
+              <p:spPr>
+                <a:xfrm>
+                  <a:off x="3014134" y="2451035"/>
+                  <a:ext cx="37477" cy="412616"/>
+                </a:xfrm>
+                <a:prstGeom prst="straightConnector1">
+                  <a:avLst/>
+                </a:prstGeom>
+                <a:ln w="19050">
+                  <a:solidFill>
+                    <a:schemeClr val="bg1">
+                      <a:lumMod val="50000"/>
+                    </a:schemeClr>
+                  </a:solidFill>
+                  <a:prstDash val="sysDash"/>
+                  <a:headEnd type="none" w="med" len="med"/>
+                  <a:tailEnd type="none" w="med" len="med"/>
+                </a:ln>
+              </p:spPr>
+              <p:style>
+                <a:lnRef idx="1">
+                  <a:schemeClr val="accent1"/>
+                </a:lnRef>
+                <a:fillRef idx="0">
+                  <a:schemeClr val="accent1"/>
+                </a:fillRef>
+                <a:effectRef idx="0">
+                  <a:schemeClr val="accent1"/>
+                </a:effectRef>
+                <a:fontRef idx="minor">
+                  <a:schemeClr val="tx1"/>
+                </a:fontRef>
+              </p:style>
+            </p:cxnSp>
+            <p:sp>
+              <p:nvSpPr>
+                <p:cNvPr id="63" name="文字方塊 62"/>
+                <p:cNvSpPr txBox="1"/>
+                <p:nvPr/>
+              </p:nvSpPr>
+              <p:spPr>
+                <a:xfrm>
+                  <a:off x="2756538" y="2693477"/>
+                  <a:ext cx="304892" cy="307777"/>
+                </a:xfrm>
+                <a:prstGeom prst="rect">
+                  <a:avLst/>
+                </a:prstGeom>
+                <a:noFill/>
+              </p:spPr>
+              <p:txBody>
+                <a:bodyPr wrap="none" rtlCol="0">
+                  <a:spAutoFit/>
+                </a:bodyPr>
+                <a:lstStyle/>
+                <a:p>
+                  <a:r>
+                    <a:rPr lang="en-US" altLang="zh-TW" sz="1400" b="1" dirty="0">
+                      <a:solidFill>
+                        <a:schemeClr val="bg1">
+                          <a:lumMod val="50000"/>
+                        </a:schemeClr>
+                      </a:solidFill>
+                      <a:latin typeface="Arial" panose="020B0604020202020204" pitchFamily="34" charset="0"/>
+                      <a:cs typeface="Arial" panose="020B0604020202020204" pitchFamily="34" charset="0"/>
+                    </a:rPr>
+                    <a:t>p</a:t>
+                  </a:r>
+                </a:p>
+              </p:txBody>
+            </p:sp>
+            <p:sp>
+              <p:nvSpPr>
+                <p:cNvPr id="64" name="文字方塊 63"/>
+                <p:cNvSpPr txBox="1"/>
+                <p:nvPr/>
+              </p:nvSpPr>
+              <p:spPr>
+                <a:xfrm>
+                  <a:off x="3244473" y="2105290"/>
+                  <a:ext cx="293670" cy="307777"/>
+                </a:xfrm>
+                <a:prstGeom prst="rect">
+                  <a:avLst/>
+                </a:prstGeom>
+                <a:noFill/>
+              </p:spPr>
+              <p:txBody>
+                <a:bodyPr wrap="none" rtlCol="0">
+                  <a:spAutoFit/>
+                </a:bodyPr>
+                <a:lstStyle/>
+                <a:p>
+                  <a:r>
+                    <a:rPr lang="en-US" altLang="zh-TW" sz="1400" b="1" dirty="0">
+                      <a:latin typeface="Arial" panose="020B0604020202020204" pitchFamily="34" charset="0"/>
+                      <a:cs typeface="Arial" panose="020B0604020202020204" pitchFamily="34" charset="0"/>
+                    </a:rPr>
+                    <a:t>F</a:t>
+                  </a:r>
+                </a:p>
+              </p:txBody>
+            </p:sp>
+            <p:cxnSp>
+              <p:nvCxnSpPr>
+                <p:cNvPr id="65" name="直線單箭頭接點 64"/>
+                <p:cNvCxnSpPr/>
+                <p:nvPr/>
+              </p:nvCxnSpPr>
+              <p:spPr>
+                <a:xfrm flipH="1" flipV="1">
+                  <a:off x="3595327" y="1685754"/>
+                  <a:ext cx="571602" cy="925448"/>
+                </a:xfrm>
+                <a:prstGeom prst="straightConnector1">
+                  <a:avLst/>
+                </a:prstGeom>
+                <a:ln w="38100">
+                  <a:solidFill>
+                    <a:schemeClr val="bg1">
+                      <a:lumMod val="65000"/>
+                    </a:schemeClr>
+                  </a:solidFill>
+                  <a:tailEnd type="triangle"/>
+                </a:ln>
+              </p:spPr>
+              <p:style>
+                <a:lnRef idx="1">
+                  <a:schemeClr val="accent1"/>
+                </a:lnRef>
+                <a:fillRef idx="0">
+                  <a:schemeClr val="accent1"/>
+                </a:fillRef>
+                <a:effectRef idx="0">
+                  <a:schemeClr val="accent1"/>
+                </a:effectRef>
+                <a:fontRef idx="minor">
+                  <a:schemeClr val="tx1"/>
+                </a:fontRef>
+              </p:style>
+            </p:cxnSp>
+            <p:cxnSp>
+              <p:nvCxnSpPr>
+                <p:cNvPr id="66" name="直線單箭頭接點 65"/>
+                <p:cNvCxnSpPr/>
+                <p:nvPr/>
+              </p:nvCxnSpPr>
+              <p:spPr>
+                <a:xfrm flipV="1">
+                  <a:off x="4157653" y="1964089"/>
+                  <a:ext cx="1045402" cy="633786"/>
+                </a:xfrm>
+                <a:prstGeom prst="straightConnector1">
+                  <a:avLst/>
+                </a:prstGeom>
+                <a:ln w="38100">
+                  <a:solidFill>
+                    <a:schemeClr val="bg1">
+                      <a:lumMod val="65000"/>
+                    </a:schemeClr>
+                  </a:solidFill>
+                  <a:tailEnd type="triangle"/>
+                </a:ln>
+              </p:spPr>
+              <p:style>
+                <a:lnRef idx="1">
+                  <a:schemeClr val="accent1"/>
+                </a:lnRef>
+                <a:fillRef idx="0">
+                  <a:schemeClr val="accent1"/>
+                </a:fillRef>
+                <a:effectRef idx="0">
+                  <a:schemeClr val="accent1"/>
+                </a:effectRef>
+                <a:fontRef idx="minor">
+                  <a:schemeClr val="tx1"/>
+                </a:fontRef>
+              </p:style>
+            </p:cxnSp>
+            <p:sp>
+              <p:nvSpPr>
+                <p:cNvPr id="69" name="文字方塊 68"/>
+                <p:cNvSpPr txBox="1"/>
+                <p:nvPr/>
+              </p:nvSpPr>
+              <p:spPr>
+                <a:xfrm>
+                  <a:off x="3244473" y="2764045"/>
+                  <a:ext cx="333746" cy="307777"/>
+                </a:xfrm>
+                <a:prstGeom prst="rect">
+                  <a:avLst/>
+                </a:prstGeom>
+                <a:noFill/>
+              </p:spPr>
+              <p:txBody>
+                <a:bodyPr wrap="none" rtlCol="0">
+                  <a:spAutoFit/>
+                </a:bodyPr>
+                <a:lstStyle/>
+                <a:p>
+                  <a:r>
+                    <a:rPr lang="en-US" altLang="zh-TW" sz="1400" b="1" dirty="0">
+                      <a:latin typeface="Arial" panose="020B0604020202020204" pitchFamily="34" charset="0"/>
+                      <a:cs typeface="Arial" panose="020B0604020202020204" pitchFamily="34" charset="0"/>
+                    </a:rPr>
+                    <a:t>M</a:t>
+                  </a:r>
+                </a:p>
+              </p:txBody>
+            </p:sp>
+            <p:sp>
+              <p:nvSpPr>
+                <p:cNvPr id="70" name="弧形 69"/>
+                <p:cNvSpPr/>
+                <p:nvPr/>
+              </p:nvSpPr>
+              <p:spPr>
+                <a:xfrm>
+                  <a:off x="2802164" y="2626982"/>
+                  <a:ext cx="472800" cy="386884"/>
+                </a:xfrm>
+                <a:prstGeom prst="arc">
+                  <a:avLst>
+                    <a:gd name="adj1" fmla="val 12710955"/>
+                    <a:gd name="adj2" fmla="val 6653642"/>
+                  </a:avLst>
+                </a:prstGeom>
+                <a:ln w="19050">
+                  <a:solidFill>
+                    <a:schemeClr val="tx1"/>
+                  </a:solidFill>
+                  <a:headEnd type="none" w="med" len="med"/>
+                  <a:tailEnd type="arrow" w="med" len="med"/>
+                </a:ln>
+              </p:spPr>
+              <p:style>
+                <a:lnRef idx="1">
+                  <a:schemeClr val="accent1"/>
+                </a:lnRef>
+                <a:fillRef idx="0">
+                  <a:schemeClr val="accent1"/>
+                </a:fillRef>
+                <a:effectRef idx="0">
+                  <a:schemeClr val="accent1"/>
+                </a:effectRef>
+                <a:fontRef idx="minor">
+                  <a:schemeClr val="tx1"/>
+                </a:fontRef>
+              </p:style>
+              <p:txBody>
+                <a:bodyPr rtlCol="0" anchor="ctr"/>
+                <a:lstStyle/>
+                <a:p>
+                  <a:pPr algn="ctr"/>
+                  <a:endParaRPr lang="zh-TW" altLang="en-US"/>
+                </a:p>
+              </p:txBody>
+            </p:sp>
+          </p:grpSp>
+          <p:sp>
+            <p:nvSpPr>
+              <p:cNvPr id="9" name="文字方塊 8"/>
+              <p:cNvSpPr txBox="1"/>
+              <p:nvPr/>
+            </p:nvSpPr>
+            <p:spPr>
+              <a:xfrm>
+                <a:off x="2251520" y="3238000"/>
+                <a:ext cx="303288" cy="400110"/>
+              </a:xfrm>
+              <a:prstGeom prst="rect">
+                <a:avLst/>
+              </a:prstGeom>
+              <a:noFill/>
+            </p:spPr>
+            <p:txBody>
+              <a:bodyPr wrap="none" rtlCol="0">
+                <a:spAutoFit/>
+              </a:bodyPr>
+              <a:lstStyle/>
+              <a:p>
+                <a:r>
+                  <a:rPr lang="en-US" altLang="zh-TW" sz="2000" dirty="0" smtClean="0">
+                    <a:solidFill>
+                      <a:schemeClr val="bg1">
+                        <a:lumMod val="50000"/>
+                      </a:schemeClr>
+                    </a:solidFill>
+                  </a:rPr>
+                  <a:t>S</a:t>
+                </a:r>
+                <a:endParaRPr lang="zh-TW" altLang="en-US" sz="2000" dirty="0">
+                  <a:solidFill>
+                    <a:schemeClr val="bg1">
+                      <a:lumMod val="50000"/>
+                    </a:schemeClr>
+                  </a:solidFill>
+                </a:endParaRPr>
+              </a:p>
+            </p:txBody>
+          </p:sp>
+          <p:sp>
+            <p:nvSpPr>
+              <p:cNvPr id="47" name="文字方塊 46"/>
+              <p:cNvSpPr txBox="1"/>
+              <p:nvPr/>
+            </p:nvSpPr>
+            <p:spPr>
+              <a:xfrm>
+                <a:off x="4019602" y="2519647"/>
+                <a:ext cx="309700" cy="400110"/>
+              </a:xfrm>
+              <a:prstGeom prst="rect">
+                <a:avLst/>
+              </a:prstGeom>
+              <a:noFill/>
+            </p:spPr>
+            <p:txBody>
+              <a:bodyPr wrap="none" rtlCol="0">
+                <a:spAutoFit/>
+              </a:bodyPr>
+              <a:lstStyle/>
+              <a:p>
+                <a:r>
+                  <a:rPr lang="en-US" altLang="zh-TW" sz="2000" dirty="0" smtClean="0">
+                    <a:solidFill>
+                      <a:schemeClr val="bg1">
+                        <a:lumMod val="50000"/>
+                      </a:schemeClr>
+                    </a:solidFill>
+                  </a:rPr>
+                  <a:t>T</a:t>
+                </a:r>
+                <a:endParaRPr lang="zh-TW" altLang="en-US" sz="2000" dirty="0">
+                  <a:solidFill>
+                    <a:schemeClr val="bg1">
+                      <a:lumMod val="50000"/>
+                    </a:schemeClr>
+                  </a:solidFill>
+                </a:endParaRPr>
+              </a:p>
+            </p:txBody>
+          </p:sp>
+        </p:grpSp>
+        <p:cxnSp>
+          <p:nvCxnSpPr>
+            <p:cNvPr id="73" name="直線單箭頭接點 72"/>
+            <p:cNvCxnSpPr/>
+            <p:nvPr/>
+          </p:nvCxnSpPr>
+          <p:spPr>
+            <a:xfrm>
+              <a:off x="3102106" y="2412036"/>
+              <a:ext cx="7625" cy="84415"/>
+            </a:xfrm>
+            <a:prstGeom prst="straightConnector1">
+              <a:avLst/>
+            </a:prstGeom>
+            <a:ln w="19050">
+              <a:solidFill>
+                <a:schemeClr val="bg1">
+                  <a:lumMod val="50000"/>
+                </a:schemeClr>
+              </a:solidFill>
+              <a:prstDash val="solid"/>
+              <a:headEnd type="none" w="med" len="med"/>
+              <a:tailEnd type="none" w="med" len="med"/>
+            </a:ln>
+          </p:spPr>
+          <p:style>
+            <a:lnRef idx="1">
+              <a:schemeClr val="accent1"/>
+            </a:lnRef>
+            <a:fillRef idx="0">
+              <a:schemeClr val="accent1"/>
+            </a:fillRef>
+            <a:effectRef idx="0">
+              <a:schemeClr val="accent1"/>
+            </a:effectRef>
+            <a:fontRef idx="minor">
+              <a:schemeClr val="tx1"/>
+            </a:fontRef>
+          </p:style>
+        </p:cxnSp>
+        <p:cxnSp>
+          <p:nvCxnSpPr>
+            <p:cNvPr id="74" name="直線單箭頭接點 73"/>
+            <p:cNvCxnSpPr/>
+            <p:nvPr/>
+          </p:nvCxnSpPr>
+          <p:spPr>
+            <a:xfrm rot="300000" flipH="1">
+              <a:off x="3042561" y="2494227"/>
+              <a:ext cx="74764" cy="17418"/>
+            </a:xfrm>
+            <a:prstGeom prst="straightConnector1">
+              <a:avLst/>
+            </a:prstGeom>
+            <a:ln w="19050">
+              <a:solidFill>
+                <a:schemeClr val="bg1">
+                  <a:lumMod val="50000"/>
+                </a:schemeClr>
+              </a:solidFill>
+              <a:prstDash val="solid"/>
+              <a:headEnd type="none" w="med" len="med"/>
+              <a:tailEnd type="none" w="med" len="med"/>
+            </a:ln>
+          </p:spPr>
+          <p:style>
+            <a:lnRef idx="1">
+              <a:schemeClr val="accent1"/>
+            </a:lnRef>
+            <a:fillRef idx="0">
+              <a:schemeClr val="accent1"/>
+            </a:fillRef>
+            <a:effectRef idx="0">
+              <a:schemeClr val="accent1"/>
+            </a:effectRef>
+            <a:fontRef idx="minor">
+              <a:schemeClr val="tx1"/>
+            </a:fontRef>
+          </p:style>
+        </p:cxnSp>
+      </p:grpSp>
+      <p:grpSp>
+        <p:nvGrpSpPr>
+          <p:cNvPr id="26" name="群組 25"/>
+          <p:cNvGrpSpPr/>
+          <p:nvPr/>
+        </p:nvGrpSpPr>
+        <p:grpSpPr>
+          <a:xfrm>
+            <a:off x="6623108" y="1631648"/>
+            <a:ext cx="2436563" cy="1948072"/>
+            <a:chOff x="6623108" y="1631648"/>
+            <a:chExt cx="2436563" cy="1948072"/>
+          </a:xfrm>
+        </p:grpSpPr>
+        <p:grpSp>
+          <p:nvGrpSpPr>
+            <p:cNvPr id="13" name="群組 12"/>
+            <p:cNvGrpSpPr/>
+            <p:nvPr/>
+          </p:nvGrpSpPr>
+          <p:grpSpPr>
+            <a:xfrm>
+              <a:off x="6623108" y="1631648"/>
+              <a:ext cx="2436563" cy="1948072"/>
+              <a:chOff x="6623108" y="1631648"/>
+              <a:chExt cx="2436563" cy="1948072"/>
+            </a:xfrm>
+          </p:grpSpPr>
+          <p:grpSp>
+            <p:nvGrpSpPr>
+              <p:cNvPr id="12" name="群組 11"/>
+              <p:cNvGrpSpPr/>
+              <p:nvPr/>
+            </p:nvGrpSpPr>
+            <p:grpSpPr>
+              <a:xfrm>
+                <a:off x="6876396" y="1631648"/>
+                <a:ext cx="2183275" cy="1625716"/>
+                <a:chOff x="6876396" y="1631648"/>
+                <a:chExt cx="2183275" cy="1625716"/>
+              </a:xfrm>
+            </p:grpSpPr>
+            <p:grpSp>
+              <p:nvGrpSpPr>
+                <p:cNvPr id="8" name="群組 7"/>
+                <p:cNvGrpSpPr/>
+                <p:nvPr/>
+              </p:nvGrpSpPr>
+              <p:grpSpPr>
+                <a:xfrm>
+                  <a:off x="6876396" y="1631648"/>
+                  <a:ext cx="2183275" cy="1625716"/>
+                  <a:chOff x="6876396" y="1631648"/>
+                  <a:chExt cx="2183275" cy="1625716"/>
+                </a:xfrm>
+              </p:grpSpPr>
+              <p:cxnSp>
+                <p:nvCxnSpPr>
+                  <p:cNvPr id="33" name="直線單箭頭接點 32"/>
+                  <p:cNvCxnSpPr>
+                    <a:endCxn id="30" idx="4"/>
+                  </p:cNvCxnSpPr>
+                  <p:nvPr/>
+                </p:nvCxnSpPr>
+                <p:spPr>
+                  <a:xfrm>
+                    <a:off x="7235223" y="2093543"/>
+                    <a:ext cx="47297" cy="458543"/>
+                  </a:xfrm>
+                  <a:prstGeom prst="straightConnector1">
+                    <a:avLst/>
+                  </a:prstGeom>
+                  <a:ln w="19050">
+                    <a:solidFill>
+                      <a:schemeClr val="bg1">
+                        <a:lumMod val="50000"/>
+                      </a:schemeClr>
+                    </a:solidFill>
+                    <a:prstDash val="sysDash"/>
+                    <a:headEnd type="none" w="med" len="med"/>
+                    <a:tailEnd type="none" w="med" len="med"/>
+                  </a:ln>
+                </p:spPr>
+                <p:style>
+                  <a:lnRef idx="1">
+                    <a:schemeClr val="accent1"/>
+                  </a:lnRef>
+                  <a:fillRef idx="0">
+                    <a:schemeClr val="accent1"/>
+                  </a:fillRef>
+                  <a:effectRef idx="0">
+                    <a:schemeClr val="accent1"/>
+                  </a:effectRef>
+                  <a:fontRef idx="minor">
+                    <a:schemeClr val="tx1"/>
+                  </a:fontRef>
+                </p:style>
+              </p:cxnSp>
+              <p:cxnSp>
+                <p:nvCxnSpPr>
+                  <p:cNvPr id="34" name="直線單箭頭接點 33"/>
+                  <p:cNvCxnSpPr/>
+                  <p:nvPr/>
+                </p:nvCxnSpPr>
+                <p:spPr>
+                  <a:xfrm>
+                    <a:off x="7835052" y="2038299"/>
+                    <a:ext cx="66329" cy="751317"/>
+                  </a:xfrm>
+                  <a:prstGeom prst="straightConnector1">
+                    <a:avLst/>
+                  </a:prstGeom>
+                  <a:ln w="19050">
+                    <a:solidFill>
+                      <a:schemeClr val="bg1">
+                        <a:lumMod val="50000"/>
+                      </a:schemeClr>
+                    </a:solidFill>
+                    <a:prstDash val="sysDash"/>
+                    <a:headEnd type="none" w="med" len="med"/>
+                    <a:tailEnd type="none" w="med" len="med"/>
+                  </a:ln>
+                </p:spPr>
+                <p:style>
+                  <a:lnRef idx="1">
+                    <a:schemeClr val="accent1"/>
+                  </a:lnRef>
+                  <a:fillRef idx="0">
+                    <a:schemeClr val="accent1"/>
+                  </a:fillRef>
+                  <a:effectRef idx="0">
+                    <a:schemeClr val="accent1"/>
+                  </a:effectRef>
+                  <a:fontRef idx="minor">
+                    <a:schemeClr val="tx1"/>
+                  </a:fontRef>
+                </p:style>
+              </p:cxnSp>
+              <p:cxnSp>
+                <p:nvCxnSpPr>
+                  <p:cNvPr id="28" name="直線單箭頭接點 27"/>
+                  <p:cNvCxnSpPr/>
+                  <p:nvPr/>
+                </p:nvCxnSpPr>
+                <p:spPr>
+                  <a:xfrm flipH="1" flipV="1">
+                    <a:off x="6876396" y="1913205"/>
+                    <a:ext cx="3475" cy="1344158"/>
+                  </a:xfrm>
+                  <a:prstGeom prst="straightConnector1">
+                    <a:avLst/>
+                  </a:prstGeom>
+                  <a:ln w="38100">
+                    <a:solidFill>
+                      <a:schemeClr val="bg1">
+                        <a:lumMod val="65000"/>
+                      </a:schemeClr>
+                    </a:solidFill>
+                    <a:tailEnd type="triangle"/>
+                  </a:ln>
+                </p:spPr>
+                <p:style>
+                  <a:lnRef idx="1">
+                    <a:schemeClr val="accent1"/>
+                  </a:lnRef>
+                  <a:fillRef idx="0">
+                    <a:schemeClr val="accent1"/>
+                  </a:fillRef>
+                  <a:effectRef idx="0">
+                    <a:schemeClr val="accent1"/>
+                  </a:effectRef>
+                  <a:fontRef idx="minor">
+                    <a:schemeClr val="tx1"/>
+                  </a:fontRef>
+                </p:style>
+              </p:cxnSp>
+              <p:cxnSp>
+                <p:nvCxnSpPr>
+                  <p:cNvPr id="29" name="直線單箭頭接點 28"/>
+                  <p:cNvCxnSpPr/>
+                  <p:nvPr/>
+                </p:nvCxnSpPr>
+                <p:spPr>
+                  <a:xfrm>
+                    <a:off x="6887376" y="3244036"/>
+                    <a:ext cx="1354157" cy="13328"/>
+                  </a:xfrm>
+                  <a:prstGeom prst="straightConnector1">
+                    <a:avLst/>
+                  </a:prstGeom>
+                  <a:ln w="38100">
+                    <a:solidFill>
+                      <a:schemeClr val="bg1">
+                        <a:lumMod val="65000"/>
+                      </a:schemeClr>
+                    </a:solidFill>
+                    <a:tailEnd type="triangle"/>
+                  </a:ln>
+                </p:spPr>
+                <p:style>
+                  <a:lnRef idx="1">
+                    <a:schemeClr val="accent1"/>
+                  </a:lnRef>
+                  <a:fillRef idx="0">
+                    <a:schemeClr val="accent1"/>
+                  </a:fillRef>
+                  <a:effectRef idx="0">
+                    <a:schemeClr val="accent1"/>
+                  </a:effectRef>
+                  <a:fontRef idx="minor">
+                    <a:schemeClr val="tx1"/>
+                  </a:fontRef>
+                </p:style>
+              </p:cxnSp>
+              <p:sp>
+                <p:nvSpPr>
+                  <p:cNvPr id="30" name="橢圓 29"/>
+                  <p:cNvSpPr/>
+                  <p:nvPr/>
+                </p:nvSpPr>
+                <p:spPr>
+                  <a:xfrm>
+                    <a:off x="7235223" y="2457493"/>
+                    <a:ext cx="94593" cy="94593"/>
+                  </a:xfrm>
+                  <a:prstGeom prst="ellipse">
+                    <a:avLst/>
+                  </a:prstGeom>
+                  <a:solidFill>
+                    <a:schemeClr val="bg1">
+                      <a:lumMod val="50000"/>
+                    </a:schemeClr>
+                  </a:solidFill>
+                  <a:ln>
+                    <a:solidFill>
+                      <a:schemeClr val="bg1">
+                        <a:lumMod val="50000"/>
+                      </a:schemeClr>
+                    </a:solidFill>
+                  </a:ln>
+                </p:spPr>
+                <p:style>
+                  <a:lnRef idx="2">
+                    <a:schemeClr val="dk1">
+                      <a:shade val="50000"/>
+                    </a:schemeClr>
+                  </a:lnRef>
+                  <a:fillRef idx="1">
+                    <a:schemeClr val="dk1"/>
+                  </a:fillRef>
+                  <a:effectRef idx="0">
+                    <a:schemeClr val="dk1"/>
+                  </a:effectRef>
+                  <a:fontRef idx="minor">
+                    <a:schemeClr val="lt1"/>
+                  </a:fontRef>
+                </p:style>
+                <p:txBody>
+                  <a:bodyPr rtlCol="0" anchor="ctr"/>
+                  <a:lstStyle/>
+                  <a:p>
+                    <a:pPr algn="ctr"/>
+                    <a:endParaRPr lang="zh-TW" altLang="en-US"/>
+                  </a:p>
+                </p:txBody>
+              </p:sp>
+              <p:sp>
+                <p:nvSpPr>
+                  <p:cNvPr id="31" name="橢圓 30"/>
+                  <p:cNvSpPr/>
+                  <p:nvPr/>
+                </p:nvSpPr>
+                <p:spPr>
+                  <a:xfrm>
+                    <a:off x="7855998" y="2708876"/>
+                    <a:ext cx="94593" cy="94593"/>
+                  </a:xfrm>
+                  <a:prstGeom prst="ellipse">
+                    <a:avLst/>
+                  </a:prstGeom>
+                  <a:solidFill>
+                    <a:schemeClr val="bg1">
+                      <a:lumMod val="50000"/>
+                    </a:schemeClr>
+                  </a:solidFill>
+                  <a:ln>
+                    <a:solidFill>
+                      <a:schemeClr val="bg1">
+                        <a:lumMod val="50000"/>
+                      </a:schemeClr>
+                    </a:solidFill>
+                  </a:ln>
+                </p:spPr>
+                <p:style>
+                  <a:lnRef idx="2">
+                    <a:schemeClr val="dk1">
+                      <a:shade val="50000"/>
+                    </a:schemeClr>
+                  </a:lnRef>
+                  <a:fillRef idx="1">
+                    <a:schemeClr val="dk1"/>
+                  </a:fillRef>
+                  <a:effectRef idx="0">
+                    <a:schemeClr val="dk1"/>
+                  </a:effectRef>
+                  <a:fontRef idx="minor">
+                    <a:schemeClr val="lt1"/>
+                  </a:fontRef>
+                </p:style>
+                <p:txBody>
+                  <a:bodyPr rtlCol="0" anchor="ctr"/>
+                  <a:lstStyle/>
+                  <a:p>
+                    <a:pPr algn="ctr"/>
+                    <a:endParaRPr lang="zh-TW" altLang="en-US"/>
+                  </a:p>
+                </p:txBody>
+              </p:sp>
+              <p:cxnSp>
+                <p:nvCxnSpPr>
+                  <p:cNvPr id="32" name="直線單箭頭接點 31"/>
+                  <p:cNvCxnSpPr/>
+                  <p:nvPr/>
+                </p:nvCxnSpPr>
+                <p:spPr>
+                  <a:xfrm flipV="1">
+                    <a:off x="7166778" y="1899661"/>
+                    <a:ext cx="1630344" cy="211856"/>
+                  </a:xfrm>
+                  <a:prstGeom prst="straightConnector1">
+                    <a:avLst/>
+                  </a:prstGeom>
+                  <a:ln w="19050">
+                    <a:solidFill>
+                      <a:schemeClr val="tx1"/>
+                    </a:solidFill>
+                    <a:tailEnd type="triangle"/>
+                  </a:ln>
+                </p:spPr>
+                <p:style>
+                  <a:lnRef idx="1">
+                    <a:schemeClr val="accent1"/>
+                  </a:lnRef>
+                  <a:fillRef idx="0">
+                    <a:schemeClr val="accent1"/>
+                  </a:fillRef>
+                  <a:effectRef idx="0">
+                    <a:schemeClr val="accent1"/>
+                  </a:effectRef>
+                  <a:fontRef idx="minor">
+                    <a:schemeClr val="tx1"/>
+                  </a:fontRef>
+                </p:style>
+              </p:cxnSp>
+              <p:sp>
+                <p:nvSpPr>
+                  <p:cNvPr id="37" name="文字方塊 36"/>
+                  <p:cNvSpPr txBox="1"/>
+                  <p:nvPr/>
+                </p:nvSpPr>
+                <p:spPr>
+                  <a:xfrm>
+                    <a:off x="6973028" y="2304754"/>
+                    <a:ext cx="304892" cy="307777"/>
+                  </a:xfrm>
+                  <a:prstGeom prst="rect">
+                    <a:avLst/>
+                  </a:prstGeom>
+                  <a:noFill/>
+                </p:spPr>
+                <p:txBody>
+                  <a:bodyPr wrap="none" rtlCol="0">
+                    <a:spAutoFit/>
+                  </a:bodyPr>
+                  <a:lstStyle/>
+                  <a:p>
+                    <a:r>
+                      <a:rPr lang="en-US" altLang="zh-TW" sz="1400" b="1" dirty="0">
+                        <a:solidFill>
+                          <a:schemeClr val="bg1">
+                            <a:lumMod val="50000"/>
+                          </a:schemeClr>
+                        </a:solidFill>
+                        <a:latin typeface="Arial" panose="020B0604020202020204" pitchFamily="34" charset="0"/>
+                        <a:cs typeface="Arial" panose="020B0604020202020204" pitchFamily="34" charset="0"/>
+                      </a:rPr>
+                      <a:t>p</a:t>
+                    </a:r>
+                  </a:p>
+                </p:txBody>
+              </p:sp>
+              <p:sp>
+                <p:nvSpPr>
+                  <p:cNvPr id="38" name="文字方塊 37"/>
+                  <p:cNvSpPr txBox="1"/>
+                  <p:nvPr/>
+                </p:nvSpPr>
+                <p:spPr>
+                  <a:xfrm>
+                    <a:off x="7893091" y="2654796"/>
+                    <a:ext cx="304892" cy="307777"/>
+                  </a:xfrm>
+                  <a:prstGeom prst="rect">
+                    <a:avLst/>
+                  </a:prstGeom>
+                  <a:noFill/>
+                </p:spPr>
+                <p:txBody>
+                  <a:bodyPr wrap="none" rtlCol="0">
+                    <a:spAutoFit/>
+                  </a:bodyPr>
+                  <a:lstStyle/>
+                  <a:p>
+                    <a:r>
+                      <a:rPr lang="en-US" altLang="zh-TW" sz="1400" b="1" dirty="0">
+                        <a:solidFill>
+                          <a:schemeClr val="bg1">
+                            <a:lumMod val="50000"/>
+                          </a:schemeClr>
+                        </a:solidFill>
+                        <a:latin typeface="Arial" panose="020B0604020202020204" pitchFamily="34" charset="0"/>
+                        <a:cs typeface="Arial" panose="020B0604020202020204" pitchFamily="34" charset="0"/>
+                      </a:rPr>
+                      <a:t>q</a:t>
+                    </a:r>
+                  </a:p>
+                </p:txBody>
+              </p:sp>
+              <mc:AlternateContent xmlns:mc="http://schemas.openxmlformats.org/markup-compatibility/2006">
+                <mc:Choice xmlns:a14="http://schemas.microsoft.com/office/drawing/2010/main" Requires="a14">
+                  <p:sp>
+                    <p:nvSpPr>
+                      <p:cNvPr id="39" name="文字方塊 38"/>
+                      <p:cNvSpPr txBox="1"/>
+                      <p:nvPr/>
+                    </p:nvSpPr>
+                    <p:spPr>
+                      <a:xfrm>
+                        <a:off x="7821739" y="2122005"/>
+                        <a:ext cx="416524" cy="327141"/>
+                      </a:xfrm>
+                      <a:prstGeom prst="rect">
+                        <a:avLst/>
+                      </a:prstGeom>
+                      <a:noFill/>
+                    </p:spPr>
+                    <p:txBody>
+                      <a:bodyPr wrap="none" rtlCol="0">
+                        <a:spAutoFit/>
+                      </a:bodyPr>
+                      <a:lstStyle/>
+                      <a:p>
+                        <a:pPr/>
+                        <a14:m>
+                          <m:oMathPara xmlns:m="http://schemas.openxmlformats.org/officeDocument/2006/math">
+                            <m:oMathParaPr>
+                              <m:jc m:val="centerGroup"/>
+                            </m:oMathParaPr>
+                            <m:oMath xmlns:m="http://schemas.openxmlformats.org/officeDocument/2006/math">
+                              <m:sSub>
+                                <m:sSubPr>
+                                  <m:ctrlPr>
+                                    <a:rPr lang="en-US" altLang="zh-TW" sz="1400" b="1" i="1" dirty="0" smtClean="0">
+                                      <a:solidFill>
+                                        <a:schemeClr val="bg1">
+                                          <a:lumMod val="50000"/>
+                                        </a:schemeClr>
+                                      </a:solidFill>
+                                      <a:latin typeface="Cambria Math" panose="02040503050406030204" pitchFamily="18" charset="0"/>
+                                      <a:cs typeface="Arial" panose="020B0604020202020204" pitchFamily="34" charset="0"/>
+                                    </a:rPr>
+                                  </m:ctrlPr>
+                                </m:sSubPr>
+                                <m:e>
+                                  <m:r>
+                                    <a:rPr lang="en-US" altLang="zh-TW" sz="1400" b="1" i="1" dirty="0">
+                                      <a:solidFill>
+                                        <a:schemeClr val="bg1">
+                                          <a:lumMod val="50000"/>
+                                        </a:schemeClr>
+                                      </a:solidFill>
+                                      <a:latin typeface="Cambria Math" panose="02040503050406030204" pitchFamily="18" charset="0"/>
+                                      <a:cs typeface="Arial" panose="020B0604020202020204" pitchFamily="34" charset="0"/>
+                                    </a:rPr>
+                                    <m:t>𝒓</m:t>
+                                  </m:r>
+                                </m:e>
+                                <m:sub>
+                                  <m:r>
+                                    <a:rPr lang="en-US" altLang="zh-TW" sz="1400" b="1" i="0" dirty="0">
+                                      <a:solidFill>
+                                        <a:schemeClr val="bg1">
+                                          <a:lumMod val="50000"/>
+                                        </a:schemeClr>
+                                      </a:solidFill>
+                                      <a:latin typeface="Cambria Math" panose="02040503050406030204" pitchFamily="18" charset="0"/>
+                                      <a:cs typeface="Arial" panose="020B0604020202020204" pitchFamily="34" charset="0"/>
+                                    </a:rPr>
+                                    <m:t>𝐪</m:t>
+                                  </m:r>
+                                </m:sub>
+                              </m:sSub>
+                            </m:oMath>
+                          </m:oMathPara>
+                        </a14:m>
+                        <a:endParaRPr lang="en-US" altLang="zh-TW" sz="1400" b="1" dirty="0">
+                          <a:solidFill>
+                            <a:schemeClr val="bg1">
+                              <a:lumMod val="50000"/>
+                            </a:schemeClr>
+                          </a:solidFill>
+                          <a:latin typeface="Arial" panose="020B0604020202020204" pitchFamily="34" charset="0"/>
+                          <a:cs typeface="Arial" panose="020B0604020202020204" pitchFamily="34" charset="0"/>
+                        </a:endParaRPr>
+                      </a:p>
+                    </p:txBody>
+                  </p:sp>
+                </mc:Choice>
+                <mc:Fallback>
+                  <p:sp>
+                    <p:nvSpPr>
+                      <p:cNvPr id="39" name="文字方塊 38"/>
+                      <p:cNvSpPr txBox="1">
+                        <a:spLocks noRot="1" noChangeAspect="1" noMove="1" noResize="1" noEditPoints="1" noAdjustHandles="1" noChangeArrowheads="1" noChangeShapeType="1" noTextEdit="1"/>
+                      </p:cNvSpPr>
+                      <p:nvPr/>
+                    </p:nvSpPr>
+                    <p:spPr>
+                      <a:xfrm>
+                        <a:off x="7821739" y="2122005"/>
+                        <a:ext cx="416524" cy="327141"/>
+                      </a:xfrm>
+                      <a:prstGeom prst="rect">
+                        <a:avLst/>
+                      </a:prstGeom>
+                      <a:blipFill>
+                        <a:blip r:embed="rId9"/>
+                        <a:stretch>
+                          <a:fillRect/>
+                        </a:stretch>
+                      </a:blipFill>
+                    </p:spPr>
+                    <p:txBody>
+                      <a:bodyPr/>
+                      <a:lstStyle/>
+                      <a:p>
+                        <a:r>
+                          <a:rPr lang="zh-TW" altLang="en-US">
+                            <a:noFill/>
+                          </a:rPr>
+                          <a:t> </a:t>
+                        </a:r>
+                      </a:p>
+                    </p:txBody>
+                  </p:sp>
+                </mc:Fallback>
+              </mc:AlternateContent>
+              <mc:AlternateContent xmlns:mc="http://schemas.openxmlformats.org/markup-compatibility/2006">
+                <mc:Choice xmlns:a14="http://schemas.microsoft.com/office/drawing/2010/main" Requires="a14">
+                  <p:sp>
+                    <p:nvSpPr>
+                      <p:cNvPr id="40" name="文字方塊 39"/>
+                      <p:cNvSpPr txBox="1"/>
+                      <p:nvPr/>
+                    </p:nvSpPr>
+                    <p:spPr>
+                      <a:xfrm>
+                        <a:off x="7185488" y="2147383"/>
+                        <a:ext cx="419730" cy="327077"/>
+                      </a:xfrm>
+                      <a:prstGeom prst="rect">
+                        <a:avLst/>
+                      </a:prstGeom>
+                      <a:noFill/>
+                    </p:spPr>
+                    <p:txBody>
+                      <a:bodyPr wrap="none" rtlCol="0">
+                        <a:spAutoFit/>
+                      </a:bodyPr>
+                      <a:lstStyle/>
+                      <a:p>
+                        <a:pPr/>
+                        <a14:m>
+                          <m:oMathPara xmlns:m="http://schemas.openxmlformats.org/officeDocument/2006/math">
+                            <m:oMathParaPr>
+                              <m:jc m:val="centerGroup"/>
+                            </m:oMathParaPr>
+                            <m:oMath xmlns:m="http://schemas.openxmlformats.org/officeDocument/2006/math">
+                              <m:sSub>
+                                <m:sSubPr>
+                                  <m:ctrlPr>
+                                    <a:rPr lang="en-US" altLang="zh-TW" sz="1400" b="1" i="1" dirty="0" smtClean="0">
+                                      <a:solidFill>
+                                        <a:schemeClr val="bg1">
+                                          <a:lumMod val="50000"/>
+                                        </a:schemeClr>
+                                      </a:solidFill>
+                                      <a:latin typeface="Cambria Math" panose="02040503050406030204" pitchFamily="18" charset="0"/>
+                                      <a:cs typeface="Arial" panose="020B0604020202020204" pitchFamily="34" charset="0"/>
+                                    </a:rPr>
+                                  </m:ctrlPr>
+                                </m:sSubPr>
+                                <m:e>
+                                  <m:r>
+                                    <a:rPr lang="en-US" altLang="zh-TW" sz="1400" b="1" i="1" dirty="0">
+                                      <a:solidFill>
+                                        <a:schemeClr val="bg1">
+                                          <a:lumMod val="50000"/>
+                                        </a:schemeClr>
+                                      </a:solidFill>
+                                      <a:latin typeface="Cambria Math" panose="02040503050406030204" pitchFamily="18" charset="0"/>
+                                      <a:cs typeface="Arial" panose="020B0604020202020204" pitchFamily="34" charset="0"/>
+                                    </a:rPr>
+                                    <m:t>𝒓</m:t>
+                                  </m:r>
+                                </m:e>
+                                <m:sub>
+                                  <m:r>
+                                    <a:rPr lang="en-US" altLang="zh-TW" sz="1400" b="1" i="0" dirty="0">
+                                      <a:solidFill>
+                                        <a:schemeClr val="bg1">
+                                          <a:lumMod val="50000"/>
+                                        </a:schemeClr>
+                                      </a:solidFill>
+                                      <a:latin typeface="Cambria Math" panose="02040503050406030204" pitchFamily="18" charset="0"/>
+                                      <a:cs typeface="Arial" panose="020B0604020202020204" pitchFamily="34" charset="0"/>
+                                    </a:rPr>
+                                    <m:t>𝐩</m:t>
+                                  </m:r>
+                                </m:sub>
+                              </m:sSub>
+                            </m:oMath>
+                          </m:oMathPara>
+                        </a14:m>
+                        <a:endParaRPr lang="en-US" altLang="zh-TW" sz="1400" b="1" dirty="0">
+                          <a:solidFill>
+                            <a:schemeClr val="bg1">
+                              <a:lumMod val="50000"/>
+                            </a:schemeClr>
+                          </a:solidFill>
+                          <a:latin typeface="Arial" panose="020B0604020202020204" pitchFamily="34" charset="0"/>
+                          <a:cs typeface="Arial" panose="020B0604020202020204" pitchFamily="34" charset="0"/>
+                        </a:endParaRPr>
+                      </a:p>
+                    </p:txBody>
+                  </p:sp>
+                </mc:Choice>
+                <mc:Fallback>
+                  <p:sp>
+                    <p:nvSpPr>
+                      <p:cNvPr id="40" name="文字方塊 39"/>
+                      <p:cNvSpPr txBox="1">
+                        <a:spLocks noRot="1" noChangeAspect="1" noMove="1" noResize="1" noEditPoints="1" noAdjustHandles="1" noChangeArrowheads="1" noChangeShapeType="1" noTextEdit="1"/>
+                      </p:cNvSpPr>
+                      <p:nvPr/>
+                    </p:nvSpPr>
+                    <p:spPr>
+                      <a:xfrm>
+                        <a:off x="7185488" y="2147383"/>
+                        <a:ext cx="419730" cy="327077"/>
+                      </a:xfrm>
+                      <a:prstGeom prst="rect">
+                        <a:avLst/>
+                      </a:prstGeom>
+                      <a:blipFill>
+                        <a:blip r:embed="rId10"/>
+                        <a:stretch>
+                          <a:fillRect/>
+                        </a:stretch>
+                      </a:blipFill>
+                    </p:spPr>
+                    <p:txBody>
+                      <a:bodyPr/>
+                      <a:lstStyle/>
+                      <a:p>
+                        <a:r>
+                          <a:rPr lang="zh-TW" altLang="en-US">
+                            <a:noFill/>
+                          </a:rPr>
+                          <a:t> </a:t>
+                        </a:r>
+                      </a:p>
+                    </p:txBody>
+                  </p:sp>
+                </mc:Fallback>
+              </mc:AlternateContent>
+              <p:sp>
+                <p:nvSpPr>
+                  <p:cNvPr id="41" name="文字方塊 40"/>
+                  <p:cNvSpPr txBox="1"/>
+                  <p:nvPr/>
+                </p:nvSpPr>
+                <p:spPr>
+                  <a:xfrm>
+                    <a:off x="8766001" y="1631648"/>
+                    <a:ext cx="293670" cy="307777"/>
+                  </a:xfrm>
+                  <a:prstGeom prst="rect">
+                    <a:avLst/>
+                  </a:prstGeom>
+                  <a:noFill/>
+                </p:spPr>
+                <p:txBody>
+                  <a:bodyPr wrap="none" rtlCol="0">
+                    <a:spAutoFit/>
+                  </a:bodyPr>
+                  <a:lstStyle/>
+                  <a:p>
+                    <a:r>
+                      <a:rPr lang="en-US" altLang="zh-TW" sz="1400" b="1" dirty="0">
+                        <a:latin typeface="Arial" panose="020B0604020202020204" pitchFamily="34" charset="0"/>
+                        <a:cs typeface="Arial" panose="020B0604020202020204" pitchFamily="34" charset="0"/>
+                      </a:rPr>
+                      <a:t>F</a:t>
+                    </a:r>
+                  </a:p>
+                </p:txBody>
+              </p:sp>
+              <p:cxnSp>
+                <p:nvCxnSpPr>
+                  <p:cNvPr id="43" name="直線單箭頭接點 42"/>
+                  <p:cNvCxnSpPr/>
+                  <p:nvPr/>
+                </p:nvCxnSpPr>
+                <p:spPr>
+                  <a:xfrm flipH="1" flipV="1">
+                    <a:off x="7327283" y="2515118"/>
+                    <a:ext cx="528714" cy="224276"/>
+                  </a:xfrm>
+                  <a:prstGeom prst="straightConnector1">
+                    <a:avLst/>
+                  </a:prstGeom>
+                  <a:ln w="28575">
+                    <a:solidFill>
+                      <a:schemeClr val="tx1"/>
+                    </a:solidFill>
+                    <a:tailEnd type="triangle"/>
+                  </a:ln>
+                </p:spPr>
+                <p:style>
+                  <a:lnRef idx="1">
+                    <a:schemeClr val="accent1"/>
+                  </a:lnRef>
+                  <a:fillRef idx="0">
+                    <a:schemeClr val="accent1"/>
+                  </a:fillRef>
+                  <a:effectRef idx="0">
+                    <a:schemeClr val="accent1"/>
+                  </a:effectRef>
+                  <a:fontRef idx="minor">
+                    <a:schemeClr val="tx1"/>
+                  </a:fontRef>
+                </p:style>
+              </p:cxnSp>
+            </p:grpSp>
+            <mc:AlternateContent xmlns:mc="http://schemas.openxmlformats.org/markup-compatibility/2006">
+              <mc:Choice xmlns:a14="http://schemas.microsoft.com/office/drawing/2010/main" Requires="a14">
+                <p:sp>
+                  <p:nvSpPr>
+                    <p:cNvPr id="11" name="文字方塊 10"/>
+                    <p:cNvSpPr txBox="1"/>
+                    <p:nvPr/>
+                  </p:nvSpPr>
+                  <p:spPr>
+                    <a:xfrm>
+                      <a:off x="7400818" y="2661719"/>
+                      <a:ext cx="237822" cy="215444"/>
+                    </a:xfrm>
+                    <a:prstGeom prst="rect">
+                      <a:avLst/>
+                    </a:prstGeom>
+                    <a:noFill/>
+                  </p:spPr>
+                  <p:txBody>
+                    <a:bodyPr wrap="none" lIns="0" tIns="0" rIns="0" bIns="0" rtlCol="0">
+                      <a:spAutoFit/>
+                    </a:bodyPr>
+                    <a:lstStyle/>
+                    <a:p>
+                      <a14:m>
+                        <m:oMathPara xmlns:m="http://schemas.openxmlformats.org/officeDocument/2006/math">
+                          <m:oMathParaPr>
+                            <m:jc m:val="centerGroup"/>
+                          </m:oMathParaPr>
+                          <m:oMath xmlns:m="http://schemas.openxmlformats.org/officeDocument/2006/math">
+                            <m:acc>
+                              <m:accPr>
+                                <m:chr m:val="⃗"/>
+                                <m:ctrlPr>
+                                  <a:rPr lang="en-US" altLang="zh-TW" sz="1400" b="0" smtClean="0">
+                                    <a:latin typeface="Cambria Math" panose="02040503050406030204" pitchFamily="18" charset="0"/>
+                                  </a:rPr>
+                                </m:ctrlPr>
+                              </m:accPr>
+                              <m:e>
+                                <m:r>
+                                  <m:rPr>
+                                    <m:sty m:val="p"/>
+                                  </m:rPr>
+                                  <a:rPr lang="en-US" altLang="zh-TW" sz="1400" b="0" i="0" smtClean="0">
+                                    <a:latin typeface="Cambria Math" panose="02040503050406030204" pitchFamily="18" charset="0"/>
+                                  </a:rPr>
+                                  <m:t>qp</m:t>
+                                </m:r>
+                              </m:e>
+                            </m:acc>
+                          </m:oMath>
+                        </m:oMathPara>
+                      </a14:m>
+                      <a:endParaRPr lang="zh-TW" altLang="en-US" sz="1400" dirty="0"/>
+                    </a:p>
+                  </p:txBody>
+                </p:sp>
+              </mc:Choice>
+              <mc:Fallback>
+                <p:sp>
+                  <p:nvSpPr>
+                    <p:cNvPr id="11" name="文字方塊 10"/>
+                    <p:cNvSpPr txBox="1">
+                      <a:spLocks noRot="1" noChangeAspect="1" noMove="1" noResize="1" noEditPoints="1" noAdjustHandles="1" noChangeArrowheads="1" noChangeShapeType="1" noTextEdit="1"/>
+                    </p:cNvSpPr>
+                    <p:nvPr/>
+                  </p:nvSpPr>
+                  <p:spPr>
+                    <a:xfrm>
+                      <a:off x="7400818" y="2661719"/>
+                      <a:ext cx="237822" cy="215444"/>
+                    </a:xfrm>
+                    <a:prstGeom prst="rect">
+                      <a:avLst/>
+                    </a:prstGeom>
+                    <a:blipFill>
+                      <a:blip r:embed="rId11"/>
+                      <a:stretch>
+                        <a:fillRect l="-17949" r="-17949" b="-22857"/>
+                      </a:stretch>
+                    </a:blipFill>
+                  </p:spPr>
+                  <p:txBody>
+                    <a:bodyPr/>
+                    <a:lstStyle/>
+                    <a:p>
+                      <a:r>
+                        <a:rPr lang="zh-TW" altLang="en-US">
+                          <a:noFill/>
+                        </a:rPr>
+                        <a:t> </a:t>
+                      </a:r>
+                    </a:p>
+                  </p:txBody>
+                </p:sp>
+              </mc:Fallback>
+            </mc:AlternateContent>
+          </p:grpSp>
+          <p:sp>
+            <p:nvSpPr>
+              <p:cNvPr id="72" name="文字方塊 71"/>
+              <p:cNvSpPr txBox="1"/>
+              <p:nvPr/>
+            </p:nvSpPr>
+            <p:spPr>
+              <a:xfrm>
+                <a:off x="6623108" y="3179610"/>
+                <a:ext cx="309700" cy="400110"/>
+              </a:xfrm>
+              <a:prstGeom prst="rect">
+                <a:avLst/>
+              </a:prstGeom>
+              <a:noFill/>
+            </p:spPr>
+            <p:txBody>
+              <a:bodyPr wrap="none" rtlCol="0">
+                <a:spAutoFit/>
+              </a:bodyPr>
+              <a:lstStyle/>
+              <a:p>
+                <a:r>
+                  <a:rPr lang="en-US" altLang="zh-TW" sz="2000" dirty="0" smtClean="0">
+                    <a:solidFill>
+                      <a:schemeClr val="bg1">
+                        <a:lumMod val="50000"/>
+                      </a:schemeClr>
+                    </a:solidFill>
+                  </a:rPr>
+                  <a:t>T</a:t>
+                </a:r>
+                <a:endParaRPr lang="zh-TW" altLang="en-US" sz="2000" dirty="0">
+                  <a:solidFill>
+                    <a:schemeClr val="bg1">
+                      <a:lumMod val="50000"/>
+                    </a:schemeClr>
+                  </a:solidFill>
+                </a:endParaRPr>
+              </a:p>
+            </p:txBody>
+          </p:sp>
+        </p:grpSp>
+        <p:cxnSp>
+          <p:nvCxnSpPr>
+            <p:cNvPr id="75" name="直線單箭頭接點 74"/>
+            <p:cNvCxnSpPr/>
+            <p:nvPr/>
+          </p:nvCxnSpPr>
+          <p:spPr>
+            <a:xfrm>
+              <a:off x="7318506" y="2100886"/>
+              <a:ext cx="7625" cy="84415"/>
+            </a:xfrm>
+            <a:prstGeom prst="straightConnector1">
+              <a:avLst/>
+            </a:prstGeom>
+            <a:ln w="19050">
+              <a:solidFill>
+                <a:schemeClr val="bg1">
+                  <a:lumMod val="50000"/>
+                </a:schemeClr>
+              </a:solidFill>
+              <a:prstDash val="solid"/>
+              <a:headEnd type="none" w="med" len="med"/>
+              <a:tailEnd type="none" w="med" len="med"/>
+            </a:ln>
+          </p:spPr>
+          <p:style>
+            <a:lnRef idx="1">
+              <a:schemeClr val="accent1"/>
+            </a:lnRef>
+            <a:fillRef idx="0">
+              <a:schemeClr val="accent1"/>
+            </a:fillRef>
+            <a:effectRef idx="0">
+              <a:schemeClr val="accent1"/>
+            </a:effectRef>
+            <a:fontRef idx="minor">
+              <a:schemeClr val="tx1"/>
+            </a:fontRef>
+          </p:style>
+        </p:cxnSp>
+        <p:cxnSp>
+          <p:nvCxnSpPr>
+            <p:cNvPr id="76" name="直線單箭頭接點 75"/>
+            <p:cNvCxnSpPr/>
+            <p:nvPr/>
+          </p:nvCxnSpPr>
+          <p:spPr>
+            <a:xfrm rot="300000" flipH="1">
+              <a:off x="7258961" y="2176727"/>
+              <a:ext cx="74764" cy="17418"/>
+            </a:xfrm>
+            <a:prstGeom prst="straightConnector1">
+              <a:avLst/>
+            </a:prstGeom>
+            <a:ln w="19050">
+              <a:solidFill>
+                <a:schemeClr val="bg1">
+                  <a:lumMod val="50000"/>
+                </a:schemeClr>
+              </a:solidFill>
+              <a:prstDash val="solid"/>
+              <a:headEnd type="none" w="med" len="med"/>
+              <a:tailEnd type="none" w="med" len="med"/>
+            </a:ln>
+          </p:spPr>
+          <p:style>
+            <a:lnRef idx="1">
+              <a:schemeClr val="accent1"/>
+            </a:lnRef>
+            <a:fillRef idx="0">
+              <a:schemeClr val="accent1"/>
+            </a:fillRef>
+            <a:effectRef idx="0">
+              <a:schemeClr val="accent1"/>
+            </a:effectRef>
+            <a:fontRef idx="minor">
+              <a:schemeClr val="tx1"/>
+            </a:fontRef>
+          </p:style>
+        </p:cxnSp>
+        <p:cxnSp>
+          <p:nvCxnSpPr>
+            <p:cNvPr id="77" name="直線單箭頭接點 76"/>
+            <p:cNvCxnSpPr/>
+            <p:nvPr/>
+          </p:nvCxnSpPr>
+          <p:spPr>
+            <a:xfrm>
+              <a:off x="7915406" y="2011986"/>
+              <a:ext cx="7625" cy="84415"/>
+            </a:xfrm>
+            <a:prstGeom prst="straightConnector1">
+              <a:avLst/>
+            </a:prstGeom>
+            <a:ln w="19050">
+              <a:solidFill>
+                <a:schemeClr val="bg1">
+                  <a:lumMod val="50000"/>
+                </a:schemeClr>
+              </a:solidFill>
+              <a:prstDash val="solid"/>
+              <a:headEnd type="none" w="med" len="med"/>
+              <a:tailEnd type="none" w="med" len="med"/>
+            </a:ln>
+          </p:spPr>
+          <p:style>
+            <a:lnRef idx="1">
+              <a:schemeClr val="accent1"/>
+            </a:lnRef>
+            <a:fillRef idx="0">
+              <a:schemeClr val="accent1"/>
+            </a:fillRef>
+            <a:effectRef idx="0">
+              <a:schemeClr val="accent1"/>
+            </a:effectRef>
+            <a:fontRef idx="minor">
+              <a:schemeClr val="tx1"/>
+            </a:fontRef>
+          </p:style>
+        </p:cxnSp>
+        <p:cxnSp>
+          <p:nvCxnSpPr>
+            <p:cNvPr id="78" name="直線單箭頭接點 77"/>
+            <p:cNvCxnSpPr/>
+            <p:nvPr/>
+          </p:nvCxnSpPr>
+          <p:spPr>
+            <a:xfrm rot="300000" flipH="1">
+              <a:off x="7855861" y="2094177"/>
+              <a:ext cx="74764" cy="17418"/>
+            </a:xfrm>
+            <a:prstGeom prst="straightConnector1">
+              <a:avLst/>
+            </a:prstGeom>
+            <a:ln w="19050">
+              <a:solidFill>
+                <a:schemeClr val="bg1">
+                  <a:lumMod val="50000"/>
+                </a:schemeClr>
+              </a:solidFill>
+              <a:prstDash val="solid"/>
+              <a:headEnd type="none" w="med" len="med"/>
+              <a:tailEnd type="none" w="med" len="med"/>
+            </a:ln>
+          </p:spPr>
+          <p:style>
+            <a:lnRef idx="1">
+              <a:schemeClr val="accent1"/>
+            </a:lnRef>
+            <a:fillRef idx="0">
+              <a:schemeClr val="accent1"/>
+            </a:fillRef>
+            <a:effectRef idx="0">
+              <a:schemeClr val="accent1"/>
+            </a:effectRef>
+            <a:fontRef idx="minor">
+              <a:schemeClr val="tx1"/>
+            </a:fontRef>
+          </p:style>
+        </p:cxnSp>
+      </p:grpSp>
+    </p:spTree>
+    <p:extLst>
+      <p:ext uri="{BB962C8B-B14F-4D97-AF65-F5344CB8AC3E}">
+        <p14:creationId xmlns:p14="http://schemas.microsoft.com/office/powerpoint/2010/main" val="514772287"/>
+      </p:ext>
+    </p:extLst>
+  </p:cSld>
+  <p:clrMapOvr>
+    <a:masterClrMapping/>
+  </p:clrMapOvr>
+  <p:timing>
+    <p:tnLst>
+      <p:par>
+        <p:cTn id="1" dur="indefinite" restart="never" nodeType="tmRoot"/>
+      </p:par>
+    </p:tnLst>
+  </p:timing>
+</p:sld>
+</file>
+
 <file path=ppt/theme/theme1.xml><?xml version="1.0" encoding="utf-8"?>
 <a:theme xmlns:a="http://schemas.openxmlformats.org/drawingml/2006/main" name="Office 佈景主題">
   <a:themeElements>
@@ -6147,4 +9707,265 @@
     </a:ext>
   </a:extLst>
 </a:theme>
+</file>
+
+<file path=ppt/theme/theme2.xml><?xml version="1.0" encoding="utf-8"?>
+<a:theme xmlns:a="http://schemas.openxmlformats.org/drawingml/2006/main" name="Office 佈景主題">
+  <a:themeElements>
+    <a:clrScheme name="Office">
+      <a:dk1>
+        <a:sysClr val="windowText" lastClr="000000"/>
+      </a:dk1>
+      <a:lt1>
+        <a:sysClr val="window" lastClr="FFFFFF"/>
+      </a:lt1>
+      <a:dk2>
+        <a:srgbClr val="44546A"/>
+      </a:dk2>
+      <a:lt2>
+        <a:srgbClr val="E7E6E6"/>
+      </a:lt2>
+      <a:accent1>
+        <a:srgbClr val="5B9BD5"/>
+      </a:accent1>
+      <a:accent2>
+        <a:srgbClr val="ED7D31"/>
+      </a:accent2>
+      <a:accent3>
+        <a:srgbClr val="A5A5A5"/>
+      </a:accent3>
+      <a:accent4>
+        <a:srgbClr val="FFC000"/>
+      </a:accent4>
+      <a:accent5>
+        <a:srgbClr val="4472C4"/>
+      </a:accent5>
+      <a:accent6>
+        <a:srgbClr val="70AD47"/>
+      </a:accent6>
+      <a:hlink>
+        <a:srgbClr val="0563C1"/>
+      </a:hlink>
+      <a:folHlink>
+        <a:srgbClr val="954F72"/>
+      </a:folHlink>
+    </a:clrScheme>
+    <a:fontScheme name="Office">
+      <a:majorFont>
+        <a:latin typeface="Calibri Light" panose="020F0302020204030204"/>
+        <a:ea typeface=""/>
+        <a:cs typeface=""/>
+        <a:font script="Jpan" typeface="游ゴシック Light"/>
+        <a:font script="Hang" typeface="맑은 고딕"/>
+        <a:font script="Hans" typeface="等线 Light"/>
+        <a:font script="Hant" typeface="新細明體"/>
+        <a:font script="Arab" typeface="Times New Roman"/>
+        <a:font script="Hebr" typeface="Times New Roman"/>
+        <a:font script="Thai" typeface="Angsana New"/>
+        <a:font script="Ethi" typeface="Nyala"/>
+        <a:font script="Beng" typeface="Vrinda"/>
+        <a:font script="Gujr" typeface="Shruti"/>
+        <a:font script="Khmr" typeface="MoolBoran"/>
+        <a:font script="Knda" typeface="Tunga"/>
+        <a:font script="Guru" typeface="Raavi"/>
+        <a:font script="Cans" typeface="Euphemia"/>
+        <a:font script="Cher" typeface="Plantagenet Cherokee"/>
+        <a:font script="Yiii" typeface="Microsoft Yi Baiti"/>
+        <a:font script="Tibt" typeface="Microsoft Himalaya"/>
+        <a:font script="Thaa" typeface="MV Boli"/>
+        <a:font script="Deva" typeface="Mangal"/>
+        <a:font script="Telu" typeface="Gautami"/>
+        <a:font script="Taml" typeface="Latha"/>
+        <a:font script="Syrc" typeface="Estrangelo Edessa"/>
+        <a:font script="Orya" typeface="Kalinga"/>
+        <a:font script="Mlym" typeface="Kartika"/>
+        <a:font script="Laoo" typeface="DokChampa"/>
+        <a:font script="Sinh" typeface="Iskoola Pota"/>
+        <a:font script="Mong" typeface="Mongolian Baiti"/>
+        <a:font script="Viet" typeface="Times New Roman"/>
+        <a:font script="Uigh" typeface="Microsoft Uighur"/>
+        <a:font script="Geor" typeface="Sylfaen"/>
+      </a:majorFont>
+      <a:minorFont>
+        <a:latin typeface="Calibri" panose="020F0502020204030204"/>
+        <a:ea typeface=""/>
+        <a:cs typeface=""/>
+        <a:font script="Jpan" typeface="游ゴシック"/>
+        <a:font script="Hang" typeface="맑은 고딕"/>
+        <a:font script="Hans" typeface="等线"/>
+        <a:font script="Hant" typeface="新細明體"/>
+        <a:font script="Arab" typeface="Arial"/>
+        <a:font script="Hebr" typeface="Arial"/>
+        <a:font script="Thai" typeface="Cordia New"/>
+        <a:font script="Ethi" typeface="Nyala"/>
+        <a:font script="Beng" typeface="Vrinda"/>
+        <a:font script="Gujr" typeface="Shruti"/>
+        <a:font script="Khmr" typeface="DaunPenh"/>
+        <a:font script="Knda" typeface="Tunga"/>
+        <a:font script="Guru" typeface="Raavi"/>
+        <a:font script="Cans" typeface="Euphemia"/>
+        <a:font script="Cher" typeface="Plantagenet Cherokee"/>
+        <a:font script="Yiii" typeface="Microsoft Yi Baiti"/>
+        <a:font script="Tibt" typeface="Microsoft Himalaya"/>
+        <a:font script="Thaa" typeface="MV Boli"/>
+        <a:font script="Deva" typeface="Mangal"/>
+        <a:font script="Telu" typeface="Gautami"/>
+        <a:font script="Taml" typeface="Latha"/>
+        <a:font script="Syrc" typeface="Estrangelo Edessa"/>
+        <a:font script="Orya" typeface="Kalinga"/>
+        <a:font script="Mlym" typeface="Kartika"/>
+        <a:font script="Laoo" typeface="DokChampa"/>
+        <a:font script="Sinh" typeface="Iskoola Pota"/>
+        <a:font script="Mong" typeface="Mongolian Baiti"/>
+        <a:font script="Viet" typeface="Arial"/>
+        <a:font script="Uigh" typeface="Microsoft Uighur"/>
+        <a:font script="Geor" typeface="Sylfaen"/>
+      </a:minorFont>
+    </a:fontScheme>
+    <a:fmtScheme name="Office">
+      <a:fillStyleLst>
+        <a:solidFill>
+          <a:schemeClr val="phClr"/>
+        </a:solidFill>
+        <a:gradFill rotWithShape="1">
+          <a:gsLst>
+            <a:gs pos="0">
+              <a:schemeClr val="phClr">
+                <a:lumMod val="110000"/>
+                <a:satMod val="105000"/>
+                <a:tint val="67000"/>
+              </a:schemeClr>
+            </a:gs>
+            <a:gs pos="50000">
+              <a:schemeClr val="phClr">
+                <a:lumMod val="105000"/>
+                <a:satMod val="103000"/>
+                <a:tint val="73000"/>
+              </a:schemeClr>
+            </a:gs>
+            <a:gs pos="100000">
+              <a:schemeClr val="phClr">
+                <a:lumMod val="105000"/>
+                <a:satMod val="109000"/>
+                <a:tint val="81000"/>
+              </a:schemeClr>
+            </a:gs>
+          </a:gsLst>
+          <a:lin ang="5400000" scaled="0"/>
+        </a:gradFill>
+        <a:gradFill rotWithShape="1">
+          <a:gsLst>
+            <a:gs pos="0">
+              <a:schemeClr val="phClr">
+                <a:satMod val="103000"/>
+                <a:lumMod val="102000"/>
+                <a:tint val="94000"/>
+              </a:schemeClr>
+            </a:gs>
+            <a:gs pos="50000">
+              <a:schemeClr val="phClr">
+                <a:satMod val="110000"/>
+                <a:lumMod val="100000"/>
+                <a:shade val="100000"/>
+              </a:schemeClr>
+            </a:gs>
+            <a:gs pos="100000">
+              <a:schemeClr val="phClr">
+                <a:lumMod val="99000"/>
+                <a:satMod val="120000"/>
+                <a:shade val="78000"/>
+              </a:schemeClr>
+            </a:gs>
+          </a:gsLst>
+          <a:lin ang="5400000" scaled="0"/>
+        </a:gradFill>
+      </a:fillStyleLst>
+      <a:lnStyleLst>
+        <a:ln w="6350" cap="flat" cmpd="sng" algn="ctr">
+          <a:solidFill>
+            <a:schemeClr val="phClr"/>
+          </a:solidFill>
+          <a:prstDash val="solid"/>
+          <a:miter lim="800000"/>
+        </a:ln>
+        <a:ln w="12700" cap="flat" cmpd="sng" algn="ctr">
+          <a:solidFill>
+            <a:schemeClr val="phClr"/>
+          </a:solidFill>
+          <a:prstDash val="solid"/>
+          <a:miter lim="800000"/>
+        </a:ln>
+        <a:ln w="19050" cap="flat" cmpd="sng" algn="ctr">
+          <a:solidFill>
+            <a:schemeClr val="phClr"/>
+          </a:solidFill>
+          <a:prstDash val="solid"/>
+          <a:miter lim="800000"/>
+        </a:ln>
+      </a:lnStyleLst>
+      <a:effectStyleLst>
+        <a:effectStyle>
+          <a:effectLst/>
+        </a:effectStyle>
+        <a:effectStyle>
+          <a:effectLst/>
+        </a:effectStyle>
+        <a:effectStyle>
+          <a:effectLst>
+            <a:outerShdw blurRad="57150" dist="19050" dir="5400000" algn="ctr" rotWithShape="0">
+              <a:srgbClr val="000000">
+                <a:alpha val="63000"/>
+              </a:srgbClr>
+            </a:outerShdw>
+          </a:effectLst>
+        </a:effectStyle>
+      </a:effectStyleLst>
+      <a:bgFillStyleLst>
+        <a:solidFill>
+          <a:schemeClr val="phClr"/>
+        </a:solidFill>
+        <a:solidFill>
+          <a:schemeClr val="phClr">
+            <a:tint val="95000"/>
+            <a:satMod val="170000"/>
+          </a:schemeClr>
+        </a:solidFill>
+        <a:gradFill rotWithShape="1">
+          <a:gsLst>
+            <a:gs pos="0">
+              <a:schemeClr val="phClr">
+                <a:tint val="93000"/>
+                <a:satMod val="150000"/>
+                <a:shade val="98000"/>
+                <a:lumMod val="102000"/>
+              </a:schemeClr>
+            </a:gs>
+            <a:gs pos="50000">
+              <a:schemeClr val="phClr">
+                <a:tint val="98000"/>
+                <a:satMod val="130000"/>
+                <a:shade val="90000"/>
+                <a:lumMod val="103000"/>
+              </a:schemeClr>
+            </a:gs>
+            <a:gs pos="100000">
+              <a:schemeClr val="phClr">
+                <a:shade val="63000"/>
+                <a:satMod val="120000"/>
+              </a:schemeClr>
+            </a:gs>
+          </a:gsLst>
+          <a:lin ang="5400000" scaled="0"/>
+        </a:gradFill>
+      </a:bgFillStyleLst>
+    </a:fmtScheme>
+  </a:themeElements>
+  <a:objectDefaults/>
+  <a:extraClrSchemeLst/>
+  <a:extLst>
+    <a:ext uri="{05A4C25C-085E-4340-85A3-A5531E510DB2}">
+      <thm15:themeFamily xmlns:thm15="http://schemas.microsoft.com/office/thememl/2012/main" name="Office Theme" id="{62F939B6-93AF-4DB8-9C6B-D6C7DFDC589F}" vid="{4A3C46E8-61CC-4603-A589-7422A47A8E4A}"/>
+    </a:ext>
+  </a:extLst>
+</a:theme>
 </file>
--- a/009YiChan/Chan's thesis/Images/Original/ppt.pptx
+++ b/009YiChan/Chan's thesis/Images/Original/ppt.pptx
@@ -204,7 +204,7 @@
           <a:p>
             <a:fld id="{1C8D2AD6-9366-4FD0-8D5E-D0A160B803F4}" type="datetimeFigureOut">
               <a:rPr lang="zh-TW" altLang="en-US" smtClean="0"/>
-              <a:t>2021/4/19</a:t>
+              <a:t>2021/5/3</a:t>
             </a:fld>
             <a:endParaRPr lang="zh-TW" altLang="en-US"/>
           </a:p>
@@ -690,7 +690,7 @@
           <a:p>
             <a:fld id="{CA9831EC-52C6-4491-A088-87BB9C263796}" type="datetimeFigureOut">
               <a:rPr lang="zh-TW" altLang="en-US" smtClean="0"/>
-              <a:t>2021/4/19</a:t>
+              <a:t>2021/5/3</a:t>
             </a:fld>
             <a:endParaRPr lang="zh-TW" altLang="en-US"/>
           </a:p>
@@ -860,7 +860,7 @@
           <a:p>
             <a:fld id="{CA9831EC-52C6-4491-A088-87BB9C263796}" type="datetimeFigureOut">
               <a:rPr lang="zh-TW" altLang="en-US" smtClean="0"/>
-              <a:t>2021/4/19</a:t>
+              <a:t>2021/5/3</a:t>
             </a:fld>
             <a:endParaRPr lang="zh-TW" altLang="en-US"/>
           </a:p>
@@ -1040,7 +1040,7 @@
           <a:p>
             <a:fld id="{CA9831EC-52C6-4491-A088-87BB9C263796}" type="datetimeFigureOut">
               <a:rPr lang="zh-TW" altLang="en-US" smtClean="0"/>
-              <a:t>2021/4/19</a:t>
+              <a:t>2021/5/3</a:t>
             </a:fld>
             <a:endParaRPr lang="zh-TW" altLang="en-US"/>
           </a:p>
@@ -1210,7 +1210,7 @@
           <a:p>
             <a:fld id="{CA9831EC-52C6-4491-A088-87BB9C263796}" type="datetimeFigureOut">
               <a:rPr lang="zh-TW" altLang="en-US" smtClean="0"/>
-              <a:t>2021/4/19</a:t>
+              <a:t>2021/5/3</a:t>
             </a:fld>
             <a:endParaRPr lang="zh-TW" altLang="en-US"/>
           </a:p>
@@ -1456,7 +1456,7 @@
           <a:p>
             <a:fld id="{CA9831EC-52C6-4491-A088-87BB9C263796}" type="datetimeFigureOut">
               <a:rPr lang="zh-TW" altLang="en-US" smtClean="0"/>
-              <a:t>2021/4/19</a:t>
+              <a:t>2021/5/3</a:t>
             </a:fld>
             <a:endParaRPr lang="zh-TW" altLang="en-US"/>
           </a:p>
@@ -1688,7 +1688,7 @@
           <a:p>
             <a:fld id="{CA9831EC-52C6-4491-A088-87BB9C263796}" type="datetimeFigureOut">
               <a:rPr lang="zh-TW" altLang="en-US" smtClean="0"/>
-              <a:t>2021/4/19</a:t>
+              <a:t>2021/5/3</a:t>
             </a:fld>
             <a:endParaRPr lang="zh-TW" altLang="en-US"/>
           </a:p>
@@ -2055,7 +2055,7 @@
           <a:p>
             <a:fld id="{CA9831EC-52C6-4491-A088-87BB9C263796}" type="datetimeFigureOut">
               <a:rPr lang="zh-TW" altLang="en-US" smtClean="0"/>
-              <a:t>2021/4/19</a:t>
+              <a:t>2021/5/3</a:t>
             </a:fld>
             <a:endParaRPr lang="zh-TW" altLang="en-US"/>
           </a:p>
@@ -2173,7 +2173,7 @@
           <a:p>
             <a:fld id="{CA9831EC-52C6-4491-A088-87BB9C263796}" type="datetimeFigureOut">
               <a:rPr lang="zh-TW" altLang="en-US" smtClean="0"/>
-              <a:t>2021/4/19</a:t>
+              <a:t>2021/5/3</a:t>
             </a:fld>
             <a:endParaRPr lang="zh-TW" altLang="en-US"/>
           </a:p>
@@ -2268,7 +2268,7 @@
           <a:p>
             <a:fld id="{CA9831EC-52C6-4491-A088-87BB9C263796}" type="datetimeFigureOut">
               <a:rPr lang="zh-TW" altLang="en-US" smtClean="0"/>
-              <a:t>2021/4/19</a:t>
+              <a:t>2021/5/3</a:t>
             </a:fld>
             <a:endParaRPr lang="zh-TW" altLang="en-US"/>
           </a:p>
@@ -2545,7 +2545,7 @@
           <a:p>
             <a:fld id="{CA9831EC-52C6-4491-A088-87BB9C263796}" type="datetimeFigureOut">
               <a:rPr lang="zh-TW" altLang="en-US" smtClean="0"/>
-              <a:t>2021/4/19</a:t>
+              <a:t>2021/5/3</a:t>
             </a:fld>
             <a:endParaRPr lang="zh-TW" altLang="en-US"/>
           </a:p>
@@ -2798,7 +2798,7 @@
           <a:p>
             <a:fld id="{CA9831EC-52C6-4491-A088-87BB9C263796}" type="datetimeFigureOut">
               <a:rPr lang="zh-TW" altLang="en-US" smtClean="0"/>
-              <a:t>2021/4/19</a:t>
+              <a:t>2021/5/3</a:t>
             </a:fld>
             <a:endParaRPr lang="zh-TW" altLang="en-US"/>
           </a:p>
@@ -3011,7 +3011,7 @@
           <a:p>
             <a:fld id="{CA9831EC-52C6-4491-A088-87BB9C263796}" type="datetimeFigureOut">
               <a:rPr lang="zh-TW" altLang="en-US" smtClean="0"/>
-              <a:t>2021/4/19</a:t>
+              <a:t>2021/5/3</a:t>
             </a:fld>
             <a:endParaRPr lang="zh-TW" altLang="en-US"/>
           </a:p>
@@ -6129,21 +6129,121 @@
       </p:grpSpPr>
       <p:grpSp>
         <p:nvGrpSpPr>
-          <p:cNvPr id="5" name="群組 4"/>
+          <p:cNvPr id="10" name="群組 9"/>
           <p:cNvGrpSpPr/>
           <p:nvPr/>
         </p:nvGrpSpPr>
         <p:grpSpPr>
           <a:xfrm>
             <a:off x="2314575" y="2078593"/>
-            <a:ext cx="7562850" cy="2460069"/>
+            <a:ext cx="7562850" cy="2469594"/>
             <a:chOff x="2314575" y="2078593"/>
-            <a:chExt cx="7562850" cy="2460069"/>
+            <a:chExt cx="7562850" cy="2469594"/>
           </a:xfrm>
         </p:grpSpPr>
+        <p:grpSp>
+          <p:nvGrpSpPr>
+            <p:cNvPr id="5" name="群組 4"/>
+            <p:cNvGrpSpPr/>
+            <p:nvPr/>
+          </p:nvGrpSpPr>
+          <p:grpSpPr>
+            <a:xfrm>
+              <a:off x="3352800" y="2078593"/>
+              <a:ext cx="2286000" cy="1845706"/>
+              <a:chOff x="3352800" y="2078593"/>
+              <a:chExt cx="2286000" cy="1845706"/>
+            </a:xfrm>
+          </p:grpSpPr>
+          <p:sp>
+            <p:nvSpPr>
+              <p:cNvPr id="3" name="矩形 2"/>
+              <p:cNvSpPr/>
+              <p:nvPr/>
+            </p:nvSpPr>
+            <p:spPr>
+              <a:xfrm>
+                <a:off x="3352800" y="2400300"/>
+                <a:ext cx="2286000" cy="1523999"/>
+              </a:xfrm>
+              <a:prstGeom prst="rect">
+                <a:avLst/>
+              </a:prstGeom>
+              <a:noFill/>
+              <a:ln>
+                <a:solidFill>
+                  <a:srgbClr val="FF0000"/>
+                </a:solidFill>
+                <a:prstDash val="dash"/>
+              </a:ln>
+            </p:spPr>
+            <p:style>
+              <a:lnRef idx="2">
+                <a:schemeClr val="accent1">
+                  <a:shade val="50000"/>
+                </a:schemeClr>
+              </a:lnRef>
+              <a:fillRef idx="1">
+                <a:schemeClr val="accent1"/>
+              </a:fillRef>
+              <a:effectRef idx="0">
+                <a:schemeClr val="accent1"/>
+              </a:effectRef>
+              <a:fontRef idx="minor">
+                <a:schemeClr val="lt1"/>
+              </a:fontRef>
+            </p:style>
+            <p:txBody>
+              <a:bodyPr rtlCol="0" anchor="ctr"/>
+              <a:lstStyle/>
+              <a:p>
+                <a:pPr algn="ctr"/>
+                <a:endParaRPr lang="zh-TW" altLang="en-US"/>
+              </a:p>
+            </p:txBody>
+          </p:sp>
+          <p:sp>
+            <p:nvSpPr>
+              <p:cNvPr id="4" name="文字方塊 3"/>
+              <p:cNvSpPr txBox="1"/>
+              <p:nvPr/>
+            </p:nvSpPr>
+            <p:spPr>
+              <a:xfrm>
+                <a:off x="3487703" y="2078593"/>
+                <a:ext cx="2016193" cy="369332"/>
+              </a:xfrm>
+              <a:prstGeom prst="rect">
+                <a:avLst/>
+              </a:prstGeom>
+              <a:noFill/>
+            </p:spPr>
+            <p:txBody>
+              <a:bodyPr wrap="none" rtlCol="0">
+                <a:spAutoFit/>
+              </a:bodyPr>
+              <a:lstStyle/>
+              <a:p>
+                <a:r>
+                  <a:rPr lang="en-US" altLang="zh-TW" dirty="0" smtClean="0">
+                    <a:solidFill>
+                      <a:srgbClr val="FF0000"/>
+                    </a:solidFill>
+                  </a:rPr>
+                  <a:t>Admittance Control</a:t>
+                </a:r>
+                <a:endParaRPr lang="zh-TW" altLang="en-US" dirty="0">
+                  <a:solidFill>
+                    <a:srgbClr val="FF0000"/>
+                  </a:solidFill>
+                </a:endParaRPr>
+              </a:p>
+            </p:txBody>
+          </p:sp>
+        </p:grpSp>
         <p:pic>
           <p:nvPicPr>
-            <p:cNvPr id="2" name="圖片 1"/>
+            <p:cNvPr id="9" name="圖片 8"/>
             <p:cNvPicPr>
               <a:picLocks noChangeAspect="1"/>
             </p:cNvPicPr>
@@ -6163,99 +6263,14 @@
           </p:blipFill>
           <p:spPr>
             <a:xfrm>
-              <a:off x="2314575" y="2319337"/>
-              <a:ext cx="7562850" cy="2219325"/>
+              <a:off x="2314575" y="2309812"/>
+              <a:ext cx="7562850" cy="2238375"/>
             </a:xfrm>
             <a:prstGeom prst="rect">
               <a:avLst/>
             </a:prstGeom>
           </p:spPr>
         </p:pic>
-        <p:sp>
-          <p:nvSpPr>
-            <p:cNvPr id="3" name="矩形 2"/>
-            <p:cNvSpPr/>
-            <p:nvPr/>
-          </p:nvSpPr>
-          <p:spPr>
-            <a:xfrm>
-              <a:off x="3352800" y="2400300"/>
-              <a:ext cx="2286000" cy="1523999"/>
-            </a:xfrm>
-            <a:prstGeom prst="rect">
-              <a:avLst/>
-            </a:prstGeom>
-            <a:noFill/>
-            <a:ln>
-              <a:solidFill>
-                <a:srgbClr val="FF0000"/>
-              </a:solidFill>
-              <a:prstDash val="dash"/>
-            </a:ln>
-          </p:spPr>
-          <p:style>
-            <a:lnRef idx="2">
-              <a:schemeClr val="accent1">
-                <a:shade val="50000"/>
-              </a:schemeClr>
-            </a:lnRef>
-            <a:fillRef idx="1">
-              <a:schemeClr val="accent1"/>
-            </a:fillRef>
-            <a:effectRef idx="0">
-              <a:schemeClr val="accent1"/>
-            </a:effectRef>
-            <a:fontRef idx="minor">
-              <a:schemeClr val="lt1"/>
-            </a:fontRef>
-          </p:style>
-          <p:txBody>
-            <a:bodyPr rtlCol="0" anchor="ctr"/>
-            <a:lstStyle/>
-            <a:p>
-              <a:pPr algn="ctr"/>
-              <a:endParaRPr lang="zh-TW" altLang="en-US"/>
-            </a:p>
-          </p:txBody>
-        </p:sp>
-        <p:sp>
-          <p:nvSpPr>
-            <p:cNvPr id="4" name="文字方塊 3"/>
-            <p:cNvSpPr txBox="1"/>
-            <p:nvPr/>
-          </p:nvSpPr>
-          <p:spPr>
-            <a:xfrm>
-              <a:off x="3487703" y="2078593"/>
-              <a:ext cx="2016193" cy="369332"/>
-            </a:xfrm>
-            <a:prstGeom prst="rect">
-              <a:avLst/>
-            </a:prstGeom>
-            <a:noFill/>
-          </p:spPr>
-          <p:txBody>
-            <a:bodyPr wrap="none" rtlCol="0">
-              <a:spAutoFit/>
-            </a:bodyPr>
-            <a:lstStyle/>
-            <a:p>
-              <a:r>
-                <a:rPr lang="en-US" altLang="zh-TW" dirty="0" smtClean="0">
-                  <a:solidFill>
-                    <a:srgbClr val="FF0000"/>
-                  </a:solidFill>
-                </a:rPr>
-                <a:t>Admittance Control</a:t>
-              </a:r>
-              <a:endParaRPr lang="zh-TW" altLang="en-US" dirty="0">
-                <a:solidFill>
-                  <a:srgbClr val="FF0000"/>
-                </a:solidFill>
-              </a:endParaRPr>
-            </a:p>
-          </p:txBody>
-        </p:sp>
       </p:grpSp>
     </p:spTree>
     <p:extLst>
@@ -6389,7 +6404,7 @@
           <a:p>
             <a:fld id="{979F763D-BF21-4D53-8EEE-BB706C571577}" type="datetime1">
               <a:rPr lang="zh-TW" altLang="en-US" smtClean="0"/>
-              <a:t>2021/4/20</a:t>
+              <a:t>2021/5/3</a:t>
             </a:fld>
             <a:endParaRPr lang="zh-TW" altLang="en-US"/>
           </a:p>
@@ -7350,7 +7365,7 @@
           <a:p>
             <a:fld id="{979F763D-BF21-4D53-8EEE-BB706C571577}" type="datetime1">
               <a:rPr lang="zh-TW" altLang="en-US" smtClean="0"/>
-              <a:t>2021/4/20</a:t>
+              <a:t>2021/5/3</a:t>
             </a:fld>
             <a:endParaRPr lang="zh-TW" altLang="en-US"/>
           </a:p>
@@ -8798,8 +8813,8 @@
                   </a:p>
                 </p:txBody>
               </p:sp>
-              <mc:AlternateContent xmlns:mc="http://schemas.openxmlformats.org/markup-compatibility/2006">
-                <mc:Choice xmlns:a14="http://schemas.microsoft.com/office/drawing/2010/main" Requires="a14">
+              <mc:AlternateContent xmlns:mc="http://schemas.openxmlformats.org/markup-compatibility/2006" xmlns:a14="http://schemas.microsoft.com/office/drawing/2010/main">
+                <mc:Choice Requires="a14">
                   <p:sp>
                     <p:nvSpPr>
                       <p:cNvPr id="39" name="文字方塊 38"/>
@@ -8888,7 +8903,7 @@
                     </p:txBody>
                   </p:sp>
                 </mc:Choice>
-                <mc:Fallback>
+                <mc:Fallback xmlns="">
                   <p:sp>
                     <p:nvSpPr>
                       <p:cNvPr id="39" name="文字方塊 38"/>
@@ -8927,8 +8942,8 @@
                   </p:sp>
                 </mc:Fallback>
               </mc:AlternateContent>
-              <mc:AlternateContent xmlns:mc="http://schemas.openxmlformats.org/markup-compatibility/2006">
-                <mc:Choice xmlns:a14="http://schemas.microsoft.com/office/drawing/2010/main" Requires="a14">
+              <mc:AlternateContent xmlns:mc="http://schemas.openxmlformats.org/markup-compatibility/2006" xmlns:a14="http://schemas.microsoft.com/office/drawing/2010/main">
+                <mc:Choice Requires="a14">
                   <p:sp>
                     <p:nvSpPr>
                       <p:cNvPr id="40" name="文字方塊 39"/>
@@ -9017,7 +9032,7 @@
                     </p:txBody>
                   </p:sp>
                 </mc:Choice>
-                <mc:Fallback>
+                <mc:Fallback xmlns="">
                   <p:sp>
                     <p:nvSpPr>
                       <p:cNvPr id="40" name="文字方塊 39"/>
@@ -9125,8 +9140,8 @@
                 </p:style>
               </p:cxnSp>
             </p:grpSp>
-            <mc:AlternateContent xmlns:mc="http://schemas.openxmlformats.org/markup-compatibility/2006">
-              <mc:Choice xmlns:a14="http://schemas.microsoft.com/office/drawing/2010/main" Requires="a14">
+            <mc:AlternateContent xmlns:mc="http://schemas.openxmlformats.org/markup-compatibility/2006" xmlns:a14="http://schemas.microsoft.com/office/drawing/2010/main">
+              <mc:Choice Requires="a14">
                 <p:sp>
                   <p:nvSpPr>
                     <p:cNvPr id="11" name="文字方塊 10"/>
@@ -9149,6 +9164,7 @@
                     </a:bodyPr>
                     <a:lstStyle/>
                     <a:p>
+                      <a:pPr/>
                       <a14:m>
                         <m:oMathPara xmlns:m="http://schemas.openxmlformats.org/officeDocument/2006/math">
                           <m:oMathParaPr>
@@ -9159,7 +9175,7 @@
                               <m:accPr>
                                 <m:chr m:val="⃗"/>
                                 <m:ctrlPr>
-                                  <a:rPr lang="en-US" altLang="zh-TW" sz="1400" b="0" smtClean="0">
+                                  <a:rPr lang="en-US" altLang="zh-TW" sz="1400" b="0" i="1" smtClean="0">
                                     <a:latin typeface="Cambria Math" panose="02040503050406030204" pitchFamily="18" charset="0"/>
                                   </a:rPr>
                                 </m:ctrlPr>
@@ -9184,7 +9200,7 @@
                   </p:txBody>
                 </p:sp>
               </mc:Choice>
-              <mc:Fallback>
+              <mc:Fallback xmlns="">
                 <p:sp>
                   <p:nvSpPr>
                     <p:cNvPr id="11" name="文字方塊 10"/>

--- a/009YiChan/Chan's thesis/Images/Original/ppt.pptx
+++ b/009YiChan/Chan's thesis/Images/Original/ppt.pptx
@@ -5,7 +5,7 @@
     <p:sldMasterId id="2147483648" r:id="rId1"/>
   </p:sldMasterIdLst>
   <p:notesMasterIdLst>
-    <p:notesMasterId r:id="rId10"/>
+    <p:notesMasterId r:id="rId12"/>
   </p:notesMasterIdLst>
   <p:sldIdLst>
     <p:sldId id="257" r:id="rId2"/>
@@ -16,6 +16,8 @@
     <p:sldId id="263" r:id="rId7"/>
     <p:sldId id="266" r:id="rId8"/>
     <p:sldId id="265" r:id="rId9"/>
+    <p:sldId id="267" r:id="rId10"/>
+    <p:sldId id="268" r:id="rId11"/>
   </p:sldIdLst>
   <p:sldSz cx="12192000" cy="6858000"/>
   <p:notesSz cx="6858000" cy="9144000"/>
@@ -204,7 +206,7 @@
           <a:p>
             <a:fld id="{1C8D2AD6-9366-4FD0-8D5E-D0A160B803F4}" type="datetimeFigureOut">
               <a:rPr lang="zh-TW" altLang="en-US" smtClean="0"/>
-              <a:t>2021/5/3</a:t>
+              <a:t>2021/5/6</a:t>
             </a:fld>
             <a:endParaRPr lang="zh-TW" altLang="en-US"/>
           </a:p>
@@ -690,7 +692,7 @@
           <a:p>
             <a:fld id="{CA9831EC-52C6-4491-A088-87BB9C263796}" type="datetimeFigureOut">
               <a:rPr lang="zh-TW" altLang="en-US" smtClean="0"/>
-              <a:t>2021/5/3</a:t>
+              <a:t>2021/5/6</a:t>
             </a:fld>
             <a:endParaRPr lang="zh-TW" altLang="en-US"/>
           </a:p>
@@ -860,7 +862,7 @@
           <a:p>
             <a:fld id="{CA9831EC-52C6-4491-A088-87BB9C263796}" type="datetimeFigureOut">
               <a:rPr lang="zh-TW" altLang="en-US" smtClean="0"/>
-              <a:t>2021/5/3</a:t>
+              <a:t>2021/5/6</a:t>
             </a:fld>
             <a:endParaRPr lang="zh-TW" altLang="en-US"/>
           </a:p>
@@ -1040,7 +1042,7 @@
           <a:p>
             <a:fld id="{CA9831EC-52C6-4491-A088-87BB9C263796}" type="datetimeFigureOut">
               <a:rPr lang="zh-TW" altLang="en-US" smtClean="0"/>
-              <a:t>2021/5/3</a:t>
+              <a:t>2021/5/6</a:t>
             </a:fld>
             <a:endParaRPr lang="zh-TW" altLang="en-US"/>
           </a:p>
@@ -1210,7 +1212,7 @@
           <a:p>
             <a:fld id="{CA9831EC-52C6-4491-A088-87BB9C263796}" type="datetimeFigureOut">
               <a:rPr lang="zh-TW" altLang="en-US" smtClean="0"/>
-              <a:t>2021/5/3</a:t>
+              <a:t>2021/5/6</a:t>
             </a:fld>
             <a:endParaRPr lang="zh-TW" altLang="en-US"/>
           </a:p>
@@ -1456,7 +1458,7 @@
           <a:p>
             <a:fld id="{CA9831EC-52C6-4491-A088-87BB9C263796}" type="datetimeFigureOut">
               <a:rPr lang="zh-TW" altLang="en-US" smtClean="0"/>
-              <a:t>2021/5/3</a:t>
+              <a:t>2021/5/6</a:t>
             </a:fld>
             <a:endParaRPr lang="zh-TW" altLang="en-US"/>
           </a:p>
@@ -1688,7 +1690,7 @@
           <a:p>
             <a:fld id="{CA9831EC-52C6-4491-A088-87BB9C263796}" type="datetimeFigureOut">
               <a:rPr lang="zh-TW" altLang="en-US" smtClean="0"/>
-              <a:t>2021/5/3</a:t>
+              <a:t>2021/5/6</a:t>
             </a:fld>
             <a:endParaRPr lang="zh-TW" altLang="en-US"/>
           </a:p>
@@ -2055,7 +2057,7 @@
           <a:p>
             <a:fld id="{CA9831EC-52C6-4491-A088-87BB9C263796}" type="datetimeFigureOut">
               <a:rPr lang="zh-TW" altLang="en-US" smtClean="0"/>
-              <a:t>2021/5/3</a:t>
+              <a:t>2021/5/6</a:t>
             </a:fld>
             <a:endParaRPr lang="zh-TW" altLang="en-US"/>
           </a:p>
@@ -2173,7 +2175,7 @@
           <a:p>
             <a:fld id="{CA9831EC-52C6-4491-A088-87BB9C263796}" type="datetimeFigureOut">
               <a:rPr lang="zh-TW" altLang="en-US" smtClean="0"/>
-              <a:t>2021/5/3</a:t>
+              <a:t>2021/5/6</a:t>
             </a:fld>
             <a:endParaRPr lang="zh-TW" altLang="en-US"/>
           </a:p>
@@ -2268,7 +2270,7 @@
           <a:p>
             <a:fld id="{CA9831EC-52C6-4491-A088-87BB9C263796}" type="datetimeFigureOut">
               <a:rPr lang="zh-TW" altLang="en-US" smtClean="0"/>
-              <a:t>2021/5/3</a:t>
+              <a:t>2021/5/6</a:t>
             </a:fld>
             <a:endParaRPr lang="zh-TW" altLang="en-US"/>
           </a:p>
@@ -2545,7 +2547,7 @@
           <a:p>
             <a:fld id="{CA9831EC-52C6-4491-A088-87BB9C263796}" type="datetimeFigureOut">
               <a:rPr lang="zh-TW" altLang="en-US" smtClean="0"/>
-              <a:t>2021/5/3</a:t>
+              <a:t>2021/5/6</a:t>
             </a:fld>
             <a:endParaRPr lang="zh-TW" altLang="en-US"/>
           </a:p>
@@ -2798,7 +2800,7 @@
           <a:p>
             <a:fld id="{CA9831EC-52C6-4491-A088-87BB9C263796}" type="datetimeFigureOut">
               <a:rPr lang="zh-TW" altLang="en-US" smtClean="0"/>
-              <a:t>2021/5/3</a:t>
+              <a:t>2021/5/6</a:t>
             </a:fld>
             <a:endParaRPr lang="zh-TW" altLang="en-US"/>
           </a:p>
@@ -3011,7 +3013,7 @@
           <a:p>
             <a:fld id="{CA9831EC-52C6-4491-A088-87BB9C263796}" type="datetimeFigureOut">
               <a:rPr lang="zh-TW" altLang="en-US" smtClean="0"/>
-              <a:t>2021/5/3</a:t>
+              <a:t>2021/5/6</a:t>
             </a:fld>
             <a:endParaRPr lang="zh-TW" altLang="en-US"/>
           </a:p>
@@ -4319,6 +4321,55 @@
 </p:sld>
 </file>
 
+<file path=ppt/slides/slide10.xml><?xml version="1.0" encoding="utf-8"?>
+<p:sld xmlns:a="http://schemas.openxmlformats.org/drawingml/2006/main" xmlns:r="http://schemas.openxmlformats.org/officeDocument/2006/relationships" xmlns:p="http://schemas.openxmlformats.org/presentationml/2006/main">
+  <p:cSld>
+    <p:spTree>
+      <p:nvGrpSpPr>
+        <p:cNvPr id="1" name=""/>
+        <p:cNvGrpSpPr/>
+        <p:nvPr/>
+      </p:nvGrpSpPr>
+      <p:grpSpPr>
+        <a:xfrm>
+          <a:off x="0" y="0"/>
+          <a:ext cx="0" cy="0"/>
+          <a:chOff x="0" y="0"/>
+          <a:chExt cx="0" cy="0"/>
+        </a:xfrm>
+      </p:grpSpPr>
+      <p:sp>
+        <p:nvSpPr>
+          <p:cNvPr id="2" name="標題 1"/>
+          <p:cNvSpPr>
+            <a:spLocks noGrp="1"/>
+          </p:cNvSpPr>
+          <p:nvPr>
+            <p:ph type="title"/>
+          </p:nvPr>
+        </p:nvSpPr>
+        <p:spPr/>
+        <p:txBody>
+          <a:bodyPr/>
+          <a:lstStyle/>
+          <a:p>
+            <a:endParaRPr lang="zh-TW" altLang="en-US"/>
+          </a:p>
+        </p:txBody>
+      </p:sp>
+    </p:spTree>
+    <p:extLst>
+      <p:ext uri="{BB962C8B-B14F-4D97-AF65-F5344CB8AC3E}">
+        <p14:creationId xmlns:p14="http://schemas.microsoft.com/office/powerpoint/2010/main" val="1498298203"/>
+      </p:ext>
+    </p:extLst>
+  </p:cSld>
+  <p:clrMapOvr>
+    <a:masterClrMapping/>
+  </p:clrMapOvr>
+</p:sld>
+</file>
+
 <file path=ppt/slides/slide2.xml><?xml version="1.0" encoding="utf-8"?>
 <p:sld xmlns:a="http://schemas.openxmlformats.org/drawingml/2006/main" xmlns:r="http://schemas.openxmlformats.org/officeDocument/2006/relationships" xmlns:p="http://schemas.openxmlformats.org/presentationml/2006/main">
   <p:cSld>
@@ -6404,7 +6455,7 @@
           <a:p>
             <a:fld id="{979F763D-BF21-4D53-8EEE-BB706C571577}" type="datetime1">
               <a:rPr lang="zh-TW" altLang="en-US" smtClean="0"/>
-              <a:t>2021/5/3</a:t>
+              <a:t>2021/5/6</a:t>
             </a:fld>
             <a:endParaRPr lang="zh-TW" altLang="en-US"/>
           </a:p>
@@ -7365,7 +7416,7 @@
           <a:p>
             <a:fld id="{979F763D-BF21-4D53-8EEE-BB706C571577}" type="datetime1">
               <a:rPr lang="zh-TW" altLang="en-US" smtClean="0"/>
-              <a:t>2021/5/3</a:t>
+              <a:t>2021/5/6</a:t>
             </a:fld>
             <a:endParaRPr lang="zh-TW" altLang="en-US"/>
           </a:p>
@@ -9464,6 +9515,1079 @@
 </p:sld>
 </file>
 
+<file path=ppt/slides/slide9.xml><?xml version="1.0" encoding="utf-8"?>
+<p:sld xmlns:a="http://schemas.openxmlformats.org/drawingml/2006/main" xmlns:r="http://schemas.openxmlformats.org/officeDocument/2006/relationships" xmlns:p="http://schemas.openxmlformats.org/presentationml/2006/main">
+  <p:cSld>
+    <p:spTree>
+      <p:nvGrpSpPr>
+        <p:cNvPr id="1" name=""/>
+        <p:cNvGrpSpPr/>
+        <p:nvPr/>
+      </p:nvGrpSpPr>
+      <p:grpSpPr>
+        <a:xfrm>
+          <a:off x="0" y="0"/>
+          <a:ext cx="0" cy="0"/>
+          <a:chOff x="0" y="0"/>
+          <a:chExt cx="0" cy="0"/>
+        </a:xfrm>
+      </p:grpSpPr>
+      <p:grpSp>
+        <p:nvGrpSpPr>
+          <p:cNvPr id="49" name="群組 48"/>
+          <p:cNvGrpSpPr/>
+          <p:nvPr/>
+        </p:nvGrpSpPr>
+        <p:grpSpPr>
+          <a:xfrm>
+            <a:off x="1381124" y="280"/>
+            <a:ext cx="9296402" cy="6915306"/>
+            <a:chOff x="1381124" y="280"/>
+            <a:chExt cx="9296402" cy="6915306"/>
+          </a:xfrm>
+        </p:grpSpPr>
+        <p:pic>
+          <p:nvPicPr>
+            <p:cNvPr id="4" name="圖片 3"/>
+            <p:cNvPicPr>
+              <a:picLocks noChangeAspect="1"/>
+            </p:cNvPicPr>
+            <p:nvPr/>
+          </p:nvPicPr>
+          <p:blipFill>
+            <a:blip r:embed="rId2">
+              <a:extLst>
+                <a:ext uri="{28A0092B-C50C-407E-A947-70E740481C1C}">
+                  <a14:useLocalDpi xmlns:a14="http://schemas.microsoft.com/office/drawing/2010/main" val="0"/>
+                </a:ext>
+              </a:extLst>
+            </a:blip>
+            <a:stretch>
+              <a:fillRect/>
+            </a:stretch>
+          </p:blipFill>
+          <p:spPr>
+            <a:xfrm>
+              <a:off x="1381124" y="280"/>
+              <a:ext cx="9296402" cy="6915306"/>
+            </a:xfrm>
+            <a:prstGeom prst="rect">
+              <a:avLst/>
+            </a:prstGeom>
+          </p:spPr>
+        </p:pic>
+        <p:sp>
+          <p:nvSpPr>
+            <p:cNvPr id="6" name="橢圓 5"/>
+            <p:cNvSpPr/>
+            <p:nvPr/>
+          </p:nvSpPr>
+          <p:spPr>
+            <a:xfrm>
+              <a:off x="2343150" y="6442074"/>
+              <a:ext cx="295275" cy="295275"/>
+            </a:xfrm>
+            <a:prstGeom prst="ellipse">
+              <a:avLst/>
+            </a:prstGeom>
+            <a:solidFill>
+              <a:srgbClr val="FF0000"/>
+            </a:solidFill>
+            <a:ln>
+              <a:solidFill>
+                <a:srgbClr val="FF0000"/>
+              </a:solidFill>
+            </a:ln>
+          </p:spPr>
+          <p:style>
+            <a:lnRef idx="2">
+              <a:schemeClr val="accent1">
+                <a:shade val="50000"/>
+              </a:schemeClr>
+            </a:lnRef>
+            <a:fillRef idx="1">
+              <a:schemeClr val="accent1"/>
+            </a:fillRef>
+            <a:effectRef idx="0">
+              <a:schemeClr val="accent1"/>
+            </a:effectRef>
+            <a:fontRef idx="minor">
+              <a:schemeClr val="lt1"/>
+            </a:fontRef>
+          </p:style>
+          <p:txBody>
+            <a:bodyPr rtlCol="0" anchor="ctr"/>
+            <a:lstStyle/>
+            <a:p>
+              <a:pPr algn="ctr"/>
+              <a:endParaRPr lang="zh-TW" altLang="en-US"/>
+            </a:p>
+          </p:txBody>
+        </p:sp>
+        <p:sp>
+          <p:nvSpPr>
+            <p:cNvPr id="13" name="橢圓 12"/>
+            <p:cNvSpPr/>
+            <p:nvPr/>
+          </p:nvSpPr>
+          <p:spPr>
+            <a:xfrm>
+              <a:off x="7848599" y="2922590"/>
+              <a:ext cx="295275" cy="295275"/>
+            </a:xfrm>
+            <a:prstGeom prst="ellipse">
+              <a:avLst/>
+            </a:prstGeom>
+            <a:solidFill>
+              <a:srgbClr val="FF0000"/>
+            </a:solidFill>
+            <a:ln>
+              <a:solidFill>
+                <a:srgbClr val="FF0000"/>
+              </a:solidFill>
+            </a:ln>
+          </p:spPr>
+          <p:style>
+            <a:lnRef idx="2">
+              <a:schemeClr val="accent1">
+                <a:shade val="50000"/>
+              </a:schemeClr>
+            </a:lnRef>
+            <a:fillRef idx="1">
+              <a:schemeClr val="accent1"/>
+            </a:fillRef>
+            <a:effectRef idx="0">
+              <a:schemeClr val="accent1"/>
+            </a:effectRef>
+            <a:fontRef idx="minor">
+              <a:schemeClr val="lt1"/>
+            </a:fontRef>
+          </p:style>
+          <p:txBody>
+            <a:bodyPr rtlCol="0" anchor="ctr"/>
+            <a:lstStyle/>
+            <a:p>
+              <a:pPr algn="ctr"/>
+              <a:endParaRPr lang="zh-TW" altLang="en-US"/>
+            </a:p>
+          </p:txBody>
+        </p:sp>
+        <p:cxnSp>
+          <p:nvCxnSpPr>
+            <p:cNvPr id="7" name="直線接點 6"/>
+            <p:cNvCxnSpPr/>
+            <p:nvPr/>
+          </p:nvCxnSpPr>
+          <p:spPr>
+            <a:xfrm flipH="1" flipV="1">
+              <a:off x="8008936" y="3089277"/>
+              <a:ext cx="657224" cy="400048"/>
+            </a:xfrm>
+            <a:prstGeom prst="line">
+              <a:avLst/>
+            </a:prstGeom>
+            <a:ln w="38100">
+              <a:solidFill>
+                <a:schemeClr val="bg1">
+                  <a:lumMod val="50000"/>
+                </a:schemeClr>
+              </a:solidFill>
+              <a:prstDash val="sysDot"/>
+              <a:headEnd type="none" w="med" len="med"/>
+              <a:tailEnd type="none" w="med" len="med"/>
+            </a:ln>
+          </p:spPr>
+          <p:style>
+            <a:lnRef idx="1">
+              <a:schemeClr val="accent1"/>
+            </a:lnRef>
+            <a:fillRef idx="0">
+              <a:schemeClr val="accent1"/>
+            </a:fillRef>
+            <a:effectRef idx="0">
+              <a:schemeClr val="accent1"/>
+            </a:effectRef>
+            <a:fontRef idx="minor">
+              <a:schemeClr val="tx1"/>
+            </a:fontRef>
+          </p:style>
+        </p:cxnSp>
+        <p:cxnSp>
+          <p:nvCxnSpPr>
+            <p:cNvPr id="10" name="直線接點 9"/>
+            <p:cNvCxnSpPr/>
+            <p:nvPr/>
+          </p:nvCxnSpPr>
+          <p:spPr>
+            <a:xfrm>
+              <a:off x="7530872" y="1441450"/>
+              <a:ext cx="465365" cy="1628778"/>
+            </a:xfrm>
+            <a:prstGeom prst="line">
+              <a:avLst/>
+            </a:prstGeom>
+            <a:ln w="38100">
+              <a:solidFill>
+                <a:schemeClr val="bg1">
+                  <a:lumMod val="50000"/>
+                </a:schemeClr>
+              </a:solidFill>
+              <a:prstDash val="sysDot"/>
+              <a:headEnd type="none" w="med" len="med"/>
+              <a:tailEnd type="none" w="med" len="med"/>
+            </a:ln>
+          </p:spPr>
+          <p:style>
+            <a:lnRef idx="1">
+              <a:schemeClr val="accent1"/>
+            </a:lnRef>
+            <a:fillRef idx="0">
+              <a:schemeClr val="accent1"/>
+            </a:fillRef>
+            <a:effectRef idx="0">
+              <a:schemeClr val="accent1"/>
+            </a:effectRef>
+            <a:fontRef idx="minor">
+              <a:schemeClr val="tx1"/>
+            </a:fontRef>
+          </p:style>
+        </p:cxnSp>
+      </p:grpSp>
+      <p:grpSp>
+        <p:nvGrpSpPr>
+          <p:cNvPr id="48" name="群組 47"/>
+          <p:cNvGrpSpPr/>
+          <p:nvPr/>
+        </p:nvGrpSpPr>
+        <p:grpSpPr>
+          <a:xfrm>
+            <a:off x="13127891" y="482968"/>
+            <a:ext cx="5036390" cy="4386358"/>
+            <a:chOff x="5773485" y="3438430"/>
+            <a:chExt cx="3066420" cy="2670646"/>
+          </a:xfrm>
+        </p:grpSpPr>
+        <p:grpSp>
+          <p:nvGrpSpPr>
+            <p:cNvPr id="46" name="群組 45"/>
+            <p:cNvGrpSpPr/>
+            <p:nvPr/>
+          </p:nvGrpSpPr>
+          <p:grpSpPr>
+            <a:xfrm>
+              <a:off x="5773485" y="3438430"/>
+              <a:ext cx="3066420" cy="2670646"/>
+              <a:chOff x="5763960" y="3447955"/>
+              <a:chExt cx="3066420" cy="2670646"/>
+            </a:xfrm>
+          </p:grpSpPr>
+          <p:sp>
+            <p:nvSpPr>
+              <p:cNvPr id="40" name="橢圓 39"/>
+              <p:cNvSpPr/>
+              <p:nvPr/>
+            </p:nvSpPr>
+            <p:spPr>
+              <a:xfrm>
+                <a:off x="5885876" y="4072939"/>
+                <a:ext cx="734298" cy="734298"/>
+              </a:xfrm>
+              <a:prstGeom prst="ellipse">
+                <a:avLst/>
+              </a:prstGeom>
+              <a:solidFill>
+                <a:schemeClr val="accent2">
+                  <a:lumMod val="20000"/>
+                  <a:lumOff val="80000"/>
+                </a:schemeClr>
+              </a:solidFill>
+              <a:ln>
+                <a:solidFill>
+                  <a:schemeClr val="accent2">
+                    <a:lumMod val="20000"/>
+                    <a:lumOff val="80000"/>
+                  </a:schemeClr>
+                </a:solidFill>
+              </a:ln>
+            </p:spPr>
+            <p:style>
+              <a:lnRef idx="2">
+                <a:schemeClr val="accent1">
+                  <a:shade val="50000"/>
+                </a:schemeClr>
+              </a:lnRef>
+              <a:fillRef idx="1">
+                <a:schemeClr val="accent1"/>
+              </a:fillRef>
+              <a:effectRef idx="0">
+                <a:schemeClr val="accent1"/>
+              </a:effectRef>
+              <a:fontRef idx="minor">
+                <a:schemeClr val="lt1"/>
+              </a:fontRef>
+            </p:style>
+            <p:txBody>
+              <a:bodyPr rtlCol="0" anchor="ctr"/>
+              <a:lstStyle/>
+              <a:p>
+                <a:pPr algn="ctr"/>
+                <a:endParaRPr lang="zh-TW" altLang="en-US"/>
+              </a:p>
+            </p:txBody>
+          </p:sp>
+          <p:sp>
+            <p:nvSpPr>
+              <p:cNvPr id="41" name="橢圓 40"/>
+              <p:cNvSpPr/>
+              <p:nvPr/>
+            </p:nvSpPr>
+            <p:spPr>
+              <a:xfrm>
+                <a:off x="5810675" y="4682953"/>
+                <a:ext cx="734298" cy="734298"/>
+              </a:xfrm>
+              <a:prstGeom prst="ellipse">
+                <a:avLst/>
+              </a:prstGeom>
+              <a:solidFill>
+                <a:schemeClr val="accent2">
+                  <a:lumMod val="20000"/>
+                  <a:lumOff val="80000"/>
+                </a:schemeClr>
+              </a:solidFill>
+              <a:ln>
+                <a:solidFill>
+                  <a:schemeClr val="accent2">
+                    <a:lumMod val="20000"/>
+                    <a:lumOff val="80000"/>
+                  </a:schemeClr>
+                </a:solidFill>
+              </a:ln>
+            </p:spPr>
+            <p:style>
+              <a:lnRef idx="2">
+                <a:schemeClr val="accent1">
+                  <a:shade val="50000"/>
+                </a:schemeClr>
+              </a:lnRef>
+              <a:fillRef idx="1">
+                <a:schemeClr val="accent1"/>
+              </a:fillRef>
+              <a:effectRef idx="0">
+                <a:schemeClr val="accent1"/>
+              </a:effectRef>
+              <a:fontRef idx="minor">
+                <a:schemeClr val="lt1"/>
+              </a:fontRef>
+            </p:style>
+            <p:txBody>
+              <a:bodyPr rtlCol="0" anchor="ctr"/>
+              <a:lstStyle/>
+              <a:p>
+                <a:pPr algn="ctr"/>
+                <a:endParaRPr lang="zh-TW" altLang="en-US"/>
+              </a:p>
+            </p:txBody>
+          </p:sp>
+          <p:grpSp>
+            <p:nvGrpSpPr>
+              <p:cNvPr id="45" name="群組 44"/>
+              <p:cNvGrpSpPr/>
+              <p:nvPr/>
+            </p:nvGrpSpPr>
+            <p:grpSpPr>
+              <a:xfrm>
+                <a:off x="5763960" y="3447955"/>
+                <a:ext cx="3066420" cy="2670646"/>
+                <a:chOff x="5763960" y="3447955"/>
+                <a:chExt cx="3066420" cy="2670646"/>
+              </a:xfrm>
+            </p:grpSpPr>
+            <p:sp>
+              <p:nvSpPr>
+                <p:cNvPr id="34" name="橢圓 33"/>
+                <p:cNvSpPr/>
+                <p:nvPr/>
+              </p:nvSpPr>
+              <p:spPr>
+                <a:xfrm>
+                  <a:off x="6546415" y="5384303"/>
+                  <a:ext cx="734298" cy="734298"/>
+                </a:xfrm>
+                <a:prstGeom prst="ellipse">
+                  <a:avLst/>
+                </a:prstGeom>
+                <a:solidFill>
+                  <a:schemeClr val="accent2">
+                    <a:lumMod val="20000"/>
+                    <a:lumOff val="80000"/>
+                  </a:schemeClr>
+                </a:solidFill>
+                <a:ln>
+                  <a:solidFill>
+                    <a:schemeClr val="accent2">
+                      <a:lumMod val="20000"/>
+                      <a:lumOff val="80000"/>
+                    </a:schemeClr>
+                  </a:solidFill>
+                </a:ln>
+              </p:spPr>
+              <p:style>
+                <a:lnRef idx="2">
+                  <a:schemeClr val="accent1">
+                    <a:shade val="50000"/>
+                  </a:schemeClr>
+                </a:lnRef>
+                <a:fillRef idx="1">
+                  <a:schemeClr val="accent1"/>
+                </a:fillRef>
+                <a:effectRef idx="0">
+                  <a:schemeClr val="accent1"/>
+                </a:effectRef>
+                <a:fontRef idx="minor">
+                  <a:schemeClr val="lt1"/>
+                </a:fontRef>
+              </p:style>
+              <p:txBody>
+                <a:bodyPr rtlCol="0" anchor="ctr"/>
+                <a:lstStyle/>
+                <a:p>
+                  <a:pPr algn="ctr"/>
+                  <a:endParaRPr lang="zh-TW" altLang="en-US"/>
+                </a:p>
+              </p:txBody>
+            </p:sp>
+            <p:sp>
+              <p:nvSpPr>
+                <p:cNvPr id="36" name="橢圓 35"/>
+                <p:cNvSpPr/>
+                <p:nvPr/>
+              </p:nvSpPr>
+              <p:spPr>
+                <a:xfrm>
+                  <a:off x="6395179" y="5344032"/>
+                  <a:ext cx="734298" cy="734298"/>
+                </a:xfrm>
+                <a:prstGeom prst="ellipse">
+                  <a:avLst/>
+                </a:prstGeom>
+                <a:solidFill>
+                  <a:schemeClr val="accent2">
+                    <a:lumMod val="20000"/>
+                    <a:lumOff val="80000"/>
+                  </a:schemeClr>
+                </a:solidFill>
+                <a:ln>
+                  <a:solidFill>
+                    <a:schemeClr val="accent2">
+                      <a:lumMod val="20000"/>
+                      <a:lumOff val="80000"/>
+                    </a:schemeClr>
+                  </a:solidFill>
+                </a:ln>
+              </p:spPr>
+              <p:style>
+                <a:lnRef idx="2">
+                  <a:schemeClr val="accent1">
+                    <a:shade val="50000"/>
+                  </a:schemeClr>
+                </a:lnRef>
+                <a:fillRef idx="1">
+                  <a:schemeClr val="accent1"/>
+                </a:fillRef>
+                <a:effectRef idx="0">
+                  <a:schemeClr val="accent1"/>
+                </a:effectRef>
+                <a:fontRef idx="minor">
+                  <a:schemeClr val="lt1"/>
+                </a:fontRef>
+              </p:style>
+              <p:txBody>
+                <a:bodyPr rtlCol="0" anchor="ctr"/>
+                <a:lstStyle/>
+                <a:p>
+                  <a:pPr algn="ctr"/>
+                  <a:endParaRPr lang="zh-TW" altLang="en-US"/>
+                </a:p>
+              </p:txBody>
+            </p:sp>
+            <p:grpSp>
+              <p:nvGrpSpPr>
+                <p:cNvPr id="44" name="群組 43"/>
+                <p:cNvGrpSpPr/>
+                <p:nvPr/>
+              </p:nvGrpSpPr>
+              <p:grpSpPr>
+                <a:xfrm>
+                  <a:off x="5763960" y="3447955"/>
+                  <a:ext cx="3066420" cy="2635282"/>
+                  <a:chOff x="4126372" y="3211177"/>
+                  <a:chExt cx="3066420" cy="2635282"/>
+                </a:xfrm>
+              </p:grpSpPr>
+              <p:sp>
+                <p:nvSpPr>
+                  <p:cNvPr id="22" name="月亮 21"/>
+                  <p:cNvSpPr/>
+                  <p:nvPr/>
+                </p:nvSpPr>
+                <p:spPr>
+                  <a:xfrm rot="18004199">
+                    <a:off x="4222875" y="3984110"/>
+                    <a:ext cx="1678346" cy="1816018"/>
+                  </a:xfrm>
+                  <a:prstGeom prst="moon">
+                    <a:avLst/>
+                  </a:prstGeom>
+                  <a:solidFill>
+                    <a:schemeClr val="accent2">
+                      <a:lumMod val="20000"/>
+                      <a:lumOff val="80000"/>
+                    </a:schemeClr>
+                  </a:solidFill>
+                  <a:ln>
+                    <a:solidFill>
+                      <a:schemeClr val="accent2">
+                        <a:lumMod val="20000"/>
+                        <a:lumOff val="80000"/>
+                      </a:schemeClr>
+                    </a:solidFill>
+                  </a:ln>
+                </p:spPr>
+                <p:style>
+                  <a:lnRef idx="2">
+                    <a:schemeClr val="accent1">
+                      <a:shade val="50000"/>
+                    </a:schemeClr>
+                  </a:lnRef>
+                  <a:fillRef idx="1">
+                    <a:schemeClr val="accent1"/>
+                  </a:fillRef>
+                  <a:effectRef idx="0">
+                    <a:schemeClr val="accent1"/>
+                  </a:effectRef>
+                  <a:fontRef idx="minor">
+                    <a:schemeClr val="lt1"/>
+                  </a:fontRef>
+                </p:style>
+                <p:txBody>
+                  <a:bodyPr rtlCol="0" anchor="ctr"/>
+                  <a:lstStyle/>
+                  <a:p>
+                    <a:pPr algn="ctr"/>
+                    <a:endParaRPr lang="zh-TW" altLang="en-US"/>
+                  </a:p>
+                </p:txBody>
+              </p:sp>
+              <p:sp>
+                <p:nvSpPr>
+                  <p:cNvPr id="28" name="圓角矩形 27"/>
+                  <p:cNvSpPr/>
+                  <p:nvPr/>
+                </p:nvSpPr>
+                <p:spPr>
+                  <a:xfrm rot="19094697">
+                    <a:off x="5172406" y="4737740"/>
+                    <a:ext cx="2020386" cy="514241"/>
+                  </a:xfrm>
+                  <a:prstGeom prst="roundRect">
+                    <a:avLst>
+                      <a:gd name="adj" fmla="val 50000"/>
+                    </a:avLst>
+                  </a:prstGeom>
+                  <a:solidFill>
+                    <a:schemeClr val="accent2">
+                      <a:lumMod val="20000"/>
+                      <a:lumOff val="80000"/>
+                    </a:schemeClr>
+                  </a:solidFill>
+                  <a:ln>
+                    <a:solidFill>
+                      <a:schemeClr val="accent2">
+                        <a:lumMod val="20000"/>
+                        <a:lumOff val="80000"/>
+                      </a:schemeClr>
+                    </a:solidFill>
+                  </a:ln>
+                </p:spPr>
+                <p:style>
+                  <a:lnRef idx="2">
+                    <a:schemeClr val="accent1">
+                      <a:shade val="50000"/>
+                    </a:schemeClr>
+                  </a:lnRef>
+                  <a:fillRef idx="1">
+                    <a:schemeClr val="accent1"/>
+                  </a:fillRef>
+                  <a:effectRef idx="0">
+                    <a:schemeClr val="accent1"/>
+                  </a:effectRef>
+                  <a:fontRef idx="minor">
+                    <a:schemeClr val="lt1"/>
+                  </a:fontRef>
+                </p:style>
+                <p:txBody>
+                  <a:bodyPr rtlCol="0" anchor="ctr"/>
+                  <a:lstStyle/>
+                  <a:p>
+                    <a:pPr algn="ctr"/>
+                    <a:endParaRPr lang="zh-TW" altLang="en-US"/>
+                  </a:p>
+                </p:txBody>
+              </p:sp>
+              <p:sp>
+                <p:nvSpPr>
+                  <p:cNvPr id="32" name="橢圓 31"/>
+                  <p:cNvSpPr/>
+                  <p:nvPr/>
+                </p:nvSpPr>
+                <p:spPr>
+                  <a:xfrm>
+                    <a:off x="4456058" y="4979129"/>
+                    <a:ext cx="734298" cy="734298"/>
+                  </a:xfrm>
+                  <a:prstGeom prst="ellipse">
+                    <a:avLst/>
+                  </a:prstGeom>
+                  <a:solidFill>
+                    <a:schemeClr val="accent2">
+                      <a:lumMod val="20000"/>
+                      <a:lumOff val="80000"/>
+                    </a:schemeClr>
+                  </a:solidFill>
+                  <a:ln>
+                    <a:solidFill>
+                      <a:schemeClr val="accent2">
+                        <a:lumMod val="20000"/>
+                        <a:lumOff val="80000"/>
+                      </a:schemeClr>
+                    </a:solidFill>
+                  </a:ln>
+                </p:spPr>
+                <p:style>
+                  <a:lnRef idx="2">
+                    <a:schemeClr val="accent1">
+                      <a:shade val="50000"/>
+                    </a:schemeClr>
+                  </a:lnRef>
+                  <a:fillRef idx="1">
+                    <a:schemeClr val="accent1"/>
+                  </a:fillRef>
+                  <a:effectRef idx="0">
+                    <a:schemeClr val="accent1"/>
+                  </a:effectRef>
+                  <a:fontRef idx="minor">
+                    <a:schemeClr val="lt1"/>
+                  </a:fontRef>
+                </p:style>
+                <p:txBody>
+                  <a:bodyPr rtlCol="0" anchor="ctr"/>
+                  <a:lstStyle/>
+                  <a:p>
+                    <a:pPr algn="ctr"/>
+                    <a:endParaRPr lang="zh-TW" altLang="en-US"/>
+                  </a:p>
+                </p:txBody>
+              </p:sp>
+              <p:sp>
+                <p:nvSpPr>
+                  <p:cNvPr id="33" name="橢圓 32"/>
+                  <p:cNvSpPr/>
+                  <p:nvPr/>
+                </p:nvSpPr>
+                <p:spPr>
+                  <a:xfrm>
+                    <a:off x="4609174" y="5065471"/>
+                    <a:ext cx="734298" cy="734298"/>
+                  </a:xfrm>
+                  <a:prstGeom prst="ellipse">
+                    <a:avLst/>
+                  </a:prstGeom>
+                  <a:solidFill>
+                    <a:schemeClr val="accent2">
+                      <a:lumMod val="20000"/>
+                      <a:lumOff val="80000"/>
+                    </a:schemeClr>
+                  </a:solidFill>
+                  <a:ln>
+                    <a:solidFill>
+                      <a:schemeClr val="accent2">
+                        <a:lumMod val="20000"/>
+                        <a:lumOff val="80000"/>
+                      </a:schemeClr>
+                    </a:solidFill>
+                  </a:ln>
+                </p:spPr>
+                <p:style>
+                  <a:lnRef idx="2">
+                    <a:schemeClr val="accent1">
+                      <a:shade val="50000"/>
+                    </a:schemeClr>
+                  </a:lnRef>
+                  <a:fillRef idx="1">
+                    <a:schemeClr val="accent1"/>
+                  </a:fillRef>
+                  <a:effectRef idx="0">
+                    <a:schemeClr val="accent1"/>
+                  </a:effectRef>
+                  <a:fontRef idx="minor">
+                    <a:schemeClr val="lt1"/>
+                  </a:fontRef>
+                </p:style>
+                <p:txBody>
+                  <a:bodyPr rtlCol="0" anchor="ctr"/>
+                  <a:lstStyle/>
+                  <a:p>
+                    <a:pPr algn="ctr"/>
+                    <a:endParaRPr lang="zh-TW" altLang="en-US"/>
+                  </a:p>
+                </p:txBody>
+              </p:sp>
+              <p:sp>
+                <p:nvSpPr>
+                  <p:cNvPr id="35" name="橢圓 34"/>
+                  <p:cNvSpPr/>
+                  <p:nvPr/>
+                </p:nvSpPr>
+                <p:spPr>
+                  <a:xfrm>
+                    <a:off x="5081834" y="5112161"/>
+                    <a:ext cx="734298" cy="734298"/>
+                  </a:xfrm>
+                  <a:prstGeom prst="ellipse">
+                    <a:avLst/>
+                  </a:prstGeom>
+                  <a:solidFill>
+                    <a:schemeClr val="accent2">
+                      <a:lumMod val="20000"/>
+                      <a:lumOff val="80000"/>
+                    </a:schemeClr>
+                  </a:solidFill>
+                  <a:ln>
+                    <a:solidFill>
+                      <a:schemeClr val="accent2">
+                        <a:lumMod val="20000"/>
+                        <a:lumOff val="80000"/>
+                      </a:schemeClr>
+                    </a:solidFill>
+                  </a:ln>
+                </p:spPr>
+                <p:style>
+                  <a:lnRef idx="2">
+                    <a:schemeClr val="accent1">
+                      <a:shade val="50000"/>
+                    </a:schemeClr>
+                  </a:lnRef>
+                  <a:fillRef idx="1">
+                    <a:schemeClr val="accent1"/>
+                  </a:fillRef>
+                  <a:effectRef idx="0">
+                    <a:schemeClr val="accent1"/>
+                  </a:effectRef>
+                  <a:fontRef idx="minor">
+                    <a:schemeClr val="lt1"/>
+                  </a:fontRef>
+                </p:style>
+                <p:txBody>
+                  <a:bodyPr rtlCol="0" anchor="ctr"/>
+                  <a:lstStyle/>
+                  <a:p>
+                    <a:pPr algn="ctr"/>
+                    <a:endParaRPr lang="zh-TW" altLang="en-US"/>
+                  </a:p>
+                </p:txBody>
+              </p:sp>
+              <p:sp>
+                <p:nvSpPr>
+                  <p:cNvPr id="38" name="圓角矩形 37"/>
+                  <p:cNvSpPr/>
+                  <p:nvPr/>
+                </p:nvSpPr>
+                <p:spPr>
+                  <a:xfrm rot="18935611">
+                    <a:off x="4126372" y="3211177"/>
+                    <a:ext cx="2020386" cy="514241"/>
+                  </a:xfrm>
+                  <a:prstGeom prst="roundRect">
+                    <a:avLst>
+                      <a:gd name="adj" fmla="val 50000"/>
+                    </a:avLst>
+                  </a:prstGeom>
+                  <a:solidFill>
+                    <a:schemeClr val="accent2">
+                      <a:lumMod val="20000"/>
+                      <a:lumOff val="80000"/>
+                    </a:schemeClr>
+                  </a:solidFill>
+                  <a:ln>
+                    <a:solidFill>
+                      <a:schemeClr val="accent2">
+                        <a:lumMod val="20000"/>
+                        <a:lumOff val="80000"/>
+                      </a:schemeClr>
+                    </a:solidFill>
+                  </a:ln>
+                </p:spPr>
+                <p:style>
+                  <a:lnRef idx="2">
+                    <a:schemeClr val="accent1">
+                      <a:shade val="50000"/>
+                    </a:schemeClr>
+                  </a:lnRef>
+                  <a:fillRef idx="1">
+                    <a:schemeClr val="accent1"/>
+                  </a:fillRef>
+                  <a:effectRef idx="0">
+                    <a:schemeClr val="accent1"/>
+                  </a:effectRef>
+                  <a:fontRef idx="minor">
+                    <a:schemeClr val="lt1"/>
+                  </a:fontRef>
+                </p:style>
+                <p:txBody>
+                  <a:bodyPr rtlCol="0" anchor="ctr"/>
+                  <a:lstStyle/>
+                  <a:p>
+                    <a:pPr algn="ctr"/>
+                    <a:endParaRPr lang="zh-TW" altLang="en-US"/>
+                  </a:p>
+                </p:txBody>
+              </p:sp>
+              <p:sp>
+                <p:nvSpPr>
+                  <p:cNvPr id="39" name="圓角矩形 38"/>
+                  <p:cNvSpPr/>
+                  <p:nvPr/>
+                </p:nvSpPr>
+                <p:spPr>
+                  <a:xfrm rot="19094697">
+                    <a:off x="4389063" y="3504157"/>
+                    <a:ext cx="2020386" cy="514241"/>
+                  </a:xfrm>
+                  <a:prstGeom prst="roundRect">
+                    <a:avLst>
+                      <a:gd name="adj" fmla="val 50000"/>
+                    </a:avLst>
+                  </a:prstGeom>
+                  <a:solidFill>
+                    <a:schemeClr val="accent2">
+                      <a:lumMod val="20000"/>
+                      <a:lumOff val="80000"/>
+                    </a:schemeClr>
+                  </a:solidFill>
+                  <a:ln>
+                    <a:solidFill>
+                      <a:schemeClr val="accent2">
+                        <a:lumMod val="20000"/>
+                        <a:lumOff val="80000"/>
+                      </a:schemeClr>
+                    </a:solidFill>
+                  </a:ln>
+                </p:spPr>
+                <p:style>
+                  <a:lnRef idx="2">
+                    <a:schemeClr val="accent1">
+                      <a:shade val="50000"/>
+                    </a:schemeClr>
+                  </a:lnRef>
+                  <a:fillRef idx="1">
+                    <a:schemeClr val="accent1"/>
+                  </a:fillRef>
+                  <a:effectRef idx="0">
+                    <a:schemeClr val="accent1"/>
+                  </a:effectRef>
+                  <a:fontRef idx="minor">
+                    <a:schemeClr val="lt1"/>
+                  </a:fontRef>
+                </p:style>
+                <p:txBody>
+                  <a:bodyPr rtlCol="0" anchor="ctr"/>
+                  <a:lstStyle/>
+                  <a:p>
+                    <a:pPr algn="ctr"/>
+                    <a:endParaRPr lang="zh-TW" altLang="en-US"/>
+                  </a:p>
+                </p:txBody>
+              </p:sp>
+              <p:sp>
+                <p:nvSpPr>
+                  <p:cNvPr id="42" name="橢圓 41"/>
+                  <p:cNvSpPr/>
+                  <p:nvPr/>
+                </p:nvSpPr>
+                <p:spPr>
+                  <a:xfrm>
+                    <a:off x="4241449" y="4700732"/>
+                    <a:ext cx="734298" cy="734298"/>
+                  </a:xfrm>
+                  <a:prstGeom prst="ellipse">
+                    <a:avLst/>
+                  </a:prstGeom>
+                  <a:solidFill>
+                    <a:schemeClr val="accent2">
+                      <a:lumMod val="20000"/>
+                      <a:lumOff val="80000"/>
+                    </a:schemeClr>
+                  </a:solidFill>
+                  <a:ln>
+                    <a:solidFill>
+                      <a:schemeClr val="accent2">
+                        <a:lumMod val="20000"/>
+                        <a:lumOff val="80000"/>
+                      </a:schemeClr>
+                    </a:solidFill>
+                  </a:ln>
+                </p:spPr>
+                <p:style>
+                  <a:lnRef idx="2">
+                    <a:schemeClr val="accent1">
+                      <a:shade val="50000"/>
+                    </a:schemeClr>
+                  </a:lnRef>
+                  <a:fillRef idx="1">
+                    <a:schemeClr val="accent1"/>
+                  </a:fillRef>
+                  <a:effectRef idx="0">
+                    <a:schemeClr val="accent1"/>
+                  </a:effectRef>
+                  <a:fontRef idx="minor">
+                    <a:schemeClr val="lt1"/>
+                  </a:fontRef>
+                </p:style>
+                <p:txBody>
+                  <a:bodyPr rtlCol="0" anchor="ctr"/>
+                  <a:lstStyle/>
+                  <a:p>
+                    <a:pPr algn="ctr"/>
+                    <a:endParaRPr lang="zh-TW" altLang="en-US"/>
+                  </a:p>
+                </p:txBody>
+              </p:sp>
+              <p:sp>
+                <p:nvSpPr>
+                  <p:cNvPr id="43" name="橢圓 42"/>
+                  <p:cNvSpPr/>
+                  <p:nvPr/>
+                </p:nvSpPr>
+                <p:spPr>
+                  <a:xfrm>
+                    <a:off x="4350143" y="4866307"/>
+                    <a:ext cx="734298" cy="734298"/>
+                  </a:xfrm>
+                  <a:prstGeom prst="ellipse">
+                    <a:avLst/>
+                  </a:prstGeom>
+                  <a:solidFill>
+                    <a:schemeClr val="accent2">
+                      <a:lumMod val="20000"/>
+                      <a:lumOff val="80000"/>
+                    </a:schemeClr>
+                  </a:solidFill>
+                  <a:ln>
+                    <a:solidFill>
+                      <a:schemeClr val="accent2">
+                        <a:lumMod val="20000"/>
+                        <a:lumOff val="80000"/>
+                      </a:schemeClr>
+                    </a:solidFill>
+                  </a:ln>
+                </p:spPr>
+                <p:style>
+                  <a:lnRef idx="2">
+                    <a:schemeClr val="accent1">
+                      <a:shade val="50000"/>
+                    </a:schemeClr>
+                  </a:lnRef>
+                  <a:fillRef idx="1">
+                    <a:schemeClr val="accent1"/>
+                  </a:fillRef>
+                  <a:effectRef idx="0">
+                    <a:schemeClr val="accent1"/>
+                  </a:effectRef>
+                  <a:fontRef idx="minor">
+                    <a:schemeClr val="lt1"/>
+                  </a:fontRef>
+                </p:style>
+                <p:txBody>
+                  <a:bodyPr rtlCol="0" anchor="ctr"/>
+                  <a:lstStyle/>
+                  <a:p>
+                    <a:pPr algn="ctr"/>
+                    <a:endParaRPr lang="zh-TW" altLang="en-US"/>
+                  </a:p>
+                </p:txBody>
+              </p:sp>
+            </p:grpSp>
+          </p:grpSp>
+        </p:grpSp>
+        <p:sp>
+          <p:nvSpPr>
+            <p:cNvPr id="47" name="橢圓 46"/>
+            <p:cNvSpPr/>
+            <p:nvPr/>
+          </p:nvSpPr>
+          <p:spPr>
+            <a:xfrm>
+              <a:off x="5825427" y="4407990"/>
+              <a:ext cx="734298" cy="734298"/>
+            </a:xfrm>
+            <a:prstGeom prst="ellipse">
+              <a:avLst/>
+            </a:prstGeom>
+            <a:solidFill>
+              <a:schemeClr val="accent2">
+                <a:lumMod val="20000"/>
+                <a:lumOff val="80000"/>
+              </a:schemeClr>
+            </a:solidFill>
+            <a:ln>
+              <a:solidFill>
+                <a:schemeClr val="accent2">
+                  <a:lumMod val="20000"/>
+                  <a:lumOff val="80000"/>
+                </a:schemeClr>
+              </a:solidFill>
+            </a:ln>
+          </p:spPr>
+          <p:style>
+            <a:lnRef idx="2">
+              <a:schemeClr val="accent1">
+                <a:shade val="50000"/>
+              </a:schemeClr>
+            </a:lnRef>
+            <a:fillRef idx="1">
+              <a:schemeClr val="accent1"/>
+            </a:fillRef>
+            <a:effectRef idx="0">
+              <a:schemeClr val="accent1"/>
+            </a:effectRef>
+            <a:fontRef idx="minor">
+              <a:schemeClr val="lt1"/>
+            </a:fontRef>
+          </p:style>
+          <p:txBody>
+            <a:bodyPr rtlCol="0" anchor="ctr"/>
+            <a:lstStyle/>
+            <a:p>
+              <a:pPr algn="ctr"/>
+              <a:endParaRPr lang="zh-TW" altLang="en-US"/>
+            </a:p>
+          </p:txBody>
+        </p:sp>
+      </p:grpSp>
+    </p:spTree>
+    <p:extLst>
+      <p:ext uri="{BB962C8B-B14F-4D97-AF65-F5344CB8AC3E}">
+        <p14:creationId xmlns:p14="http://schemas.microsoft.com/office/powerpoint/2010/main" val="2844084017"/>
+      </p:ext>
+    </p:extLst>
+  </p:cSld>
+  <p:clrMapOvr>
+    <a:masterClrMapping/>
+  </p:clrMapOvr>
+</p:sld>
+</file>
+
 <file path=ppt/theme/theme1.xml><?xml version="1.0" encoding="utf-8"?>
 <a:theme xmlns:a="http://schemas.openxmlformats.org/drawingml/2006/main" name="Office 佈景主題">
   <a:themeElements>

--- a/009YiChan/Chan's thesis/Images/Original/ppt.pptx
+++ b/009YiChan/Chan's thesis/Images/Original/ppt.pptx
@@ -5,7 +5,7 @@
     <p:sldMasterId id="2147483648" r:id="rId1"/>
   </p:sldMasterIdLst>
   <p:notesMasterIdLst>
-    <p:notesMasterId r:id="rId12"/>
+    <p:notesMasterId r:id="rId14"/>
   </p:notesMasterIdLst>
   <p:sldIdLst>
     <p:sldId id="257" r:id="rId2"/>
@@ -18,6 +18,8 @@
     <p:sldId id="265" r:id="rId9"/>
     <p:sldId id="267" r:id="rId10"/>
     <p:sldId id="268" r:id="rId11"/>
+    <p:sldId id="269" r:id="rId12"/>
+    <p:sldId id="270" r:id="rId13"/>
   </p:sldIdLst>
   <p:sldSz cx="12192000" cy="6858000"/>
   <p:notesSz cx="6858000" cy="9144000"/>
@@ -206,7 +208,7 @@
           <a:p>
             <a:fld id="{1C8D2AD6-9366-4FD0-8D5E-D0A160B803F4}" type="datetimeFigureOut">
               <a:rPr lang="zh-TW" altLang="en-US" smtClean="0"/>
-              <a:t>2021/5/6</a:t>
+              <a:t>2021/5/24</a:t>
             </a:fld>
             <a:endParaRPr lang="zh-TW" altLang="en-US"/>
           </a:p>
@@ -270,38 +272,37 @@
           <a:p>
             <a:pPr lvl="0"/>
             <a:r>
-              <a:rPr lang="zh-TW" altLang="en-US" smtClean="0"/>
+              <a:rPr lang="zh-TW" altLang="en-US"/>
               <a:t>編輯母片文字樣式</a:t>
             </a:r>
           </a:p>
           <a:p>
             <a:pPr lvl="1"/>
             <a:r>
-              <a:rPr lang="zh-TW" altLang="en-US" smtClean="0"/>
+              <a:rPr lang="zh-TW" altLang="en-US"/>
               <a:t>第二層</a:t>
             </a:r>
           </a:p>
           <a:p>
             <a:pPr lvl="2"/>
             <a:r>
-              <a:rPr lang="zh-TW" altLang="en-US" smtClean="0"/>
+              <a:rPr lang="zh-TW" altLang="en-US"/>
               <a:t>第三層</a:t>
             </a:r>
           </a:p>
           <a:p>
             <a:pPr lvl="3"/>
             <a:r>
-              <a:rPr lang="zh-TW" altLang="en-US" smtClean="0"/>
+              <a:rPr lang="zh-TW" altLang="en-US"/>
               <a:t>第四層</a:t>
             </a:r>
           </a:p>
           <a:p>
             <a:pPr lvl="4"/>
             <a:r>
-              <a:rPr lang="zh-TW" altLang="en-US" smtClean="0"/>
+              <a:rPr lang="zh-TW" altLang="en-US"/>
               <a:t>第五層</a:t>
             </a:r>
-            <a:endParaRPr lang="zh-TW" altLang="en-US"/>
           </a:p>
         </p:txBody>
       </p:sp>
@@ -518,10 +519,10 @@
           <a:bodyPr/>
           <a:lstStyle/>
           <a:p>
-            <a:endParaRPr lang="en-US" altLang="zh-TW" dirty="0" smtClean="0"/>
+            <a:endParaRPr lang="en-US" altLang="zh-TW" dirty="0"/>
           </a:p>
           <a:p>
-            <a:endParaRPr lang="en-US" altLang="zh-TW" dirty="0" smtClean="0"/>
+            <a:endParaRPr lang="en-US" altLang="zh-TW" dirty="0"/>
           </a:p>
         </p:txBody>
       </p:sp>
@@ -603,10 +604,9 @@
           </a:lstStyle>
           <a:p>
             <a:r>
-              <a:rPr lang="zh-TW" altLang="en-US" smtClean="0"/>
+              <a:rPr lang="zh-TW" altLang="en-US"/>
               <a:t>按一下以編輯母片標題樣式</a:t>
             </a:r>
-            <a:endParaRPr lang="zh-TW" altLang="en-US"/>
           </a:p>
         </p:txBody>
       </p:sp>
@@ -668,10 +668,9 @@
           </a:lstStyle>
           <a:p>
             <a:r>
-              <a:rPr lang="zh-TW" altLang="en-US" smtClean="0"/>
+              <a:rPr lang="zh-TW" altLang="en-US"/>
               <a:t>按一下以編輯母片副標題樣式</a:t>
             </a:r>
-            <a:endParaRPr lang="zh-TW" altLang="en-US"/>
           </a:p>
         </p:txBody>
       </p:sp>
@@ -692,7 +691,7 @@
           <a:p>
             <a:fld id="{CA9831EC-52C6-4491-A088-87BB9C263796}" type="datetimeFigureOut">
               <a:rPr lang="zh-TW" altLang="en-US" smtClean="0"/>
-              <a:t>2021/5/6</a:t>
+              <a:t>2021/5/24</a:t>
             </a:fld>
             <a:endParaRPr lang="zh-TW" altLang="en-US"/>
           </a:p>
@@ -786,10 +785,9 @@
           <a:lstStyle/>
           <a:p>
             <a:r>
-              <a:rPr lang="zh-TW" altLang="en-US" smtClean="0"/>
+              <a:rPr lang="zh-TW" altLang="en-US"/>
               <a:t>按一下以編輯母片標題樣式</a:t>
             </a:r>
-            <a:endParaRPr lang="zh-TW" altLang="en-US"/>
           </a:p>
         </p:txBody>
       </p:sp>
@@ -810,38 +808,37 @@
           <a:p>
             <a:pPr lvl="0"/>
             <a:r>
-              <a:rPr lang="zh-TW" altLang="en-US" smtClean="0"/>
+              <a:rPr lang="zh-TW" altLang="en-US"/>
               <a:t>編輯母片文字樣式</a:t>
             </a:r>
           </a:p>
           <a:p>
             <a:pPr lvl="1"/>
             <a:r>
-              <a:rPr lang="zh-TW" altLang="en-US" smtClean="0"/>
+              <a:rPr lang="zh-TW" altLang="en-US"/>
               <a:t>第二層</a:t>
             </a:r>
           </a:p>
           <a:p>
             <a:pPr lvl="2"/>
             <a:r>
-              <a:rPr lang="zh-TW" altLang="en-US" smtClean="0"/>
+              <a:rPr lang="zh-TW" altLang="en-US"/>
               <a:t>第三層</a:t>
             </a:r>
           </a:p>
           <a:p>
             <a:pPr lvl="3"/>
             <a:r>
-              <a:rPr lang="zh-TW" altLang="en-US" smtClean="0"/>
+              <a:rPr lang="zh-TW" altLang="en-US"/>
               <a:t>第四層</a:t>
             </a:r>
           </a:p>
           <a:p>
             <a:pPr lvl="4"/>
             <a:r>
-              <a:rPr lang="zh-TW" altLang="en-US" smtClean="0"/>
+              <a:rPr lang="zh-TW" altLang="en-US"/>
               <a:t>第五層</a:t>
             </a:r>
-            <a:endParaRPr lang="zh-TW" altLang="en-US"/>
           </a:p>
         </p:txBody>
       </p:sp>
@@ -862,7 +859,7 @@
           <a:p>
             <a:fld id="{CA9831EC-52C6-4491-A088-87BB9C263796}" type="datetimeFigureOut">
               <a:rPr lang="zh-TW" altLang="en-US" smtClean="0"/>
-              <a:t>2021/5/6</a:t>
+              <a:t>2021/5/24</a:t>
             </a:fld>
             <a:endParaRPr lang="zh-TW" altLang="en-US"/>
           </a:p>
@@ -961,10 +958,9 @@
           <a:lstStyle/>
           <a:p>
             <a:r>
-              <a:rPr lang="zh-TW" altLang="en-US" smtClean="0"/>
+              <a:rPr lang="zh-TW" altLang="en-US"/>
               <a:t>按一下以編輯母片標題樣式</a:t>
             </a:r>
-            <a:endParaRPr lang="zh-TW" altLang="en-US"/>
           </a:p>
         </p:txBody>
       </p:sp>
@@ -990,38 +986,37 @@
           <a:p>
             <a:pPr lvl="0"/>
             <a:r>
-              <a:rPr lang="zh-TW" altLang="en-US" smtClean="0"/>
+              <a:rPr lang="zh-TW" altLang="en-US"/>
               <a:t>編輯母片文字樣式</a:t>
             </a:r>
           </a:p>
           <a:p>
             <a:pPr lvl="1"/>
             <a:r>
-              <a:rPr lang="zh-TW" altLang="en-US" smtClean="0"/>
+              <a:rPr lang="zh-TW" altLang="en-US"/>
               <a:t>第二層</a:t>
             </a:r>
           </a:p>
           <a:p>
             <a:pPr lvl="2"/>
             <a:r>
-              <a:rPr lang="zh-TW" altLang="en-US" smtClean="0"/>
+              <a:rPr lang="zh-TW" altLang="en-US"/>
               <a:t>第三層</a:t>
             </a:r>
           </a:p>
           <a:p>
             <a:pPr lvl="3"/>
             <a:r>
-              <a:rPr lang="zh-TW" altLang="en-US" smtClean="0"/>
+              <a:rPr lang="zh-TW" altLang="en-US"/>
               <a:t>第四層</a:t>
             </a:r>
           </a:p>
           <a:p>
             <a:pPr lvl="4"/>
             <a:r>
-              <a:rPr lang="zh-TW" altLang="en-US" smtClean="0"/>
+              <a:rPr lang="zh-TW" altLang="en-US"/>
               <a:t>第五層</a:t>
             </a:r>
-            <a:endParaRPr lang="zh-TW" altLang="en-US"/>
           </a:p>
         </p:txBody>
       </p:sp>
@@ -1042,7 +1037,7 @@
           <a:p>
             <a:fld id="{CA9831EC-52C6-4491-A088-87BB9C263796}" type="datetimeFigureOut">
               <a:rPr lang="zh-TW" altLang="en-US" smtClean="0"/>
-              <a:t>2021/5/6</a:t>
+              <a:t>2021/5/24</a:t>
             </a:fld>
             <a:endParaRPr lang="zh-TW" altLang="en-US"/>
           </a:p>
@@ -1136,10 +1131,9 @@
           <a:lstStyle/>
           <a:p>
             <a:r>
-              <a:rPr lang="zh-TW" altLang="en-US" smtClean="0"/>
+              <a:rPr lang="zh-TW" altLang="en-US"/>
               <a:t>按一下以編輯母片標題樣式</a:t>
             </a:r>
-            <a:endParaRPr lang="zh-TW" altLang="en-US"/>
           </a:p>
         </p:txBody>
       </p:sp>
@@ -1160,38 +1154,37 @@
           <a:p>
             <a:pPr lvl="0"/>
             <a:r>
-              <a:rPr lang="zh-TW" altLang="en-US" smtClean="0"/>
+              <a:rPr lang="zh-TW" altLang="en-US"/>
               <a:t>編輯母片文字樣式</a:t>
             </a:r>
           </a:p>
           <a:p>
             <a:pPr lvl="1"/>
             <a:r>
-              <a:rPr lang="zh-TW" altLang="en-US" smtClean="0"/>
+              <a:rPr lang="zh-TW" altLang="en-US"/>
               <a:t>第二層</a:t>
             </a:r>
           </a:p>
           <a:p>
             <a:pPr lvl="2"/>
             <a:r>
-              <a:rPr lang="zh-TW" altLang="en-US" smtClean="0"/>
+              <a:rPr lang="zh-TW" altLang="en-US"/>
               <a:t>第三層</a:t>
             </a:r>
           </a:p>
           <a:p>
             <a:pPr lvl="3"/>
             <a:r>
-              <a:rPr lang="zh-TW" altLang="en-US" smtClean="0"/>
+              <a:rPr lang="zh-TW" altLang="en-US"/>
               <a:t>第四層</a:t>
             </a:r>
           </a:p>
           <a:p>
             <a:pPr lvl="4"/>
             <a:r>
-              <a:rPr lang="zh-TW" altLang="en-US" smtClean="0"/>
+              <a:rPr lang="zh-TW" altLang="en-US"/>
               <a:t>第五層</a:t>
             </a:r>
-            <a:endParaRPr lang="zh-TW" altLang="en-US"/>
           </a:p>
         </p:txBody>
       </p:sp>
@@ -1212,7 +1205,7 @@
           <a:p>
             <a:fld id="{CA9831EC-52C6-4491-A088-87BB9C263796}" type="datetimeFigureOut">
               <a:rPr lang="zh-TW" altLang="en-US" smtClean="0"/>
-              <a:t>2021/5/6</a:t>
+              <a:t>2021/5/24</a:t>
             </a:fld>
             <a:endParaRPr lang="zh-TW" altLang="en-US"/>
           </a:p>
@@ -1315,10 +1308,9 @@
           </a:lstStyle>
           <a:p>
             <a:r>
-              <a:rPr lang="zh-TW" altLang="en-US" smtClean="0"/>
+              <a:rPr lang="zh-TW" altLang="en-US"/>
               <a:t>按一下以編輯母片標題樣式</a:t>
             </a:r>
-            <a:endParaRPr lang="zh-TW" altLang="en-US"/>
           </a:p>
         </p:txBody>
       </p:sp>
@@ -1435,7 +1427,7 @@
           <a:p>
             <a:pPr lvl="0"/>
             <a:r>
-              <a:rPr lang="zh-TW" altLang="en-US" smtClean="0"/>
+              <a:rPr lang="zh-TW" altLang="en-US"/>
               <a:t>編輯母片文字樣式</a:t>
             </a:r>
           </a:p>
@@ -1458,7 +1450,7 @@
           <a:p>
             <a:fld id="{CA9831EC-52C6-4491-A088-87BB9C263796}" type="datetimeFigureOut">
               <a:rPr lang="zh-TW" altLang="en-US" smtClean="0"/>
-              <a:t>2021/5/6</a:t>
+              <a:t>2021/5/24</a:t>
             </a:fld>
             <a:endParaRPr lang="zh-TW" altLang="en-US"/>
           </a:p>
@@ -1552,10 +1544,9 @@
           <a:lstStyle/>
           <a:p>
             <a:r>
-              <a:rPr lang="zh-TW" altLang="en-US" smtClean="0"/>
+              <a:rPr lang="zh-TW" altLang="en-US"/>
               <a:t>按一下以編輯母片標題樣式</a:t>
             </a:r>
-            <a:endParaRPr lang="zh-TW" altLang="en-US"/>
           </a:p>
         </p:txBody>
       </p:sp>
@@ -1581,38 +1572,37 @@
           <a:p>
             <a:pPr lvl="0"/>
             <a:r>
-              <a:rPr lang="zh-TW" altLang="en-US" smtClean="0"/>
+              <a:rPr lang="zh-TW" altLang="en-US"/>
               <a:t>編輯母片文字樣式</a:t>
             </a:r>
           </a:p>
           <a:p>
             <a:pPr lvl="1"/>
             <a:r>
-              <a:rPr lang="zh-TW" altLang="en-US" smtClean="0"/>
+              <a:rPr lang="zh-TW" altLang="en-US"/>
               <a:t>第二層</a:t>
             </a:r>
           </a:p>
           <a:p>
             <a:pPr lvl="2"/>
             <a:r>
-              <a:rPr lang="zh-TW" altLang="en-US" smtClean="0"/>
+              <a:rPr lang="zh-TW" altLang="en-US"/>
               <a:t>第三層</a:t>
             </a:r>
           </a:p>
           <a:p>
             <a:pPr lvl="3"/>
             <a:r>
-              <a:rPr lang="zh-TW" altLang="en-US" smtClean="0"/>
+              <a:rPr lang="zh-TW" altLang="en-US"/>
               <a:t>第四層</a:t>
             </a:r>
           </a:p>
           <a:p>
             <a:pPr lvl="4"/>
             <a:r>
-              <a:rPr lang="zh-TW" altLang="en-US" smtClean="0"/>
+              <a:rPr lang="zh-TW" altLang="en-US"/>
               <a:t>第五層</a:t>
             </a:r>
-            <a:endParaRPr lang="zh-TW" altLang="en-US"/>
           </a:p>
         </p:txBody>
       </p:sp>
@@ -1638,38 +1628,37 @@
           <a:p>
             <a:pPr lvl="0"/>
             <a:r>
-              <a:rPr lang="zh-TW" altLang="en-US" smtClean="0"/>
+              <a:rPr lang="zh-TW" altLang="en-US"/>
               <a:t>編輯母片文字樣式</a:t>
             </a:r>
           </a:p>
           <a:p>
             <a:pPr lvl="1"/>
             <a:r>
-              <a:rPr lang="zh-TW" altLang="en-US" smtClean="0"/>
+              <a:rPr lang="zh-TW" altLang="en-US"/>
               <a:t>第二層</a:t>
             </a:r>
           </a:p>
           <a:p>
             <a:pPr lvl="2"/>
             <a:r>
-              <a:rPr lang="zh-TW" altLang="en-US" smtClean="0"/>
+              <a:rPr lang="zh-TW" altLang="en-US"/>
               <a:t>第三層</a:t>
             </a:r>
           </a:p>
           <a:p>
             <a:pPr lvl="3"/>
             <a:r>
-              <a:rPr lang="zh-TW" altLang="en-US" smtClean="0"/>
+              <a:rPr lang="zh-TW" altLang="en-US"/>
               <a:t>第四層</a:t>
             </a:r>
           </a:p>
           <a:p>
             <a:pPr lvl="4"/>
             <a:r>
-              <a:rPr lang="zh-TW" altLang="en-US" smtClean="0"/>
+              <a:rPr lang="zh-TW" altLang="en-US"/>
               <a:t>第五層</a:t>
             </a:r>
-            <a:endParaRPr lang="zh-TW" altLang="en-US"/>
           </a:p>
         </p:txBody>
       </p:sp>
@@ -1690,7 +1679,7 @@
           <a:p>
             <a:fld id="{CA9831EC-52C6-4491-A088-87BB9C263796}" type="datetimeFigureOut">
               <a:rPr lang="zh-TW" altLang="en-US" smtClean="0"/>
-              <a:t>2021/5/6</a:t>
+              <a:t>2021/5/24</a:t>
             </a:fld>
             <a:endParaRPr lang="zh-TW" altLang="en-US"/>
           </a:p>
@@ -1789,10 +1778,9 @@
           <a:lstStyle/>
           <a:p>
             <a:r>
-              <a:rPr lang="zh-TW" altLang="en-US" smtClean="0"/>
+              <a:rPr lang="zh-TW" altLang="en-US"/>
               <a:t>按一下以編輯母片標題樣式</a:t>
             </a:r>
-            <a:endParaRPr lang="zh-TW" altLang="en-US"/>
           </a:p>
         </p:txBody>
       </p:sp>
@@ -1855,7 +1843,7 @@
           <a:p>
             <a:pPr lvl="0"/>
             <a:r>
-              <a:rPr lang="zh-TW" altLang="en-US" smtClean="0"/>
+              <a:rPr lang="zh-TW" altLang="en-US"/>
               <a:t>編輯母片文字樣式</a:t>
             </a:r>
           </a:p>
@@ -1883,38 +1871,37 @@
           <a:p>
             <a:pPr lvl="0"/>
             <a:r>
-              <a:rPr lang="zh-TW" altLang="en-US" smtClean="0"/>
+              <a:rPr lang="zh-TW" altLang="en-US"/>
               <a:t>編輯母片文字樣式</a:t>
             </a:r>
           </a:p>
           <a:p>
             <a:pPr lvl="1"/>
             <a:r>
-              <a:rPr lang="zh-TW" altLang="en-US" smtClean="0"/>
+              <a:rPr lang="zh-TW" altLang="en-US"/>
               <a:t>第二層</a:t>
             </a:r>
           </a:p>
           <a:p>
             <a:pPr lvl="2"/>
             <a:r>
-              <a:rPr lang="zh-TW" altLang="en-US" smtClean="0"/>
+              <a:rPr lang="zh-TW" altLang="en-US"/>
               <a:t>第三層</a:t>
             </a:r>
           </a:p>
           <a:p>
             <a:pPr lvl="3"/>
             <a:r>
-              <a:rPr lang="zh-TW" altLang="en-US" smtClean="0"/>
+              <a:rPr lang="zh-TW" altLang="en-US"/>
               <a:t>第四層</a:t>
             </a:r>
           </a:p>
           <a:p>
             <a:pPr lvl="4"/>
             <a:r>
-              <a:rPr lang="zh-TW" altLang="en-US" smtClean="0"/>
+              <a:rPr lang="zh-TW" altLang="en-US"/>
               <a:t>第五層</a:t>
             </a:r>
-            <a:endParaRPr lang="zh-TW" altLang="en-US"/>
           </a:p>
         </p:txBody>
       </p:sp>
@@ -1977,7 +1964,7 @@
           <a:p>
             <a:pPr lvl="0"/>
             <a:r>
-              <a:rPr lang="zh-TW" altLang="en-US" smtClean="0"/>
+              <a:rPr lang="zh-TW" altLang="en-US"/>
               <a:t>編輯母片文字樣式</a:t>
             </a:r>
           </a:p>
@@ -2005,38 +1992,37 @@
           <a:p>
             <a:pPr lvl="0"/>
             <a:r>
-              <a:rPr lang="zh-TW" altLang="en-US" smtClean="0"/>
+              <a:rPr lang="zh-TW" altLang="en-US"/>
               <a:t>編輯母片文字樣式</a:t>
             </a:r>
           </a:p>
           <a:p>
             <a:pPr lvl="1"/>
             <a:r>
-              <a:rPr lang="zh-TW" altLang="en-US" smtClean="0"/>
+              <a:rPr lang="zh-TW" altLang="en-US"/>
               <a:t>第二層</a:t>
             </a:r>
           </a:p>
           <a:p>
             <a:pPr lvl="2"/>
             <a:r>
-              <a:rPr lang="zh-TW" altLang="en-US" smtClean="0"/>
+              <a:rPr lang="zh-TW" altLang="en-US"/>
               <a:t>第三層</a:t>
             </a:r>
           </a:p>
           <a:p>
             <a:pPr lvl="3"/>
             <a:r>
-              <a:rPr lang="zh-TW" altLang="en-US" smtClean="0"/>
+              <a:rPr lang="zh-TW" altLang="en-US"/>
               <a:t>第四層</a:t>
             </a:r>
           </a:p>
           <a:p>
             <a:pPr lvl="4"/>
             <a:r>
-              <a:rPr lang="zh-TW" altLang="en-US" smtClean="0"/>
+              <a:rPr lang="zh-TW" altLang="en-US"/>
               <a:t>第五層</a:t>
             </a:r>
-            <a:endParaRPr lang="zh-TW" altLang="en-US"/>
           </a:p>
         </p:txBody>
       </p:sp>
@@ -2057,7 +2043,7 @@
           <a:p>
             <a:fld id="{CA9831EC-52C6-4491-A088-87BB9C263796}" type="datetimeFigureOut">
               <a:rPr lang="zh-TW" altLang="en-US" smtClean="0"/>
-              <a:t>2021/5/6</a:t>
+              <a:t>2021/5/24</a:t>
             </a:fld>
             <a:endParaRPr lang="zh-TW" altLang="en-US"/>
           </a:p>
@@ -2151,10 +2137,9 @@
           <a:lstStyle/>
           <a:p>
             <a:r>
-              <a:rPr lang="zh-TW" altLang="en-US" smtClean="0"/>
+              <a:rPr lang="zh-TW" altLang="en-US"/>
               <a:t>按一下以編輯母片標題樣式</a:t>
             </a:r>
-            <a:endParaRPr lang="zh-TW" altLang="en-US"/>
           </a:p>
         </p:txBody>
       </p:sp>
@@ -2175,7 +2160,7 @@
           <a:p>
             <a:fld id="{CA9831EC-52C6-4491-A088-87BB9C263796}" type="datetimeFigureOut">
               <a:rPr lang="zh-TW" altLang="en-US" smtClean="0"/>
-              <a:t>2021/5/6</a:t>
+              <a:t>2021/5/24</a:t>
             </a:fld>
             <a:endParaRPr lang="zh-TW" altLang="en-US"/>
           </a:p>
@@ -2270,7 +2255,7 @@
           <a:p>
             <a:fld id="{CA9831EC-52C6-4491-A088-87BB9C263796}" type="datetimeFigureOut">
               <a:rPr lang="zh-TW" altLang="en-US" smtClean="0"/>
-              <a:t>2021/5/6</a:t>
+              <a:t>2021/5/24</a:t>
             </a:fld>
             <a:endParaRPr lang="zh-TW" altLang="en-US"/>
           </a:p>
@@ -2373,10 +2358,9 @@
           </a:lstStyle>
           <a:p>
             <a:r>
-              <a:rPr lang="zh-TW" altLang="en-US" smtClean="0"/>
+              <a:rPr lang="zh-TW" altLang="en-US"/>
               <a:t>按一下以編輯母片標題樣式</a:t>
             </a:r>
-            <a:endParaRPr lang="zh-TW" altLang="en-US"/>
           </a:p>
         </p:txBody>
       </p:sp>
@@ -2430,38 +2414,37 @@
           <a:p>
             <a:pPr lvl="0"/>
             <a:r>
-              <a:rPr lang="zh-TW" altLang="en-US" smtClean="0"/>
+              <a:rPr lang="zh-TW" altLang="en-US"/>
               <a:t>編輯母片文字樣式</a:t>
             </a:r>
           </a:p>
           <a:p>
             <a:pPr lvl="1"/>
             <a:r>
-              <a:rPr lang="zh-TW" altLang="en-US" smtClean="0"/>
+              <a:rPr lang="zh-TW" altLang="en-US"/>
               <a:t>第二層</a:t>
             </a:r>
           </a:p>
           <a:p>
             <a:pPr lvl="2"/>
             <a:r>
-              <a:rPr lang="zh-TW" altLang="en-US" smtClean="0"/>
+              <a:rPr lang="zh-TW" altLang="en-US"/>
               <a:t>第三層</a:t>
             </a:r>
           </a:p>
           <a:p>
             <a:pPr lvl="3"/>
             <a:r>
-              <a:rPr lang="zh-TW" altLang="en-US" smtClean="0"/>
+              <a:rPr lang="zh-TW" altLang="en-US"/>
               <a:t>第四層</a:t>
             </a:r>
           </a:p>
           <a:p>
             <a:pPr lvl="4"/>
             <a:r>
-              <a:rPr lang="zh-TW" altLang="en-US" smtClean="0"/>
+              <a:rPr lang="zh-TW" altLang="en-US"/>
               <a:t>第五層</a:t>
             </a:r>
-            <a:endParaRPr lang="zh-TW" altLang="en-US"/>
           </a:p>
         </p:txBody>
       </p:sp>
@@ -2524,7 +2507,7 @@
           <a:p>
             <a:pPr lvl="0"/>
             <a:r>
-              <a:rPr lang="zh-TW" altLang="en-US" smtClean="0"/>
+              <a:rPr lang="zh-TW" altLang="en-US"/>
               <a:t>編輯母片文字樣式</a:t>
             </a:r>
           </a:p>
@@ -2547,7 +2530,7 @@
           <a:p>
             <a:fld id="{CA9831EC-52C6-4491-A088-87BB9C263796}" type="datetimeFigureOut">
               <a:rPr lang="zh-TW" altLang="en-US" smtClean="0"/>
-              <a:t>2021/5/6</a:t>
+              <a:t>2021/5/24</a:t>
             </a:fld>
             <a:endParaRPr lang="zh-TW" altLang="en-US"/>
           </a:p>
@@ -2650,10 +2633,9 @@
           </a:lstStyle>
           <a:p>
             <a:r>
-              <a:rPr lang="zh-TW" altLang="en-US" smtClean="0"/>
+              <a:rPr lang="zh-TW" altLang="en-US"/>
               <a:t>按一下以編輯母片標題樣式</a:t>
             </a:r>
-            <a:endParaRPr lang="zh-TW" altLang="en-US"/>
           </a:p>
         </p:txBody>
       </p:sp>
@@ -2777,7 +2759,7 @@
           <a:p>
             <a:pPr lvl="0"/>
             <a:r>
-              <a:rPr lang="zh-TW" altLang="en-US" smtClean="0"/>
+              <a:rPr lang="zh-TW" altLang="en-US"/>
               <a:t>編輯母片文字樣式</a:t>
             </a:r>
           </a:p>
@@ -2800,7 +2782,7 @@
           <a:p>
             <a:fld id="{CA9831EC-52C6-4491-A088-87BB9C263796}" type="datetimeFigureOut">
               <a:rPr lang="zh-TW" altLang="en-US" smtClean="0"/>
-              <a:t>2021/5/6</a:t>
+              <a:t>2021/5/24</a:t>
             </a:fld>
             <a:endParaRPr lang="zh-TW" altLang="en-US"/>
           </a:p>
@@ -2909,10 +2891,9 @@
           <a:lstStyle/>
           <a:p>
             <a:r>
-              <a:rPr lang="zh-TW" altLang="en-US" smtClean="0"/>
+              <a:rPr lang="zh-TW" altLang="en-US"/>
               <a:t>按一下以編輯母片標題樣式</a:t>
             </a:r>
-            <a:endParaRPr lang="zh-TW" altLang="en-US"/>
           </a:p>
         </p:txBody>
       </p:sp>
@@ -2943,38 +2924,37 @@
           <a:p>
             <a:pPr lvl="0"/>
             <a:r>
-              <a:rPr lang="zh-TW" altLang="en-US" smtClean="0"/>
+              <a:rPr lang="zh-TW" altLang="en-US"/>
               <a:t>編輯母片文字樣式</a:t>
             </a:r>
           </a:p>
           <a:p>
             <a:pPr lvl="1"/>
             <a:r>
-              <a:rPr lang="zh-TW" altLang="en-US" smtClean="0"/>
+              <a:rPr lang="zh-TW" altLang="en-US"/>
               <a:t>第二層</a:t>
             </a:r>
           </a:p>
           <a:p>
             <a:pPr lvl="2"/>
             <a:r>
-              <a:rPr lang="zh-TW" altLang="en-US" smtClean="0"/>
+              <a:rPr lang="zh-TW" altLang="en-US"/>
               <a:t>第三層</a:t>
             </a:r>
           </a:p>
           <a:p>
             <a:pPr lvl="3"/>
             <a:r>
-              <a:rPr lang="zh-TW" altLang="en-US" smtClean="0"/>
+              <a:rPr lang="zh-TW" altLang="en-US"/>
               <a:t>第四層</a:t>
             </a:r>
           </a:p>
           <a:p>
             <a:pPr lvl="4"/>
             <a:r>
-              <a:rPr lang="zh-TW" altLang="en-US" smtClean="0"/>
+              <a:rPr lang="zh-TW" altLang="en-US"/>
               <a:t>第五層</a:t>
             </a:r>
-            <a:endParaRPr lang="zh-TW" altLang="en-US"/>
           </a:p>
         </p:txBody>
       </p:sp>
@@ -3013,7 +2993,7 @@
           <a:p>
             <a:fld id="{CA9831EC-52C6-4491-A088-87BB9C263796}" type="datetimeFigureOut">
               <a:rPr lang="zh-TW" altLang="en-US" smtClean="0"/>
-              <a:t>2021/5/6</a:t>
+              <a:t>2021/5/24</a:t>
             </a:fld>
             <a:endParaRPr lang="zh-TW" altLang="en-US"/>
           </a:p>
@@ -4311,13 +4291,6 @@
   <p:clrMapOvr>
     <a:masterClrMapping/>
   </p:clrMapOvr>
-  <p:timing>
-    <p:tnLst>
-      <p:par>
-        <p:cTn id="1" dur="indefinite" restart="never" nodeType="tmRoot"/>
-      </p:par>
-    </p:tnLst>
-  </p:timing>
 </p:sld>
 </file>
 
@@ -4357,10 +4330,2338 @@
           </a:p>
         </p:txBody>
       </p:sp>
+      <p:grpSp>
+        <p:nvGrpSpPr>
+          <p:cNvPr id="7" name="群組 6">
+            <a:extLst>
+              <a:ext uri="{FF2B5EF4-FFF2-40B4-BE49-F238E27FC236}">
+                <a16:creationId xmlns:a16="http://schemas.microsoft.com/office/drawing/2014/main" id="{56622CD1-47DA-4013-8A36-1DC3E557EF97}"/>
+              </a:ext>
+            </a:extLst>
+          </p:cNvPr>
+          <p:cNvGrpSpPr/>
+          <p:nvPr/>
+        </p:nvGrpSpPr>
+        <p:grpSpPr>
+          <a:xfrm>
+            <a:off x="1874520" y="2093024"/>
+            <a:ext cx="8345424" cy="3981600"/>
+            <a:chOff x="1874520" y="2093024"/>
+            <a:chExt cx="8345424" cy="3981600"/>
+          </a:xfrm>
+        </p:grpSpPr>
+        <p:pic>
+          <p:nvPicPr>
+            <p:cNvPr id="4" name="圖片 3">
+              <a:extLst>
+                <a:ext uri="{FF2B5EF4-FFF2-40B4-BE49-F238E27FC236}">
+                  <a16:creationId xmlns:a16="http://schemas.microsoft.com/office/drawing/2014/main" id="{0FBCA5B6-2C85-4F51-8DCE-0F38C909F5BB}"/>
+                </a:ext>
+              </a:extLst>
+            </p:cNvPr>
+            <p:cNvPicPr>
+              <a:picLocks noChangeAspect="1"/>
+            </p:cNvPicPr>
+            <p:nvPr/>
+          </p:nvPicPr>
+          <p:blipFill>
+            <a:blip r:embed="rId2">
+              <a:extLst>
+                <a:ext uri="{28A0092B-C50C-407E-A947-70E740481C1C}">
+                  <a14:useLocalDpi xmlns:a14="http://schemas.microsoft.com/office/drawing/2010/main" val="0"/>
+                </a:ext>
+              </a:extLst>
+            </a:blip>
+            <a:stretch>
+              <a:fillRect/>
+            </a:stretch>
+          </p:blipFill>
+          <p:spPr>
+            <a:xfrm>
+              <a:off x="1874520" y="2093024"/>
+              <a:ext cx="3592247" cy="3981600"/>
+            </a:xfrm>
+            <a:prstGeom prst="rect">
+              <a:avLst/>
+            </a:prstGeom>
+          </p:spPr>
+        </p:pic>
+        <p:pic>
+          <p:nvPicPr>
+            <p:cNvPr id="6" name="圖片 5">
+              <a:extLst>
+                <a:ext uri="{FF2B5EF4-FFF2-40B4-BE49-F238E27FC236}">
+                  <a16:creationId xmlns:a16="http://schemas.microsoft.com/office/drawing/2014/main" id="{D3640E0E-1FFE-4177-AAF3-63C1EB5F896A}"/>
+                </a:ext>
+              </a:extLst>
+            </p:cNvPr>
+            <p:cNvPicPr>
+              <a:picLocks noChangeAspect="1"/>
+            </p:cNvPicPr>
+            <p:nvPr/>
+          </p:nvPicPr>
+          <p:blipFill>
+            <a:blip r:embed="rId3">
+              <a:extLst>
+                <a:ext uri="{28A0092B-C50C-407E-A947-70E740481C1C}">
+                  <a14:useLocalDpi xmlns:a14="http://schemas.microsoft.com/office/drawing/2010/main" val="0"/>
+                </a:ext>
+              </a:extLst>
+            </a:blip>
+            <a:stretch>
+              <a:fillRect/>
+            </a:stretch>
+          </p:blipFill>
+          <p:spPr>
+            <a:xfrm>
+              <a:off x="5886069" y="2093024"/>
+              <a:ext cx="4333875" cy="3981450"/>
+            </a:xfrm>
+            <a:prstGeom prst="rect">
+              <a:avLst/>
+            </a:prstGeom>
+          </p:spPr>
+        </p:pic>
+      </p:grpSp>
     </p:spTree>
     <p:extLst>
       <p:ext uri="{BB962C8B-B14F-4D97-AF65-F5344CB8AC3E}">
         <p14:creationId xmlns:p14="http://schemas.microsoft.com/office/powerpoint/2010/main" val="1498298203"/>
+      </p:ext>
+    </p:extLst>
+  </p:cSld>
+  <p:clrMapOvr>
+    <a:masterClrMapping/>
+  </p:clrMapOvr>
+</p:sld>
+</file>
+
+<file path=ppt/slides/slide11.xml><?xml version="1.0" encoding="utf-8"?>
+<p:sld xmlns:a="http://schemas.openxmlformats.org/drawingml/2006/main" xmlns:r="http://schemas.openxmlformats.org/officeDocument/2006/relationships" xmlns:p="http://schemas.openxmlformats.org/presentationml/2006/main">
+  <p:cSld>
+    <p:spTree>
+      <p:nvGrpSpPr>
+        <p:cNvPr id="1" name=""/>
+        <p:cNvGrpSpPr/>
+        <p:nvPr/>
+      </p:nvGrpSpPr>
+      <p:grpSpPr>
+        <a:xfrm>
+          <a:off x="0" y="0"/>
+          <a:ext cx="0" cy="0"/>
+          <a:chOff x="0" y="0"/>
+          <a:chExt cx="0" cy="0"/>
+        </a:xfrm>
+      </p:grpSpPr>
+      <p:sp>
+        <p:nvSpPr>
+          <p:cNvPr id="2" name="標題 1">
+            <a:extLst>
+              <a:ext uri="{FF2B5EF4-FFF2-40B4-BE49-F238E27FC236}">
+                <a16:creationId xmlns:a16="http://schemas.microsoft.com/office/drawing/2014/main" id="{83E9001A-BE44-4606-95AB-A393202C3AE0}"/>
+              </a:ext>
+            </a:extLst>
+          </p:cNvPr>
+          <p:cNvSpPr>
+            <a:spLocks noGrp="1"/>
+          </p:cNvSpPr>
+          <p:nvPr>
+            <p:ph type="title"/>
+          </p:nvPr>
+        </p:nvSpPr>
+        <p:spPr/>
+        <p:txBody>
+          <a:bodyPr/>
+          <a:lstStyle/>
+          <a:p>
+            <a:endParaRPr lang="zh-TW" altLang="en-US"/>
+          </a:p>
+        </p:txBody>
+      </p:sp>
+      <p:grpSp>
+        <p:nvGrpSpPr>
+          <p:cNvPr id="103" name="群組 102">
+            <a:extLst>
+              <a:ext uri="{FF2B5EF4-FFF2-40B4-BE49-F238E27FC236}">
+                <a16:creationId xmlns:a16="http://schemas.microsoft.com/office/drawing/2014/main" id="{BED0D4B6-4E0D-47D6-B3D7-0B306F8EE26D}"/>
+              </a:ext>
+            </a:extLst>
+          </p:cNvPr>
+          <p:cNvGrpSpPr/>
+          <p:nvPr/>
+        </p:nvGrpSpPr>
+        <p:grpSpPr>
+          <a:xfrm>
+            <a:off x="2121592" y="2608673"/>
+            <a:ext cx="6212877" cy="1562531"/>
+            <a:chOff x="2121592" y="2608673"/>
+            <a:chExt cx="6212877" cy="1562531"/>
+          </a:xfrm>
+        </p:grpSpPr>
+        <p:grpSp>
+          <p:nvGrpSpPr>
+            <p:cNvPr id="85" name="群組 84">
+              <a:extLst>
+                <a:ext uri="{FF2B5EF4-FFF2-40B4-BE49-F238E27FC236}">
+                  <a16:creationId xmlns:a16="http://schemas.microsoft.com/office/drawing/2014/main" id="{B1854BDA-3B3B-4A5D-823E-F8A5D665AF22}"/>
+                </a:ext>
+              </a:extLst>
+            </p:cNvPr>
+            <p:cNvGrpSpPr/>
+            <p:nvPr/>
+          </p:nvGrpSpPr>
+          <p:grpSpPr>
+            <a:xfrm>
+              <a:off x="2121592" y="2608673"/>
+              <a:ext cx="6212877" cy="1562531"/>
+              <a:chOff x="2121592" y="2608673"/>
+              <a:chExt cx="6212877" cy="1562531"/>
+            </a:xfrm>
+          </p:grpSpPr>
+          <p:sp>
+            <p:nvSpPr>
+              <p:cNvPr id="4" name="矩形 3">
+                <a:extLst>
+                  <a:ext uri="{FF2B5EF4-FFF2-40B4-BE49-F238E27FC236}">
+                    <a16:creationId xmlns:a16="http://schemas.microsoft.com/office/drawing/2014/main" id="{97718D66-84FC-425B-94E3-E1DC789CBDAB}"/>
+                  </a:ext>
+                </a:extLst>
+              </p:cNvPr>
+              <p:cNvSpPr/>
+              <p:nvPr/>
+            </p:nvSpPr>
+            <p:spPr>
+              <a:xfrm>
+                <a:off x="2121592" y="3173046"/>
+                <a:ext cx="152684" cy="609600"/>
+              </a:xfrm>
+              <a:prstGeom prst="rect">
+                <a:avLst/>
+              </a:prstGeom>
+              <a:noFill/>
+            </p:spPr>
+            <p:style>
+              <a:lnRef idx="2">
+                <a:schemeClr val="dk1">
+                  <a:shade val="50000"/>
+                </a:schemeClr>
+              </a:lnRef>
+              <a:fillRef idx="1">
+                <a:schemeClr val="dk1"/>
+              </a:fillRef>
+              <a:effectRef idx="0">
+                <a:schemeClr val="dk1"/>
+              </a:effectRef>
+              <a:fontRef idx="minor">
+                <a:schemeClr val="lt1"/>
+              </a:fontRef>
+            </p:style>
+            <p:txBody>
+              <a:bodyPr rtlCol="0" anchor="ctr"/>
+              <a:lstStyle/>
+              <a:p>
+                <a:pPr algn="ctr"/>
+                <a:endParaRPr lang="zh-TW" altLang="en-US"/>
+              </a:p>
+            </p:txBody>
+          </p:sp>
+          <p:sp>
+            <p:nvSpPr>
+              <p:cNvPr id="5" name="矩形 4">
+                <a:extLst>
+                  <a:ext uri="{FF2B5EF4-FFF2-40B4-BE49-F238E27FC236}">
+                    <a16:creationId xmlns:a16="http://schemas.microsoft.com/office/drawing/2014/main" id="{C42A481E-9804-42D1-B391-F24511C9D80A}"/>
+                  </a:ext>
+                </a:extLst>
+              </p:cNvPr>
+              <p:cNvSpPr/>
+              <p:nvPr/>
+            </p:nvSpPr>
+            <p:spPr>
+              <a:xfrm>
+                <a:off x="2367776" y="3173046"/>
+                <a:ext cx="2047915" cy="609600"/>
+              </a:xfrm>
+              <a:prstGeom prst="rect">
+                <a:avLst/>
+              </a:prstGeom>
+              <a:noFill/>
+            </p:spPr>
+            <p:style>
+              <a:lnRef idx="2">
+                <a:schemeClr val="dk1">
+                  <a:shade val="50000"/>
+                </a:schemeClr>
+              </a:lnRef>
+              <a:fillRef idx="1">
+                <a:schemeClr val="dk1"/>
+              </a:fillRef>
+              <a:effectRef idx="0">
+                <a:schemeClr val="dk1"/>
+              </a:effectRef>
+              <a:fontRef idx="minor">
+                <a:schemeClr val="lt1"/>
+              </a:fontRef>
+            </p:style>
+            <p:txBody>
+              <a:bodyPr rtlCol="0" anchor="ctr"/>
+              <a:lstStyle/>
+              <a:p>
+                <a:pPr algn="ctr"/>
+                <a:r>
+                  <a:rPr lang="en-US" altLang="zh-TW" dirty="0">
+                    <a:solidFill>
+                      <a:schemeClr val="bg1">
+                        <a:lumMod val="50000"/>
+                      </a:schemeClr>
+                    </a:solidFill>
+                  </a:rPr>
+                  <a:t>2, 4, 6% Taper</a:t>
+                </a:r>
+                <a:endParaRPr lang="zh-TW" altLang="en-US" dirty="0">
+                  <a:solidFill>
+                    <a:schemeClr val="bg1">
+                      <a:lumMod val="50000"/>
+                    </a:schemeClr>
+                  </a:solidFill>
+                </a:endParaRPr>
+              </a:p>
+            </p:txBody>
+          </p:sp>
+          <p:sp>
+            <p:nvSpPr>
+              <p:cNvPr id="6" name="矩形 5">
+                <a:extLst>
+                  <a:ext uri="{FF2B5EF4-FFF2-40B4-BE49-F238E27FC236}">
+                    <a16:creationId xmlns:a16="http://schemas.microsoft.com/office/drawing/2014/main" id="{627B774A-6E98-470A-A063-C489A2F9F65F}"/>
+                  </a:ext>
+                </a:extLst>
+              </p:cNvPr>
+              <p:cNvSpPr/>
+              <p:nvPr/>
+            </p:nvSpPr>
+            <p:spPr>
+              <a:xfrm>
+                <a:off x="2273991" y="3320339"/>
+                <a:ext cx="93785" cy="298184"/>
+              </a:xfrm>
+              <a:prstGeom prst="rect">
+                <a:avLst/>
+              </a:prstGeom>
+              <a:noFill/>
+            </p:spPr>
+            <p:style>
+              <a:lnRef idx="2">
+                <a:schemeClr val="dk1">
+                  <a:shade val="50000"/>
+                </a:schemeClr>
+              </a:lnRef>
+              <a:fillRef idx="1">
+                <a:schemeClr val="dk1"/>
+              </a:fillRef>
+              <a:effectRef idx="0">
+                <a:schemeClr val="dk1"/>
+              </a:effectRef>
+              <a:fontRef idx="minor">
+                <a:schemeClr val="lt1"/>
+              </a:fontRef>
+            </p:style>
+            <p:txBody>
+              <a:bodyPr rtlCol="0" anchor="ctr"/>
+              <a:lstStyle/>
+              <a:p>
+                <a:pPr algn="ctr"/>
+                <a:endParaRPr lang="zh-TW" altLang="en-US"/>
+              </a:p>
+            </p:txBody>
+          </p:sp>
+          <p:sp>
+            <p:nvSpPr>
+              <p:cNvPr id="7" name="矩形 6">
+                <a:extLst>
+                  <a:ext uri="{FF2B5EF4-FFF2-40B4-BE49-F238E27FC236}">
+                    <a16:creationId xmlns:a16="http://schemas.microsoft.com/office/drawing/2014/main" id="{B054B58D-BCC1-4E4F-8F95-E7D7A131E4AE}"/>
+                  </a:ext>
+                </a:extLst>
+              </p:cNvPr>
+              <p:cNvSpPr/>
+              <p:nvPr/>
+            </p:nvSpPr>
+            <p:spPr>
+              <a:xfrm>
+                <a:off x="4415691" y="3251200"/>
+                <a:ext cx="164124" cy="453292"/>
+              </a:xfrm>
+              <a:prstGeom prst="rect">
+                <a:avLst/>
+              </a:prstGeom>
+              <a:noFill/>
+            </p:spPr>
+            <p:style>
+              <a:lnRef idx="2">
+                <a:schemeClr val="dk1">
+                  <a:shade val="50000"/>
+                </a:schemeClr>
+              </a:lnRef>
+              <a:fillRef idx="1">
+                <a:schemeClr val="dk1"/>
+              </a:fillRef>
+              <a:effectRef idx="0">
+                <a:schemeClr val="dk1"/>
+              </a:effectRef>
+              <a:fontRef idx="minor">
+                <a:schemeClr val="lt1"/>
+              </a:fontRef>
+            </p:style>
+            <p:txBody>
+              <a:bodyPr rtlCol="0" anchor="ctr"/>
+              <a:lstStyle/>
+              <a:p>
+                <a:pPr algn="ctr"/>
+                <a:endParaRPr lang="zh-TW" altLang="en-US"/>
+              </a:p>
+            </p:txBody>
+          </p:sp>
+          <p:sp>
+            <p:nvSpPr>
+              <p:cNvPr id="8" name="矩形 7">
+                <a:extLst>
+                  <a:ext uri="{FF2B5EF4-FFF2-40B4-BE49-F238E27FC236}">
+                    <a16:creationId xmlns:a16="http://schemas.microsoft.com/office/drawing/2014/main" id="{0F1DEF04-0B2F-46A3-BC7A-0158237CBE0E}"/>
+                  </a:ext>
+                </a:extLst>
+              </p:cNvPr>
+              <p:cNvSpPr/>
+              <p:nvPr/>
+            </p:nvSpPr>
+            <p:spPr>
+              <a:xfrm>
+                <a:off x="4583440" y="3071446"/>
+                <a:ext cx="152684" cy="833668"/>
+              </a:xfrm>
+              <a:prstGeom prst="rect">
+                <a:avLst/>
+              </a:prstGeom>
+              <a:noFill/>
+            </p:spPr>
+            <p:style>
+              <a:lnRef idx="2">
+                <a:schemeClr val="dk1">
+                  <a:shade val="50000"/>
+                </a:schemeClr>
+              </a:lnRef>
+              <a:fillRef idx="1">
+                <a:schemeClr val="dk1"/>
+              </a:fillRef>
+              <a:effectRef idx="0">
+                <a:schemeClr val="dk1"/>
+              </a:effectRef>
+              <a:fontRef idx="minor">
+                <a:schemeClr val="lt1"/>
+              </a:fontRef>
+            </p:style>
+            <p:txBody>
+              <a:bodyPr rtlCol="0" anchor="ctr"/>
+              <a:lstStyle/>
+              <a:p>
+                <a:pPr algn="ctr"/>
+                <a:endParaRPr lang="zh-TW" altLang="en-US"/>
+              </a:p>
+            </p:txBody>
+          </p:sp>
+          <p:cxnSp>
+            <p:nvCxnSpPr>
+              <p:cNvPr id="12" name="直線接點 11">
+                <a:extLst>
+                  <a:ext uri="{FF2B5EF4-FFF2-40B4-BE49-F238E27FC236}">
+                    <a16:creationId xmlns:a16="http://schemas.microsoft.com/office/drawing/2014/main" id="{67E9FF4A-09C9-4796-83A6-85D0F50278C4}"/>
+                  </a:ext>
+                </a:extLst>
+              </p:cNvPr>
+              <p:cNvCxnSpPr/>
+              <p:nvPr/>
+            </p:nvCxnSpPr>
+            <p:spPr>
+              <a:xfrm>
+                <a:off x="4747564" y="3295514"/>
+                <a:ext cx="480929" cy="0"/>
+              </a:xfrm>
+              <a:prstGeom prst="line">
+                <a:avLst/>
+              </a:prstGeom>
+              <a:ln w="12700"/>
+            </p:spPr>
+            <p:style>
+              <a:lnRef idx="1">
+                <a:schemeClr val="dk1"/>
+              </a:lnRef>
+              <a:fillRef idx="0">
+                <a:schemeClr val="dk1"/>
+              </a:fillRef>
+              <a:effectRef idx="0">
+                <a:schemeClr val="dk1"/>
+              </a:effectRef>
+              <a:fontRef idx="minor">
+                <a:schemeClr val="tx1"/>
+              </a:fontRef>
+            </p:style>
+          </p:cxnSp>
+          <p:cxnSp>
+            <p:nvCxnSpPr>
+              <p:cNvPr id="13" name="直線接點 12">
+                <a:extLst>
+                  <a:ext uri="{FF2B5EF4-FFF2-40B4-BE49-F238E27FC236}">
+                    <a16:creationId xmlns:a16="http://schemas.microsoft.com/office/drawing/2014/main" id="{7F844F35-7C9D-4F9A-8EB2-1F69EB4F1FDD}"/>
+                  </a:ext>
+                </a:extLst>
+              </p:cNvPr>
+              <p:cNvCxnSpPr/>
+              <p:nvPr/>
+            </p:nvCxnSpPr>
+            <p:spPr>
+              <a:xfrm>
+                <a:off x="4747564" y="3682375"/>
+                <a:ext cx="480929" cy="0"/>
+              </a:xfrm>
+              <a:prstGeom prst="line">
+                <a:avLst/>
+              </a:prstGeom>
+              <a:ln w="12700"/>
+            </p:spPr>
+            <p:style>
+              <a:lnRef idx="1">
+                <a:schemeClr val="dk1"/>
+              </a:lnRef>
+              <a:fillRef idx="0">
+                <a:schemeClr val="dk1"/>
+              </a:fillRef>
+              <a:effectRef idx="0">
+                <a:schemeClr val="dk1"/>
+              </a:effectRef>
+              <a:fontRef idx="minor">
+                <a:schemeClr val="tx1"/>
+              </a:fontRef>
+            </p:style>
+          </p:cxnSp>
+          <p:cxnSp>
+            <p:nvCxnSpPr>
+              <p:cNvPr id="14" name="直線接點 13">
+                <a:extLst>
+                  <a:ext uri="{FF2B5EF4-FFF2-40B4-BE49-F238E27FC236}">
+                    <a16:creationId xmlns:a16="http://schemas.microsoft.com/office/drawing/2014/main" id="{F5A04D9E-BC5D-4FFC-9009-14DDB49AA585}"/>
+                  </a:ext>
+                </a:extLst>
+              </p:cNvPr>
+              <p:cNvCxnSpPr>
+                <a:cxnSpLocks/>
+              </p:cNvCxnSpPr>
+              <p:nvPr/>
+            </p:nvCxnSpPr>
+            <p:spPr>
+              <a:xfrm>
+                <a:off x="5228493" y="3295514"/>
+                <a:ext cx="3105976" cy="189524"/>
+              </a:xfrm>
+              <a:prstGeom prst="line">
+                <a:avLst/>
+              </a:prstGeom>
+              <a:ln w="12700"/>
+            </p:spPr>
+            <p:style>
+              <a:lnRef idx="1">
+                <a:schemeClr val="dk1"/>
+              </a:lnRef>
+              <a:fillRef idx="0">
+                <a:schemeClr val="dk1"/>
+              </a:fillRef>
+              <a:effectRef idx="0">
+                <a:schemeClr val="dk1"/>
+              </a:effectRef>
+              <a:fontRef idx="minor">
+                <a:schemeClr val="tx1"/>
+              </a:fontRef>
+            </p:style>
+          </p:cxnSp>
+          <p:cxnSp>
+            <p:nvCxnSpPr>
+              <p:cNvPr id="15" name="直線接點 14">
+                <a:extLst>
+                  <a:ext uri="{FF2B5EF4-FFF2-40B4-BE49-F238E27FC236}">
+                    <a16:creationId xmlns:a16="http://schemas.microsoft.com/office/drawing/2014/main" id="{F82DBD41-4989-4712-94F2-9EDF459A375B}"/>
+                  </a:ext>
+                </a:extLst>
+              </p:cNvPr>
+              <p:cNvCxnSpPr>
+                <a:cxnSpLocks/>
+              </p:cNvCxnSpPr>
+              <p:nvPr/>
+            </p:nvCxnSpPr>
+            <p:spPr>
+              <a:xfrm flipV="1">
+                <a:off x="5228493" y="3502724"/>
+                <a:ext cx="3105976" cy="179652"/>
+              </a:xfrm>
+              <a:prstGeom prst="line">
+                <a:avLst/>
+              </a:prstGeom>
+              <a:ln w="12700"/>
+            </p:spPr>
+            <p:style>
+              <a:lnRef idx="1">
+                <a:schemeClr val="dk1"/>
+              </a:lnRef>
+              <a:fillRef idx="0">
+                <a:schemeClr val="dk1"/>
+              </a:fillRef>
+              <a:effectRef idx="0">
+                <a:schemeClr val="dk1"/>
+              </a:effectRef>
+              <a:fontRef idx="minor">
+                <a:schemeClr val="tx1"/>
+              </a:fontRef>
+            </p:style>
+          </p:cxnSp>
+          <p:cxnSp>
+            <p:nvCxnSpPr>
+              <p:cNvPr id="18" name="直線接點 17">
+                <a:extLst>
+                  <a:ext uri="{FF2B5EF4-FFF2-40B4-BE49-F238E27FC236}">
+                    <a16:creationId xmlns:a16="http://schemas.microsoft.com/office/drawing/2014/main" id="{DEBDD05F-0E88-4BA4-9A8E-015C205983AD}"/>
+                  </a:ext>
+                </a:extLst>
+              </p:cNvPr>
+              <p:cNvCxnSpPr>
+                <a:cxnSpLocks/>
+              </p:cNvCxnSpPr>
+              <p:nvPr/>
+            </p:nvCxnSpPr>
+            <p:spPr>
+              <a:xfrm>
+                <a:off x="5502317" y="3320339"/>
+                <a:ext cx="148208" cy="355470"/>
+              </a:xfrm>
+              <a:prstGeom prst="line">
+                <a:avLst/>
+              </a:prstGeom>
+              <a:ln w="12700"/>
+            </p:spPr>
+            <p:style>
+              <a:lnRef idx="1">
+                <a:schemeClr val="dk1"/>
+              </a:lnRef>
+              <a:fillRef idx="0">
+                <a:schemeClr val="dk1"/>
+              </a:fillRef>
+              <a:effectRef idx="0">
+                <a:schemeClr val="dk1"/>
+              </a:effectRef>
+              <a:fontRef idx="minor">
+                <a:schemeClr val="tx1"/>
+              </a:fontRef>
+            </p:style>
+          </p:cxnSp>
+          <p:cxnSp>
+            <p:nvCxnSpPr>
+              <p:cNvPr id="21" name="直線接點 20">
+                <a:extLst>
+                  <a:ext uri="{FF2B5EF4-FFF2-40B4-BE49-F238E27FC236}">
+                    <a16:creationId xmlns:a16="http://schemas.microsoft.com/office/drawing/2014/main" id="{5DD97C60-13B7-4CD9-AA3B-68A1CCA6F6FD}"/>
+                  </a:ext>
+                </a:extLst>
+              </p:cNvPr>
+              <p:cNvCxnSpPr>
+                <a:cxnSpLocks/>
+              </p:cNvCxnSpPr>
+              <p:nvPr/>
+            </p:nvCxnSpPr>
+            <p:spPr>
+              <a:xfrm>
+                <a:off x="5662250" y="3326905"/>
+                <a:ext cx="126817" cy="310192"/>
+              </a:xfrm>
+              <a:prstGeom prst="line">
+                <a:avLst/>
+              </a:prstGeom>
+              <a:ln w="12700"/>
+            </p:spPr>
+            <p:style>
+              <a:lnRef idx="1">
+                <a:schemeClr val="dk1"/>
+              </a:lnRef>
+              <a:fillRef idx="0">
+                <a:schemeClr val="dk1"/>
+              </a:fillRef>
+              <a:effectRef idx="0">
+                <a:schemeClr val="dk1"/>
+              </a:effectRef>
+              <a:fontRef idx="minor">
+                <a:schemeClr val="tx1"/>
+              </a:fontRef>
+            </p:style>
+          </p:cxnSp>
+          <p:cxnSp>
+            <p:nvCxnSpPr>
+              <p:cNvPr id="22" name="直線接點 21">
+                <a:extLst>
+                  <a:ext uri="{FF2B5EF4-FFF2-40B4-BE49-F238E27FC236}">
+                    <a16:creationId xmlns:a16="http://schemas.microsoft.com/office/drawing/2014/main" id="{745A4313-945E-49EF-80F3-A08AA3517169}"/>
+                  </a:ext>
+                </a:extLst>
+              </p:cNvPr>
+              <p:cNvCxnSpPr>
+                <a:cxnSpLocks/>
+              </p:cNvCxnSpPr>
+              <p:nvPr/>
+            </p:nvCxnSpPr>
+            <p:spPr>
+              <a:xfrm>
+                <a:off x="5842430" y="3326347"/>
+                <a:ext cx="116697" cy="318072"/>
+              </a:xfrm>
+              <a:prstGeom prst="line">
+                <a:avLst/>
+              </a:prstGeom>
+              <a:ln w="12700"/>
+            </p:spPr>
+            <p:style>
+              <a:lnRef idx="1">
+                <a:schemeClr val="dk1"/>
+              </a:lnRef>
+              <a:fillRef idx="0">
+                <a:schemeClr val="dk1"/>
+              </a:fillRef>
+              <a:effectRef idx="0">
+                <a:schemeClr val="dk1"/>
+              </a:effectRef>
+              <a:fontRef idx="minor">
+                <a:schemeClr val="tx1"/>
+              </a:fontRef>
+            </p:style>
+          </p:cxnSp>
+          <p:cxnSp>
+            <p:nvCxnSpPr>
+              <p:cNvPr id="27" name="直線接點 26">
+                <a:extLst>
+                  <a:ext uri="{FF2B5EF4-FFF2-40B4-BE49-F238E27FC236}">
+                    <a16:creationId xmlns:a16="http://schemas.microsoft.com/office/drawing/2014/main" id="{1F855FD3-DFF2-4DB2-927C-CB057A343276}"/>
+                  </a:ext>
+                </a:extLst>
+              </p:cNvPr>
+              <p:cNvCxnSpPr>
+                <a:cxnSpLocks/>
+              </p:cNvCxnSpPr>
+              <p:nvPr/>
+            </p:nvCxnSpPr>
+            <p:spPr>
+              <a:xfrm>
+                <a:off x="6021124" y="3344032"/>
+                <a:ext cx="97129" cy="271221"/>
+              </a:xfrm>
+              <a:prstGeom prst="line">
+                <a:avLst/>
+              </a:prstGeom>
+              <a:ln w="12700"/>
+            </p:spPr>
+            <p:style>
+              <a:lnRef idx="1">
+                <a:schemeClr val="dk1"/>
+              </a:lnRef>
+              <a:fillRef idx="0">
+                <a:schemeClr val="dk1"/>
+              </a:fillRef>
+              <a:effectRef idx="0">
+                <a:schemeClr val="dk1"/>
+              </a:effectRef>
+              <a:fontRef idx="minor">
+                <a:schemeClr val="tx1"/>
+              </a:fontRef>
+            </p:style>
+          </p:cxnSp>
+          <p:cxnSp>
+            <p:nvCxnSpPr>
+              <p:cNvPr id="28" name="直線接點 27">
+                <a:extLst>
+                  <a:ext uri="{FF2B5EF4-FFF2-40B4-BE49-F238E27FC236}">
+                    <a16:creationId xmlns:a16="http://schemas.microsoft.com/office/drawing/2014/main" id="{38659A40-76F6-44C2-BFBC-98282E5F95A7}"/>
+                  </a:ext>
+                </a:extLst>
+              </p:cNvPr>
+              <p:cNvCxnSpPr>
+                <a:cxnSpLocks/>
+              </p:cNvCxnSpPr>
+              <p:nvPr/>
+            </p:nvCxnSpPr>
+            <p:spPr>
+              <a:xfrm>
+                <a:off x="6193451" y="3367726"/>
+                <a:ext cx="89815" cy="250797"/>
+              </a:xfrm>
+              <a:prstGeom prst="line">
+                <a:avLst/>
+              </a:prstGeom>
+              <a:ln w="12700"/>
+            </p:spPr>
+            <p:style>
+              <a:lnRef idx="1">
+                <a:schemeClr val="dk1"/>
+              </a:lnRef>
+              <a:fillRef idx="0">
+                <a:schemeClr val="dk1"/>
+              </a:fillRef>
+              <a:effectRef idx="0">
+                <a:schemeClr val="dk1"/>
+              </a:effectRef>
+              <a:fontRef idx="minor">
+                <a:schemeClr val="tx1"/>
+              </a:fontRef>
+            </p:style>
+          </p:cxnSp>
+          <p:cxnSp>
+            <p:nvCxnSpPr>
+              <p:cNvPr id="29" name="直線接點 28">
+                <a:extLst>
+                  <a:ext uri="{FF2B5EF4-FFF2-40B4-BE49-F238E27FC236}">
+                    <a16:creationId xmlns:a16="http://schemas.microsoft.com/office/drawing/2014/main" id="{F56BD3EF-B95E-4588-BEE1-A3FBFA63C21F}"/>
+                  </a:ext>
+                </a:extLst>
+              </p:cNvPr>
+              <p:cNvCxnSpPr>
+                <a:cxnSpLocks/>
+              </p:cNvCxnSpPr>
+              <p:nvPr/>
+            </p:nvCxnSpPr>
+            <p:spPr>
+              <a:xfrm>
+                <a:off x="6340707" y="3359910"/>
+                <a:ext cx="92614" cy="258613"/>
+              </a:xfrm>
+              <a:prstGeom prst="line">
+                <a:avLst/>
+              </a:prstGeom>
+              <a:ln w="12700"/>
+            </p:spPr>
+            <p:style>
+              <a:lnRef idx="1">
+                <a:schemeClr val="dk1"/>
+              </a:lnRef>
+              <a:fillRef idx="0">
+                <a:schemeClr val="dk1"/>
+              </a:fillRef>
+              <a:effectRef idx="0">
+                <a:schemeClr val="dk1"/>
+              </a:effectRef>
+              <a:fontRef idx="minor">
+                <a:schemeClr val="tx1"/>
+              </a:fontRef>
+            </p:style>
+          </p:cxnSp>
+          <p:cxnSp>
+            <p:nvCxnSpPr>
+              <p:cNvPr id="31" name="直線接點 30">
+                <a:extLst>
+                  <a:ext uri="{FF2B5EF4-FFF2-40B4-BE49-F238E27FC236}">
+                    <a16:creationId xmlns:a16="http://schemas.microsoft.com/office/drawing/2014/main" id="{B4B1495F-FF56-42A4-AA4B-BA8F58BE2F60}"/>
+                  </a:ext>
+                </a:extLst>
+              </p:cNvPr>
+              <p:cNvCxnSpPr>
+                <a:cxnSpLocks/>
+              </p:cNvCxnSpPr>
+              <p:nvPr/>
+            </p:nvCxnSpPr>
+            <p:spPr>
+              <a:xfrm>
+                <a:off x="6497333" y="3382772"/>
+                <a:ext cx="79082" cy="220826"/>
+              </a:xfrm>
+              <a:prstGeom prst="line">
+                <a:avLst/>
+              </a:prstGeom>
+              <a:ln w="12700"/>
+            </p:spPr>
+            <p:style>
+              <a:lnRef idx="1">
+                <a:schemeClr val="dk1"/>
+              </a:lnRef>
+              <a:fillRef idx="0">
+                <a:schemeClr val="dk1"/>
+              </a:fillRef>
+              <a:effectRef idx="0">
+                <a:schemeClr val="dk1"/>
+              </a:effectRef>
+              <a:fontRef idx="minor">
+                <a:schemeClr val="tx1"/>
+              </a:fontRef>
+            </p:style>
+          </p:cxnSp>
+          <p:cxnSp>
+            <p:nvCxnSpPr>
+              <p:cNvPr id="32" name="直線接點 31">
+                <a:extLst>
+                  <a:ext uri="{FF2B5EF4-FFF2-40B4-BE49-F238E27FC236}">
+                    <a16:creationId xmlns:a16="http://schemas.microsoft.com/office/drawing/2014/main" id="{FFA1FC33-DB06-4C41-8A99-0A74B9C6CE93}"/>
+                  </a:ext>
+                </a:extLst>
+              </p:cNvPr>
+              <p:cNvCxnSpPr>
+                <a:cxnSpLocks/>
+              </p:cNvCxnSpPr>
+              <p:nvPr/>
+            </p:nvCxnSpPr>
+            <p:spPr>
+              <a:xfrm>
+                <a:off x="6653959" y="3374292"/>
+                <a:ext cx="73905" cy="206370"/>
+              </a:xfrm>
+              <a:prstGeom prst="line">
+                <a:avLst/>
+              </a:prstGeom>
+              <a:ln w="12700"/>
+            </p:spPr>
+            <p:style>
+              <a:lnRef idx="1">
+                <a:schemeClr val="dk1"/>
+              </a:lnRef>
+              <a:fillRef idx="0">
+                <a:schemeClr val="dk1"/>
+              </a:fillRef>
+              <a:effectRef idx="0">
+                <a:schemeClr val="dk1"/>
+              </a:effectRef>
+              <a:fontRef idx="minor">
+                <a:schemeClr val="tx1"/>
+              </a:fontRef>
+            </p:style>
+          </p:cxnSp>
+          <p:cxnSp>
+            <p:nvCxnSpPr>
+              <p:cNvPr id="33" name="直線接點 32">
+                <a:extLst>
+                  <a:ext uri="{FF2B5EF4-FFF2-40B4-BE49-F238E27FC236}">
+                    <a16:creationId xmlns:a16="http://schemas.microsoft.com/office/drawing/2014/main" id="{2743EBF4-40EA-453F-BED1-5B1BDE19F224}"/>
+                  </a:ext>
+                </a:extLst>
+              </p:cNvPr>
+              <p:cNvCxnSpPr>
+                <a:cxnSpLocks/>
+              </p:cNvCxnSpPr>
+              <p:nvPr/>
+            </p:nvCxnSpPr>
+            <p:spPr>
+              <a:xfrm>
+                <a:off x="7164987" y="3414847"/>
+                <a:ext cx="48422" cy="135213"/>
+              </a:xfrm>
+              <a:prstGeom prst="line">
+                <a:avLst/>
+              </a:prstGeom>
+              <a:ln w="12700"/>
+            </p:spPr>
+            <p:style>
+              <a:lnRef idx="1">
+                <a:schemeClr val="dk1"/>
+              </a:lnRef>
+              <a:fillRef idx="0">
+                <a:schemeClr val="dk1"/>
+              </a:fillRef>
+              <a:effectRef idx="0">
+                <a:schemeClr val="dk1"/>
+              </a:effectRef>
+              <a:fontRef idx="minor">
+                <a:schemeClr val="tx1"/>
+              </a:fontRef>
+            </p:style>
+          </p:cxnSp>
+          <p:cxnSp>
+            <p:nvCxnSpPr>
+              <p:cNvPr id="34" name="直線接點 33">
+                <a:extLst>
+                  <a:ext uri="{FF2B5EF4-FFF2-40B4-BE49-F238E27FC236}">
+                    <a16:creationId xmlns:a16="http://schemas.microsoft.com/office/drawing/2014/main" id="{7073C268-7A3A-4289-9666-F8E2F3FE2385}"/>
+                  </a:ext>
+                </a:extLst>
+              </p:cNvPr>
+              <p:cNvCxnSpPr>
+                <a:cxnSpLocks/>
+              </p:cNvCxnSpPr>
+              <p:nvPr/>
+            </p:nvCxnSpPr>
+            <p:spPr>
+              <a:xfrm>
+                <a:off x="7032689" y="3406284"/>
+                <a:ext cx="62448" cy="174378"/>
+              </a:xfrm>
+              <a:prstGeom prst="line">
+                <a:avLst/>
+              </a:prstGeom>
+              <a:ln w="12700"/>
+            </p:spPr>
+            <p:style>
+              <a:lnRef idx="1">
+                <a:schemeClr val="dk1"/>
+              </a:lnRef>
+              <a:fillRef idx="0">
+                <a:schemeClr val="dk1"/>
+              </a:fillRef>
+              <a:effectRef idx="0">
+                <a:schemeClr val="dk1"/>
+              </a:effectRef>
+              <a:fontRef idx="minor">
+                <a:schemeClr val="tx1"/>
+              </a:fontRef>
+            </p:style>
+          </p:cxnSp>
+          <p:cxnSp>
+            <p:nvCxnSpPr>
+              <p:cNvPr id="35" name="直線接點 34">
+                <a:extLst>
+                  <a:ext uri="{FF2B5EF4-FFF2-40B4-BE49-F238E27FC236}">
+                    <a16:creationId xmlns:a16="http://schemas.microsoft.com/office/drawing/2014/main" id="{E67238EC-66A3-450F-B608-04611FA1B062}"/>
+                  </a:ext>
+                </a:extLst>
+              </p:cNvPr>
+              <p:cNvCxnSpPr>
+                <a:cxnSpLocks/>
+              </p:cNvCxnSpPr>
+              <p:nvPr/>
+            </p:nvCxnSpPr>
+            <p:spPr>
+              <a:xfrm>
+                <a:off x="6917286" y="3396019"/>
+                <a:ext cx="66124" cy="184643"/>
+              </a:xfrm>
+              <a:prstGeom prst="line">
+                <a:avLst/>
+              </a:prstGeom>
+              <a:ln w="12700"/>
+            </p:spPr>
+            <p:style>
+              <a:lnRef idx="1">
+                <a:schemeClr val="dk1"/>
+              </a:lnRef>
+              <a:fillRef idx="0">
+                <a:schemeClr val="dk1"/>
+              </a:fillRef>
+              <a:effectRef idx="0">
+                <a:schemeClr val="dk1"/>
+              </a:effectRef>
+              <a:fontRef idx="minor">
+                <a:schemeClr val="tx1"/>
+              </a:fontRef>
+            </p:style>
+          </p:cxnSp>
+          <p:cxnSp>
+            <p:nvCxnSpPr>
+              <p:cNvPr id="36" name="直線接點 35">
+                <a:extLst>
+                  <a:ext uri="{FF2B5EF4-FFF2-40B4-BE49-F238E27FC236}">
+                    <a16:creationId xmlns:a16="http://schemas.microsoft.com/office/drawing/2014/main" id="{3F77CD4E-80C2-472C-837E-F554DAD31864}"/>
+                  </a:ext>
+                </a:extLst>
+              </p:cNvPr>
+              <p:cNvCxnSpPr>
+                <a:cxnSpLocks/>
+              </p:cNvCxnSpPr>
+              <p:nvPr/>
+            </p:nvCxnSpPr>
+            <p:spPr>
+              <a:xfrm>
+                <a:off x="6779325" y="3397115"/>
+                <a:ext cx="65731" cy="183547"/>
+              </a:xfrm>
+              <a:prstGeom prst="line">
+                <a:avLst/>
+              </a:prstGeom>
+              <a:ln w="12700"/>
+            </p:spPr>
+            <p:style>
+              <a:lnRef idx="1">
+                <a:schemeClr val="dk1"/>
+              </a:lnRef>
+              <a:fillRef idx="0">
+                <a:schemeClr val="dk1"/>
+              </a:fillRef>
+              <a:effectRef idx="0">
+                <a:schemeClr val="dk1"/>
+              </a:effectRef>
+              <a:fontRef idx="minor">
+                <a:schemeClr val="tx1"/>
+              </a:fontRef>
+            </p:style>
+          </p:cxnSp>
+          <p:cxnSp>
+            <p:nvCxnSpPr>
+              <p:cNvPr id="46" name="直線接點 45">
+                <a:extLst>
+                  <a:ext uri="{FF2B5EF4-FFF2-40B4-BE49-F238E27FC236}">
+                    <a16:creationId xmlns:a16="http://schemas.microsoft.com/office/drawing/2014/main" id="{3E30D184-DBA4-4D79-AC8C-82F0FE7A98ED}"/>
+                  </a:ext>
+                </a:extLst>
+              </p:cNvPr>
+              <p:cNvCxnSpPr>
+                <a:cxnSpLocks/>
+              </p:cNvCxnSpPr>
+              <p:nvPr/>
+            </p:nvCxnSpPr>
+            <p:spPr>
+              <a:xfrm>
+                <a:off x="7487967" y="3446481"/>
+                <a:ext cx="40212" cy="101704"/>
+              </a:xfrm>
+              <a:prstGeom prst="line">
+                <a:avLst/>
+              </a:prstGeom>
+              <a:ln w="12700"/>
+            </p:spPr>
+            <p:style>
+              <a:lnRef idx="1">
+                <a:schemeClr val="dk1"/>
+              </a:lnRef>
+              <a:fillRef idx="0">
+                <a:schemeClr val="dk1"/>
+              </a:fillRef>
+              <a:effectRef idx="0">
+                <a:schemeClr val="dk1"/>
+              </a:effectRef>
+              <a:fontRef idx="minor">
+                <a:schemeClr val="tx1"/>
+              </a:fontRef>
+            </p:style>
+          </p:cxnSp>
+          <p:cxnSp>
+            <p:nvCxnSpPr>
+              <p:cNvPr id="48" name="直線接點 47">
+                <a:extLst>
+                  <a:ext uri="{FF2B5EF4-FFF2-40B4-BE49-F238E27FC236}">
+                    <a16:creationId xmlns:a16="http://schemas.microsoft.com/office/drawing/2014/main" id="{6569174D-3405-4A15-941F-76E411FF306F}"/>
+                  </a:ext>
+                </a:extLst>
+              </p:cNvPr>
+              <p:cNvCxnSpPr>
+                <a:cxnSpLocks/>
+              </p:cNvCxnSpPr>
+              <p:nvPr/>
+            </p:nvCxnSpPr>
+            <p:spPr>
+              <a:xfrm>
+                <a:off x="7283259" y="3427547"/>
+                <a:ext cx="42726" cy="122513"/>
+              </a:xfrm>
+              <a:prstGeom prst="line">
+                <a:avLst/>
+              </a:prstGeom>
+              <a:ln w="12700"/>
+            </p:spPr>
+            <p:style>
+              <a:lnRef idx="1">
+                <a:schemeClr val="dk1"/>
+              </a:lnRef>
+              <a:fillRef idx="0">
+                <a:schemeClr val="dk1"/>
+              </a:fillRef>
+              <a:effectRef idx="0">
+                <a:schemeClr val="dk1"/>
+              </a:effectRef>
+              <a:fontRef idx="minor">
+                <a:schemeClr val="tx1"/>
+              </a:fontRef>
+            </p:style>
+          </p:cxnSp>
+          <p:cxnSp>
+            <p:nvCxnSpPr>
+              <p:cNvPr id="53" name="直線接點 52">
+                <a:extLst>
+                  <a:ext uri="{FF2B5EF4-FFF2-40B4-BE49-F238E27FC236}">
+                    <a16:creationId xmlns:a16="http://schemas.microsoft.com/office/drawing/2014/main" id="{91E2E649-8999-4A83-8AB4-112A048F8522}"/>
+                  </a:ext>
+                </a:extLst>
+              </p:cNvPr>
+              <p:cNvCxnSpPr>
+                <a:cxnSpLocks/>
+              </p:cNvCxnSpPr>
+              <p:nvPr/>
+            </p:nvCxnSpPr>
+            <p:spPr>
+              <a:xfrm>
+                <a:off x="7391381" y="3423804"/>
+                <a:ext cx="42726" cy="122513"/>
+              </a:xfrm>
+              <a:prstGeom prst="line">
+                <a:avLst/>
+              </a:prstGeom>
+              <a:ln w="12700"/>
+            </p:spPr>
+            <p:style>
+              <a:lnRef idx="1">
+                <a:schemeClr val="dk1"/>
+              </a:lnRef>
+              <a:fillRef idx="0">
+                <a:schemeClr val="dk1"/>
+              </a:fillRef>
+              <a:effectRef idx="0">
+                <a:schemeClr val="dk1"/>
+              </a:effectRef>
+              <a:fontRef idx="minor">
+                <a:schemeClr val="tx1"/>
+              </a:fontRef>
+            </p:style>
+          </p:cxnSp>
+          <p:cxnSp>
+            <p:nvCxnSpPr>
+              <p:cNvPr id="54" name="直線接點 53">
+                <a:extLst>
+                  <a:ext uri="{FF2B5EF4-FFF2-40B4-BE49-F238E27FC236}">
+                    <a16:creationId xmlns:a16="http://schemas.microsoft.com/office/drawing/2014/main" id="{D44BD9C9-5CB7-4FB1-8859-5CCD7AE22C7F}"/>
+                  </a:ext>
+                </a:extLst>
+              </p:cNvPr>
+              <p:cNvCxnSpPr>
+                <a:cxnSpLocks/>
+              </p:cNvCxnSpPr>
+              <p:nvPr/>
+            </p:nvCxnSpPr>
+            <p:spPr>
+              <a:xfrm>
+                <a:off x="7571688" y="3435361"/>
+                <a:ext cx="31220" cy="89521"/>
+              </a:xfrm>
+              <a:prstGeom prst="line">
+                <a:avLst/>
+              </a:prstGeom>
+              <a:ln w="12700"/>
+            </p:spPr>
+            <p:style>
+              <a:lnRef idx="1">
+                <a:schemeClr val="dk1"/>
+              </a:lnRef>
+              <a:fillRef idx="0">
+                <a:schemeClr val="dk1"/>
+              </a:fillRef>
+              <a:effectRef idx="0">
+                <a:schemeClr val="dk1"/>
+              </a:effectRef>
+              <a:fontRef idx="minor">
+                <a:schemeClr val="tx1"/>
+              </a:fontRef>
+            </p:style>
+          </p:cxnSp>
+          <p:cxnSp>
+            <p:nvCxnSpPr>
+              <p:cNvPr id="55" name="直線接點 54">
+                <a:extLst>
+                  <a:ext uri="{FF2B5EF4-FFF2-40B4-BE49-F238E27FC236}">
+                    <a16:creationId xmlns:a16="http://schemas.microsoft.com/office/drawing/2014/main" id="{A0F7C791-9BDF-4B0C-8EFF-1EFCD1C8DD72}"/>
+                  </a:ext>
+                </a:extLst>
+              </p:cNvPr>
+              <p:cNvCxnSpPr>
+                <a:cxnSpLocks/>
+              </p:cNvCxnSpPr>
+              <p:nvPr/>
+            </p:nvCxnSpPr>
+            <p:spPr>
+              <a:xfrm>
+                <a:off x="7651550" y="3439433"/>
+                <a:ext cx="33367" cy="95676"/>
+              </a:xfrm>
+              <a:prstGeom prst="line">
+                <a:avLst/>
+              </a:prstGeom>
+              <a:ln w="12700"/>
+            </p:spPr>
+            <p:style>
+              <a:lnRef idx="1">
+                <a:schemeClr val="dk1"/>
+              </a:lnRef>
+              <a:fillRef idx="0">
+                <a:schemeClr val="dk1"/>
+              </a:fillRef>
+              <a:effectRef idx="0">
+                <a:schemeClr val="dk1"/>
+              </a:effectRef>
+              <a:fontRef idx="minor">
+                <a:schemeClr val="tx1"/>
+              </a:fontRef>
+            </p:style>
+          </p:cxnSp>
+          <p:cxnSp>
+            <p:nvCxnSpPr>
+              <p:cNvPr id="56" name="直線接點 55">
+                <a:extLst>
+                  <a:ext uri="{FF2B5EF4-FFF2-40B4-BE49-F238E27FC236}">
+                    <a16:creationId xmlns:a16="http://schemas.microsoft.com/office/drawing/2014/main" id="{BDBED284-F88D-44A2-B951-DE738F57DBD0}"/>
+                  </a:ext>
+                </a:extLst>
+              </p:cNvPr>
+              <p:cNvCxnSpPr>
+                <a:cxnSpLocks/>
+              </p:cNvCxnSpPr>
+              <p:nvPr/>
+            </p:nvCxnSpPr>
+            <p:spPr>
+              <a:xfrm>
+                <a:off x="7746262" y="3441779"/>
+                <a:ext cx="33732" cy="96723"/>
+              </a:xfrm>
+              <a:prstGeom prst="line">
+                <a:avLst/>
+              </a:prstGeom>
+              <a:ln w="12700"/>
+            </p:spPr>
+            <p:style>
+              <a:lnRef idx="1">
+                <a:schemeClr val="dk1"/>
+              </a:lnRef>
+              <a:fillRef idx="0">
+                <a:schemeClr val="dk1"/>
+              </a:fillRef>
+              <a:effectRef idx="0">
+                <a:schemeClr val="dk1"/>
+              </a:effectRef>
+              <a:fontRef idx="minor">
+                <a:schemeClr val="tx1"/>
+              </a:fontRef>
+            </p:style>
+          </p:cxnSp>
+          <p:cxnSp>
+            <p:nvCxnSpPr>
+              <p:cNvPr id="57" name="直線接點 56">
+                <a:extLst>
+                  <a:ext uri="{FF2B5EF4-FFF2-40B4-BE49-F238E27FC236}">
+                    <a16:creationId xmlns:a16="http://schemas.microsoft.com/office/drawing/2014/main" id="{ABADBB05-8636-4BF5-AF2A-54780CB80DBD}"/>
+                  </a:ext>
+                </a:extLst>
+              </p:cNvPr>
+              <p:cNvCxnSpPr>
+                <a:cxnSpLocks/>
+              </p:cNvCxnSpPr>
+              <p:nvPr/>
+            </p:nvCxnSpPr>
+            <p:spPr>
+              <a:xfrm>
+                <a:off x="7848405" y="3446481"/>
+                <a:ext cx="27342" cy="78401"/>
+              </a:xfrm>
+              <a:prstGeom prst="line">
+                <a:avLst/>
+              </a:prstGeom>
+              <a:ln w="12700"/>
+            </p:spPr>
+            <p:style>
+              <a:lnRef idx="1">
+                <a:schemeClr val="dk1"/>
+              </a:lnRef>
+              <a:fillRef idx="0">
+                <a:schemeClr val="dk1"/>
+              </a:fillRef>
+              <a:effectRef idx="0">
+                <a:schemeClr val="dk1"/>
+              </a:effectRef>
+              <a:fontRef idx="minor">
+                <a:schemeClr val="tx1"/>
+              </a:fontRef>
+            </p:style>
+          </p:cxnSp>
+          <p:sp>
+            <p:nvSpPr>
+              <p:cNvPr id="67" name="文字方塊 66">
+                <a:extLst>
+                  <a:ext uri="{FF2B5EF4-FFF2-40B4-BE49-F238E27FC236}">
+                    <a16:creationId xmlns:a16="http://schemas.microsoft.com/office/drawing/2014/main" id="{F3B74A44-7057-4EF8-8F73-7697D884A98A}"/>
+                  </a:ext>
+                </a:extLst>
+              </p:cNvPr>
+              <p:cNvSpPr txBox="1"/>
+              <p:nvPr/>
+            </p:nvSpPr>
+            <p:spPr>
+              <a:xfrm>
+                <a:off x="6274268" y="2608673"/>
+                <a:ext cx="1082348" cy="307777"/>
+              </a:xfrm>
+              <a:prstGeom prst="rect">
+                <a:avLst/>
+              </a:prstGeom>
+              <a:noFill/>
+            </p:spPr>
+            <p:txBody>
+              <a:bodyPr wrap="none" rtlCol="0">
+                <a:spAutoFit/>
+              </a:bodyPr>
+              <a:lstStyle/>
+              <a:p>
+                <a:pPr algn="ctr"/>
+                <a:r>
+                  <a:rPr lang="en-US" altLang="zh-TW" sz="1400" dirty="0">
+                    <a:solidFill>
+                      <a:schemeClr val="bg1">
+                        <a:lumMod val="50000"/>
+                      </a:schemeClr>
+                    </a:solidFill>
+                    <a:latin typeface="-apple-system"/>
+                  </a:rPr>
+                  <a:t>Total length </a:t>
+                </a:r>
+              </a:p>
+            </p:txBody>
+          </p:sp>
+          <p:cxnSp>
+            <p:nvCxnSpPr>
+              <p:cNvPr id="68" name="直線單箭頭接點 67">
+                <a:extLst>
+                  <a:ext uri="{FF2B5EF4-FFF2-40B4-BE49-F238E27FC236}">
+                    <a16:creationId xmlns:a16="http://schemas.microsoft.com/office/drawing/2014/main" id="{7D7E93FE-E0D9-496C-824D-2A80CBDB99E0}"/>
+                  </a:ext>
+                </a:extLst>
+              </p:cNvPr>
+              <p:cNvCxnSpPr>
+                <a:cxnSpLocks/>
+              </p:cNvCxnSpPr>
+              <p:nvPr/>
+            </p:nvCxnSpPr>
+            <p:spPr>
+              <a:xfrm>
+                <a:off x="4752874" y="2904795"/>
+                <a:ext cx="3573780" cy="0"/>
+              </a:xfrm>
+              <a:prstGeom prst="straightConnector1">
+                <a:avLst/>
+              </a:prstGeom>
+              <a:ln>
+                <a:solidFill>
+                  <a:schemeClr val="bg1">
+                    <a:lumMod val="50000"/>
+                  </a:schemeClr>
+                </a:solidFill>
+                <a:headEnd type="triangle"/>
+                <a:tailEnd type="triangle"/>
+              </a:ln>
+            </p:spPr>
+            <p:style>
+              <a:lnRef idx="1">
+                <a:schemeClr val="dk1"/>
+              </a:lnRef>
+              <a:fillRef idx="0">
+                <a:schemeClr val="dk1"/>
+              </a:fillRef>
+              <a:effectRef idx="0">
+                <a:schemeClr val="dk1"/>
+              </a:effectRef>
+              <a:fontRef idx="minor">
+                <a:schemeClr val="tx1"/>
+              </a:fontRef>
+            </p:style>
+          </p:cxnSp>
+          <p:cxnSp>
+            <p:nvCxnSpPr>
+              <p:cNvPr id="69" name="直線接點 68">
+                <a:extLst>
+                  <a:ext uri="{FF2B5EF4-FFF2-40B4-BE49-F238E27FC236}">
+                    <a16:creationId xmlns:a16="http://schemas.microsoft.com/office/drawing/2014/main" id="{7B9DE179-E2FE-45C2-B519-A5C941DDE6CE}"/>
+                  </a:ext>
+                </a:extLst>
+              </p:cNvPr>
+              <p:cNvCxnSpPr/>
+              <p:nvPr/>
+            </p:nvCxnSpPr>
+            <p:spPr>
+              <a:xfrm>
+                <a:off x="4745059" y="2904796"/>
+                <a:ext cx="0" cy="315845"/>
+              </a:xfrm>
+              <a:prstGeom prst="line">
+                <a:avLst/>
+              </a:prstGeom>
+              <a:ln>
+                <a:solidFill>
+                  <a:schemeClr val="bg1">
+                    <a:lumMod val="50000"/>
+                  </a:schemeClr>
+                </a:solidFill>
+                <a:prstDash val="lgDash"/>
+              </a:ln>
+            </p:spPr>
+            <p:style>
+              <a:lnRef idx="1">
+                <a:schemeClr val="accent1"/>
+              </a:lnRef>
+              <a:fillRef idx="0">
+                <a:schemeClr val="accent1"/>
+              </a:fillRef>
+              <a:effectRef idx="0">
+                <a:schemeClr val="accent1"/>
+              </a:effectRef>
+              <a:fontRef idx="minor">
+                <a:schemeClr val="tx1"/>
+              </a:fontRef>
+            </p:style>
+          </p:cxnSp>
+          <p:cxnSp>
+            <p:nvCxnSpPr>
+              <p:cNvPr id="70" name="直線接點 69">
+                <a:extLst>
+                  <a:ext uri="{FF2B5EF4-FFF2-40B4-BE49-F238E27FC236}">
+                    <a16:creationId xmlns:a16="http://schemas.microsoft.com/office/drawing/2014/main" id="{6D0001FB-8BC5-4719-BFD6-675618F5EE0C}"/>
+                  </a:ext>
+                </a:extLst>
+              </p:cNvPr>
+              <p:cNvCxnSpPr>
+                <a:cxnSpLocks/>
+              </p:cNvCxnSpPr>
+              <p:nvPr/>
+            </p:nvCxnSpPr>
+            <p:spPr>
+              <a:xfrm>
+                <a:off x="8334469" y="2904795"/>
+                <a:ext cx="0" cy="1172622"/>
+              </a:xfrm>
+              <a:prstGeom prst="line">
+                <a:avLst/>
+              </a:prstGeom>
+              <a:ln>
+                <a:solidFill>
+                  <a:schemeClr val="bg1">
+                    <a:lumMod val="50000"/>
+                  </a:schemeClr>
+                </a:solidFill>
+                <a:prstDash val="lgDash"/>
+              </a:ln>
+            </p:spPr>
+            <p:style>
+              <a:lnRef idx="1">
+                <a:schemeClr val="accent1"/>
+              </a:lnRef>
+              <a:fillRef idx="0">
+                <a:schemeClr val="accent1"/>
+              </a:fillRef>
+              <a:effectRef idx="0">
+                <a:schemeClr val="accent1"/>
+              </a:effectRef>
+              <a:fontRef idx="minor">
+                <a:schemeClr val="tx1"/>
+              </a:fontRef>
+            </p:style>
+          </p:cxnSp>
+          <p:cxnSp>
+            <p:nvCxnSpPr>
+              <p:cNvPr id="71" name="直線接點 70">
+                <a:extLst>
+                  <a:ext uri="{FF2B5EF4-FFF2-40B4-BE49-F238E27FC236}">
+                    <a16:creationId xmlns:a16="http://schemas.microsoft.com/office/drawing/2014/main" id="{4CA192BB-3650-4AC0-B077-45BC3C3AC616}"/>
+                  </a:ext>
+                </a:extLst>
+              </p:cNvPr>
+              <p:cNvCxnSpPr/>
+              <p:nvPr/>
+            </p:nvCxnSpPr>
+            <p:spPr>
+              <a:xfrm>
+                <a:off x="5499829" y="3761572"/>
+                <a:ext cx="0" cy="315845"/>
+              </a:xfrm>
+              <a:prstGeom prst="line">
+                <a:avLst/>
+              </a:prstGeom>
+              <a:ln>
+                <a:solidFill>
+                  <a:schemeClr val="bg1">
+                    <a:lumMod val="50000"/>
+                  </a:schemeClr>
+                </a:solidFill>
+                <a:prstDash val="lgDash"/>
+              </a:ln>
+            </p:spPr>
+            <p:style>
+              <a:lnRef idx="1">
+                <a:schemeClr val="accent1"/>
+              </a:lnRef>
+              <a:fillRef idx="0">
+                <a:schemeClr val="accent1"/>
+              </a:fillRef>
+              <a:effectRef idx="0">
+                <a:schemeClr val="accent1"/>
+              </a:effectRef>
+              <a:fontRef idx="minor">
+                <a:schemeClr val="tx1"/>
+              </a:fontRef>
+            </p:style>
+          </p:cxnSp>
+          <p:sp>
+            <p:nvSpPr>
+              <p:cNvPr id="72" name="文字方塊 71">
+                <a:extLst>
+                  <a:ext uri="{FF2B5EF4-FFF2-40B4-BE49-F238E27FC236}">
+                    <a16:creationId xmlns:a16="http://schemas.microsoft.com/office/drawing/2014/main" id="{94918A79-7F54-40F6-84BF-80CA83A770A9}"/>
+                  </a:ext>
+                </a:extLst>
+              </p:cNvPr>
+              <p:cNvSpPr txBox="1"/>
+              <p:nvPr/>
+            </p:nvSpPr>
+            <p:spPr>
+              <a:xfrm>
+                <a:off x="6228764" y="3863427"/>
+                <a:ext cx="1080103" cy="307777"/>
+              </a:xfrm>
+              <a:prstGeom prst="rect">
+                <a:avLst/>
+              </a:prstGeom>
+              <a:noFill/>
+            </p:spPr>
+            <p:txBody>
+              <a:bodyPr wrap="none" rtlCol="0">
+                <a:spAutoFit/>
+              </a:bodyPr>
+              <a:lstStyle/>
+              <a:p>
+                <a:pPr algn="ctr"/>
+                <a:r>
+                  <a:rPr lang="en-US" altLang="zh-TW" sz="1400" dirty="0">
+                    <a:solidFill>
+                      <a:schemeClr val="bg1">
+                        <a:lumMod val="50000"/>
+                      </a:schemeClr>
+                    </a:solidFill>
+                    <a:latin typeface="-apple-system"/>
+                  </a:rPr>
+                  <a:t>Work length</a:t>
+                </a:r>
+              </a:p>
+            </p:txBody>
+          </p:sp>
+          <p:cxnSp>
+            <p:nvCxnSpPr>
+              <p:cNvPr id="73" name="直線單箭頭接點 72">
+                <a:extLst>
+                  <a:ext uri="{FF2B5EF4-FFF2-40B4-BE49-F238E27FC236}">
+                    <a16:creationId xmlns:a16="http://schemas.microsoft.com/office/drawing/2014/main" id="{1253E050-1608-4171-A959-39BDC25FDDA2}"/>
+                  </a:ext>
+                </a:extLst>
+              </p:cNvPr>
+              <p:cNvCxnSpPr>
+                <a:cxnSpLocks/>
+              </p:cNvCxnSpPr>
+              <p:nvPr/>
+            </p:nvCxnSpPr>
+            <p:spPr>
+              <a:xfrm>
+                <a:off x="5513798" y="3834435"/>
+                <a:ext cx="2820671" cy="0"/>
+              </a:xfrm>
+              <a:prstGeom prst="straightConnector1">
+                <a:avLst/>
+              </a:prstGeom>
+              <a:ln>
+                <a:solidFill>
+                  <a:schemeClr val="bg1">
+                    <a:lumMod val="50000"/>
+                  </a:schemeClr>
+                </a:solidFill>
+                <a:headEnd type="triangle"/>
+                <a:tailEnd type="triangle"/>
+              </a:ln>
+            </p:spPr>
+            <p:style>
+              <a:lnRef idx="1">
+                <a:schemeClr val="dk1"/>
+              </a:lnRef>
+              <a:fillRef idx="0">
+                <a:schemeClr val="dk1"/>
+              </a:fillRef>
+              <a:effectRef idx="0">
+                <a:schemeClr val="dk1"/>
+              </a:effectRef>
+              <a:fontRef idx="minor">
+                <a:schemeClr val="tx1"/>
+              </a:fontRef>
+            </p:style>
+          </p:cxnSp>
+          <p:cxnSp>
+            <p:nvCxnSpPr>
+              <p:cNvPr id="79" name="直線接點 78">
+                <a:extLst>
+                  <a:ext uri="{FF2B5EF4-FFF2-40B4-BE49-F238E27FC236}">
+                    <a16:creationId xmlns:a16="http://schemas.microsoft.com/office/drawing/2014/main" id="{458B8256-347F-47DE-8784-908FF91AAFFF}"/>
+                  </a:ext>
+                </a:extLst>
+              </p:cNvPr>
+              <p:cNvCxnSpPr>
+                <a:cxnSpLocks/>
+              </p:cNvCxnSpPr>
+              <p:nvPr/>
+            </p:nvCxnSpPr>
+            <p:spPr>
+              <a:xfrm>
+                <a:off x="7933916" y="3461147"/>
+                <a:ext cx="23913" cy="59033"/>
+              </a:xfrm>
+              <a:prstGeom prst="line">
+                <a:avLst/>
+              </a:prstGeom>
+              <a:ln w="12700"/>
+            </p:spPr>
+            <p:style>
+              <a:lnRef idx="1">
+                <a:schemeClr val="dk1"/>
+              </a:lnRef>
+              <a:fillRef idx="0">
+                <a:schemeClr val="dk1"/>
+              </a:fillRef>
+              <a:effectRef idx="0">
+                <a:schemeClr val="dk1"/>
+              </a:effectRef>
+              <a:fontRef idx="minor">
+                <a:schemeClr val="tx1"/>
+              </a:fontRef>
+            </p:style>
+          </p:cxnSp>
+          <p:cxnSp>
+            <p:nvCxnSpPr>
+              <p:cNvPr id="80" name="直線接點 79">
+                <a:extLst>
+                  <a:ext uri="{FF2B5EF4-FFF2-40B4-BE49-F238E27FC236}">
+                    <a16:creationId xmlns:a16="http://schemas.microsoft.com/office/drawing/2014/main" id="{654D40B2-CFEF-41DC-85F5-38CCEF0F3AC0}"/>
+                  </a:ext>
+                </a:extLst>
+              </p:cNvPr>
+              <p:cNvCxnSpPr>
+                <a:cxnSpLocks/>
+              </p:cNvCxnSpPr>
+              <p:nvPr/>
+            </p:nvCxnSpPr>
+            <p:spPr>
+              <a:xfrm>
+                <a:off x="8036060" y="3469431"/>
+                <a:ext cx="21953" cy="50749"/>
+              </a:xfrm>
+              <a:prstGeom prst="line">
+                <a:avLst/>
+              </a:prstGeom>
+              <a:ln w="12700"/>
+            </p:spPr>
+            <p:style>
+              <a:lnRef idx="1">
+                <a:schemeClr val="dk1"/>
+              </a:lnRef>
+              <a:fillRef idx="0">
+                <a:schemeClr val="dk1"/>
+              </a:fillRef>
+              <a:effectRef idx="0">
+                <a:schemeClr val="dk1"/>
+              </a:effectRef>
+              <a:fontRef idx="minor">
+                <a:schemeClr val="tx1"/>
+              </a:fontRef>
+            </p:style>
+          </p:cxnSp>
+          <p:cxnSp>
+            <p:nvCxnSpPr>
+              <p:cNvPr id="83" name="直線接點 82">
+                <a:extLst>
+                  <a:ext uri="{FF2B5EF4-FFF2-40B4-BE49-F238E27FC236}">
+                    <a16:creationId xmlns:a16="http://schemas.microsoft.com/office/drawing/2014/main" id="{45BCD60D-AD6A-404D-8D13-E71FEDED8786}"/>
+                  </a:ext>
+                </a:extLst>
+              </p:cNvPr>
+              <p:cNvCxnSpPr>
+                <a:cxnSpLocks/>
+              </p:cNvCxnSpPr>
+              <p:nvPr/>
+            </p:nvCxnSpPr>
+            <p:spPr>
+              <a:xfrm>
+                <a:off x="8120739" y="3459664"/>
+                <a:ext cx="42784" cy="48789"/>
+              </a:xfrm>
+              <a:prstGeom prst="line">
+                <a:avLst/>
+              </a:prstGeom>
+              <a:ln w="12700"/>
+            </p:spPr>
+            <p:style>
+              <a:lnRef idx="1">
+                <a:schemeClr val="dk1"/>
+              </a:lnRef>
+              <a:fillRef idx="0">
+                <a:schemeClr val="dk1"/>
+              </a:fillRef>
+              <a:effectRef idx="0">
+                <a:schemeClr val="dk1"/>
+              </a:effectRef>
+              <a:fontRef idx="minor">
+                <a:schemeClr val="tx1"/>
+              </a:fontRef>
+            </p:style>
+          </p:cxnSp>
+        </p:grpSp>
+        <p:cxnSp>
+          <p:nvCxnSpPr>
+            <p:cNvPr id="90" name="直線接點 89">
+              <a:extLst>
+                <a:ext uri="{FF2B5EF4-FFF2-40B4-BE49-F238E27FC236}">
+                  <a16:creationId xmlns:a16="http://schemas.microsoft.com/office/drawing/2014/main" id="{A5BA5153-79E2-4D58-A46A-BD9AA7C76BD7}"/>
+                </a:ext>
+              </a:extLst>
+            </p:cNvPr>
+            <p:cNvCxnSpPr/>
+            <p:nvPr/>
+          </p:nvCxnSpPr>
+          <p:spPr>
+            <a:xfrm>
+              <a:off x="5484199" y="3328574"/>
+              <a:ext cx="0" cy="315845"/>
+            </a:xfrm>
+            <a:prstGeom prst="line">
+              <a:avLst/>
+            </a:prstGeom>
+            <a:ln>
+              <a:solidFill>
+                <a:schemeClr val="bg1">
+                  <a:lumMod val="50000"/>
+                </a:schemeClr>
+              </a:solidFill>
+              <a:prstDash val="lgDash"/>
+            </a:ln>
+          </p:spPr>
+          <p:style>
+            <a:lnRef idx="1">
+              <a:schemeClr val="accent1"/>
+            </a:lnRef>
+            <a:fillRef idx="0">
+              <a:schemeClr val="accent1"/>
+            </a:fillRef>
+            <a:effectRef idx="0">
+              <a:schemeClr val="accent1"/>
+            </a:effectRef>
+            <a:fontRef idx="minor">
+              <a:schemeClr val="tx1"/>
+            </a:fontRef>
+          </p:style>
+        </p:cxnSp>
+        <p:cxnSp>
+          <p:nvCxnSpPr>
+            <p:cNvPr id="93" name="直線單箭頭接點 92">
+              <a:extLst>
+                <a:ext uri="{FF2B5EF4-FFF2-40B4-BE49-F238E27FC236}">
+                  <a16:creationId xmlns:a16="http://schemas.microsoft.com/office/drawing/2014/main" id="{E5933026-BCB7-47E5-B857-86C5A8989AB2}"/>
+                </a:ext>
+              </a:extLst>
+            </p:cNvPr>
+            <p:cNvCxnSpPr>
+              <a:cxnSpLocks/>
+            </p:cNvCxnSpPr>
+            <p:nvPr/>
+          </p:nvCxnSpPr>
+          <p:spPr>
+            <a:xfrm>
+              <a:off x="5315221" y="3227140"/>
+              <a:ext cx="137013" cy="232524"/>
+            </a:xfrm>
+            <a:prstGeom prst="straightConnector1">
+              <a:avLst/>
+            </a:prstGeom>
+            <a:ln>
+              <a:solidFill>
+                <a:schemeClr val="bg1">
+                  <a:lumMod val="50000"/>
+                </a:schemeClr>
+              </a:solidFill>
+              <a:headEnd type="none" w="med" len="med"/>
+              <a:tailEnd type="triangle" w="med" len="med"/>
+            </a:ln>
+          </p:spPr>
+          <p:style>
+            <a:lnRef idx="1">
+              <a:schemeClr val="dk1"/>
+            </a:lnRef>
+            <a:fillRef idx="0">
+              <a:schemeClr val="dk1"/>
+            </a:fillRef>
+            <a:effectRef idx="0">
+              <a:schemeClr val="dk1"/>
+            </a:effectRef>
+            <a:fontRef idx="minor">
+              <a:schemeClr val="tx1"/>
+            </a:fontRef>
+          </p:style>
+        </p:cxnSp>
+        <mc:AlternateContent xmlns:mc="http://schemas.openxmlformats.org/markup-compatibility/2006">
+          <mc:Choice xmlns:a14="http://schemas.microsoft.com/office/drawing/2010/main" Requires="a14">
+            <p:sp>
+              <p:nvSpPr>
+                <p:cNvPr id="96" name="文字方塊 95">
+                  <a:extLst>
+                    <a:ext uri="{FF2B5EF4-FFF2-40B4-BE49-F238E27FC236}">
+                      <a16:creationId xmlns:a16="http://schemas.microsoft.com/office/drawing/2014/main" id="{6B36A97C-BF02-4DE8-802F-15F7B1BF6200}"/>
+                    </a:ext>
+                  </a:extLst>
+                </p:cNvPr>
+                <p:cNvSpPr txBox="1"/>
+                <p:nvPr/>
+              </p:nvSpPr>
+              <p:spPr>
+                <a:xfrm>
+                  <a:off x="5088570" y="2966253"/>
+                  <a:ext cx="422039" cy="307777"/>
+                </a:xfrm>
+                <a:prstGeom prst="rect">
+                  <a:avLst/>
+                </a:prstGeom>
+                <a:noFill/>
+              </p:spPr>
+              <p:txBody>
+                <a:bodyPr wrap="none" rtlCol="0">
+                  <a:spAutoFit/>
+                </a:bodyPr>
+                <a:lstStyle/>
+                <a:p>
+                  <a:pPr algn="ctr"/>
+                  <a14:m>
+                    <m:oMathPara xmlns:m="http://schemas.openxmlformats.org/officeDocument/2006/math">
+                      <m:oMathParaPr>
+                        <m:jc m:val="centerGroup"/>
+                      </m:oMathParaPr>
+                      <m:oMath xmlns:m="http://schemas.openxmlformats.org/officeDocument/2006/math">
+                        <m:sSub>
+                          <m:sSubPr>
+                            <m:ctrlPr>
+                              <a:rPr lang="en-US" altLang="zh-TW" sz="1400" i="1" smtClean="0">
+                                <a:solidFill>
+                                  <a:schemeClr val="bg1">
+                                    <a:lumMod val="50000"/>
+                                  </a:schemeClr>
+                                </a:solidFill>
+                                <a:latin typeface="Cambria Math" panose="02040503050406030204" pitchFamily="18" charset="0"/>
+                              </a:rPr>
+                            </m:ctrlPr>
+                          </m:sSubPr>
+                          <m:e>
+                            <m:r>
+                              <a:rPr lang="en-US" altLang="zh-TW" sz="1400" b="0" i="1" smtClean="0">
+                                <a:solidFill>
+                                  <a:schemeClr val="bg1">
+                                    <a:lumMod val="50000"/>
+                                  </a:schemeClr>
+                                </a:solidFill>
+                                <a:latin typeface="Cambria Math" panose="02040503050406030204" pitchFamily="18" charset="0"/>
+                              </a:rPr>
+                              <m:t>𝐷</m:t>
+                            </m:r>
+                          </m:e>
+                          <m:sub>
+                            <m:r>
+                              <a:rPr lang="en-US" altLang="zh-TW" sz="1400" b="0" i="1" smtClean="0">
+                                <a:solidFill>
+                                  <a:schemeClr val="bg1">
+                                    <a:lumMod val="50000"/>
+                                  </a:schemeClr>
+                                </a:solidFill>
+                                <a:latin typeface="Cambria Math" panose="02040503050406030204" pitchFamily="18" charset="0"/>
+                              </a:rPr>
+                              <m:t>2</m:t>
+                            </m:r>
+                          </m:sub>
+                        </m:sSub>
+                      </m:oMath>
+                    </m:oMathPara>
+                  </a14:m>
+                  <a:endParaRPr lang="en-US" altLang="zh-TW" sz="1400" i="1" dirty="0">
+                    <a:solidFill>
+                      <a:schemeClr val="bg1">
+                        <a:lumMod val="50000"/>
+                      </a:schemeClr>
+                    </a:solidFill>
+                    <a:latin typeface="-apple-system"/>
+                  </a:endParaRPr>
+                </a:p>
+              </p:txBody>
+            </p:sp>
+          </mc:Choice>
+          <mc:Fallback>
+            <p:sp>
+              <p:nvSpPr>
+                <p:cNvPr id="96" name="文字方塊 95">
+                  <a:extLst>
+                    <a:ext uri="{FF2B5EF4-FFF2-40B4-BE49-F238E27FC236}">
+                      <a16:creationId xmlns:a16="http://schemas.microsoft.com/office/drawing/2014/main" id="{6B36A97C-BF02-4DE8-802F-15F7B1BF6200}"/>
+                    </a:ext>
+                  </a:extLst>
+                </p:cNvPr>
+                <p:cNvSpPr txBox="1">
+                  <a:spLocks noRot="1" noChangeAspect="1" noMove="1" noResize="1" noEditPoints="1" noAdjustHandles="1" noChangeArrowheads="1" noChangeShapeType="1" noTextEdit="1"/>
+                </p:cNvSpPr>
+                <p:nvPr/>
+              </p:nvSpPr>
+              <p:spPr>
+                <a:xfrm>
+                  <a:off x="5088570" y="2966253"/>
+                  <a:ext cx="422039" cy="307777"/>
+                </a:xfrm>
+                <a:prstGeom prst="rect">
+                  <a:avLst/>
+                </a:prstGeom>
+                <a:blipFill>
+                  <a:blip r:embed="rId2"/>
+                  <a:stretch>
+                    <a:fillRect/>
+                  </a:stretch>
+                </a:blipFill>
+              </p:spPr>
+              <p:txBody>
+                <a:bodyPr/>
+                <a:lstStyle/>
+                <a:p>
+                  <a:r>
+                    <a:rPr lang="zh-TW" altLang="en-US">
+                      <a:noFill/>
+                    </a:rPr>
+                    <a:t> </a:t>
+                  </a:r>
+                </a:p>
+              </p:txBody>
+            </p:sp>
+          </mc:Fallback>
+        </mc:AlternateContent>
+        <p:cxnSp>
+          <p:nvCxnSpPr>
+            <p:cNvPr id="101" name="直線單箭頭接點 100">
+              <a:extLst>
+                <a:ext uri="{FF2B5EF4-FFF2-40B4-BE49-F238E27FC236}">
+                  <a16:creationId xmlns:a16="http://schemas.microsoft.com/office/drawing/2014/main" id="{DFDB5D7A-7A77-44DA-B2AC-1E2BDFB66123}"/>
+                </a:ext>
+              </a:extLst>
+            </p:cNvPr>
+            <p:cNvCxnSpPr>
+              <a:cxnSpLocks/>
+            </p:cNvCxnSpPr>
+            <p:nvPr/>
+          </p:nvCxnSpPr>
+          <p:spPr>
+            <a:xfrm>
+              <a:off x="8147841" y="3253694"/>
+              <a:ext cx="137013" cy="232524"/>
+            </a:xfrm>
+            <a:prstGeom prst="straightConnector1">
+              <a:avLst/>
+            </a:prstGeom>
+            <a:ln>
+              <a:solidFill>
+                <a:schemeClr val="bg1">
+                  <a:lumMod val="50000"/>
+                </a:schemeClr>
+              </a:solidFill>
+              <a:headEnd type="none" w="med" len="med"/>
+              <a:tailEnd type="triangle" w="med" len="med"/>
+            </a:ln>
+          </p:spPr>
+          <p:style>
+            <a:lnRef idx="1">
+              <a:schemeClr val="dk1"/>
+            </a:lnRef>
+            <a:fillRef idx="0">
+              <a:schemeClr val="dk1"/>
+            </a:fillRef>
+            <a:effectRef idx="0">
+              <a:schemeClr val="dk1"/>
+            </a:effectRef>
+            <a:fontRef idx="minor">
+              <a:schemeClr val="tx1"/>
+            </a:fontRef>
+          </p:style>
+        </p:cxnSp>
+        <mc:AlternateContent xmlns:mc="http://schemas.openxmlformats.org/markup-compatibility/2006">
+          <mc:Choice xmlns:a14="http://schemas.microsoft.com/office/drawing/2010/main" Requires="a14">
+            <p:sp>
+              <p:nvSpPr>
+                <p:cNvPr id="102" name="文字方塊 101">
+                  <a:extLst>
+                    <a:ext uri="{FF2B5EF4-FFF2-40B4-BE49-F238E27FC236}">
+                      <a16:creationId xmlns:a16="http://schemas.microsoft.com/office/drawing/2014/main" id="{05E28B6A-F97A-4326-B7DC-8BC9FB1847A2}"/>
+                    </a:ext>
+                  </a:extLst>
+                </p:cNvPr>
+                <p:cNvSpPr txBox="1"/>
+                <p:nvPr/>
+              </p:nvSpPr>
+              <p:spPr>
+                <a:xfrm>
+                  <a:off x="7907405" y="2997024"/>
+                  <a:ext cx="417871" cy="307777"/>
+                </a:xfrm>
+                <a:prstGeom prst="rect">
+                  <a:avLst/>
+                </a:prstGeom>
+                <a:noFill/>
+              </p:spPr>
+              <p:txBody>
+                <a:bodyPr wrap="none" rtlCol="0">
+                  <a:spAutoFit/>
+                </a:bodyPr>
+                <a:lstStyle/>
+                <a:p>
+                  <a:pPr algn="ctr"/>
+                  <a14:m>
+                    <m:oMathPara xmlns:m="http://schemas.openxmlformats.org/officeDocument/2006/math">
+                      <m:oMathParaPr>
+                        <m:jc m:val="centerGroup"/>
+                      </m:oMathParaPr>
+                      <m:oMath xmlns:m="http://schemas.openxmlformats.org/officeDocument/2006/math">
+                        <m:sSub>
+                          <m:sSubPr>
+                            <m:ctrlPr>
+                              <a:rPr lang="en-US" altLang="zh-TW" sz="1400" i="1" smtClean="0">
+                                <a:solidFill>
+                                  <a:schemeClr val="bg1">
+                                    <a:lumMod val="50000"/>
+                                  </a:schemeClr>
+                                </a:solidFill>
+                                <a:latin typeface="Cambria Math" panose="02040503050406030204" pitchFamily="18" charset="0"/>
+                              </a:rPr>
+                            </m:ctrlPr>
+                          </m:sSubPr>
+                          <m:e>
+                            <m:r>
+                              <a:rPr lang="en-US" altLang="zh-TW" sz="1400" i="1">
+                                <a:solidFill>
+                                  <a:schemeClr val="bg1">
+                                    <a:lumMod val="50000"/>
+                                  </a:schemeClr>
+                                </a:solidFill>
+                                <a:latin typeface="Cambria Math" panose="02040503050406030204" pitchFamily="18" charset="0"/>
+                              </a:rPr>
+                              <m:t>𝐷</m:t>
+                            </m:r>
+                          </m:e>
+                          <m:sub>
+                            <m:r>
+                              <a:rPr lang="en-US" altLang="zh-TW" sz="1400" b="0" i="1" smtClean="0">
+                                <a:solidFill>
+                                  <a:schemeClr val="bg1">
+                                    <a:lumMod val="50000"/>
+                                  </a:schemeClr>
+                                </a:solidFill>
+                                <a:latin typeface="Cambria Math" panose="02040503050406030204" pitchFamily="18" charset="0"/>
+                              </a:rPr>
+                              <m:t>1</m:t>
+                            </m:r>
+                          </m:sub>
+                        </m:sSub>
+                      </m:oMath>
+                    </m:oMathPara>
+                  </a14:m>
+                  <a:endParaRPr lang="en-US" altLang="zh-TW" sz="1400" i="1" dirty="0">
+                    <a:solidFill>
+                      <a:schemeClr val="bg1">
+                        <a:lumMod val="50000"/>
+                      </a:schemeClr>
+                    </a:solidFill>
+                    <a:latin typeface="-apple-system"/>
+                  </a:endParaRPr>
+                </a:p>
+              </p:txBody>
+            </p:sp>
+          </mc:Choice>
+          <mc:Fallback>
+            <p:sp>
+              <p:nvSpPr>
+                <p:cNvPr id="102" name="文字方塊 101">
+                  <a:extLst>
+                    <a:ext uri="{FF2B5EF4-FFF2-40B4-BE49-F238E27FC236}">
+                      <a16:creationId xmlns:a16="http://schemas.microsoft.com/office/drawing/2014/main" id="{05E28B6A-F97A-4326-B7DC-8BC9FB1847A2}"/>
+                    </a:ext>
+                  </a:extLst>
+                </p:cNvPr>
+                <p:cNvSpPr txBox="1">
+                  <a:spLocks noRot="1" noChangeAspect="1" noMove="1" noResize="1" noEditPoints="1" noAdjustHandles="1" noChangeArrowheads="1" noChangeShapeType="1" noTextEdit="1"/>
+                </p:cNvSpPr>
+                <p:nvPr/>
+              </p:nvSpPr>
+              <p:spPr>
+                <a:xfrm>
+                  <a:off x="7907405" y="2997024"/>
+                  <a:ext cx="417871" cy="307777"/>
+                </a:xfrm>
+                <a:prstGeom prst="rect">
+                  <a:avLst/>
+                </a:prstGeom>
+                <a:blipFill>
+                  <a:blip r:embed="rId3"/>
+                  <a:stretch>
+                    <a:fillRect/>
+                  </a:stretch>
+                </a:blipFill>
+              </p:spPr>
+              <p:txBody>
+                <a:bodyPr/>
+                <a:lstStyle/>
+                <a:p>
+                  <a:r>
+                    <a:rPr lang="zh-TW" altLang="en-US">
+                      <a:noFill/>
+                    </a:rPr>
+                    <a:t> </a:t>
+                  </a:r>
+                </a:p>
+              </p:txBody>
+            </p:sp>
+          </mc:Fallback>
+        </mc:AlternateContent>
+      </p:grpSp>
+    </p:spTree>
+    <p:extLst>
+      <p:ext uri="{BB962C8B-B14F-4D97-AF65-F5344CB8AC3E}">
+        <p14:creationId xmlns:p14="http://schemas.microsoft.com/office/powerpoint/2010/main" val="3918946193"/>
+      </p:ext>
+    </p:extLst>
+  </p:cSld>
+  <p:clrMapOvr>
+    <a:masterClrMapping/>
+  </p:clrMapOvr>
+</p:sld>
+</file>
+
+<file path=ppt/slides/slide12.xml><?xml version="1.0" encoding="utf-8"?>
+<p:sld xmlns:a="http://schemas.openxmlformats.org/drawingml/2006/main" xmlns:r="http://schemas.openxmlformats.org/officeDocument/2006/relationships" xmlns:p="http://schemas.openxmlformats.org/presentationml/2006/main">
+  <p:cSld>
+    <p:spTree>
+      <p:nvGrpSpPr>
+        <p:cNvPr id="1" name=""/>
+        <p:cNvGrpSpPr/>
+        <p:nvPr/>
+      </p:nvGrpSpPr>
+      <p:grpSpPr>
+        <a:xfrm>
+          <a:off x="0" y="0"/>
+          <a:ext cx="0" cy="0"/>
+          <a:chOff x="0" y="0"/>
+          <a:chExt cx="0" cy="0"/>
+        </a:xfrm>
+      </p:grpSpPr>
+      <p:sp>
+        <p:nvSpPr>
+          <p:cNvPr id="2" name="標題 1">
+            <a:extLst>
+              <a:ext uri="{FF2B5EF4-FFF2-40B4-BE49-F238E27FC236}">
+                <a16:creationId xmlns:a16="http://schemas.microsoft.com/office/drawing/2014/main" id="{2BF65C24-F190-46A6-B6DC-D12FC4627C7B}"/>
+              </a:ext>
+            </a:extLst>
+          </p:cNvPr>
+          <p:cNvSpPr>
+            <a:spLocks noGrp="1"/>
+          </p:cNvSpPr>
+          <p:nvPr>
+            <p:ph type="title"/>
+          </p:nvPr>
+        </p:nvSpPr>
+        <p:spPr/>
+        <p:txBody>
+          <a:bodyPr/>
+          <a:lstStyle/>
+          <a:p>
+            <a:endParaRPr lang="zh-TW" altLang="en-US"/>
+          </a:p>
+        </p:txBody>
+      </p:sp>
+      <p:grpSp>
+        <p:nvGrpSpPr>
+          <p:cNvPr id="5" name="群組 4">
+            <a:extLst>
+              <a:ext uri="{FF2B5EF4-FFF2-40B4-BE49-F238E27FC236}">
+                <a16:creationId xmlns:a16="http://schemas.microsoft.com/office/drawing/2014/main" id="{66DF7E32-81F7-4E6F-ABDD-EDBEC176F8E4}"/>
+              </a:ext>
+            </a:extLst>
+          </p:cNvPr>
+          <p:cNvGrpSpPr/>
+          <p:nvPr/>
+        </p:nvGrpSpPr>
+        <p:grpSpPr>
+          <a:xfrm>
+            <a:off x="527074" y="15285"/>
+            <a:ext cx="10712914" cy="6614217"/>
+            <a:chOff x="527074" y="15285"/>
+            <a:chExt cx="10712914" cy="6614217"/>
+          </a:xfrm>
+        </p:grpSpPr>
+        <p:pic>
+          <p:nvPicPr>
+            <p:cNvPr id="3" name="圖片 2">
+              <a:extLst>
+                <a:ext uri="{FF2B5EF4-FFF2-40B4-BE49-F238E27FC236}">
+                  <a16:creationId xmlns:a16="http://schemas.microsoft.com/office/drawing/2014/main" id="{E72D9C14-2632-4A9A-9E07-C535E014ECE7}"/>
+                </a:ext>
+              </a:extLst>
+            </p:cNvPr>
+            <p:cNvPicPr/>
+            <p:nvPr/>
+          </p:nvPicPr>
+          <p:blipFill>
+            <a:blip r:embed="rId2">
+              <a:extLst>
+                <a:ext uri="{28A0092B-C50C-407E-A947-70E740481C1C}">
+                  <a14:useLocalDpi xmlns:a14="http://schemas.microsoft.com/office/drawing/2010/main" val="0"/>
+                </a:ext>
+              </a:extLst>
+            </a:blip>
+            <a:stretch>
+              <a:fillRect/>
+            </a:stretch>
+          </p:blipFill>
+          <p:spPr>
+            <a:xfrm>
+              <a:off x="527074" y="15285"/>
+              <a:ext cx="5084372" cy="6598932"/>
+            </a:xfrm>
+            <a:prstGeom prst="rect">
+              <a:avLst/>
+            </a:prstGeom>
+          </p:spPr>
+        </p:pic>
+        <p:pic>
+          <p:nvPicPr>
+            <p:cNvPr id="4" name="圖片 3" descr="一張含有 室內, 桌, 坐, 小 的圖片&#10;&#10;自動產生的描述">
+              <a:extLst>
+                <a:ext uri="{FF2B5EF4-FFF2-40B4-BE49-F238E27FC236}">
+                  <a16:creationId xmlns:a16="http://schemas.microsoft.com/office/drawing/2014/main" id="{8C02277E-2488-4082-80B8-A9731FBEE06F}"/>
+                </a:ext>
+              </a:extLst>
+            </p:cNvPr>
+            <p:cNvPicPr/>
+            <p:nvPr/>
+          </p:nvPicPr>
+          <p:blipFill rotWithShape="1">
+            <a:blip r:embed="rId3" cstate="print">
+              <a:extLst>
+                <a:ext uri="{28A0092B-C50C-407E-A947-70E740481C1C}">
+                  <a14:useLocalDpi xmlns:a14="http://schemas.microsoft.com/office/drawing/2010/main" val="0"/>
+                </a:ext>
+              </a:extLst>
+            </a:blip>
+            <a:srcRect t="11857"/>
+            <a:stretch/>
+          </p:blipFill>
+          <p:spPr bwMode="auto">
+            <a:xfrm>
+              <a:off x="5611446" y="15285"/>
+              <a:ext cx="5628542" cy="6614217"/>
+            </a:xfrm>
+            <a:prstGeom prst="rect">
+              <a:avLst/>
+            </a:prstGeom>
+            <a:ln>
+              <a:noFill/>
+            </a:ln>
+            <a:extLst>
+              <a:ext uri="{53640926-AAD7-44D8-BBD7-CCE9431645EC}">
+                <a14:shadowObscured xmlns:a14="http://schemas.microsoft.com/office/drawing/2010/main"/>
+              </a:ext>
+            </a:extLst>
+          </p:spPr>
+        </p:pic>
+      </p:grpSp>
+    </p:spTree>
+    <p:extLst>
+      <p:ext uri="{BB962C8B-B14F-4D97-AF65-F5344CB8AC3E}">
+        <p14:creationId xmlns:p14="http://schemas.microsoft.com/office/powerpoint/2010/main" val="172451033"/>
       </p:ext>
     </p:extLst>
   </p:cSld>
@@ -4654,7 +6955,7 @@
             <a:lstStyle/>
             <a:p>
               <a:r>
-                <a:rPr lang="en-US" altLang="zh-TW" b="1" dirty="0" smtClean="0"/>
+                <a:rPr lang="en-US" altLang="zh-TW" b="1" dirty="0"/>
                 <a:t>{H}</a:t>
               </a:r>
               <a:endParaRPr lang="zh-TW" altLang="en-US" b="1" dirty="0"/>
@@ -4684,16 +6985,8 @@
             <a:lstStyle/>
             <a:p>
               <a:r>
-                <a:rPr lang="en-US" altLang="zh-TW" b="1" dirty="0" smtClean="0"/>
-                <a:t>{1},{</a:t>
-              </a:r>
-              <a:r>
                 <a:rPr lang="en-US" altLang="zh-TW" b="1" dirty="0"/>
-                <a:t>2</a:t>
-              </a:r>
-              <a:r>
-                <a:rPr lang="en-US" altLang="zh-TW" b="1" dirty="0" smtClean="0"/>
-                <a:t>}</a:t>
+                <a:t>{1},{2}</a:t>
               </a:r>
               <a:endParaRPr lang="zh-TW" altLang="en-US" b="1" dirty="0"/>
             </a:p>
@@ -4722,7 +7015,7 @@
             <a:lstStyle/>
             <a:p>
               <a:r>
-                <a:rPr lang="en-US" altLang="zh-TW" b="1" dirty="0" smtClean="0"/>
+                <a:rPr lang="en-US" altLang="zh-TW" b="1" dirty="0"/>
                 <a:t>{3}</a:t>
               </a:r>
               <a:endParaRPr lang="zh-TW" altLang="en-US" b="1" dirty="0"/>
@@ -4752,7 +7045,7 @@
             <a:lstStyle/>
             <a:p>
               <a:r>
-                <a:rPr lang="en-US" altLang="zh-TW" b="1" dirty="0" smtClean="0"/>
+                <a:rPr lang="en-US" altLang="zh-TW" b="1" dirty="0"/>
                 <a:t>{4}</a:t>
               </a:r>
               <a:endParaRPr lang="zh-TW" altLang="en-US" b="1" dirty="0"/>
@@ -4782,7 +7075,7 @@
             <a:lstStyle/>
             <a:p>
               <a:r>
-                <a:rPr lang="en-US" altLang="zh-TW" b="1" dirty="0" smtClean="0"/>
+                <a:rPr lang="en-US" altLang="zh-TW" b="1" dirty="0"/>
                 <a:t>{5}</a:t>
               </a:r>
               <a:endParaRPr lang="zh-TW" altLang="en-US" b="1" dirty="0"/>
@@ -4812,7 +7105,7 @@
             <a:lstStyle/>
             <a:p>
               <a:r>
-                <a:rPr lang="en-US" altLang="zh-TW" b="1" dirty="0" smtClean="0"/>
+                <a:rPr lang="en-US" altLang="zh-TW" b="1" dirty="0"/>
                 <a:t>{6}</a:t>
               </a:r>
               <a:endParaRPr lang="zh-TW" altLang="en-US" b="1" dirty="0"/>
@@ -4842,7 +7135,7 @@
             <a:lstStyle/>
             <a:p>
               <a:r>
-                <a:rPr lang="en-US" altLang="zh-TW" b="1" dirty="0" smtClean="0"/>
+                <a:rPr lang="en-US" altLang="zh-TW" b="1" dirty="0"/>
                 <a:t>{S}</a:t>
               </a:r>
               <a:endParaRPr lang="zh-TW" altLang="en-US" b="1" dirty="0"/>
@@ -4872,7 +7165,7 @@
             <a:lstStyle/>
             <a:p>
               <a:r>
-                <a:rPr lang="en-US" altLang="zh-TW" b="1" dirty="0" smtClean="0"/>
+                <a:rPr lang="en-US" altLang="zh-TW" b="1" dirty="0"/>
                 <a:t>{0}</a:t>
               </a:r>
               <a:endParaRPr lang="zh-TW" altLang="en-US" b="1" dirty="0"/>
@@ -4890,13 +7183,6 @@
   <p:clrMapOvr>
     <a:masterClrMapping/>
   </p:clrMapOvr>
-  <p:timing>
-    <p:tnLst>
-      <p:par>
-        <p:cTn id="1" dur="indefinite" restart="never" nodeType="tmRoot"/>
-      </p:par>
-    </p:tnLst>
-  </p:timing>
 </p:sld>
 </file>
 
@@ -5279,7 +7565,7 @@
               <a:lstStyle/>
               <a:p>
                 <a:r>
-                  <a:rPr lang="en-US" altLang="zh-TW" b="1" dirty="0" smtClean="0"/>
+                  <a:rPr lang="en-US" altLang="zh-TW" b="1" dirty="0"/>
                   <a:t>{6}</a:t>
                 </a:r>
                 <a:endParaRPr lang="zh-TW" altLang="en-US" b="1" dirty="0"/>
@@ -5309,7 +7595,7 @@
               <a:lstStyle/>
               <a:p>
                 <a:r>
-                  <a:rPr lang="en-US" altLang="zh-TW" b="1" dirty="0" smtClean="0"/>
+                  <a:rPr lang="en-US" altLang="zh-TW" b="1" dirty="0"/>
                   <a:t>{H}</a:t>
                 </a:r>
                 <a:endParaRPr lang="zh-TW" altLang="en-US" b="1" dirty="0"/>
@@ -5759,7 +8045,7 @@
                 <a:lstStyle/>
                 <a:p>
                   <a:r>
-                    <a:rPr lang="en-US" altLang="zh-TW" b="1" dirty="0" smtClean="0"/>
+                    <a:rPr lang="en-US" altLang="zh-TW" b="1" dirty="0"/>
                     <a:t>{6}</a:t>
                   </a:r>
                   <a:endParaRPr lang="zh-TW" altLang="en-US" b="1" dirty="0"/>
@@ -5789,7 +8075,7 @@
                 <a:lstStyle/>
                 <a:p>
                   <a:r>
-                    <a:rPr lang="en-US" altLang="zh-TW" b="1" dirty="0" smtClean="0"/>
+                    <a:rPr lang="en-US" altLang="zh-TW" b="1" dirty="0"/>
                     <a:t>{H}</a:t>
                   </a:r>
                   <a:endParaRPr lang="zh-TW" altLang="en-US" b="1" dirty="0"/>
@@ -6276,7 +8562,7 @@
               <a:lstStyle/>
               <a:p>
                 <a:r>
-                  <a:rPr lang="en-US" altLang="zh-TW" dirty="0" smtClean="0">
+                  <a:rPr lang="en-US" altLang="zh-TW" dirty="0">
                     <a:solidFill>
                       <a:srgbClr val="FF0000"/>
                     </a:solidFill>
@@ -6455,7 +8741,7 @@
           <a:p>
             <a:fld id="{979F763D-BF21-4D53-8EEE-BB706C571577}" type="datetime1">
               <a:rPr lang="zh-TW" altLang="en-US" smtClean="0"/>
-              <a:t>2021/5/6</a:t>
+              <a:t>2021/5/24</a:t>
             </a:fld>
             <a:endParaRPr lang="zh-TW" altLang="en-US"/>
           </a:p>
@@ -6477,7 +8763,7 @@
           <a:lstStyle/>
           <a:p>
             <a:r>
-              <a:rPr lang="en-US" altLang="zh-TW" smtClean="0"/>
+              <a:rPr lang="en-US" altLang="zh-TW"/>
               <a:t>NASA Lab - NTUEE</a:t>
             </a:r>
             <a:endParaRPr lang="zh-TW" altLang="en-US" dirty="0"/>
@@ -7372,13 +9658,6 @@
   <p:clrMapOvr>
     <a:masterClrMapping/>
   </p:clrMapOvr>
-  <p:timing>
-    <p:tnLst>
-      <p:par>
-        <p:cTn id="1" dur="indefinite" restart="never" nodeType="tmRoot"/>
-      </p:par>
-    </p:tnLst>
-  </p:timing>
 </p:sld>
 </file>
 
@@ -7416,7 +9695,7 @@
           <a:p>
             <a:fld id="{979F763D-BF21-4D53-8EEE-BB706C571577}" type="datetime1">
               <a:rPr lang="zh-TW" altLang="en-US" smtClean="0"/>
-              <a:t>2021/5/6</a:t>
+              <a:t>2021/5/24</a:t>
             </a:fld>
             <a:endParaRPr lang="zh-TW" altLang="en-US"/>
           </a:p>
@@ -7438,7 +9717,7 @@
           <a:lstStyle/>
           <a:p>
             <a:r>
-              <a:rPr lang="en-US" altLang="zh-TW" smtClean="0"/>
+              <a:rPr lang="en-US" altLang="zh-TW"/>
               <a:t>NASA Lab - NTUEE</a:t>
             </a:r>
             <a:endParaRPr lang="zh-TW" altLang="en-US" dirty="0"/>
@@ -8293,7 +10572,7 @@
               <a:lstStyle/>
               <a:p>
                 <a:r>
-                  <a:rPr lang="en-US" altLang="zh-TW" sz="2000" dirty="0" smtClean="0">
+                  <a:rPr lang="en-US" altLang="zh-TW" sz="2000" dirty="0">
                     <a:solidFill>
                       <a:schemeClr val="bg1">
                         <a:lumMod val="50000"/>
@@ -8335,7 +10614,7 @@
               <a:lstStyle/>
               <a:p>
                 <a:r>
-                  <a:rPr lang="en-US" altLang="zh-TW" sz="2000" dirty="0" smtClean="0">
+                  <a:rPr lang="en-US" altLang="zh-TW" sz="2000" dirty="0">
                     <a:solidFill>
                       <a:schemeClr val="bg1">
                         <a:lumMod val="50000"/>
@@ -9314,7 +11593,7 @@
               <a:lstStyle/>
               <a:p>
                 <a:r>
-                  <a:rPr lang="en-US" altLang="zh-TW" sz="2000" dirty="0" smtClean="0">
+                  <a:rPr lang="en-US" altLang="zh-TW" sz="2000" dirty="0">
                     <a:solidFill>
                       <a:schemeClr val="bg1">
                         <a:lumMod val="50000"/>
@@ -9505,13 +11784,6 @@
   <p:clrMapOvr>
     <a:masterClrMapping/>
   </p:clrMapOvr>
-  <p:timing>
-    <p:tnLst>
-      <p:par>
-        <p:cTn id="1" dur="indefinite" restart="never" nodeType="tmRoot"/>
-      </p:par>
-    </p:tnLst>
-  </p:timing>
 </p:sld>
 </file>
 
@@ -9532,227 +11804,6 @@
           <a:chExt cx="0" cy="0"/>
         </a:xfrm>
       </p:grpSpPr>
-      <p:grpSp>
-        <p:nvGrpSpPr>
-          <p:cNvPr id="49" name="群組 48"/>
-          <p:cNvGrpSpPr/>
-          <p:nvPr/>
-        </p:nvGrpSpPr>
-        <p:grpSpPr>
-          <a:xfrm>
-            <a:off x="1381124" y="280"/>
-            <a:ext cx="9296402" cy="6915306"/>
-            <a:chOff x="1381124" y="280"/>
-            <a:chExt cx="9296402" cy="6915306"/>
-          </a:xfrm>
-        </p:grpSpPr>
-        <p:pic>
-          <p:nvPicPr>
-            <p:cNvPr id="4" name="圖片 3"/>
-            <p:cNvPicPr>
-              <a:picLocks noChangeAspect="1"/>
-            </p:cNvPicPr>
-            <p:nvPr/>
-          </p:nvPicPr>
-          <p:blipFill>
-            <a:blip r:embed="rId2">
-              <a:extLst>
-                <a:ext uri="{28A0092B-C50C-407E-A947-70E740481C1C}">
-                  <a14:useLocalDpi xmlns:a14="http://schemas.microsoft.com/office/drawing/2010/main" val="0"/>
-                </a:ext>
-              </a:extLst>
-            </a:blip>
-            <a:stretch>
-              <a:fillRect/>
-            </a:stretch>
-          </p:blipFill>
-          <p:spPr>
-            <a:xfrm>
-              <a:off x="1381124" y="280"/>
-              <a:ext cx="9296402" cy="6915306"/>
-            </a:xfrm>
-            <a:prstGeom prst="rect">
-              <a:avLst/>
-            </a:prstGeom>
-          </p:spPr>
-        </p:pic>
-        <p:sp>
-          <p:nvSpPr>
-            <p:cNvPr id="6" name="橢圓 5"/>
-            <p:cNvSpPr/>
-            <p:nvPr/>
-          </p:nvSpPr>
-          <p:spPr>
-            <a:xfrm>
-              <a:off x="2343150" y="6442074"/>
-              <a:ext cx="295275" cy="295275"/>
-            </a:xfrm>
-            <a:prstGeom prst="ellipse">
-              <a:avLst/>
-            </a:prstGeom>
-            <a:solidFill>
-              <a:srgbClr val="FF0000"/>
-            </a:solidFill>
-            <a:ln>
-              <a:solidFill>
-                <a:srgbClr val="FF0000"/>
-              </a:solidFill>
-            </a:ln>
-          </p:spPr>
-          <p:style>
-            <a:lnRef idx="2">
-              <a:schemeClr val="accent1">
-                <a:shade val="50000"/>
-              </a:schemeClr>
-            </a:lnRef>
-            <a:fillRef idx="1">
-              <a:schemeClr val="accent1"/>
-            </a:fillRef>
-            <a:effectRef idx="0">
-              <a:schemeClr val="accent1"/>
-            </a:effectRef>
-            <a:fontRef idx="minor">
-              <a:schemeClr val="lt1"/>
-            </a:fontRef>
-          </p:style>
-          <p:txBody>
-            <a:bodyPr rtlCol="0" anchor="ctr"/>
-            <a:lstStyle/>
-            <a:p>
-              <a:pPr algn="ctr"/>
-              <a:endParaRPr lang="zh-TW" altLang="en-US"/>
-            </a:p>
-          </p:txBody>
-        </p:sp>
-        <p:sp>
-          <p:nvSpPr>
-            <p:cNvPr id="13" name="橢圓 12"/>
-            <p:cNvSpPr/>
-            <p:nvPr/>
-          </p:nvSpPr>
-          <p:spPr>
-            <a:xfrm>
-              <a:off x="7848599" y="2922590"/>
-              <a:ext cx="295275" cy="295275"/>
-            </a:xfrm>
-            <a:prstGeom prst="ellipse">
-              <a:avLst/>
-            </a:prstGeom>
-            <a:solidFill>
-              <a:srgbClr val="FF0000"/>
-            </a:solidFill>
-            <a:ln>
-              <a:solidFill>
-                <a:srgbClr val="FF0000"/>
-              </a:solidFill>
-            </a:ln>
-          </p:spPr>
-          <p:style>
-            <a:lnRef idx="2">
-              <a:schemeClr val="accent1">
-                <a:shade val="50000"/>
-              </a:schemeClr>
-            </a:lnRef>
-            <a:fillRef idx="1">
-              <a:schemeClr val="accent1"/>
-            </a:fillRef>
-            <a:effectRef idx="0">
-              <a:schemeClr val="accent1"/>
-            </a:effectRef>
-            <a:fontRef idx="minor">
-              <a:schemeClr val="lt1"/>
-            </a:fontRef>
-          </p:style>
-          <p:txBody>
-            <a:bodyPr rtlCol="0" anchor="ctr"/>
-            <a:lstStyle/>
-            <a:p>
-              <a:pPr algn="ctr"/>
-              <a:endParaRPr lang="zh-TW" altLang="en-US"/>
-            </a:p>
-          </p:txBody>
-        </p:sp>
-        <p:cxnSp>
-          <p:nvCxnSpPr>
-            <p:cNvPr id="7" name="直線接點 6"/>
-            <p:cNvCxnSpPr/>
-            <p:nvPr/>
-          </p:nvCxnSpPr>
-          <p:spPr>
-            <a:xfrm flipH="1" flipV="1">
-              <a:off x="8008936" y="3089277"/>
-              <a:ext cx="657224" cy="400048"/>
-            </a:xfrm>
-            <a:prstGeom prst="line">
-              <a:avLst/>
-            </a:prstGeom>
-            <a:ln w="38100">
-              <a:solidFill>
-                <a:schemeClr val="bg1">
-                  <a:lumMod val="50000"/>
-                </a:schemeClr>
-              </a:solidFill>
-              <a:prstDash val="sysDot"/>
-              <a:headEnd type="none" w="med" len="med"/>
-              <a:tailEnd type="none" w="med" len="med"/>
-            </a:ln>
-          </p:spPr>
-          <p:style>
-            <a:lnRef idx="1">
-              <a:schemeClr val="accent1"/>
-            </a:lnRef>
-            <a:fillRef idx="0">
-              <a:schemeClr val="accent1"/>
-            </a:fillRef>
-            <a:effectRef idx="0">
-              <a:schemeClr val="accent1"/>
-            </a:effectRef>
-            <a:fontRef idx="minor">
-              <a:schemeClr val="tx1"/>
-            </a:fontRef>
-          </p:style>
-        </p:cxnSp>
-        <p:cxnSp>
-          <p:nvCxnSpPr>
-            <p:cNvPr id="10" name="直線接點 9"/>
-            <p:cNvCxnSpPr/>
-            <p:nvPr/>
-          </p:nvCxnSpPr>
-          <p:spPr>
-            <a:xfrm>
-              <a:off x="7530872" y="1441450"/>
-              <a:ext cx="465365" cy="1628778"/>
-            </a:xfrm>
-            <a:prstGeom prst="line">
-              <a:avLst/>
-            </a:prstGeom>
-            <a:ln w="38100">
-              <a:solidFill>
-                <a:schemeClr val="bg1">
-                  <a:lumMod val="50000"/>
-                </a:schemeClr>
-              </a:solidFill>
-              <a:prstDash val="sysDot"/>
-              <a:headEnd type="none" w="med" len="med"/>
-              <a:tailEnd type="none" w="med" len="med"/>
-            </a:ln>
-          </p:spPr>
-          <p:style>
-            <a:lnRef idx="1">
-              <a:schemeClr val="accent1"/>
-            </a:lnRef>
-            <a:fillRef idx="0">
-              <a:schemeClr val="accent1"/>
-            </a:fillRef>
-            <a:effectRef idx="0">
-              <a:schemeClr val="accent1"/>
-            </a:effectRef>
-            <a:fontRef idx="minor">
-              <a:schemeClr val="tx1"/>
-            </a:fontRef>
-          </p:style>
-        </p:cxnSp>
-      </p:grpSp>
       <p:grpSp>
         <p:nvGrpSpPr>
           <p:cNvPr id="48" name="群組 47"/>
@@ -10575,6 +12626,852 @@
           </p:txBody>
         </p:sp>
       </p:grpSp>
+      <p:grpSp>
+        <p:nvGrpSpPr>
+          <p:cNvPr id="11" name="群組 10">
+            <a:extLst>
+              <a:ext uri="{FF2B5EF4-FFF2-40B4-BE49-F238E27FC236}">
+                <a16:creationId xmlns:a16="http://schemas.microsoft.com/office/drawing/2014/main" id="{1012C74D-C3B8-49F5-9378-99922B113FA4}"/>
+              </a:ext>
+            </a:extLst>
+          </p:cNvPr>
+          <p:cNvGrpSpPr/>
+          <p:nvPr/>
+        </p:nvGrpSpPr>
+        <p:grpSpPr>
+          <a:xfrm>
+            <a:off x="1381124" y="280"/>
+            <a:ext cx="9296402" cy="6915306"/>
+            <a:chOff x="1381124" y="280"/>
+            <a:chExt cx="9296402" cy="6915306"/>
+          </a:xfrm>
+        </p:grpSpPr>
+        <p:grpSp>
+          <p:nvGrpSpPr>
+            <p:cNvPr id="9" name="群組 8">
+              <a:extLst>
+                <a:ext uri="{FF2B5EF4-FFF2-40B4-BE49-F238E27FC236}">
+                  <a16:creationId xmlns:a16="http://schemas.microsoft.com/office/drawing/2014/main" id="{5D9C8464-83E5-435B-BF08-509E0564C21D}"/>
+                </a:ext>
+              </a:extLst>
+            </p:cNvPr>
+            <p:cNvGrpSpPr/>
+            <p:nvPr/>
+          </p:nvGrpSpPr>
+          <p:grpSpPr>
+            <a:xfrm>
+              <a:off x="1381124" y="280"/>
+              <a:ext cx="9296402" cy="6915306"/>
+              <a:chOff x="1381124" y="280"/>
+              <a:chExt cx="9296402" cy="6915306"/>
+            </a:xfrm>
+          </p:grpSpPr>
+          <p:pic>
+            <p:nvPicPr>
+              <p:cNvPr id="4" name="圖片 3"/>
+              <p:cNvPicPr>
+                <a:picLocks noChangeAspect="1"/>
+              </p:cNvPicPr>
+              <p:nvPr/>
+            </p:nvPicPr>
+            <p:blipFill>
+              <a:blip r:embed="rId2">
+                <a:extLst>
+                  <a:ext uri="{28A0092B-C50C-407E-A947-70E740481C1C}">
+                    <a14:useLocalDpi xmlns:a14="http://schemas.microsoft.com/office/drawing/2010/main" val="0"/>
+                  </a:ext>
+                </a:extLst>
+              </a:blip>
+              <a:stretch>
+                <a:fillRect/>
+              </a:stretch>
+            </p:blipFill>
+            <p:spPr>
+              <a:xfrm>
+                <a:off x="1381124" y="280"/>
+                <a:ext cx="9296402" cy="6915306"/>
+              </a:xfrm>
+              <a:prstGeom prst="rect">
+                <a:avLst/>
+              </a:prstGeom>
+            </p:spPr>
+          </p:pic>
+          <p:sp>
+            <p:nvSpPr>
+              <p:cNvPr id="13" name="橢圓 12"/>
+              <p:cNvSpPr/>
+              <p:nvPr/>
+            </p:nvSpPr>
+            <p:spPr>
+              <a:xfrm>
+                <a:off x="7699538" y="2227459"/>
+                <a:ext cx="156223" cy="156223"/>
+              </a:xfrm>
+              <a:prstGeom prst="ellipse">
+                <a:avLst/>
+              </a:prstGeom>
+              <a:solidFill>
+                <a:schemeClr val="bg1">
+                  <a:lumMod val="50000"/>
+                </a:schemeClr>
+              </a:solidFill>
+              <a:ln>
+                <a:solidFill>
+                  <a:schemeClr val="bg1">
+                    <a:lumMod val="50000"/>
+                  </a:schemeClr>
+                </a:solidFill>
+              </a:ln>
+            </p:spPr>
+            <p:style>
+              <a:lnRef idx="2">
+                <a:schemeClr val="accent1">
+                  <a:shade val="50000"/>
+                </a:schemeClr>
+              </a:lnRef>
+              <a:fillRef idx="1">
+                <a:schemeClr val="accent1"/>
+              </a:fillRef>
+              <a:effectRef idx="0">
+                <a:schemeClr val="accent1"/>
+              </a:effectRef>
+              <a:fontRef idx="minor">
+                <a:schemeClr val="lt1"/>
+              </a:fontRef>
+            </p:style>
+            <p:txBody>
+              <a:bodyPr rtlCol="0" anchor="ctr"/>
+              <a:lstStyle/>
+              <a:p>
+                <a:pPr algn="ctr"/>
+                <a:endParaRPr lang="zh-TW" altLang="en-US"/>
+              </a:p>
+            </p:txBody>
+          </p:sp>
+          <p:cxnSp>
+            <p:nvCxnSpPr>
+              <p:cNvPr id="7" name="直線接點 6"/>
+              <p:cNvCxnSpPr/>
+              <p:nvPr/>
+            </p:nvCxnSpPr>
+            <p:spPr>
+              <a:xfrm flipH="1" flipV="1">
+                <a:off x="8008936" y="3089277"/>
+                <a:ext cx="657224" cy="400048"/>
+              </a:xfrm>
+              <a:prstGeom prst="line">
+                <a:avLst/>
+              </a:prstGeom>
+              <a:ln w="38100">
+                <a:solidFill>
+                  <a:schemeClr val="bg1">
+                    <a:lumMod val="50000"/>
+                  </a:schemeClr>
+                </a:solidFill>
+                <a:prstDash val="sysDot"/>
+                <a:headEnd type="none" w="med" len="med"/>
+                <a:tailEnd type="none" w="med" len="med"/>
+              </a:ln>
+            </p:spPr>
+            <p:style>
+              <a:lnRef idx="1">
+                <a:schemeClr val="accent1"/>
+              </a:lnRef>
+              <a:fillRef idx="0">
+                <a:schemeClr val="accent1"/>
+              </a:fillRef>
+              <a:effectRef idx="0">
+                <a:schemeClr val="accent1"/>
+              </a:effectRef>
+              <a:fontRef idx="minor">
+                <a:schemeClr val="tx1"/>
+              </a:fontRef>
+            </p:style>
+          </p:cxnSp>
+          <p:cxnSp>
+            <p:nvCxnSpPr>
+              <p:cNvPr id="10" name="直線接點 9"/>
+              <p:cNvCxnSpPr/>
+              <p:nvPr/>
+            </p:nvCxnSpPr>
+            <p:spPr>
+              <a:xfrm>
+                <a:off x="7530872" y="1441450"/>
+                <a:ext cx="465365" cy="1628778"/>
+              </a:xfrm>
+              <a:prstGeom prst="line">
+                <a:avLst/>
+              </a:prstGeom>
+              <a:ln w="38100">
+                <a:solidFill>
+                  <a:schemeClr val="bg1">
+                    <a:lumMod val="50000"/>
+                  </a:schemeClr>
+                </a:solidFill>
+                <a:prstDash val="sysDot"/>
+                <a:headEnd type="none" w="med" len="med"/>
+                <a:tailEnd type="none" w="med" len="med"/>
+              </a:ln>
+            </p:spPr>
+            <p:style>
+              <a:lnRef idx="1">
+                <a:schemeClr val="accent1"/>
+              </a:lnRef>
+              <a:fillRef idx="0">
+                <a:schemeClr val="accent1"/>
+              </a:fillRef>
+              <a:effectRef idx="0">
+                <a:schemeClr val="accent1"/>
+              </a:effectRef>
+              <a:fontRef idx="minor">
+                <a:schemeClr val="tx1"/>
+              </a:fontRef>
+            </p:style>
+          </p:cxnSp>
+          <p:sp>
+            <p:nvSpPr>
+              <p:cNvPr id="30" name="橢圓 29">
+                <a:extLst>
+                  <a:ext uri="{FF2B5EF4-FFF2-40B4-BE49-F238E27FC236}">
+                    <a16:creationId xmlns:a16="http://schemas.microsoft.com/office/drawing/2014/main" id="{4F894B29-3B26-4346-8156-FA4997D16FF4}"/>
+                  </a:ext>
+                </a:extLst>
+              </p:cNvPr>
+              <p:cNvSpPr/>
+              <p:nvPr/>
+            </p:nvSpPr>
+            <p:spPr>
+              <a:xfrm>
+                <a:off x="2434900" y="6515175"/>
+                <a:ext cx="156223" cy="156223"/>
+              </a:xfrm>
+              <a:prstGeom prst="ellipse">
+                <a:avLst/>
+              </a:prstGeom>
+              <a:solidFill>
+                <a:schemeClr val="bg1">
+                  <a:lumMod val="50000"/>
+                </a:schemeClr>
+              </a:solidFill>
+              <a:ln>
+                <a:solidFill>
+                  <a:schemeClr val="bg1">
+                    <a:lumMod val="50000"/>
+                  </a:schemeClr>
+                </a:solidFill>
+              </a:ln>
+            </p:spPr>
+            <p:style>
+              <a:lnRef idx="2">
+                <a:schemeClr val="accent1">
+                  <a:shade val="50000"/>
+                </a:schemeClr>
+              </a:lnRef>
+              <a:fillRef idx="1">
+                <a:schemeClr val="accent1"/>
+              </a:fillRef>
+              <a:effectRef idx="0">
+                <a:schemeClr val="accent1"/>
+              </a:effectRef>
+              <a:fontRef idx="minor">
+                <a:schemeClr val="lt1"/>
+              </a:fontRef>
+            </p:style>
+            <p:txBody>
+              <a:bodyPr rtlCol="0" anchor="ctr"/>
+              <a:lstStyle/>
+              <a:p>
+                <a:pPr algn="ctr"/>
+                <a:endParaRPr lang="zh-TW" altLang="en-US"/>
+              </a:p>
+            </p:txBody>
+          </p:sp>
+          <p:sp>
+            <p:nvSpPr>
+              <p:cNvPr id="31" name="文字方塊 30">
+                <a:extLst>
+                  <a:ext uri="{FF2B5EF4-FFF2-40B4-BE49-F238E27FC236}">
+                    <a16:creationId xmlns:a16="http://schemas.microsoft.com/office/drawing/2014/main" id="{84FF0095-3F76-4990-B943-55C4AAD6DADF}"/>
+                  </a:ext>
+                </a:extLst>
+              </p:cNvPr>
+              <p:cNvSpPr txBox="1"/>
+              <p:nvPr/>
+            </p:nvSpPr>
+            <p:spPr>
+              <a:xfrm>
+                <a:off x="7780040" y="1936238"/>
+                <a:ext cx="351378" cy="369332"/>
+              </a:xfrm>
+              <a:prstGeom prst="rect">
+                <a:avLst/>
+              </a:prstGeom>
+              <a:noFill/>
+            </p:spPr>
+            <p:txBody>
+              <a:bodyPr wrap="none" rtlCol="0">
+                <a:spAutoFit/>
+              </a:bodyPr>
+              <a:lstStyle/>
+              <a:p>
+                <a:r>
+                  <a:rPr lang="en-US" altLang="zh-TW" b="1" dirty="0">
+                    <a:solidFill>
+                      <a:schemeClr val="bg1">
+                        <a:lumMod val="50000"/>
+                      </a:schemeClr>
+                    </a:solidFill>
+                    <a:latin typeface="Arial" panose="020B0604020202020204" pitchFamily="34" charset="0"/>
+                    <a:cs typeface="Arial" panose="020B0604020202020204" pitchFamily="34" charset="0"/>
+                  </a:rPr>
+                  <a:t>A</a:t>
+                </a:r>
+              </a:p>
+            </p:txBody>
+          </p:sp>
+          <p:sp>
+            <p:nvSpPr>
+              <p:cNvPr id="37" name="文字方塊 36">
+                <a:extLst>
+                  <a:ext uri="{FF2B5EF4-FFF2-40B4-BE49-F238E27FC236}">
+                    <a16:creationId xmlns:a16="http://schemas.microsoft.com/office/drawing/2014/main" id="{352449B1-DBAB-46CE-9A88-08DD950FB14C}"/>
+                  </a:ext>
+                </a:extLst>
+              </p:cNvPr>
+              <p:cNvSpPr txBox="1"/>
+              <p:nvPr/>
+            </p:nvSpPr>
+            <p:spPr>
+              <a:xfrm>
+                <a:off x="2584783" y="6223954"/>
+                <a:ext cx="351378" cy="369332"/>
+              </a:xfrm>
+              <a:prstGeom prst="rect">
+                <a:avLst/>
+              </a:prstGeom>
+              <a:noFill/>
+            </p:spPr>
+            <p:txBody>
+              <a:bodyPr wrap="none" rtlCol="0">
+                <a:spAutoFit/>
+              </a:bodyPr>
+              <a:lstStyle/>
+              <a:p>
+                <a:r>
+                  <a:rPr lang="en-US" altLang="zh-TW" b="1" dirty="0">
+                    <a:solidFill>
+                      <a:schemeClr val="bg1">
+                        <a:lumMod val="50000"/>
+                      </a:schemeClr>
+                    </a:solidFill>
+                    <a:latin typeface="Arial" panose="020B0604020202020204" pitchFamily="34" charset="0"/>
+                    <a:cs typeface="Arial" panose="020B0604020202020204" pitchFamily="34" charset="0"/>
+                  </a:rPr>
+                  <a:t>B</a:t>
+                </a:r>
+              </a:p>
+            </p:txBody>
+          </p:sp>
+          <mc:AlternateContent xmlns:mc="http://schemas.openxmlformats.org/markup-compatibility/2006">
+            <mc:Choice xmlns:a14="http://schemas.microsoft.com/office/drawing/2010/main" Requires="a14">
+              <p:sp>
+                <p:nvSpPr>
+                  <p:cNvPr id="50" name="文字方塊 49">
+                    <a:extLst>
+                      <a:ext uri="{FF2B5EF4-FFF2-40B4-BE49-F238E27FC236}">
+                        <a16:creationId xmlns:a16="http://schemas.microsoft.com/office/drawing/2014/main" id="{3B4D7248-7504-4CD2-A6AA-A740072CAD62}"/>
+                      </a:ext>
+                    </a:extLst>
+                  </p:cNvPr>
+                  <p:cNvSpPr txBox="1"/>
+                  <p:nvPr/>
+                </p:nvSpPr>
+                <p:spPr>
+                  <a:xfrm>
+                    <a:off x="8756210" y="3325013"/>
+                    <a:ext cx="514820" cy="369332"/>
+                  </a:xfrm>
+                  <a:prstGeom prst="rect">
+                    <a:avLst/>
+                  </a:prstGeom>
+                  <a:noFill/>
+                </p:spPr>
+                <p:txBody>
+                  <a:bodyPr wrap="none" rtlCol="0">
+                    <a:spAutoFit/>
+                  </a:bodyPr>
+                  <a:lstStyle/>
+                  <a:p>
+                    <a:pPr/>
+                    <a14:m>
+                      <m:oMathPara xmlns:m="http://schemas.openxmlformats.org/officeDocument/2006/math">
+                        <m:oMathParaPr>
+                          <m:jc m:val="centerGroup"/>
+                        </m:oMathParaPr>
+                        <m:oMath xmlns:m="http://schemas.openxmlformats.org/officeDocument/2006/math">
+                          <m:sSub>
+                            <m:sSubPr>
+                              <m:ctrlPr>
+                                <a:rPr lang="en-US" altLang="zh-TW" b="1" i="1" smtClean="0">
+                                  <a:solidFill>
+                                    <a:schemeClr val="bg1">
+                                      <a:lumMod val="50000"/>
+                                    </a:schemeClr>
+                                  </a:solidFill>
+                                  <a:latin typeface="Cambria Math" panose="02040503050406030204" pitchFamily="18" charset="0"/>
+                                  <a:cs typeface="Arial" panose="020B0604020202020204" pitchFamily="34" charset="0"/>
+                                </a:rPr>
+                              </m:ctrlPr>
+                            </m:sSubPr>
+                            <m:e>
+                              <m:r>
+                                <a:rPr lang="en-US" altLang="zh-TW" b="1" i="1">
+                                  <a:solidFill>
+                                    <a:schemeClr val="bg1">
+                                      <a:lumMod val="50000"/>
+                                    </a:schemeClr>
+                                  </a:solidFill>
+                                  <a:latin typeface="Cambria Math" panose="02040503050406030204" pitchFamily="18" charset="0"/>
+                                  <a:cs typeface="Arial" panose="020B0604020202020204" pitchFamily="34" charset="0"/>
+                                </a:rPr>
+                                <m:t>𝑮</m:t>
+                              </m:r>
+                            </m:e>
+                            <m:sub>
+                              <m:r>
+                                <a:rPr lang="en-US" altLang="zh-TW" b="1" i="1" smtClean="0">
+                                  <a:solidFill>
+                                    <a:schemeClr val="bg1">
+                                      <a:lumMod val="50000"/>
+                                    </a:schemeClr>
+                                  </a:solidFill>
+                                  <a:latin typeface="Cambria Math" panose="02040503050406030204" pitchFamily="18" charset="0"/>
+                                  <a:cs typeface="Arial" panose="020B0604020202020204" pitchFamily="34" charset="0"/>
+                                </a:rPr>
+                                <m:t>𝟐</m:t>
+                              </m:r>
+                            </m:sub>
+                          </m:sSub>
+                        </m:oMath>
+                      </m:oMathPara>
+                    </a14:m>
+                    <a:endParaRPr lang="en-US" altLang="zh-TW" b="1" dirty="0">
+                      <a:solidFill>
+                        <a:schemeClr val="bg1">
+                          <a:lumMod val="50000"/>
+                        </a:schemeClr>
+                      </a:solidFill>
+                      <a:latin typeface="Arial" panose="020B0604020202020204" pitchFamily="34" charset="0"/>
+                      <a:cs typeface="Arial" panose="020B0604020202020204" pitchFamily="34" charset="0"/>
+                    </a:endParaRPr>
+                  </a:p>
+                </p:txBody>
+              </p:sp>
+            </mc:Choice>
+            <mc:Fallback>
+              <p:sp>
+                <p:nvSpPr>
+                  <p:cNvPr id="50" name="文字方塊 49">
+                    <a:extLst>
+                      <a:ext uri="{FF2B5EF4-FFF2-40B4-BE49-F238E27FC236}">
+                        <a16:creationId xmlns:a16="http://schemas.microsoft.com/office/drawing/2014/main" id="{3B4D7248-7504-4CD2-A6AA-A740072CAD62}"/>
+                      </a:ext>
+                    </a:extLst>
+                  </p:cNvPr>
+                  <p:cNvSpPr txBox="1">
+                    <a:spLocks noRot="1" noChangeAspect="1" noMove="1" noResize="1" noEditPoints="1" noAdjustHandles="1" noChangeArrowheads="1" noChangeShapeType="1" noTextEdit="1"/>
+                  </p:cNvSpPr>
+                  <p:nvPr/>
+                </p:nvSpPr>
+                <p:spPr>
+                  <a:xfrm>
+                    <a:off x="8756210" y="3325013"/>
+                    <a:ext cx="514820" cy="369332"/>
+                  </a:xfrm>
+                  <a:prstGeom prst="rect">
+                    <a:avLst/>
+                  </a:prstGeom>
+                  <a:blipFill>
+                    <a:blip r:embed="rId3"/>
+                    <a:stretch>
+                      <a:fillRect b="-1639"/>
+                    </a:stretch>
+                  </a:blipFill>
+                </p:spPr>
+                <p:txBody>
+                  <a:bodyPr/>
+                  <a:lstStyle/>
+                  <a:p>
+                    <a:r>
+                      <a:rPr lang="zh-TW" altLang="en-US">
+                        <a:noFill/>
+                      </a:rPr>
+                      <a:t> </a:t>
+                    </a:r>
+                  </a:p>
+                </p:txBody>
+              </p:sp>
+            </mc:Fallback>
+          </mc:AlternateContent>
+          <p:sp>
+            <p:nvSpPr>
+              <p:cNvPr id="51" name="橢圓 50">
+                <a:extLst>
+                  <a:ext uri="{FF2B5EF4-FFF2-40B4-BE49-F238E27FC236}">
+                    <a16:creationId xmlns:a16="http://schemas.microsoft.com/office/drawing/2014/main" id="{85AF33A2-89E9-4877-9E19-8D7B08E73EF6}"/>
+                  </a:ext>
+                </a:extLst>
+              </p:cNvPr>
+              <p:cNvSpPr/>
+              <p:nvPr/>
+            </p:nvSpPr>
+            <p:spPr>
+              <a:xfrm>
+                <a:off x="7455385" y="2773240"/>
+                <a:ext cx="156223" cy="156223"/>
+              </a:xfrm>
+              <a:prstGeom prst="ellipse">
+                <a:avLst/>
+              </a:prstGeom>
+              <a:solidFill>
+                <a:schemeClr val="bg1">
+                  <a:lumMod val="50000"/>
+                </a:schemeClr>
+              </a:solidFill>
+              <a:ln>
+                <a:solidFill>
+                  <a:schemeClr val="bg1">
+                    <a:lumMod val="50000"/>
+                  </a:schemeClr>
+                </a:solidFill>
+              </a:ln>
+            </p:spPr>
+            <p:style>
+              <a:lnRef idx="2">
+                <a:schemeClr val="accent1">
+                  <a:shade val="50000"/>
+                </a:schemeClr>
+              </a:lnRef>
+              <a:fillRef idx="1">
+                <a:schemeClr val="accent1"/>
+              </a:fillRef>
+              <a:effectRef idx="0">
+                <a:schemeClr val="accent1"/>
+              </a:effectRef>
+              <a:fontRef idx="minor">
+                <a:schemeClr val="lt1"/>
+              </a:fontRef>
+            </p:style>
+            <p:txBody>
+              <a:bodyPr rtlCol="0" anchor="ctr"/>
+              <a:lstStyle/>
+              <a:p>
+                <a:pPr algn="ctr"/>
+                <a:endParaRPr lang="zh-TW" altLang="en-US"/>
+              </a:p>
+            </p:txBody>
+          </p:sp>
+          <p:sp>
+            <p:nvSpPr>
+              <p:cNvPr id="52" name="橢圓 51">
+                <a:extLst>
+                  <a:ext uri="{FF2B5EF4-FFF2-40B4-BE49-F238E27FC236}">
+                    <a16:creationId xmlns:a16="http://schemas.microsoft.com/office/drawing/2014/main" id="{61767562-26AA-4787-8072-30198B89E74B}"/>
+                  </a:ext>
+                </a:extLst>
+              </p:cNvPr>
+              <p:cNvSpPr/>
+              <p:nvPr/>
+            </p:nvSpPr>
+            <p:spPr>
+              <a:xfrm>
+                <a:off x="8613632" y="3431568"/>
+                <a:ext cx="156223" cy="156223"/>
+              </a:xfrm>
+              <a:prstGeom prst="ellipse">
+                <a:avLst/>
+              </a:prstGeom>
+              <a:solidFill>
+                <a:schemeClr val="bg1">
+                  <a:lumMod val="50000"/>
+                </a:schemeClr>
+              </a:solidFill>
+              <a:ln>
+                <a:solidFill>
+                  <a:schemeClr val="bg1">
+                    <a:lumMod val="50000"/>
+                  </a:schemeClr>
+                </a:solidFill>
+              </a:ln>
+            </p:spPr>
+            <p:style>
+              <a:lnRef idx="2">
+                <a:schemeClr val="accent1">
+                  <a:shade val="50000"/>
+                </a:schemeClr>
+              </a:lnRef>
+              <a:fillRef idx="1">
+                <a:schemeClr val="accent1"/>
+              </a:fillRef>
+              <a:effectRef idx="0">
+                <a:schemeClr val="accent1"/>
+              </a:effectRef>
+              <a:fontRef idx="minor">
+                <a:schemeClr val="lt1"/>
+              </a:fontRef>
+            </p:style>
+            <p:txBody>
+              <a:bodyPr rtlCol="0" anchor="ctr"/>
+              <a:lstStyle/>
+              <a:p>
+                <a:pPr algn="ctr"/>
+                <a:endParaRPr lang="zh-TW" altLang="en-US"/>
+              </a:p>
+            </p:txBody>
+          </p:sp>
+          <mc:AlternateContent xmlns:mc="http://schemas.openxmlformats.org/markup-compatibility/2006">
+            <mc:Choice xmlns:a14="http://schemas.microsoft.com/office/drawing/2010/main" Requires="a14">
+              <p:sp>
+                <p:nvSpPr>
+                  <p:cNvPr id="53" name="文字方塊 52">
+                    <a:extLst>
+                      <a:ext uri="{FF2B5EF4-FFF2-40B4-BE49-F238E27FC236}">
+                        <a16:creationId xmlns:a16="http://schemas.microsoft.com/office/drawing/2014/main" id="{2615D0A5-FAFD-4D67-8F49-BFADB55D9AF4}"/>
+                      </a:ext>
+                    </a:extLst>
+                  </p:cNvPr>
+                  <p:cNvSpPr txBox="1"/>
+                  <p:nvPr/>
+                </p:nvSpPr>
+                <p:spPr>
+                  <a:xfrm>
+                    <a:off x="7021967" y="2493758"/>
+                    <a:ext cx="514821" cy="369332"/>
+                  </a:xfrm>
+                  <a:prstGeom prst="rect">
+                    <a:avLst/>
+                  </a:prstGeom>
+                  <a:noFill/>
+                </p:spPr>
+                <p:txBody>
+                  <a:bodyPr wrap="none" rtlCol="0">
+                    <a:spAutoFit/>
+                  </a:bodyPr>
+                  <a:lstStyle/>
+                  <a:p>
+                    <a14:m>
+                      <m:oMathPara xmlns:m="http://schemas.openxmlformats.org/officeDocument/2006/math">
+                        <m:oMathParaPr>
+                          <m:jc m:val="centerGroup"/>
+                        </m:oMathParaPr>
+                        <m:oMath xmlns:m="http://schemas.openxmlformats.org/officeDocument/2006/math">
+                          <m:sSub>
+                            <m:sSubPr>
+                              <m:ctrlPr>
+                                <a:rPr lang="en-US" altLang="zh-TW" b="1" i="1" smtClean="0">
+                                  <a:solidFill>
+                                    <a:schemeClr val="bg1">
+                                      <a:lumMod val="50000"/>
+                                    </a:schemeClr>
+                                  </a:solidFill>
+                                  <a:latin typeface="Cambria Math" panose="02040503050406030204" pitchFamily="18" charset="0"/>
+                                  <a:cs typeface="Arial" panose="020B0604020202020204" pitchFamily="34" charset="0"/>
+                                </a:rPr>
+                              </m:ctrlPr>
+                            </m:sSubPr>
+                            <m:e>
+                              <m:r>
+                                <a:rPr lang="en-US" altLang="zh-TW" b="1" i="1" smtClean="0">
+                                  <a:solidFill>
+                                    <a:schemeClr val="bg1">
+                                      <a:lumMod val="50000"/>
+                                    </a:schemeClr>
+                                  </a:solidFill>
+                                  <a:latin typeface="Cambria Math" panose="02040503050406030204" pitchFamily="18" charset="0"/>
+                                  <a:cs typeface="Arial" panose="020B0604020202020204" pitchFamily="34" charset="0"/>
+                                </a:rPr>
+                                <m:t>𝑮</m:t>
+                              </m:r>
+                            </m:e>
+                            <m:sub>
+                              <m:r>
+                                <a:rPr lang="en-US" altLang="zh-TW" b="1" i="1" smtClean="0">
+                                  <a:solidFill>
+                                    <a:schemeClr val="bg1">
+                                      <a:lumMod val="50000"/>
+                                    </a:schemeClr>
+                                  </a:solidFill>
+                                  <a:latin typeface="Cambria Math" panose="02040503050406030204" pitchFamily="18" charset="0"/>
+                                  <a:cs typeface="Arial" panose="020B0604020202020204" pitchFamily="34" charset="0"/>
+                                </a:rPr>
+                                <m:t>𝟏</m:t>
+                              </m:r>
+                            </m:sub>
+                          </m:sSub>
+                        </m:oMath>
+                      </m:oMathPara>
+                    </a14:m>
+                    <a:endParaRPr lang="en-US" altLang="zh-TW" b="1" dirty="0">
+                      <a:solidFill>
+                        <a:schemeClr val="bg1">
+                          <a:lumMod val="50000"/>
+                        </a:schemeClr>
+                      </a:solidFill>
+                      <a:latin typeface="Arial" panose="020B0604020202020204" pitchFamily="34" charset="0"/>
+                      <a:cs typeface="Arial" panose="020B0604020202020204" pitchFamily="34" charset="0"/>
+                    </a:endParaRPr>
+                  </a:p>
+                </p:txBody>
+              </p:sp>
+            </mc:Choice>
+            <mc:Fallback>
+              <p:sp>
+                <p:nvSpPr>
+                  <p:cNvPr id="53" name="文字方塊 52">
+                    <a:extLst>
+                      <a:ext uri="{FF2B5EF4-FFF2-40B4-BE49-F238E27FC236}">
+                        <a16:creationId xmlns:a16="http://schemas.microsoft.com/office/drawing/2014/main" id="{2615D0A5-FAFD-4D67-8F49-BFADB55D9AF4}"/>
+                      </a:ext>
+                    </a:extLst>
+                  </p:cNvPr>
+                  <p:cNvSpPr txBox="1">
+                    <a:spLocks noRot="1" noChangeAspect="1" noMove="1" noResize="1" noEditPoints="1" noAdjustHandles="1" noChangeArrowheads="1" noChangeShapeType="1" noTextEdit="1"/>
+                  </p:cNvSpPr>
+                  <p:nvPr/>
+                </p:nvSpPr>
+                <p:spPr>
+                  <a:xfrm>
+                    <a:off x="7021967" y="2493758"/>
+                    <a:ext cx="514821" cy="369332"/>
+                  </a:xfrm>
+                  <a:prstGeom prst="rect">
+                    <a:avLst/>
+                  </a:prstGeom>
+                  <a:blipFill>
+                    <a:blip r:embed="rId4"/>
+                    <a:stretch>
+                      <a:fillRect b="-1639"/>
+                    </a:stretch>
+                  </a:blipFill>
+                </p:spPr>
+                <p:txBody>
+                  <a:bodyPr/>
+                  <a:lstStyle/>
+                  <a:p>
+                    <a:r>
+                      <a:rPr lang="zh-TW" altLang="en-US">
+                        <a:noFill/>
+                      </a:rPr>
+                      <a:t> </a:t>
+                    </a:r>
+                  </a:p>
+                </p:txBody>
+              </p:sp>
+            </mc:Fallback>
+          </mc:AlternateContent>
+        </p:grpSp>
+        <p:sp>
+          <p:nvSpPr>
+            <p:cNvPr id="56" name="橢圓 55">
+              <a:extLst>
+                <a:ext uri="{FF2B5EF4-FFF2-40B4-BE49-F238E27FC236}">
+                  <a16:creationId xmlns:a16="http://schemas.microsoft.com/office/drawing/2014/main" id="{DF2690C5-9A21-40C0-A92B-FE8CFCC17876}"/>
+                </a:ext>
+              </a:extLst>
+            </p:cNvPr>
+            <p:cNvSpPr/>
+            <p:nvPr/>
+          </p:nvSpPr>
+          <p:spPr>
+            <a:xfrm>
+              <a:off x="7926710" y="3012748"/>
+              <a:ext cx="156223" cy="156223"/>
+            </a:xfrm>
+            <a:prstGeom prst="ellipse">
+              <a:avLst/>
+            </a:prstGeom>
+            <a:solidFill>
+              <a:schemeClr val="bg1">
+                <a:lumMod val="50000"/>
+              </a:schemeClr>
+            </a:solidFill>
+            <a:ln>
+              <a:solidFill>
+                <a:schemeClr val="bg1">
+                  <a:lumMod val="50000"/>
+                </a:schemeClr>
+              </a:solidFill>
+            </a:ln>
+          </p:spPr>
+          <p:style>
+            <a:lnRef idx="2">
+              <a:schemeClr val="accent1">
+                <a:shade val="50000"/>
+              </a:schemeClr>
+            </a:lnRef>
+            <a:fillRef idx="1">
+              <a:schemeClr val="accent1"/>
+            </a:fillRef>
+            <a:effectRef idx="0">
+              <a:schemeClr val="accent1"/>
+            </a:effectRef>
+            <a:fontRef idx="minor">
+              <a:schemeClr val="lt1"/>
+            </a:fontRef>
+          </p:style>
+          <p:txBody>
+            <a:bodyPr rtlCol="0" anchor="ctr"/>
+            <a:lstStyle/>
+            <a:p>
+              <a:pPr algn="ctr"/>
+              <a:endParaRPr lang="zh-TW" altLang="en-US"/>
+            </a:p>
+          </p:txBody>
+        </p:sp>
+        <p:sp>
+          <p:nvSpPr>
+            <p:cNvPr id="57" name="文字方塊 56">
+              <a:extLst>
+                <a:ext uri="{FF2B5EF4-FFF2-40B4-BE49-F238E27FC236}">
+                  <a16:creationId xmlns:a16="http://schemas.microsoft.com/office/drawing/2014/main" id="{5F5E0FC9-DD09-4CF8-A291-2E2804167C46}"/>
+                </a:ext>
+              </a:extLst>
+            </p:cNvPr>
+            <p:cNvSpPr txBox="1"/>
+            <p:nvPr/>
+          </p:nvSpPr>
+          <p:spPr>
+            <a:xfrm>
+              <a:off x="8034491" y="2800358"/>
+              <a:ext cx="364202" cy="369332"/>
+            </a:xfrm>
+            <a:prstGeom prst="rect">
+              <a:avLst/>
+            </a:prstGeom>
+            <a:noFill/>
+          </p:spPr>
+          <p:txBody>
+            <a:bodyPr wrap="none" rtlCol="0">
+              <a:spAutoFit/>
+            </a:bodyPr>
+            <a:lstStyle/>
+            <a:p>
+              <a:r>
+                <a:rPr lang="en-US" altLang="zh-TW" b="1" dirty="0">
+                  <a:solidFill>
+                    <a:schemeClr val="bg1">
+                      <a:lumMod val="50000"/>
+                    </a:schemeClr>
+                  </a:solidFill>
+                  <a:latin typeface="Arial" panose="020B0604020202020204" pitchFamily="34" charset="0"/>
+                  <a:cs typeface="Arial" panose="020B0604020202020204" pitchFamily="34" charset="0"/>
+                </a:rPr>
+                <a:t>O</a:t>
+              </a:r>
+            </a:p>
+          </p:txBody>
+        </p:sp>
+      </p:grpSp>
     </p:spTree>
     <p:extLst>
       <p:ext uri="{BB962C8B-B14F-4D97-AF65-F5344CB8AC3E}">

--- a/009YiChan/Chan's thesis/Images/Original/ppt.pptx
+++ b/009YiChan/Chan's thesis/Images/Original/ppt.pptx
@@ -5,7 +5,7 @@
     <p:sldMasterId id="2147483648" r:id="rId1"/>
   </p:sldMasterIdLst>
   <p:notesMasterIdLst>
-    <p:notesMasterId r:id="rId14"/>
+    <p:notesMasterId r:id="rId16"/>
   </p:notesMasterIdLst>
   <p:sldIdLst>
     <p:sldId id="257" r:id="rId2"/>
@@ -20,6 +20,8 @@
     <p:sldId id="268" r:id="rId11"/>
     <p:sldId id="269" r:id="rId12"/>
     <p:sldId id="270" r:id="rId13"/>
+    <p:sldId id="271" r:id="rId14"/>
+    <p:sldId id="272" r:id="rId15"/>
   </p:sldIdLst>
   <p:sldSz cx="12192000" cy="6858000"/>
   <p:notesSz cx="6858000" cy="9144000"/>
@@ -208,7 +210,7 @@
           <a:p>
             <a:fld id="{1C8D2AD6-9366-4FD0-8D5E-D0A160B803F4}" type="datetimeFigureOut">
               <a:rPr lang="zh-TW" altLang="en-US" smtClean="0"/>
-              <a:t>2021/5/24</a:t>
+              <a:t>2021/5/26</a:t>
             </a:fld>
             <a:endParaRPr lang="zh-TW" altLang="en-US"/>
           </a:p>
@@ -691,7 +693,7 @@
           <a:p>
             <a:fld id="{CA9831EC-52C6-4491-A088-87BB9C263796}" type="datetimeFigureOut">
               <a:rPr lang="zh-TW" altLang="en-US" smtClean="0"/>
-              <a:t>2021/5/24</a:t>
+              <a:t>2021/5/26</a:t>
             </a:fld>
             <a:endParaRPr lang="zh-TW" altLang="en-US"/>
           </a:p>
@@ -859,7 +861,7 @@
           <a:p>
             <a:fld id="{CA9831EC-52C6-4491-A088-87BB9C263796}" type="datetimeFigureOut">
               <a:rPr lang="zh-TW" altLang="en-US" smtClean="0"/>
-              <a:t>2021/5/24</a:t>
+              <a:t>2021/5/26</a:t>
             </a:fld>
             <a:endParaRPr lang="zh-TW" altLang="en-US"/>
           </a:p>
@@ -1037,7 +1039,7 @@
           <a:p>
             <a:fld id="{CA9831EC-52C6-4491-A088-87BB9C263796}" type="datetimeFigureOut">
               <a:rPr lang="zh-TW" altLang="en-US" smtClean="0"/>
-              <a:t>2021/5/24</a:t>
+              <a:t>2021/5/26</a:t>
             </a:fld>
             <a:endParaRPr lang="zh-TW" altLang="en-US"/>
           </a:p>
@@ -1205,7 +1207,7 @@
           <a:p>
             <a:fld id="{CA9831EC-52C6-4491-A088-87BB9C263796}" type="datetimeFigureOut">
               <a:rPr lang="zh-TW" altLang="en-US" smtClean="0"/>
-              <a:t>2021/5/24</a:t>
+              <a:t>2021/5/26</a:t>
             </a:fld>
             <a:endParaRPr lang="zh-TW" altLang="en-US"/>
           </a:p>
@@ -1450,7 +1452,7 @@
           <a:p>
             <a:fld id="{CA9831EC-52C6-4491-A088-87BB9C263796}" type="datetimeFigureOut">
               <a:rPr lang="zh-TW" altLang="en-US" smtClean="0"/>
-              <a:t>2021/5/24</a:t>
+              <a:t>2021/5/26</a:t>
             </a:fld>
             <a:endParaRPr lang="zh-TW" altLang="en-US"/>
           </a:p>
@@ -1679,7 +1681,7 @@
           <a:p>
             <a:fld id="{CA9831EC-52C6-4491-A088-87BB9C263796}" type="datetimeFigureOut">
               <a:rPr lang="zh-TW" altLang="en-US" smtClean="0"/>
-              <a:t>2021/5/24</a:t>
+              <a:t>2021/5/26</a:t>
             </a:fld>
             <a:endParaRPr lang="zh-TW" altLang="en-US"/>
           </a:p>
@@ -2043,7 +2045,7 @@
           <a:p>
             <a:fld id="{CA9831EC-52C6-4491-A088-87BB9C263796}" type="datetimeFigureOut">
               <a:rPr lang="zh-TW" altLang="en-US" smtClean="0"/>
-              <a:t>2021/5/24</a:t>
+              <a:t>2021/5/26</a:t>
             </a:fld>
             <a:endParaRPr lang="zh-TW" altLang="en-US"/>
           </a:p>
@@ -2160,7 +2162,7 @@
           <a:p>
             <a:fld id="{CA9831EC-52C6-4491-A088-87BB9C263796}" type="datetimeFigureOut">
               <a:rPr lang="zh-TW" altLang="en-US" smtClean="0"/>
-              <a:t>2021/5/24</a:t>
+              <a:t>2021/5/26</a:t>
             </a:fld>
             <a:endParaRPr lang="zh-TW" altLang="en-US"/>
           </a:p>
@@ -2255,7 +2257,7 @@
           <a:p>
             <a:fld id="{CA9831EC-52C6-4491-A088-87BB9C263796}" type="datetimeFigureOut">
               <a:rPr lang="zh-TW" altLang="en-US" smtClean="0"/>
-              <a:t>2021/5/24</a:t>
+              <a:t>2021/5/26</a:t>
             </a:fld>
             <a:endParaRPr lang="zh-TW" altLang="en-US"/>
           </a:p>
@@ -2530,7 +2532,7 @@
           <a:p>
             <a:fld id="{CA9831EC-52C6-4491-A088-87BB9C263796}" type="datetimeFigureOut">
               <a:rPr lang="zh-TW" altLang="en-US" smtClean="0"/>
-              <a:t>2021/5/24</a:t>
+              <a:t>2021/5/26</a:t>
             </a:fld>
             <a:endParaRPr lang="zh-TW" altLang="en-US"/>
           </a:p>
@@ -2782,7 +2784,7 @@
           <a:p>
             <a:fld id="{CA9831EC-52C6-4491-A088-87BB9C263796}" type="datetimeFigureOut">
               <a:rPr lang="zh-TW" altLang="en-US" smtClean="0"/>
-              <a:t>2021/5/24</a:t>
+              <a:t>2021/5/26</a:t>
             </a:fld>
             <a:endParaRPr lang="zh-TW" altLang="en-US"/>
           </a:p>
@@ -2993,7 +2995,7 @@
           <a:p>
             <a:fld id="{CA9831EC-52C6-4491-A088-87BB9C263796}" type="datetimeFigureOut">
               <a:rPr lang="zh-TW" altLang="en-US" smtClean="0"/>
-              <a:t>2021/5/24</a:t>
+              <a:t>2021/5/26</a:t>
             </a:fld>
             <a:endParaRPr lang="zh-TW" altLang="en-US"/>
           </a:p>
@@ -6185,8 +6187,8 @@
             </a:fontRef>
           </p:style>
         </p:cxnSp>
-        <mc:AlternateContent xmlns:mc="http://schemas.openxmlformats.org/markup-compatibility/2006">
-          <mc:Choice xmlns:a14="http://schemas.microsoft.com/office/drawing/2010/main" Requires="a14">
+        <mc:AlternateContent xmlns:mc="http://schemas.openxmlformats.org/markup-compatibility/2006" xmlns:a14="http://schemas.microsoft.com/office/drawing/2010/main">
+          <mc:Choice Requires="a14">
             <p:sp>
               <p:nvSpPr>
                 <p:cNvPr id="96" name="文字方塊 95">
@@ -6277,7 +6279,7 @@
               </p:txBody>
             </p:sp>
           </mc:Choice>
-          <mc:Fallback>
+          <mc:Fallback xmlns="">
             <p:sp>
               <p:nvSpPr>
                 <p:cNvPr id="96" name="文字方塊 95">
@@ -6369,8 +6371,8 @@
             </a:fontRef>
           </p:style>
         </p:cxnSp>
-        <mc:AlternateContent xmlns:mc="http://schemas.openxmlformats.org/markup-compatibility/2006">
-          <mc:Choice xmlns:a14="http://schemas.microsoft.com/office/drawing/2010/main" Requires="a14">
+        <mc:AlternateContent xmlns:mc="http://schemas.openxmlformats.org/markup-compatibility/2006" xmlns:a14="http://schemas.microsoft.com/office/drawing/2010/main">
+          <mc:Choice Requires="a14">
             <p:sp>
               <p:nvSpPr>
                 <p:cNvPr id="102" name="文字方塊 101">
@@ -6461,7 +6463,7 @@
               </p:txBody>
             </p:sp>
           </mc:Choice>
-          <mc:Fallback>
+          <mc:Fallback xmlns="">
             <p:sp>
               <p:nvSpPr>
                 <p:cNvPr id="102" name="文字方塊 101">
@@ -6662,6 +6664,1394 @@
     <p:extLst>
       <p:ext uri="{BB962C8B-B14F-4D97-AF65-F5344CB8AC3E}">
         <p14:creationId xmlns:p14="http://schemas.microsoft.com/office/powerpoint/2010/main" val="172451033"/>
+      </p:ext>
+    </p:extLst>
+  </p:cSld>
+  <p:clrMapOvr>
+    <a:masterClrMapping/>
+  </p:clrMapOvr>
+</p:sld>
+</file>
+
+<file path=ppt/slides/slide13.xml><?xml version="1.0" encoding="utf-8"?>
+<p:sld xmlns:a="http://schemas.openxmlformats.org/drawingml/2006/main" xmlns:r="http://schemas.openxmlformats.org/officeDocument/2006/relationships" xmlns:p="http://schemas.openxmlformats.org/presentationml/2006/main">
+  <p:cSld>
+    <p:spTree>
+      <p:nvGrpSpPr>
+        <p:cNvPr id="1" name=""/>
+        <p:cNvGrpSpPr/>
+        <p:nvPr/>
+      </p:nvGrpSpPr>
+      <p:grpSpPr>
+        <a:xfrm>
+          <a:off x="0" y="0"/>
+          <a:ext cx="0" cy="0"/>
+          <a:chOff x="0" y="0"/>
+          <a:chExt cx="0" cy="0"/>
+        </a:xfrm>
+      </p:grpSpPr>
+      <p:sp>
+        <p:nvSpPr>
+          <p:cNvPr id="2" name="標題 1">
+            <a:extLst>
+              <a:ext uri="{FF2B5EF4-FFF2-40B4-BE49-F238E27FC236}">
+                <a16:creationId xmlns:a16="http://schemas.microsoft.com/office/drawing/2014/main" id="{E89B5175-0033-4A79-A917-D645DF33E79B}"/>
+              </a:ext>
+            </a:extLst>
+          </p:cNvPr>
+          <p:cNvSpPr>
+            <a:spLocks noGrp="1"/>
+          </p:cNvSpPr>
+          <p:nvPr>
+            <p:ph type="title"/>
+          </p:nvPr>
+        </p:nvSpPr>
+        <p:spPr/>
+        <p:txBody>
+          <a:bodyPr/>
+          <a:lstStyle/>
+          <a:p>
+            <a:endParaRPr lang="zh-TW" altLang="en-US"/>
+          </a:p>
+        </p:txBody>
+      </p:sp>
+      <p:grpSp>
+        <p:nvGrpSpPr>
+          <p:cNvPr id="26" name="群組 25">
+            <a:extLst>
+              <a:ext uri="{FF2B5EF4-FFF2-40B4-BE49-F238E27FC236}">
+                <a16:creationId xmlns:a16="http://schemas.microsoft.com/office/drawing/2014/main" id="{DB091395-0000-41F7-B482-C92B6E869725}"/>
+              </a:ext>
+            </a:extLst>
+          </p:cNvPr>
+          <p:cNvGrpSpPr/>
+          <p:nvPr/>
+        </p:nvGrpSpPr>
+        <p:grpSpPr>
+          <a:xfrm>
+            <a:off x="436690" y="2565717"/>
+            <a:ext cx="11641350" cy="2283647"/>
+            <a:chOff x="436690" y="2565717"/>
+            <a:chExt cx="11641350" cy="2283647"/>
+          </a:xfrm>
+        </p:grpSpPr>
+        <p:pic>
+          <p:nvPicPr>
+            <p:cNvPr id="4" name="圖片 3">
+              <a:extLst>
+                <a:ext uri="{FF2B5EF4-FFF2-40B4-BE49-F238E27FC236}">
+                  <a16:creationId xmlns:a16="http://schemas.microsoft.com/office/drawing/2014/main" id="{42AA05BF-CFE0-4F40-9046-788D4104D89F}"/>
+                </a:ext>
+              </a:extLst>
+            </p:cNvPr>
+            <p:cNvPicPr>
+              <a:picLocks noChangeAspect="1"/>
+            </p:cNvPicPr>
+            <p:nvPr/>
+          </p:nvPicPr>
+          <p:blipFill>
+            <a:blip r:embed="rId2">
+              <a:extLst>
+                <a:ext uri="{28A0092B-C50C-407E-A947-70E740481C1C}">
+                  <a14:useLocalDpi xmlns:a14="http://schemas.microsoft.com/office/drawing/2010/main" val="0"/>
+                </a:ext>
+              </a:extLst>
+            </a:blip>
+            <a:stretch>
+              <a:fillRect/>
+            </a:stretch>
+          </p:blipFill>
+          <p:spPr>
+            <a:xfrm>
+              <a:off x="436690" y="2565717"/>
+              <a:ext cx="11641350" cy="2283647"/>
+            </a:xfrm>
+            <a:prstGeom prst="rect">
+              <a:avLst/>
+            </a:prstGeom>
+          </p:spPr>
+        </p:pic>
+        <p:grpSp>
+          <p:nvGrpSpPr>
+            <p:cNvPr id="24" name="群組 23">
+              <a:extLst>
+                <a:ext uri="{FF2B5EF4-FFF2-40B4-BE49-F238E27FC236}">
+                  <a16:creationId xmlns:a16="http://schemas.microsoft.com/office/drawing/2014/main" id="{6FBFF430-379F-4161-B7F3-2CD68108C018}"/>
+                </a:ext>
+              </a:extLst>
+            </p:cNvPr>
+            <p:cNvGrpSpPr/>
+            <p:nvPr/>
+          </p:nvGrpSpPr>
+          <p:grpSpPr>
+            <a:xfrm>
+              <a:off x="4905487" y="2738851"/>
+              <a:ext cx="1065007" cy="647117"/>
+              <a:chOff x="2409713" y="5174428"/>
+              <a:chExt cx="1344706" cy="817066"/>
+            </a:xfrm>
+          </p:grpSpPr>
+          <p:cxnSp>
+            <p:nvCxnSpPr>
+              <p:cNvPr id="6" name="直線接點 5">
+                <a:extLst>
+                  <a:ext uri="{FF2B5EF4-FFF2-40B4-BE49-F238E27FC236}">
+                    <a16:creationId xmlns:a16="http://schemas.microsoft.com/office/drawing/2014/main" id="{D7112D83-D179-45E0-8D9B-36CE059C3017}"/>
+                  </a:ext>
+                </a:extLst>
+              </p:cNvPr>
+              <p:cNvCxnSpPr>
+                <a:cxnSpLocks/>
+              </p:cNvCxnSpPr>
+              <p:nvPr/>
+            </p:nvCxnSpPr>
+            <p:spPr>
+              <a:xfrm>
+                <a:off x="2409713" y="5690795"/>
+                <a:ext cx="1344706" cy="0"/>
+              </a:xfrm>
+              <a:prstGeom prst="line">
+                <a:avLst/>
+              </a:prstGeom>
+              <a:ln w="19050"/>
+            </p:spPr>
+            <p:style>
+              <a:lnRef idx="1">
+                <a:schemeClr val="dk1"/>
+              </a:lnRef>
+              <a:fillRef idx="0">
+                <a:schemeClr val="dk1"/>
+              </a:fillRef>
+              <a:effectRef idx="0">
+                <a:schemeClr val="dk1"/>
+              </a:effectRef>
+              <a:fontRef idx="minor">
+                <a:schemeClr val="tx1"/>
+              </a:fontRef>
+            </p:style>
+          </p:cxnSp>
+          <p:cxnSp>
+            <p:nvCxnSpPr>
+              <p:cNvPr id="7" name="直線接點 6">
+                <a:extLst>
+                  <a:ext uri="{FF2B5EF4-FFF2-40B4-BE49-F238E27FC236}">
+                    <a16:creationId xmlns:a16="http://schemas.microsoft.com/office/drawing/2014/main" id="{9386155E-D1DA-4A93-B515-3D7616212F4F}"/>
+                  </a:ext>
+                </a:extLst>
+              </p:cNvPr>
+              <p:cNvCxnSpPr>
+                <a:cxnSpLocks/>
+              </p:cNvCxnSpPr>
+              <p:nvPr/>
+            </p:nvCxnSpPr>
+            <p:spPr>
+              <a:xfrm>
+                <a:off x="3022897" y="5174428"/>
+                <a:ext cx="0" cy="817066"/>
+              </a:xfrm>
+              <a:prstGeom prst="line">
+                <a:avLst/>
+              </a:prstGeom>
+              <a:ln w="19050"/>
+            </p:spPr>
+            <p:style>
+              <a:lnRef idx="1">
+                <a:schemeClr val="dk1"/>
+              </a:lnRef>
+              <a:fillRef idx="0">
+                <a:schemeClr val="dk1"/>
+              </a:fillRef>
+              <a:effectRef idx="0">
+                <a:schemeClr val="dk1"/>
+              </a:effectRef>
+              <a:fontRef idx="minor">
+                <a:schemeClr val="tx1"/>
+              </a:fontRef>
+            </p:style>
+          </p:cxnSp>
+          <p:cxnSp>
+            <p:nvCxnSpPr>
+              <p:cNvPr id="15" name="直線接點 14">
+                <a:extLst>
+                  <a:ext uri="{FF2B5EF4-FFF2-40B4-BE49-F238E27FC236}">
+                    <a16:creationId xmlns:a16="http://schemas.microsoft.com/office/drawing/2014/main" id="{9BD63FEB-479A-4159-B134-D2C1A31974B9}"/>
+                  </a:ext>
+                </a:extLst>
+              </p:cNvPr>
+              <p:cNvCxnSpPr>
+                <a:cxnSpLocks/>
+              </p:cNvCxnSpPr>
+              <p:nvPr/>
+            </p:nvCxnSpPr>
+            <p:spPr>
+              <a:xfrm>
+                <a:off x="3342800" y="5294555"/>
+                <a:ext cx="398035" cy="0"/>
+              </a:xfrm>
+              <a:prstGeom prst="line">
+                <a:avLst/>
+              </a:prstGeom>
+              <a:ln w="19050">
+                <a:solidFill>
+                  <a:schemeClr val="bg1">
+                    <a:lumMod val="50000"/>
+                  </a:schemeClr>
+                </a:solidFill>
+              </a:ln>
+            </p:spPr>
+            <p:style>
+              <a:lnRef idx="1">
+                <a:schemeClr val="dk1"/>
+              </a:lnRef>
+              <a:fillRef idx="0">
+                <a:schemeClr val="dk1"/>
+              </a:fillRef>
+              <a:effectRef idx="0">
+                <a:schemeClr val="dk1"/>
+              </a:effectRef>
+              <a:fontRef idx="minor">
+                <a:schemeClr val="tx1"/>
+              </a:fontRef>
+            </p:style>
+          </p:cxnSp>
+          <p:cxnSp>
+            <p:nvCxnSpPr>
+              <p:cNvPr id="16" name="直線接點 15">
+                <a:extLst>
+                  <a:ext uri="{FF2B5EF4-FFF2-40B4-BE49-F238E27FC236}">
+                    <a16:creationId xmlns:a16="http://schemas.microsoft.com/office/drawing/2014/main" id="{A1903E2F-A6E4-4596-9726-A4A3441F6D10}"/>
+                  </a:ext>
+                </a:extLst>
+              </p:cNvPr>
+              <p:cNvCxnSpPr>
+                <a:cxnSpLocks/>
+              </p:cNvCxnSpPr>
+              <p:nvPr/>
+            </p:nvCxnSpPr>
+            <p:spPr>
+              <a:xfrm>
+                <a:off x="2431229" y="5823473"/>
+                <a:ext cx="485887" cy="0"/>
+              </a:xfrm>
+              <a:prstGeom prst="line">
+                <a:avLst/>
+              </a:prstGeom>
+              <a:ln w="19050">
+                <a:solidFill>
+                  <a:schemeClr val="bg1">
+                    <a:lumMod val="50000"/>
+                  </a:schemeClr>
+                </a:solidFill>
+              </a:ln>
+            </p:spPr>
+            <p:style>
+              <a:lnRef idx="1">
+                <a:schemeClr val="dk1"/>
+              </a:lnRef>
+              <a:fillRef idx="0">
+                <a:schemeClr val="dk1"/>
+              </a:fillRef>
+              <a:effectRef idx="0">
+                <a:schemeClr val="dk1"/>
+              </a:effectRef>
+              <a:fontRef idx="minor">
+                <a:schemeClr val="tx1"/>
+              </a:fontRef>
+            </p:style>
+          </p:cxnSp>
+          <p:cxnSp>
+            <p:nvCxnSpPr>
+              <p:cNvPr id="20" name="直線接點 19">
+                <a:extLst>
+                  <a:ext uri="{FF2B5EF4-FFF2-40B4-BE49-F238E27FC236}">
+                    <a16:creationId xmlns:a16="http://schemas.microsoft.com/office/drawing/2014/main" id="{12D4EFF8-8C9C-4267-93C4-FD97BD43EE0A}"/>
+                  </a:ext>
+                </a:extLst>
+              </p:cNvPr>
+              <p:cNvCxnSpPr>
+                <a:cxnSpLocks/>
+              </p:cNvCxnSpPr>
+              <p:nvPr/>
+            </p:nvCxnSpPr>
+            <p:spPr>
+              <a:xfrm flipH="1">
+                <a:off x="2914424" y="5294555"/>
+                <a:ext cx="441960" cy="528918"/>
+              </a:xfrm>
+              <a:prstGeom prst="line">
+                <a:avLst/>
+              </a:prstGeom>
+              <a:ln w="19050">
+                <a:solidFill>
+                  <a:schemeClr val="bg1">
+                    <a:lumMod val="50000"/>
+                  </a:schemeClr>
+                </a:solidFill>
+              </a:ln>
+            </p:spPr>
+            <p:style>
+              <a:lnRef idx="1">
+                <a:schemeClr val="dk1"/>
+              </a:lnRef>
+              <a:fillRef idx="0">
+                <a:schemeClr val="dk1"/>
+              </a:fillRef>
+              <a:effectRef idx="0">
+                <a:schemeClr val="dk1"/>
+              </a:effectRef>
+              <a:fontRef idx="minor">
+                <a:schemeClr val="tx1"/>
+              </a:fontRef>
+            </p:style>
+          </p:cxnSp>
+        </p:grpSp>
+      </p:grpSp>
+    </p:spTree>
+    <p:extLst>
+      <p:ext uri="{BB962C8B-B14F-4D97-AF65-F5344CB8AC3E}">
+        <p14:creationId xmlns:p14="http://schemas.microsoft.com/office/powerpoint/2010/main" val="252448277"/>
+      </p:ext>
+    </p:extLst>
+  </p:cSld>
+  <p:clrMapOvr>
+    <a:masterClrMapping/>
+  </p:clrMapOvr>
+</p:sld>
+</file>
+
+<file path=ppt/slides/slide14.xml><?xml version="1.0" encoding="utf-8"?>
+<p:sld xmlns:a="http://schemas.openxmlformats.org/drawingml/2006/main" xmlns:r="http://schemas.openxmlformats.org/officeDocument/2006/relationships" xmlns:p="http://schemas.openxmlformats.org/presentationml/2006/main">
+  <p:cSld>
+    <p:spTree>
+      <p:nvGrpSpPr>
+        <p:cNvPr id="1" name=""/>
+        <p:cNvGrpSpPr/>
+        <p:nvPr/>
+      </p:nvGrpSpPr>
+      <p:grpSpPr>
+        <a:xfrm>
+          <a:off x="0" y="0"/>
+          <a:ext cx="0" cy="0"/>
+          <a:chOff x="0" y="0"/>
+          <a:chExt cx="0" cy="0"/>
+        </a:xfrm>
+      </p:grpSpPr>
+      <p:grpSp>
+        <p:nvGrpSpPr>
+          <p:cNvPr id="34" name="群組 33">
+            <a:extLst>
+              <a:ext uri="{FF2B5EF4-FFF2-40B4-BE49-F238E27FC236}">
+                <a16:creationId xmlns:a16="http://schemas.microsoft.com/office/drawing/2014/main" id="{C7518B20-7BC6-4EB4-9DB2-40CC81369C07}"/>
+              </a:ext>
+            </a:extLst>
+          </p:cNvPr>
+          <p:cNvGrpSpPr/>
+          <p:nvPr/>
+        </p:nvGrpSpPr>
+        <p:grpSpPr>
+          <a:xfrm>
+            <a:off x="2192599" y="1308128"/>
+            <a:ext cx="5724495" cy="3642086"/>
+            <a:chOff x="2192599" y="1308128"/>
+            <a:chExt cx="5724495" cy="3642086"/>
+          </a:xfrm>
+        </p:grpSpPr>
+        <p:grpSp>
+          <p:nvGrpSpPr>
+            <p:cNvPr id="4" name="群組 3">
+              <a:extLst>
+                <a:ext uri="{FF2B5EF4-FFF2-40B4-BE49-F238E27FC236}">
+                  <a16:creationId xmlns:a16="http://schemas.microsoft.com/office/drawing/2014/main" id="{7A467E35-D1DC-4034-888E-81795EB8E952}"/>
+                </a:ext>
+              </a:extLst>
+            </p:cNvPr>
+            <p:cNvGrpSpPr/>
+            <p:nvPr/>
+          </p:nvGrpSpPr>
+          <p:grpSpPr>
+            <a:xfrm>
+              <a:off x="2192599" y="3520158"/>
+              <a:ext cx="5724495" cy="1430056"/>
+              <a:chOff x="-629370" y="4481472"/>
+              <a:chExt cx="5724495" cy="1430056"/>
+            </a:xfrm>
+          </p:grpSpPr>
+          <p:grpSp>
+            <p:nvGrpSpPr>
+              <p:cNvPr id="5" name="群組 4">
+                <a:extLst>
+                  <a:ext uri="{FF2B5EF4-FFF2-40B4-BE49-F238E27FC236}">
+                    <a16:creationId xmlns:a16="http://schemas.microsoft.com/office/drawing/2014/main" id="{78B40895-4258-4D31-8102-B5ABBF8B081C}"/>
+                  </a:ext>
+                </a:extLst>
+              </p:cNvPr>
+              <p:cNvGrpSpPr/>
+              <p:nvPr/>
+            </p:nvGrpSpPr>
+            <p:grpSpPr>
+              <a:xfrm>
+                <a:off x="-629370" y="4481473"/>
+                <a:ext cx="5724495" cy="1430055"/>
+                <a:chOff x="388046" y="3137258"/>
+                <a:chExt cx="2364566" cy="590700"/>
+              </a:xfrm>
+            </p:grpSpPr>
+            <p:grpSp>
+              <p:nvGrpSpPr>
+                <p:cNvPr id="7" name="群組 6">
+                  <a:extLst>
+                    <a:ext uri="{FF2B5EF4-FFF2-40B4-BE49-F238E27FC236}">
+                      <a16:creationId xmlns:a16="http://schemas.microsoft.com/office/drawing/2014/main" id="{D3C54449-1AB3-42F4-81F3-C983C8242B83}"/>
+                    </a:ext>
+                  </a:extLst>
+                </p:cNvPr>
+                <p:cNvGrpSpPr/>
+                <p:nvPr/>
+              </p:nvGrpSpPr>
+              <p:grpSpPr>
+                <a:xfrm>
+                  <a:off x="388046" y="3137258"/>
+                  <a:ext cx="565360" cy="590700"/>
+                  <a:chOff x="3825248" y="4785097"/>
+                  <a:chExt cx="803174" cy="744470"/>
+                </a:xfrm>
+              </p:grpSpPr>
+              <p:pic>
+                <p:nvPicPr>
+                  <p:cNvPr id="12" name="圖片 11">
+                    <a:extLst>
+                      <a:ext uri="{FF2B5EF4-FFF2-40B4-BE49-F238E27FC236}">
+                        <a16:creationId xmlns:a16="http://schemas.microsoft.com/office/drawing/2014/main" id="{C5F0A227-1E95-4B8E-9181-805625953E50}"/>
+                      </a:ext>
+                    </a:extLst>
+                  </p:cNvPr>
+                  <p:cNvPicPr>
+                    <a:picLocks noChangeAspect="1"/>
+                  </p:cNvPicPr>
+                  <p:nvPr/>
+                </p:nvPicPr>
+                <p:blipFill>
+                  <a:blip r:embed="rId2">
+                    <a:extLst>
+                      <a:ext uri="{28A0092B-C50C-407E-A947-70E740481C1C}">
+                        <a14:useLocalDpi xmlns:a14="http://schemas.microsoft.com/office/drawing/2010/main" val="0"/>
+                      </a:ext>
+                    </a:extLst>
+                  </a:blip>
+                  <a:stretch>
+                    <a:fillRect/>
+                  </a:stretch>
+                </p:blipFill>
+                <p:spPr>
+                  <a:xfrm>
+                    <a:off x="3933990" y="4785097"/>
+                    <a:ext cx="625884" cy="625886"/>
+                  </a:xfrm>
+                  <a:prstGeom prst="rect">
+                    <a:avLst/>
+                  </a:prstGeom>
+                </p:spPr>
+              </p:pic>
+              <p:sp>
+                <p:nvSpPr>
+                  <p:cNvPr id="13" name="文字方塊 12">
+                    <a:extLst>
+                      <a:ext uri="{FF2B5EF4-FFF2-40B4-BE49-F238E27FC236}">
+                        <a16:creationId xmlns:a16="http://schemas.microsoft.com/office/drawing/2014/main" id="{39D12F8B-1BBB-4AC4-9E20-14BA9C2E1D7A}"/>
+                      </a:ext>
+                    </a:extLst>
+                  </p:cNvPr>
+                  <p:cNvSpPr txBox="1"/>
+                  <p:nvPr/>
+                </p:nvSpPr>
+                <p:spPr>
+                  <a:xfrm>
+                    <a:off x="3825248" y="5337297"/>
+                    <a:ext cx="803174" cy="192270"/>
+                  </a:xfrm>
+                  <a:prstGeom prst="rect">
+                    <a:avLst/>
+                  </a:prstGeom>
+                  <a:noFill/>
+                </p:spPr>
+                <p:txBody>
+                  <a:bodyPr wrap="none" rtlCol="0">
+                    <a:spAutoFit/>
+                  </a:bodyPr>
+                  <a:lstStyle/>
+                  <a:p>
+                    <a:pPr algn="ctr"/>
+                    <a:r>
+                      <a:rPr lang="en-US" altLang="zh-TW" b="1" dirty="0">
+                        <a:solidFill>
+                          <a:schemeClr val="tx1">
+                            <a:lumMod val="65000"/>
+                            <a:lumOff val="35000"/>
+                          </a:schemeClr>
+                        </a:solidFill>
+                        <a:latin typeface="Arial" panose="020B0604020202020204" pitchFamily="34" charset="0"/>
+                        <a:cs typeface="Arial" panose="020B0604020202020204" pitchFamily="34" charset="0"/>
+                      </a:rPr>
+                      <a:t>Robot Arm</a:t>
+                    </a:r>
+                    <a:endParaRPr lang="zh-TW" altLang="en-US" b="1" dirty="0">
+                      <a:solidFill>
+                        <a:schemeClr val="tx1">
+                          <a:lumMod val="65000"/>
+                          <a:lumOff val="35000"/>
+                        </a:schemeClr>
+                      </a:solidFill>
+                      <a:latin typeface="Arial" panose="020B0604020202020204" pitchFamily="34" charset="0"/>
+                      <a:cs typeface="Arial" panose="020B0604020202020204" pitchFamily="34" charset="0"/>
+                    </a:endParaRPr>
+                  </a:p>
+                </p:txBody>
+              </p:sp>
+            </p:grpSp>
+            <p:grpSp>
+              <p:nvGrpSpPr>
+                <p:cNvPr id="8" name="群組 7">
+                  <a:extLst>
+                    <a:ext uri="{FF2B5EF4-FFF2-40B4-BE49-F238E27FC236}">
+                      <a16:creationId xmlns:a16="http://schemas.microsoft.com/office/drawing/2014/main" id="{30D5CBAF-ADDC-46B4-A83E-316F902475AA}"/>
+                    </a:ext>
+                  </a:extLst>
+                </p:cNvPr>
+                <p:cNvGrpSpPr/>
+                <p:nvPr/>
+              </p:nvGrpSpPr>
+              <p:grpSpPr>
+                <a:xfrm flipH="1">
+                  <a:off x="2075112" y="3152522"/>
+                  <a:ext cx="677500" cy="520127"/>
+                  <a:chOff x="6546763" y="3748446"/>
+                  <a:chExt cx="962487" cy="655524"/>
+                </a:xfrm>
+              </p:grpSpPr>
+              <p:pic>
+                <p:nvPicPr>
+                  <p:cNvPr id="10" name="圖片 9">
+                    <a:extLst>
+                      <a:ext uri="{FF2B5EF4-FFF2-40B4-BE49-F238E27FC236}">
+                        <a16:creationId xmlns:a16="http://schemas.microsoft.com/office/drawing/2014/main" id="{15664444-2D34-4F66-9EB1-52A4D97D5BE5}"/>
+                      </a:ext>
+                    </a:extLst>
+                  </p:cNvPr>
+                  <p:cNvPicPr>
+                    <a:picLocks noChangeAspect="1"/>
+                  </p:cNvPicPr>
+                  <p:nvPr/>
+                </p:nvPicPr>
+                <p:blipFill>
+                  <a:blip r:embed="rId3">
+                    <a:extLst>
+                      <a:ext uri="{28A0092B-C50C-407E-A947-70E740481C1C}">
+                        <a14:useLocalDpi xmlns:a14="http://schemas.microsoft.com/office/drawing/2010/main" val="0"/>
+                      </a:ext>
+                    </a:extLst>
+                  </a:blip>
+                  <a:stretch>
+                    <a:fillRect/>
+                  </a:stretch>
+                </p:blipFill>
+                <p:spPr>
+                  <a:xfrm>
+                    <a:off x="6714762" y="3748446"/>
+                    <a:ext cx="547887" cy="547888"/>
+                  </a:xfrm>
+                  <a:prstGeom prst="rect">
+                    <a:avLst/>
+                  </a:prstGeom>
+                </p:spPr>
+              </p:pic>
+              <p:sp>
+                <p:nvSpPr>
+                  <p:cNvPr id="11" name="文字方塊 10">
+                    <a:extLst>
+                      <a:ext uri="{FF2B5EF4-FFF2-40B4-BE49-F238E27FC236}">
+                        <a16:creationId xmlns:a16="http://schemas.microsoft.com/office/drawing/2014/main" id="{85F212A2-F5D5-4E1C-BB56-800D03A086E5}"/>
+                      </a:ext>
+                    </a:extLst>
+                  </p:cNvPr>
+                  <p:cNvSpPr txBox="1"/>
+                  <p:nvPr/>
+                </p:nvSpPr>
+                <p:spPr>
+                  <a:xfrm flipH="1">
+                    <a:off x="6546763" y="4259768"/>
+                    <a:ext cx="962487" cy="144202"/>
+                  </a:xfrm>
+                  <a:prstGeom prst="rect">
+                    <a:avLst/>
+                  </a:prstGeom>
+                  <a:noFill/>
+                </p:spPr>
+                <p:txBody>
+                  <a:bodyPr wrap="none" rtlCol="0">
+                    <a:spAutoFit/>
+                  </a:bodyPr>
+                  <a:lstStyle/>
+                  <a:p>
+                    <a:pPr algn="ctr"/>
+                    <a:r>
+                      <a:rPr lang="en-US" altLang="zh-TW" sz="1200" b="1" dirty="0">
+                        <a:solidFill>
+                          <a:schemeClr val="tx1">
+                            <a:lumMod val="65000"/>
+                            <a:lumOff val="35000"/>
+                          </a:schemeClr>
+                        </a:solidFill>
+                        <a:latin typeface="Arial" panose="020B0604020202020204" pitchFamily="34" charset="0"/>
+                        <a:cs typeface="Arial" panose="020B0604020202020204" pitchFamily="34" charset="0"/>
+                      </a:rPr>
+                      <a:t>Modified Handpiece</a:t>
+                    </a:r>
+                    <a:endParaRPr lang="zh-TW" altLang="en-US" sz="1200" b="1" dirty="0">
+                      <a:solidFill>
+                        <a:schemeClr val="tx1">
+                          <a:lumMod val="65000"/>
+                          <a:lumOff val="35000"/>
+                        </a:schemeClr>
+                      </a:solidFill>
+                      <a:latin typeface="Arial" panose="020B0604020202020204" pitchFamily="34" charset="0"/>
+                      <a:cs typeface="Arial" panose="020B0604020202020204" pitchFamily="34" charset="0"/>
+                    </a:endParaRPr>
+                  </a:p>
+                </p:txBody>
+              </p:sp>
+            </p:grpSp>
+            <p:sp>
+              <p:nvSpPr>
+                <p:cNvPr id="9" name="文字方塊 8">
+                  <a:extLst>
+                    <a:ext uri="{FF2B5EF4-FFF2-40B4-BE49-F238E27FC236}">
+                      <a16:creationId xmlns:a16="http://schemas.microsoft.com/office/drawing/2014/main" id="{275D2D06-F7D6-4B8C-8E94-7AF9822F9B84}"/>
+                    </a:ext>
+                  </a:extLst>
+                </p:cNvPr>
+                <p:cNvSpPr txBox="1"/>
+                <p:nvPr/>
+              </p:nvSpPr>
+              <p:spPr>
+                <a:xfrm>
+                  <a:off x="1215955" y="3511653"/>
+                  <a:ext cx="692164" cy="152557"/>
+                </a:xfrm>
+                <a:prstGeom prst="rect">
+                  <a:avLst/>
+                </a:prstGeom>
+                <a:noFill/>
+              </p:spPr>
+              <p:txBody>
+                <a:bodyPr wrap="square" rtlCol="0">
+                  <a:spAutoFit/>
+                </a:bodyPr>
+                <a:lstStyle/>
+                <a:p>
+                  <a:pPr algn="ctr"/>
+                  <a:r>
+                    <a:rPr lang="en-US" altLang="zh-TW" b="1" dirty="0">
+                      <a:solidFill>
+                        <a:schemeClr val="tx1">
+                          <a:lumMod val="65000"/>
+                          <a:lumOff val="35000"/>
+                        </a:schemeClr>
+                      </a:solidFill>
+                      <a:latin typeface="Arial" panose="020B0604020202020204" pitchFamily="34" charset="0"/>
+                      <a:cs typeface="Arial" panose="020B0604020202020204" pitchFamily="34" charset="0"/>
+                    </a:rPr>
+                    <a:t>F/T Sensor</a:t>
+                  </a:r>
+                  <a:endParaRPr lang="zh-TW" altLang="en-US" b="1" dirty="0">
+                    <a:solidFill>
+                      <a:schemeClr val="tx1">
+                        <a:lumMod val="65000"/>
+                        <a:lumOff val="35000"/>
+                      </a:schemeClr>
+                    </a:solidFill>
+                    <a:latin typeface="Arial" panose="020B0604020202020204" pitchFamily="34" charset="0"/>
+                    <a:cs typeface="Arial" panose="020B0604020202020204" pitchFamily="34" charset="0"/>
+                  </a:endParaRPr>
+                </a:p>
+              </p:txBody>
+            </p:sp>
+          </p:grpSp>
+          <p:pic>
+            <p:nvPicPr>
+              <p:cNvPr id="6" name="圖片 5">
+                <a:extLst>
+                  <a:ext uri="{FF2B5EF4-FFF2-40B4-BE49-F238E27FC236}">
+                    <a16:creationId xmlns:a16="http://schemas.microsoft.com/office/drawing/2014/main" id="{AEF93897-C1E2-4E3F-AF6D-B6753F013414}"/>
+                  </a:ext>
+                </a:extLst>
+              </p:cNvPr>
+              <p:cNvPicPr>
+                <a:picLocks noChangeAspect="1"/>
+              </p:cNvPicPr>
+              <p:nvPr/>
+            </p:nvPicPr>
+            <p:blipFill>
+              <a:blip r:embed="rId4">
+                <a:extLst>
+                  <a:ext uri="{28A0092B-C50C-407E-A947-70E740481C1C}">
+                    <a14:useLocalDpi xmlns:a14="http://schemas.microsoft.com/office/drawing/2010/main" val="0"/>
+                  </a:ext>
+                </a:extLst>
+              </a:blip>
+              <a:stretch>
+                <a:fillRect/>
+              </a:stretch>
+            </p:blipFill>
+            <p:spPr>
+              <a:xfrm>
+                <a:off x="1713933" y="4481472"/>
+                <a:ext cx="997738" cy="997738"/>
+              </a:xfrm>
+              <a:prstGeom prst="rect">
+                <a:avLst/>
+              </a:prstGeom>
+            </p:spPr>
+          </p:pic>
+        </p:grpSp>
+        <p:grpSp>
+          <p:nvGrpSpPr>
+            <p:cNvPr id="14" name="群組 13">
+              <a:extLst>
+                <a:ext uri="{FF2B5EF4-FFF2-40B4-BE49-F238E27FC236}">
+                  <a16:creationId xmlns:a16="http://schemas.microsoft.com/office/drawing/2014/main" id="{A27BE4F9-490F-46D4-BC99-6C74F293473E}"/>
+                </a:ext>
+              </a:extLst>
+            </p:cNvPr>
+            <p:cNvGrpSpPr/>
+            <p:nvPr/>
+          </p:nvGrpSpPr>
+          <p:grpSpPr>
+            <a:xfrm>
+              <a:off x="4679033" y="1308128"/>
+              <a:ext cx="952500" cy="1189357"/>
+              <a:chOff x="2794951" y="2038375"/>
+              <a:chExt cx="952500" cy="1189357"/>
+            </a:xfrm>
+          </p:grpSpPr>
+          <p:pic>
+            <p:nvPicPr>
+              <p:cNvPr id="15" name="圖片 14">
+                <a:extLst>
+                  <a:ext uri="{FF2B5EF4-FFF2-40B4-BE49-F238E27FC236}">
+                    <a16:creationId xmlns:a16="http://schemas.microsoft.com/office/drawing/2014/main" id="{1AC9597A-7B85-4A4F-B223-581E344E9E71}"/>
+                  </a:ext>
+                </a:extLst>
+              </p:cNvPr>
+              <p:cNvPicPr>
+                <a:picLocks noChangeAspect="1"/>
+              </p:cNvPicPr>
+              <p:nvPr/>
+            </p:nvPicPr>
+            <p:blipFill>
+              <a:blip r:embed="rId5">
+                <a:extLst>
+                  <a:ext uri="{28A0092B-C50C-407E-A947-70E740481C1C}">
+                    <a14:useLocalDpi xmlns:a14="http://schemas.microsoft.com/office/drawing/2010/main" val="0"/>
+                  </a:ext>
+                </a:extLst>
+              </a:blip>
+              <a:stretch>
+                <a:fillRect/>
+              </a:stretch>
+            </p:blipFill>
+            <p:spPr>
+              <a:xfrm>
+                <a:off x="2794951" y="2038375"/>
+                <a:ext cx="952500" cy="952500"/>
+              </a:xfrm>
+              <a:prstGeom prst="rect">
+                <a:avLst/>
+              </a:prstGeom>
+            </p:spPr>
+          </p:pic>
+          <p:sp>
+            <p:nvSpPr>
+              <p:cNvPr id="16" name="文字方塊 15">
+                <a:extLst>
+                  <a:ext uri="{FF2B5EF4-FFF2-40B4-BE49-F238E27FC236}">
+                    <a16:creationId xmlns:a16="http://schemas.microsoft.com/office/drawing/2014/main" id="{8BE018A1-265D-4C89-B2B0-974D8E7B498F}"/>
+                  </a:ext>
+                </a:extLst>
+              </p:cNvPr>
+              <p:cNvSpPr txBox="1"/>
+              <p:nvPr/>
+            </p:nvSpPr>
+            <p:spPr>
+              <a:xfrm>
+                <a:off x="2935351" y="2919955"/>
+                <a:ext cx="679931" cy="307777"/>
+              </a:xfrm>
+              <a:prstGeom prst="rect">
+                <a:avLst/>
+              </a:prstGeom>
+              <a:noFill/>
+            </p:spPr>
+            <p:txBody>
+              <a:bodyPr wrap="none" rtlCol="0">
+                <a:spAutoFit/>
+              </a:bodyPr>
+              <a:lstStyle/>
+              <a:p>
+                <a:pPr algn="ctr"/>
+                <a:r>
+                  <a:rPr lang="en-US" altLang="zh-TW" sz="1400" b="1" dirty="0">
+                    <a:solidFill>
+                      <a:schemeClr val="tx1">
+                        <a:lumMod val="65000"/>
+                        <a:lumOff val="35000"/>
+                      </a:schemeClr>
+                    </a:solidFill>
+                    <a:latin typeface="Arial" panose="020B0604020202020204" pitchFamily="34" charset="0"/>
+                    <a:cs typeface="Arial" panose="020B0604020202020204" pitchFamily="34" charset="0"/>
+                  </a:rPr>
+                  <a:t>RTOS</a:t>
+                </a:r>
+              </a:p>
+            </p:txBody>
+          </p:sp>
+        </p:grpSp>
+        <p:sp>
+          <p:nvSpPr>
+            <p:cNvPr id="17" name="矩形 16">
+              <a:extLst>
+                <a:ext uri="{FF2B5EF4-FFF2-40B4-BE49-F238E27FC236}">
+                  <a16:creationId xmlns:a16="http://schemas.microsoft.com/office/drawing/2014/main" id="{02D130F7-3FBC-4556-A626-3BD391E27146}"/>
+                </a:ext>
+              </a:extLst>
+            </p:cNvPr>
+            <p:cNvSpPr/>
+            <p:nvPr/>
+          </p:nvSpPr>
+          <p:spPr>
+            <a:xfrm>
+              <a:off x="5559938" y="3940979"/>
+              <a:ext cx="143191" cy="142351"/>
+            </a:xfrm>
+            <a:prstGeom prst="rect">
+              <a:avLst/>
+            </a:prstGeom>
+            <a:noFill/>
+            <a:ln w="28575">
+              <a:solidFill>
+                <a:schemeClr val="tx1">
+                  <a:lumMod val="65000"/>
+                  <a:lumOff val="35000"/>
+                </a:schemeClr>
+              </a:solidFill>
+            </a:ln>
+          </p:spPr>
+          <p:style>
+            <a:lnRef idx="2">
+              <a:schemeClr val="accent1">
+                <a:shade val="50000"/>
+              </a:schemeClr>
+            </a:lnRef>
+            <a:fillRef idx="1">
+              <a:schemeClr val="accent1"/>
+            </a:fillRef>
+            <a:effectRef idx="0">
+              <a:schemeClr val="accent1"/>
+            </a:effectRef>
+            <a:fontRef idx="minor">
+              <a:schemeClr val="lt1"/>
+            </a:fontRef>
+          </p:style>
+          <p:txBody>
+            <a:bodyPr rtlCol="0" anchor="ctr"/>
+            <a:lstStyle/>
+            <a:p>
+              <a:pPr algn="ctr"/>
+              <a:endParaRPr lang="zh-TW" altLang="en-US"/>
+            </a:p>
+          </p:txBody>
+        </p:sp>
+        <p:sp>
+          <p:nvSpPr>
+            <p:cNvPr id="18" name="矩形 17">
+              <a:extLst>
+                <a:ext uri="{FF2B5EF4-FFF2-40B4-BE49-F238E27FC236}">
+                  <a16:creationId xmlns:a16="http://schemas.microsoft.com/office/drawing/2014/main" id="{217E9F76-05B1-46C6-AEB4-7EEAD045A805}"/>
+                </a:ext>
+              </a:extLst>
+            </p:cNvPr>
+            <p:cNvSpPr/>
+            <p:nvPr/>
+          </p:nvSpPr>
+          <p:spPr>
+            <a:xfrm>
+              <a:off x="6441529" y="3947851"/>
+              <a:ext cx="143191" cy="142351"/>
+            </a:xfrm>
+            <a:prstGeom prst="rect">
+              <a:avLst/>
+            </a:prstGeom>
+            <a:noFill/>
+            <a:ln w="28575">
+              <a:solidFill>
+                <a:schemeClr val="tx1">
+                  <a:lumMod val="65000"/>
+                  <a:lumOff val="35000"/>
+                </a:schemeClr>
+              </a:solidFill>
+            </a:ln>
+          </p:spPr>
+          <p:style>
+            <a:lnRef idx="2">
+              <a:schemeClr val="accent1">
+                <a:shade val="50000"/>
+              </a:schemeClr>
+            </a:lnRef>
+            <a:fillRef idx="1">
+              <a:schemeClr val="accent1"/>
+            </a:fillRef>
+            <a:effectRef idx="0">
+              <a:schemeClr val="accent1"/>
+            </a:effectRef>
+            <a:fontRef idx="minor">
+              <a:schemeClr val="lt1"/>
+            </a:fontRef>
+          </p:style>
+          <p:txBody>
+            <a:bodyPr rtlCol="0" anchor="ctr"/>
+            <a:lstStyle/>
+            <a:p>
+              <a:pPr algn="ctr"/>
+              <a:endParaRPr lang="zh-TW" altLang="en-US"/>
+            </a:p>
+          </p:txBody>
+        </p:sp>
+        <p:sp>
+          <p:nvSpPr>
+            <p:cNvPr id="19" name="矩形 18">
+              <a:extLst>
+                <a:ext uri="{FF2B5EF4-FFF2-40B4-BE49-F238E27FC236}">
+                  <a16:creationId xmlns:a16="http://schemas.microsoft.com/office/drawing/2014/main" id="{3FD4E23B-4F57-4BF4-8EB8-84AB5E044890}"/>
+                </a:ext>
+              </a:extLst>
+            </p:cNvPr>
+            <p:cNvSpPr/>
+            <p:nvPr/>
+          </p:nvSpPr>
+          <p:spPr>
+            <a:xfrm>
+              <a:off x="4322543" y="3961914"/>
+              <a:ext cx="143191" cy="142351"/>
+            </a:xfrm>
+            <a:prstGeom prst="rect">
+              <a:avLst/>
+            </a:prstGeom>
+            <a:noFill/>
+            <a:ln w="28575">
+              <a:solidFill>
+                <a:schemeClr val="tx1">
+                  <a:lumMod val="65000"/>
+                  <a:lumOff val="35000"/>
+                </a:schemeClr>
+              </a:solidFill>
+            </a:ln>
+          </p:spPr>
+          <p:style>
+            <a:lnRef idx="2">
+              <a:schemeClr val="accent1">
+                <a:shade val="50000"/>
+              </a:schemeClr>
+            </a:lnRef>
+            <a:fillRef idx="1">
+              <a:schemeClr val="accent1"/>
+            </a:fillRef>
+            <a:effectRef idx="0">
+              <a:schemeClr val="accent1"/>
+            </a:effectRef>
+            <a:fontRef idx="minor">
+              <a:schemeClr val="lt1"/>
+            </a:fontRef>
+          </p:style>
+          <p:txBody>
+            <a:bodyPr rtlCol="0" anchor="ctr"/>
+            <a:lstStyle/>
+            <a:p>
+              <a:pPr algn="ctr"/>
+              <a:endParaRPr lang="zh-TW" altLang="en-US"/>
+            </a:p>
+          </p:txBody>
+        </p:sp>
+        <p:sp>
+          <p:nvSpPr>
+            <p:cNvPr id="20" name="矩形 19">
+              <a:extLst>
+                <a:ext uri="{FF2B5EF4-FFF2-40B4-BE49-F238E27FC236}">
+                  <a16:creationId xmlns:a16="http://schemas.microsoft.com/office/drawing/2014/main" id="{F8253089-1FF3-4F73-B979-7D501AE6044D}"/>
+                </a:ext>
+              </a:extLst>
+            </p:cNvPr>
+            <p:cNvSpPr/>
+            <p:nvPr/>
+          </p:nvSpPr>
+          <p:spPr>
+            <a:xfrm>
+              <a:off x="3501609" y="3961914"/>
+              <a:ext cx="143191" cy="142351"/>
+            </a:xfrm>
+            <a:prstGeom prst="rect">
+              <a:avLst/>
+            </a:prstGeom>
+            <a:noFill/>
+            <a:ln w="28575">
+              <a:solidFill>
+                <a:schemeClr val="tx1">
+                  <a:lumMod val="65000"/>
+                  <a:lumOff val="35000"/>
+                </a:schemeClr>
+              </a:solidFill>
+            </a:ln>
+          </p:spPr>
+          <p:style>
+            <a:lnRef idx="2">
+              <a:schemeClr val="accent1">
+                <a:shade val="50000"/>
+              </a:schemeClr>
+            </a:lnRef>
+            <a:fillRef idx="1">
+              <a:schemeClr val="accent1"/>
+            </a:fillRef>
+            <a:effectRef idx="0">
+              <a:schemeClr val="accent1"/>
+            </a:effectRef>
+            <a:fontRef idx="minor">
+              <a:schemeClr val="lt1"/>
+            </a:fontRef>
+          </p:style>
+          <p:txBody>
+            <a:bodyPr rtlCol="0" anchor="ctr"/>
+            <a:lstStyle/>
+            <a:p>
+              <a:pPr algn="ctr"/>
+              <a:endParaRPr lang="zh-TW" altLang="en-US"/>
+            </a:p>
+          </p:txBody>
+        </p:sp>
+        <p:cxnSp>
+          <p:nvCxnSpPr>
+            <p:cNvPr id="21" name="直線接點 20">
+              <a:extLst>
+                <a:ext uri="{FF2B5EF4-FFF2-40B4-BE49-F238E27FC236}">
+                  <a16:creationId xmlns:a16="http://schemas.microsoft.com/office/drawing/2014/main" id="{C607EFE7-E741-4A1B-8567-83A94E6A1242}"/>
+                </a:ext>
+              </a:extLst>
+            </p:cNvPr>
+            <p:cNvCxnSpPr>
+              <a:cxnSpLocks/>
+              <a:stCxn id="17" idx="3"/>
+              <a:endCxn id="18" idx="1"/>
+            </p:cNvCxnSpPr>
+            <p:nvPr/>
+          </p:nvCxnSpPr>
+          <p:spPr>
+            <a:xfrm>
+              <a:off x="5703129" y="4012155"/>
+              <a:ext cx="738400" cy="6872"/>
+            </a:xfrm>
+            <a:prstGeom prst="line">
+              <a:avLst/>
+            </a:prstGeom>
+            <a:ln w="28575">
+              <a:solidFill>
+                <a:schemeClr val="tx1">
+                  <a:lumMod val="65000"/>
+                  <a:lumOff val="35000"/>
+                </a:schemeClr>
+              </a:solidFill>
+              <a:prstDash val="sysDash"/>
+            </a:ln>
+          </p:spPr>
+          <p:style>
+            <a:lnRef idx="1">
+              <a:schemeClr val="accent1"/>
+            </a:lnRef>
+            <a:fillRef idx="0">
+              <a:schemeClr val="accent1"/>
+            </a:fillRef>
+            <a:effectRef idx="0">
+              <a:schemeClr val="accent1"/>
+            </a:effectRef>
+            <a:fontRef idx="minor">
+              <a:schemeClr val="tx1"/>
+            </a:fontRef>
+          </p:style>
+        </p:cxnSp>
+        <p:cxnSp>
+          <p:nvCxnSpPr>
+            <p:cNvPr id="22" name="直線接點 21">
+              <a:extLst>
+                <a:ext uri="{FF2B5EF4-FFF2-40B4-BE49-F238E27FC236}">
+                  <a16:creationId xmlns:a16="http://schemas.microsoft.com/office/drawing/2014/main" id="{2D600E24-5A29-44E0-99E5-F50A36DC3A33}"/>
+                </a:ext>
+              </a:extLst>
+            </p:cNvPr>
+            <p:cNvCxnSpPr>
+              <a:cxnSpLocks/>
+              <a:stCxn id="20" idx="3"/>
+              <a:endCxn id="19" idx="1"/>
+            </p:cNvCxnSpPr>
+            <p:nvPr/>
+          </p:nvCxnSpPr>
+          <p:spPr>
+            <a:xfrm>
+              <a:off x="3644800" y="4033090"/>
+              <a:ext cx="677743" cy="0"/>
+            </a:xfrm>
+            <a:prstGeom prst="line">
+              <a:avLst/>
+            </a:prstGeom>
+            <a:ln w="28575">
+              <a:solidFill>
+                <a:schemeClr val="tx1">
+                  <a:lumMod val="65000"/>
+                  <a:lumOff val="35000"/>
+                </a:schemeClr>
+              </a:solidFill>
+              <a:prstDash val="sysDash"/>
+            </a:ln>
+          </p:spPr>
+          <p:style>
+            <a:lnRef idx="1">
+              <a:schemeClr val="accent1"/>
+            </a:lnRef>
+            <a:fillRef idx="0">
+              <a:schemeClr val="accent1"/>
+            </a:fillRef>
+            <a:effectRef idx="0">
+              <a:schemeClr val="accent1"/>
+            </a:effectRef>
+            <a:fontRef idx="minor">
+              <a:schemeClr val="tx1"/>
+            </a:fontRef>
+          </p:style>
+        </p:cxnSp>
+        <p:sp>
+          <p:nvSpPr>
+            <p:cNvPr id="23" name="矩形 22">
+              <a:extLst>
+                <a:ext uri="{FF2B5EF4-FFF2-40B4-BE49-F238E27FC236}">
+                  <a16:creationId xmlns:a16="http://schemas.microsoft.com/office/drawing/2014/main" id="{2C8F6371-9C4D-40F3-B970-7BAC18FCCA72}"/>
+                </a:ext>
+              </a:extLst>
+            </p:cNvPr>
+            <p:cNvSpPr/>
+            <p:nvPr/>
+          </p:nvSpPr>
+          <p:spPr>
+            <a:xfrm>
+              <a:off x="2734275" y="3357824"/>
+              <a:ext cx="143191" cy="142351"/>
+            </a:xfrm>
+            <a:prstGeom prst="rect">
+              <a:avLst/>
+            </a:prstGeom>
+            <a:noFill/>
+            <a:ln w="28575">
+              <a:solidFill>
+                <a:schemeClr val="tx1">
+                  <a:lumMod val="65000"/>
+                  <a:lumOff val="35000"/>
+                </a:schemeClr>
+              </a:solidFill>
+            </a:ln>
+          </p:spPr>
+          <p:style>
+            <a:lnRef idx="2">
+              <a:schemeClr val="accent1">
+                <a:shade val="50000"/>
+              </a:schemeClr>
+            </a:lnRef>
+            <a:fillRef idx="1">
+              <a:schemeClr val="accent1"/>
+            </a:fillRef>
+            <a:effectRef idx="0">
+              <a:schemeClr val="accent1"/>
+            </a:effectRef>
+            <a:fontRef idx="minor">
+              <a:schemeClr val="lt1"/>
+            </a:fontRef>
+          </p:style>
+          <p:txBody>
+            <a:bodyPr rtlCol="0" anchor="ctr"/>
+            <a:lstStyle/>
+            <a:p>
+              <a:pPr algn="ctr"/>
+              <a:endParaRPr lang="zh-TW" altLang="en-US"/>
+            </a:p>
+          </p:txBody>
+        </p:sp>
+        <p:cxnSp>
+          <p:nvCxnSpPr>
+            <p:cNvPr id="24" name="直線接點 23">
+              <a:extLst>
+                <a:ext uri="{FF2B5EF4-FFF2-40B4-BE49-F238E27FC236}">
+                  <a16:creationId xmlns:a16="http://schemas.microsoft.com/office/drawing/2014/main" id="{D00F66A5-FDDF-43D7-BF8E-9EECDABF9AC4}"/>
+                </a:ext>
+              </a:extLst>
+            </p:cNvPr>
+            <p:cNvCxnSpPr>
+              <a:cxnSpLocks/>
+              <a:stCxn id="25" idx="1"/>
+              <a:endCxn id="23" idx="1"/>
+            </p:cNvCxnSpPr>
+            <p:nvPr/>
+          </p:nvCxnSpPr>
+          <p:spPr>
+            <a:xfrm flipH="1">
+              <a:off x="2734275" y="2548862"/>
+              <a:ext cx="2327896" cy="880138"/>
+            </a:xfrm>
+            <a:prstGeom prst="line">
+              <a:avLst/>
+            </a:prstGeom>
+            <a:ln w="28575">
+              <a:solidFill>
+                <a:schemeClr val="tx1">
+                  <a:lumMod val="65000"/>
+                  <a:lumOff val="35000"/>
+                </a:schemeClr>
+              </a:solidFill>
+              <a:prstDash val="sysDash"/>
+            </a:ln>
+          </p:spPr>
+          <p:style>
+            <a:lnRef idx="1">
+              <a:schemeClr val="accent1"/>
+            </a:lnRef>
+            <a:fillRef idx="0">
+              <a:schemeClr val="accent1"/>
+            </a:fillRef>
+            <a:effectRef idx="0">
+              <a:schemeClr val="accent1"/>
+            </a:effectRef>
+            <a:fontRef idx="minor">
+              <a:schemeClr val="tx1"/>
+            </a:fontRef>
+          </p:style>
+        </p:cxnSp>
+        <p:sp>
+          <p:nvSpPr>
+            <p:cNvPr id="25" name="矩形 24">
+              <a:extLst>
+                <a:ext uri="{FF2B5EF4-FFF2-40B4-BE49-F238E27FC236}">
+                  <a16:creationId xmlns:a16="http://schemas.microsoft.com/office/drawing/2014/main" id="{BEFBCB6B-52CC-40BB-8024-9F3286BFA5E8}"/>
+                </a:ext>
+              </a:extLst>
+            </p:cNvPr>
+            <p:cNvSpPr/>
+            <p:nvPr/>
+          </p:nvSpPr>
+          <p:spPr>
+            <a:xfrm>
+              <a:off x="5062171" y="2477686"/>
+              <a:ext cx="143191" cy="142351"/>
+            </a:xfrm>
+            <a:prstGeom prst="rect">
+              <a:avLst/>
+            </a:prstGeom>
+            <a:noFill/>
+            <a:ln w="28575">
+              <a:solidFill>
+                <a:schemeClr val="tx1">
+                  <a:lumMod val="65000"/>
+                  <a:lumOff val="35000"/>
+                </a:schemeClr>
+              </a:solidFill>
+            </a:ln>
+          </p:spPr>
+          <p:style>
+            <a:lnRef idx="2">
+              <a:schemeClr val="accent1">
+                <a:shade val="50000"/>
+              </a:schemeClr>
+            </a:lnRef>
+            <a:fillRef idx="1">
+              <a:schemeClr val="accent1"/>
+            </a:fillRef>
+            <a:effectRef idx="0">
+              <a:schemeClr val="accent1"/>
+            </a:effectRef>
+            <a:fontRef idx="minor">
+              <a:schemeClr val="lt1"/>
+            </a:fontRef>
+          </p:style>
+          <p:txBody>
+            <a:bodyPr rtlCol="0" anchor="ctr"/>
+            <a:lstStyle/>
+            <a:p>
+              <a:pPr algn="ctr"/>
+              <a:endParaRPr lang="zh-TW" altLang="en-US"/>
+            </a:p>
+          </p:txBody>
+        </p:sp>
+        <p:sp>
+          <p:nvSpPr>
+            <p:cNvPr id="26" name="文字方塊 25">
+              <a:extLst>
+                <a:ext uri="{FF2B5EF4-FFF2-40B4-BE49-F238E27FC236}">
+                  <a16:creationId xmlns:a16="http://schemas.microsoft.com/office/drawing/2014/main" id="{04D6918E-3E40-4AC2-BC3C-BB394E9ECDE2}"/>
+                </a:ext>
+              </a:extLst>
+            </p:cNvPr>
+            <p:cNvSpPr txBox="1"/>
+            <p:nvPr/>
+          </p:nvSpPr>
+          <p:spPr>
+            <a:xfrm>
+              <a:off x="3457333" y="2548861"/>
+              <a:ext cx="881780" cy="276999"/>
+            </a:xfrm>
+            <a:prstGeom prst="rect">
+              <a:avLst/>
+            </a:prstGeom>
+            <a:noFill/>
+          </p:spPr>
+          <p:txBody>
+            <a:bodyPr wrap="none" rtlCol="0">
+              <a:spAutoFit/>
+            </a:bodyPr>
+            <a:lstStyle/>
+            <a:p>
+              <a:pPr algn="ctr"/>
+              <a:r>
+                <a:rPr lang="en-US" altLang="zh-TW" sz="1200" b="1" dirty="0" err="1">
+                  <a:solidFill>
+                    <a:schemeClr val="tx1">
+                      <a:lumMod val="65000"/>
+                      <a:lumOff val="35000"/>
+                    </a:schemeClr>
+                  </a:solidFill>
+                  <a:latin typeface="Arial" panose="020B0604020202020204" pitchFamily="34" charset="0"/>
+                  <a:cs typeface="Arial" panose="020B0604020202020204" pitchFamily="34" charset="0"/>
+                </a:rPr>
+                <a:t>EtherCAT</a:t>
+              </a:r>
+              <a:endParaRPr lang="zh-TW" altLang="en-US" sz="1200" b="1" dirty="0">
+                <a:solidFill>
+                  <a:schemeClr val="tx1">
+                    <a:lumMod val="65000"/>
+                    <a:lumOff val="35000"/>
+                  </a:schemeClr>
+                </a:solidFill>
+                <a:latin typeface="Arial" panose="020B0604020202020204" pitchFamily="34" charset="0"/>
+                <a:cs typeface="Arial" panose="020B0604020202020204" pitchFamily="34" charset="0"/>
+              </a:endParaRPr>
+            </a:p>
+          </p:txBody>
+        </p:sp>
+      </p:grpSp>
+    </p:spTree>
+    <p:extLst>
+      <p:ext uri="{BB962C8B-B14F-4D97-AF65-F5344CB8AC3E}">
+        <p14:creationId xmlns:p14="http://schemas.microsoft.com/office/powerpoint/2010/main" val="2824295487"/>
       </p:ext>
     </p:extLst>
   </p:cSld>
@@ -8741,7 +10131,7 @@
           <a:p>
             <a:fld id="{979F763D-BF21-4D53-8EEE-BB706C571577}" type="datetime1">
               <a:rPr lang="zh-TW" altLang="en-US" smtClean="0"/>
-              <a:t>2021/5/24</a:t>
+              <a:t>2021/5/26</a:t>
             </a:fld>
             <a:endParaRPr lang="zh-TW" altLang="en-US"/>
           </a:p>
@@ -9695,7 +11085,7 @@
           <a:p>
             <a:fld id="{979F763D-BF21-4D53-8EEE-BB706C571577}" type="datetime1">
               <a:rPr lang="zh-TW" altLang="en-US" smtClean="0"/>
-              <a:t>2021/5/24</a:t>
+              <a:t>2021/5/26</a:t>
             </a:fld>
             <a:endParaRPr lang="zh-TW" altLang="en-US"/>
           </a:p>
@@ -12972,8 +14362,8 @@
               </a:p>
             </p:txBody>
           </p:sp>
-          <mc:AlternateContent xmlns:mc="http://schemas.openxmlformats.org/markup-compatibility/2006">
-            <mc:Choice xmlns:a14="http://schemas.microsoft.com/office/drawing/2010/main" Requires="a14">
+          <mc:AlternateContent xmlns:mc="http://schemas.openxmlformats.org/markup-compatibility/2006" xmlns:a14="http://schemas.microsoft.com/office/drawing/2010/main">
+            <mc:Choice Requires="a14">
               <p:sp>
                 <p:nvSpPr>
                   <p:cNvPr id="50" name="文字方塊 49">
@@ -13068,7 +14458,7 @@
                 </p:txBody>
               </p:sp>
             </mc:Choice>
-            <mc:Fallback>
+            <mc:Fallback xmlns="">
               <p:sp>
                 <p:nvSpPr>
                   <p:cNvPr id="50" name="文字方塊 49">
@@ -13229,8 +14619,8 @@
               </a:p>
             </p:txBody>
           </p:sp>
-          <mc:AlternateContent xmlns:mc="http://schemas.openxmlformats.org/markup-compatibility/2006">
-            <mc:Choice xmlns:a14="http://schemas.microsoft.com/office/drawing/2010/main" Requires="a14">
+          <mc:AlternateContent xmlns:mc="http://schemas.openxmlformats.org/markup-compatibility/2006" xmlns:a14="http://schemas.microsoft.com/office/drawing/2010/main">
+            <mc:Choice Requires="a14">
               <p:sp>
                 <p:nvSpPr>
                   <p:cNvPr id="53" name="文字方塊 52">
@@ -13259,6 +14649,7 @@
                   </a:bodyPr>
                   <a:lstStyle/>
                   <a:p>
+                    <a:pPr/>
                     <a14:m>
                       <m:oMathPara xmlns:m="http://schemas.openxmlformats.org/officeDocument/2006/math">
                         <m:oMathParaPr>
@@ -13324,7 +14715,7 @@
                 </p:txBody>
               </p:sp>
             </mc:Choice>
-            <mc:Fallback>
+            <mc:Fallback xmlns="">
               <p:sp>
                 <p:nvSpPr>
                   <p:cNvPr id="53" name="文字方塊 52">

--- a/009YiChan/Chan's thesis/Images/Original/ppt.pptx
+++ b/009YiChan/Chan's thesis/Images/Original/ppt.pptx
@@ -5,7 +5,7 @@
     <p:sldMasterId id="2147483648" r:id="rId1"/>
   </p:sldMasterIdLst>
   <p:notesMasterIdLst>
-    <p:notesMasterId r:id="rId16"/>
+    <p:notesMasterId r:id="rId17"/>
   </p:notesMasterIdLst>
   <p:sldIdLst>
     <p:sldId id="257" r:id="rId2"/>
@@ -22,6 +22,7 @@
     <p:sldId id="270" r:id="rId13"/>
     <p:sldId id="271" r:id="rId14"/>
     <p:sldId id="272" r:id="rId15"/>
+    <p:sldId id="273" r:id="rId16"/>
   </p:sldIdLst>
   <p:sldSz cx="12192000" cy="6858000"/>
   <p:notesSz cx="6858000" cy="9144000"/>
@@ -210,7 +211,7 @@
           <a:p>
             <a:fld id="{1C8D2AD6-9366-4FD0-8D5E-D0A160B803F4}" type="datetimeFigureOut">
               <a:rPr lang="zh-TW" altLang="en-US" smtClean="0"/>
-              <a:t>2021/5/26</a:t>
+              <a:t>2021/6/3</a:t>
             </a:fld>
             <a:endParaRPr lang="zh-TW" altLang="en-US"/>
           </a:p>
@@ -693,7 +694,7 @@
           <a:p>
             <a:fld id="{CA9831EC-52C6-4491-A088-87BB9C263796}" type="datetimeFigureOut">
               <a:rPr lang="zh-TW" altLang="en-US" smtClean="0"/>
-              <a:t>2021/5/26</a:t>
+              <a:t>2021/6/3</a:t>
             </a:fld>
             <a:endParaRPr lang="zh-TW" altLang="en-US"/>
           </a:p>
@@ -861,7 +862,7 @@
           <a:p>
             <a:fld id="{CA9831EC-52C6-4491-A088-87BB9C263796}" type="datetimeFigureOut">
               <a:rPr lang="zh-TW" altLang="en-US" smtClean="0"/>
-              <a:t>2021/5/26</a:t>
+              <a:t>2021/6/3</a:t>
             </a:fld>
             <a:endParaRPr lang="zh-TW" altLang="en-US"/>
           </a:p>
@@ -1039,7 +1040,7 @@
           <a:p>
             <a:fld id="{CA9831EC-52C6-4491-A088-87BB9C263796}" type="datetimeFigureOut">
               <a:rPr lang="zh-TW" altLang="en-US" smtClean="0"/>
-              <a:t>2021/5/26</a:t>
+              <a:t>2021/6/3</a:t>
             </a:fld>
             <a:endParaRPr lang="zh-TW" altLang="en-US"/>
           </a:p>
@@ -1207,7 +1208,7 @@
           <a:p>
             <a:fld id="{CA9831EC-52C6-4491-A088-87BB9C263796}" type="datetimeFigureOut">
               <a:rPr lang="zh-TW" altLang="en-US" smtClean="0"/>
-              <a:t>2021/5/26</a:t>
+              <a:t>2021/6/3</a:t>
             </a:fld>
             <a:endParaRPr lang="zh-TW" altLang="en-US"/>
           </a:p>
@@ -1452,7 +1453,7 @@
           <a:p>
             <a:fld id="{CA9831EC-52C6-4491-A088-87BB9C263796}" type="datetimeFigureOut">
               <a:rPr lang="zh-TW" altLang="en-US" smtClean="0"/>
-              <a:t>2021/5/26</a:t>
+              <a:t>2021/6/3</a:t>
             </a:fld>
             <a:endParaRPr lang="zh-TW" altLang="en-US"/>
           </a:p>
@@ -1681,7 +1682,7 @@
           <a:p>
             <a:fld id="{CA9831EC-52C6-4491-A088-87BB9C263796}" type="datetimeFigureOut">
               <a:rPr lang="zh-TW" altLang="en-US" smtClean="0"/>
-              <a:t>2021/5/26</a:t>
+              <a:t>2021/6/3</a:t>
             </a:fld>
             <a:endParaRPr lang="zh-TW" altLang="en-US"/>
           </a:p>
@@ -2045,7 +2046,7 @@
           <a:p>
             <a:fld id="{CA9831EC-52C6-4491-A088-87BB9C263796}" type="datetimeFigureOut">
               <a:rPr lang="zh-TW" altLang="en-US" smtClean="0"/>
-              <a:t>2021/5/26</a:t>
+              <a:t>2021/6/3</a:t>
             </a:fld>
             <a:endParaRPr lang="zh-TW" altLang="en-US"/>
           </a:p>
@@ -2162,7 +2163,7 @@
           <a:p>
             <a:fld id="{CA9831EC-52C6-4491-A088-87BB9C263796}" type="datetimeFigureOut">
               <a:rPr lang="zh-TW" altLang="en-US" smtClean="0"/>
-              <a:t>2021/5/26</a:t>
+              <a:t>2021/6/3</a:t>
             </a:fld>
             <a:endParaRPr lang="zh-TW" altLang="en-US"/>
           </a:p>
@@ -2257,7 +2258,7 @@
           <a:p>
             <a:fld id="{CA9831EC-52C6-4491-A088-87BB9C263796}" type="datetimeFigureOut">
               <a:rPr lang="zh-TW" altLang="en-US" smtClean="0"/>
-              <a:t>2021/5/26</a:t>
+              <a:t>2021/6/3</a:t>
             </a:fld>
             <a:endParaRPr lang="zh-TW" altLang="en-US"/>
           </a:p>
@@ -2532,7 +2533,7 @@
           <a:p>
             <a:fld id="{CA9831EC-52C6-4491-A088-87BB9C263796}" type="datetimeFigureOut">
               <a:rPr lang="zh-TW" altLang="en-US" smtClean="0"/>
-              <a:t>2021/5/26</a:t>
+              <a:t>2021/6/3</a:t>
             </a:fld>
             <a:endParaRPr lang="zh-TW" altLang="en-US"/>
           </a:p>
@@ -2784,7 +2785,7 @@
           <a:p>
             <a:fld id="{CA9831EC-52C6-4491-A088-87BB9C263796}" type="datetimeFigureOut">
               <a:rPr lang="zh-TW" altLang="en-US" smtClean="0"/>
-              <a:t>2021/5/26</a:t>
+              <a:t>2021/6/3</a:t>
             </a:fld>
             <a:endParaRPr lang="zh-TW" altLang="en-US"/>
           </a:p>
@@ -2995,7 +2996,7 @@
           <a:p>
             <a:fld id="{CA9831EC-52C6-4491-A088-87BB9C263796}" type="datetimeFigureOut">
               <a:rPr lang="zh-TW" altLang="en-US" smtClean="0"/>
-              <a:t>2021/5/26</a:t>
+              <a:t>2021/6/3</a:t>
             </a:fld>
             <a:endParaRPr lang="zh-TW" altLang="en-US"/>
           </a:p>
@@ -7050,10 +7051,10 @@
         </p:nvGrpSpPr>
         <p:grpSpPr>
           <a:xfrm>
-            <a:off x="2192599" y="1308128"/>
-            <a:ext cx="5724495" cy="3642086"/>
-            <a:chOff x="2192599" y="1308128"/>
-            <a:chExt cx="5724495" cy="3642086"/>
+            <a:off x="2193112" y="1240073"/>
+            <a:ext cx="5723982" cy="3807066"/>
+            <a:chOff x="2193112" y="1240073"/>
+            <a:chExt cx="5723982" cy="3807066"/>
           </a:xfrm>
         </p:grpSpPr>
         <p:grpSp>
@@ -7070,10 +7071,10 @@
           </p:nvGrpSpPr>
           <p:grpSpPr>
             <a:xfrm>
-              <a:off x="2192599" y="3520158"/>
-              <a:ext cx="5724495" cy="1430056"/>
-              <a:chOff x="-629370" y="4481472"/>
-              <a:chExt cx="5724495" cy="1430056"/>
+              <a:off x="2193112" y="3520154"/>
+              <a:ext cx="5723982" cy="1526985"/>
+              <a:chOff x="-628857" y="4481468"/>
+              <a:chExt cx="5723982" cy="1526985"/>
             </a:xfrm>
           </p:grpSpPr>
           <p:grpSp>
@@ -7090,10 +7091,10 @@
             </p:nvGrpSpPr>
             <p:grpSpPr>
               <a:xfrm>
-                <a:off x="-629370" y="4481473"/>
-                <a:ext cx="5724495" cy="1430055"/>
-                <a:chOff x="388046" y="3137258"/>
-                <a:chExt cx="2364566" cy="590700"/>
+                <a:off x="-628857" y="4481468"/>
+                <a:ext cx="5723982" cy="1526985"/>
+                <a:chOff x="388258" y="3137256"/>
+                <a:chExt cx="2364354" cy="630738"/>
               </a:xfrm>
             </p:grpSpPr>
             <p:grpSp>
@@ -7110,10 +7111,10 @@
               </p:nvGrpSpPr>
               <p:grpSpPr>
                 <a:xfrm>
-                  <a:off x="388046" y="3137258"/>
-                  <a:ext cx="565360" cy="590700"/>
-                  <a:chOff x="3825248" y="4785097"/>
-                  <a:chExt cx="803174" cy="744470"/>
+                  <a:off x="388258" y="3137256"/>
+                  <a:ext cx="565360" cy="630738"/>
+                  <a:chOff x="3825549" y="4785097"/>
+                  <a:chExt cx="803174" cy="794931"/>
                 </a:xfrm>
               </p:grpSpPr>
               <p:pic>
@@ -7166,7 +7167,7 @@
                 </p:nvSpPr>
                 <p:spPr>
                   <a:xfrm>
-                    <a:off x="3825248" y="5337297"/>
+                    <a:off x="3825549" y="5387758"/>
                     <a:ext cx="803174" cy="192270"/>
                   </a:xfrm>
                   <a:prstGeom prst="rect">
@@ -7427,10 +7428,10 @@
           </p:nvGrpSpPr>
           <p:grpSpPr>
             <a:xfrm>
-              <a:off x="4679033" y="1308128"/>
-              <a:ext cx="952500" cy="1189357"/>
-              <a:chOff x="2794951" y="2038375"/>
-              <a:chExt cx="952500" cy="1189357"/>
+              <a:off x="4683148" y="1240073"/>
+              <a:ext cx="952500" cy="1257412"/>
+              <a:chOff x="2799066" y="1970320"/>
+              <a:chExt cx="952500" cy="1257412"/>
             </a:xfrm>
           </p:grpSpPr>
           <p:pic>
@@ -7461,7 +7462,7 @@
             </p:blipFill>
             <p:spPr>
               <a:xfrm>
-                <a:off x="2794951" y="2038375"/>
+                <a:off x="2799066" y="1970320"/>
                 <a:ext cx="952500" cy="952500"/>
               </a:xfrm>
               <a:prstGeom prst="rect">
@@ -8052,6 +8053,128 @@
     <p:extLst>
       <p:ext uri="{BB962C8B-B14F-4D97-AF65-F5344CB8AC3E}">
         <p14:creationId xmlns:p14="http://schemas.microsoft.com/office/powerpoint/2010/main" val="2824295487"/>
+      </p:ext>
+    </p:extLst>
+  </p:cSld>
+  <p:clrMapOvr>
+    <a:masterClrMapping/>
+  </p:clrMapOvr>
+</p:sld>
+</file>
+
+<file path=ppt/slides/slide15.xml><?xml version="1.0" encoding="utf-8"?>
+<p:sld xmlns:a="http://schemas.openxmlformats.org/drawingml/2006/main" xmlns:r="http://schemas.openxmlformats.org/officeDocument/2006/relationships" xmlns:p="http://schemas.openxmlformats.org/presentationml/2006/main">
+  <p:cSld>
+    <p:spTree>
+      <p:nvGrpSpPr>
+        <p:cNvPr id="1" name=""/>
+        <p:cNvGrpSpPr/>
+        <p:nvPr/>
+      </p:nvGrpSpPr>
+      <p:grpSpPr>
+        <a:xfrm>
+          <a:off x="0" y="0"/>
+          <a:ext cx="0" cy="0"/>
+          <a:chOff x="0" y="0"/>
+          <a:chExt cx="0" cy="0"/>
+        </a:xfrm>
+      </p:grpSpPr>
+      <p:grpSp>
+        <p:nvGrpSpPr>
+          <p:cNvPr id="17" name="群組 16">
+            <a:extLst>
+              <a:ext uri="{FF2B5EF4-FFF2-40B4-BE49-F238E27FC236}">
+                <a16:creationId xmlns:a16="http://schemas.microsoft.com/office/drawing/2014/main" id="{4FCF0929-7262-4CCC-AE5C-BEA067C5F267}"/>
+              </a:ext>
+            </a:extLst>
+          </p:cNvPr>
+          <p:cNvGrpSpPr/>
+          <p:nvPr/>
+        </p:nvGrpSpPr>
+        <p:grpSpPr>
+          <a:xfrm>
+            <a:off x="3074032" y="411165"/>
+            <a:ext cx="5362397" cy="6076720"/>
+            <a:chOff x="3074032" y="411165"/>
+            <a:chExt cx="5362397" cy="6076720"/>
+          </a:xfrm>
+        </p:grpSpPr>
+        <p:pic>
+          <p:nvPicPr>
+            <p:cNvPr id="14" name="圖片 13">
+              <a:extLst>
+                <a:ext uri="{FF2B5EF4-FFF2-40B4-BE49-F238E27FC236}">
+                  <a16:creationId xmlns:a16="http://schemas.microsoft.com/office/drawing/2014/main" id="{BC93AE4F-A88A-460E-82FF-2955F30DB1A3}"/>
+                </a:ext>
+              </a:extLst>
+            </p:cNvPr>
+            <p:cNvPicPr>
+              <a:picLocks noChangeAspect="1"/>
+            </p:cNvPicPr>
+            <p:nvPr/>
+          </p:nvPicPr>
+          <p:blipFill>
+            <a:blip r:embed="rId2">
+              <a:extLst>
+                <a:ext uri="{28A0092B-C50C-407E-A947-70E740481C1C}">
+                  <a14:useLocalDpi xmlns:a14="http://schemas.microsoft.com/office/drawing/2010/main" val="0"/>
+                </a:ext>
+              </a:extLst>
+            </a:blip>
+            <a:stretch>
+              <a:fillRect/>
+            </a:stretch>
+          </p:blipFill>
+          <p:spPr>
+            <a:xfrm>
+              <a:off x="3074032" y="3526971"/>
+              <a:ext cx="5344448" cy="2960914"/>
+            </a:xfrm>
+            <a:prstGeom prst="rect">
+              <a:avLst/>
+            </a:prstGeom>
+          </p:spPr>
+        </p:pic>
+        <p:pic>
+          <p:nvPicPr>
+            <p:cNvPr id="16" name="圖片 15">
+              <a:extLst>
+                <a:ext uri="{FF2B5EF4-FFF2-40B4-BE49-F238E27FC236}">
+                  <a16:creationId xmlns:a16="http://schemas.microsoft.com/office/drawing/2014/main" id="{806E8010-330D-4B9E-B7BD-9CBB0CB8AA1E}"/>
+                </a:ext>
+              </a:extLst>
+            </p:cNvPr>
+            <p:cNvPicPr>
+              <a:picLocks noChangeAspect="1"/>
+            </p:cNvPicPr>
+            <p:nvPr/>
+          </p:nvPicPr>
+          <p:blipFill rotWithShape="1">
+            <a:blip r:embed="rId3">
+              <a:extLst>
+                <a:ext uri="{28A0092B-C50C-407E-A947-70E740481C1C}">
+                  <a14:useLocalDpi xmlns:a14="http://schemas.microsoft.com/office/drawing/2010/main" val="0"/>
+                </a:ext>
+              </a:extLst>
+            </a:blip>
+            <a:srcRect l="9948" t="55078" r="5185" b="7937"/>
+            <a:stretch/>
+          </p:blipFill>
+          <p:spPr>
+            <a:xfrm>
+              <a:off x="3074032" y="411165"/>
+              <a:ext cx="5362397" cy="3115806"/>
+            </a:xfrm>
+            <a:prstGeom prst="rect">
+              <a:avLst/>
+            </a:prstGeom>
+          </p:spPr>
+        </p:pic>
+      </p:grpSp>
+    </p:spTree>
+    <p:extLst>
+      <p:ext uri="{BB962C8B-B14F-4D97-AF65-F5344CB8AC3E}">
+        <p14:creationId xmlns:p14="http://schemas.microsoft.com/office/powerpoint/2010/main" val="214817120"/>
       </p:ext>
     </p:extLst>
   </p:cSld>
@@ -10131,7 +10254,7 @@
           <a:p>
             <a:fld id="{979F763D-BF21-4D53-8EEE-BB706C571577}" type="datetime1">
               <a:rPr lang="zh-TW" altLang="en-US" smtClean="0"/>
-              <a:t>2021/5/26</a:t>
+              <a:t>2021/6/3</a:t>
             </a:fld>
             <a:endParaRPr lang="zh-TW" altLang="en-US"/>
           </a:p>
@@ -11085,7 +11208,7 @@
           <a:p>
             <a:fld id="{979F763D-BF21-4D53-8EEE-BB706C571577}" type="datetime1">
               <a:rPr lang="zh-TW" altLang="en-US" smtClean="0"/>
-              <a:t>2021/5/26</a:t>
+              <a:t>2021/6/3</a:t>
             </a:fld>
             <a:endParaRPr lang="zh-TW" altLang="en-US"/>
           </a:p>

--- a/009YiChan/Chan's thesis/Images/Original/ppt.pptx
+++ b/009YiChan/Chan's thesis/Images/Original/ppt.pptx
@@ -5,7 +5,7 @@
     <p:sldMasterId id="2147483648" r:id="rId1"/>
   </p:sldMasterIdLst>
   <p:notesMasterIdLst>
-    <p:notesMasterId r:id="rId17"/>
+    <p:notesMasterId r:id="rId20"/>
   </p:notesMasterIdLst>
   <p:sldIdLst>
     <p:sldId id="257" r:id="rId2"/>
@@ -23,6 +23,9 @@
     <p:sldId id="271" r:id="rId14"/>
     <p:sldId id="272" r:id="rId15"/>
     <p:sldId id="273" r:id="rId16"/>
+    <p:sldId id="274" r:id="rId17"/>
+    <p:sldId id="275" r:id="rId18"/>
+    <p:sldId id="276" r:id="rId19"/>
   </p:sldIdLst>
   <p:sldSz cx="12192000" cy="6858000"/>
   <p:notesSz cx="6858000" cy="9144000"/>
@@ -211,7 +214,7 @@
           <a:p>
             <a:fld id="{1C8D2AD6-9366-4FD0-8D5E-D0A160B803F4}" type="datetimeFigureOut">
               <a:rPr lang="zh-TW" altLang="en-US" smtClean="0"/>
-              <a:t>2021/6/3</a:t>
+              <a:t>2021/6/5</a:t>
             </a:fld>
             <a:endParaRPr lang="zh-TW" altLang="en-US"/>
           </a:p>
@@ -694,7 +697,7 @@
           <a:p>
             <a:fld id="{CA9831EC-52C6-4491-A088-87BB9C263796}" type="datetimeFigureOut">
               <a:rPr lang="zh-TW" altLang="en-US" smtClean="0"/>
-              <a:t>2021/6/3</a:t>
+              <a:t>2021/6/5</a:t>
             </a:fld>
             <a:endParaRPr lang="zh-TW" altLang="en-US"/>
           </a:p>
@@ -862,7 +865,7 @@
           <a:p>
             <a:fld id="{CA9831EC-52C6-4491-A088-87BB9C263796}" type="datetimeFigureOut">
               <a:rPr lang="zh-TW" altLang="en-US" smtClean="0"/>
-              <a:t>2021/6/3</a:t>
+              <a:t>2021/6/5</a:t>
             </a:fld>
             <a:endParaRPr lang="zh-TW" altLang="en-US"/>
           </a:p>
@@ -1040,7 +1043,7 @@
           <a:p>
             <a:fld id="{CA9831EC-52C6-4491-A088-87BB9C263796}" type="datetimeFigureOut">
               <a:rPr lang="zh-TW" altLang="en-US" smtClean="0"/>
-              <a:t>2021/6/3</a:t>
+              <a:t>2021/6/5</a:t>
             </a:fld>
             <a:endParaRPr lang="zh-TW" altLang="en-US"/>
           </a:p>
@@ -1208,7 +1211,7 @@
           <a:p>
             <a:fld id="{CA9831EC-52C6-4491-A088-87BB9C263796}" type="datetimeFigureOut">
               <a:rPr lang="zh-TW" altLang="en-US" smtClean="0"/>
-              <a:t>2021/6/3</a:t>
+              <a:t>2021/6/5</a:t>
             </a:fld>
             <a:endParaRPr lang="zh-TW" altLang="en-US"/>
           </a:p>
@@ -1453,7 +1456,7 @@
           <a:p>
             <a:fld id="{CA9831EC-52C6-4491-A088-87BB9C263796}" type="datetimeFigureOut">
               <a:rPr lang="zh-TW" altLang="en-US" smtClean="0"/>
-              <a:t>2021/6/3</a:t>
+              <a:t>2021/6/5</a:t>
             </a:fld>
             <a:endParaRPr lang="zh-TW" altLang="en-US"/>
           </a:p>
@@ -1682,7 +1685,7 @@
           <a:p>
             <a:fld id="{CA9831EC-52C6-4491-A088-87BB9C263796}" type="datetimeFigureOut">
               <a:rPr lang="zh-TW" altLang="en-US" smtClean="0"/>
-              <a:t>2021/6/3</a:t>
+              <a:t>2021/6/5</a:t>
             </a:fld>
             <a:endParaRPr lang="zh-TW" altLang="en-US"/>
           </a:p>
@@ -2046,7 +2049,7 @@
           <a:p>
             <a:fld id="{CA9831EC-52C6-4491-A088-87BB9C263796}" type="datetimeFigureOut">
               <a:rPr lang="zh-TW" altLang="en-US" smtClean="0"/>
-              <a:t>2021/6/3</a:t>
+              <a:t>2021/6/5</a:t>
             </a:fld>
             <a:endParaRPr lang="zh-TW" altLang="en-US"/>
           </a:p>
@@ -2163,7 +2166,7 @@
           <a:p>
             <a:fld id="{CA9831EC-52C6-4491-A088-87BB9C263796}" type="datetimeFigureOut">
               <a:rPr lang="zh-TW" altLang="en-US" smtClean="0"/>
-              <a:t>2021/6/3</a:t>
+              <a:t>2021/6/5</a:t>
             </a:fld>
             <a:endParaRPr lang="zh-TW" altLang="en-US"/>
           </a:p>
@@ -2258,7 +2261,7 @@
           <a:p>
             <a:fld id="{CA9831EC-52C6-4491-A088-87BB9C263796}" type="datetimeFigureOut">
               <a:rPr lang="zh-TW" altLang="en-US" smtClean="0"/>
-              <a:t>2021/6/3</a:t>
+              <a:t>2021/6/5</a:t>
             </a:fld>
             <a:endParaRPr lang="zh-TW" altLang="en-US"/>
           </a:p>
@@ -2533,7 +2536,7 @@
           <a:p>
             <a:fld id="{CA9831EC-52C6-4491-A088-87BB9C263796}" type="datetimeFigureOut">
               <a:rPr lang="zh-TW" altLang="en-US" smtClean="0"/>
-              <a:t>2021/6/3</a:t>
+              <a:t>2021/6/5</a:t>
             </a:fld>
             <a:endParaRPr lang="zh-TW" altLang="en-US"/>
           </a:p>
@@ -2785,7 +2788,7 @@
           <a:p>
             <a:fld id="{CA9831EC-52C6-4491-A088-87BB9C263796}" type="datetimeFigureOut">
               <a:rPr lang="zh-TW" altLang="en-US" smtClean="0"/>
-              <a:t>2021/6/3</a:t>
+              <a:t>2021/6/5</a:t>
             </a:fld>
             <a:endParaRPr lang="zh-TW" altLang="en-US"/>
           </a:p>
@@ -2996,7 +2999,7 @@
           <a:p>
             <a:fld id="{CA9831EC-52C6-4491-A088-87BB9C263796}" type="datetimeFigureOut">
               <a:rPr lang="zh-TW" altLang="en-US" smtClean="0"/>
-              <a:t>2021/6/3</a:t>
+              <a:t>2021/6/5</a:t>
             </a:fld>
             <a:endParaRPr lang="zh-TW" altLang="en-US"/>
           </a:p>
@@ -8184,6 +8187,2911 @@
 </p:sld>
 </file>
 
+<file path=ppt/slides/slide16.xml><?xml version="1.0" encoding="utf-8"?>
+<p:sld xmlns:a="http://schemas.openxmlformats.org/drawingml/2006/main" xmlns:r="http://schemas.openxmlformats.org/officeDocument/2006/relationships" xmlns:p="http://schemas.openxmlformats.org/presentationml/2006/main">
+  <p:cSld>
+    <p:spTree>
+      <p:nvGrpSpPr>
+        <p:cNvPr id="1" name=""/>
+        <p:cNvGrpSpPr/>
+        <p:nvPr/>
+      </p:nvGrpSpPr>
+      <p:grpSpPr>
+        <a:xfrm>
+          <a:off x="0" y="0"/>
+          <a:ext cx="0" cy="0"/>
+          <a:chOff x="0" y="0"/>
+          <a:chExt cx="0" cy="0"/>
+        </a:xfrm>
+      </p:grpSpPr>
+      <p:grpSp>
+        <p:nvGrpSpPr>
+          <p:cNvPr id="15" name="群組 14"/>
+          <p:cNvGrpSpPr/>
+          <p:nvPr/>
+        </p:nvGrpSpPr>
+        <p:grpSpPr>
+          <a:xfrm>
+            <a:off x="2494071" y="-30938"/>
+            <a:ext cx="6867525" cy="6888938"/>
+            <a:chOff x="2494071" y="-30938"/>
+            <a:chExt cx="6867525" cy="6888938"/>
+          </a:xfrm>
+        </p:grpSpPr>
+        <p:grpSp>
+          <p:nvGrpSpPr>
+            <p:cNvPr id="13" name="群組 12"/>
+            <p:cNvGrpSpPr/>
+            <p:nvPr/>
+          </p:nvGrpSpPr>
+          <p:grpSpPr>
+            <a:xfrm>
+              <a:off x="2689251" y="4916014"/>
+              <a:ext cx="6245937" cy="1941986"/>
+              <a:chOff x="2689251" y="4916014"/>
+              <a:chExt cx="6245937" cy="1941986"/>
+            </a:xfrm>
+          </p:grpSpPr>
+          <p:pic>
+            <p:nvPicPr>
+              <p:cNvPr id="3" name="圖片 2"/>
+              <p:cNvPicPr>
+                <a:picLocks noChangeAspect="1"/>
+              </p:cNvPicPr>
+              <p:nvPr/>
+            </p:nvPicPr>
+            <p:blipFill>
+              <a:blip r:embed="rId2">
+                <a:extLst>
+                  <a:ext uri="{28A0092B-C50C-407E-A947-70E740481C1C}">
+                    <a14:useLocalDpi xmlns:a14="http://schemas.microsoft.com/office/drawing/2010/main" val="0"/>
+                  </a:ext>
+                </a:extLst>
+              </a:blip>
+              <a:stretch>
+                <a:fillRect/>
+              </a:stretch>
+            </p:blipFill>
+            <p:spPr>
+              <a:xfrm>
+                <a:off x="2689251" y="5462552"/>
+                <a:ext cx="6245937" cy="1395448"/>
+              </a:xfrm>
+              <a:prstGeom prst="rect">
+                <a:avLst/>
+              </a:prstGeom>
+            </p:spPr>
+          </p:pic>
+          <p:cxnSp>
+            <p:nvCxnSpPr>
+              <p:cNvPr id="5" name="直線接點 4"/>
+              <p:cNvCxnSpPr/>
+              <p:nvPr/>
+            </p:nvCxnSpPr>
+            <p:spPr>
+              <a:xfrm flipV="1">
+                <a:off x="2921876" y="4916014"/>
+                <a:ext cx="1313793" cy="546538"/>
+              </a:xfrm>
+              <a:prstGeom prst="line">
+                <a:avLst/>
+              </a:prstGeom>
+              <a:ln>
+                <a:prstDash val="dash"/>
+              </a:ln>
+            </p:spPr>
+            <p:style>
+              <a:lnRef idx="1">
+                <a:schemeClr val="dk1"/>
+              </a:lnRef>
+              <a:fillRef idx="0">
+                <a:schemeClr val="dk1"/>
+              </a:fillRef>
+              <a:effectRef idx="0">
+                <a:schemeClr val="dk1"/>
+              </a:effectRef>
+              <a:fontRef idx="minor">
+                <a:schemeClr val="tx1"/>
+              </a:fontRef>
+            </p:style>
+          </p:cxnSp>
+          <p:cxnSp>
+            <p:nvCxnSpPr>
+              <p:cNvPr id="9" name="直線接點 8"/>
+              <p:cNvCxnSpPr/>
+              <p:nvPr/>
+            </p:nvCxnSpPr>
+            <p:spPr>
+              <a:xfrm flipH="1" flipV="1">
+                <a:off x="5580993" y="4916014"/>
+                <a:ext cx="3216167" cy="546538"/>
+              </a:xfrm>
+              <a:prstGeom prst="line">
+                <a:avLst/>
+              </a:prstGeom>
+              <a:ln>
+                <a:prstDash val="dash"/>
+              </a:ln>
+            </p:spPr>
+            <p:style>
+              <a:lnRef idx="1">
+                <a:schemeClr val="dk1"/>
+              </a:lnRef>
+              <a:fillRef idx="0">
+                <a:schemeClr val="dk1"/>
+              </a:fillRef>
+              <a:effectRef idx="0">
+                <a:schemeClr val="dk1"/>
+              </a:effectRef>
+              <a:fontRef idx="minor">
+                <a:schemeClr val="tx1"/>
+              </a:fontRef>
+            </p:style>
+          </p:cxnSp>
+        </p:grpSp>
+        <p:pic>
+          <p:nvPicPr>
+            <p:cNvPr id="14" name="圖片 13"/>
+            <p:cNvPicPr>
+              <a:picLocks noChangeAspect="1"/>
+            </p:cNvPicPr>
+            <p:nvPr/>
+          </p:nvPicPr>
+          <p:blipFill>
+            <a:blip r:embed="rId3">
+              <a:extLst>
+                <a:ext uri="{28A0092B-C50C-407E-A947-70E740481C1C}">
+                  <a14:useLocalDpi xmlns:a14="http://schemas.microsoft.com/office/drawing/2010/main" val="0"/>
+                </a:ext>
+              </a:extLst>
+            </a:blip>
+            <a:stretch>
+              <a:fillRect/>
+            </a:stretch>
+          </p:blipFill>
+          <p:spPr>
+            <a:xfrm>
+              <a:off x="2494071" y="-30938"/>
+              <a:ext cx="6867525" cy="5057775"/>
+            </a:xfrm>
+            <a:prstGeom prst="rect">
+              <a:avLst/>
+            </a:prstGeom>
+          </p:spPr>
+        </p:pic>
+      </p:grpSp>
+    </p:spTree>
+    <p:extLst>
+      <p:ext uri="{BB962C8B-B14F-4D97-AF65-F5344CB8AC3E}">
+        <p14:creationId xmlns:p14="http://schemas.microsoft.com/office/powerpoint/2010/main" val="1169827982"/>
+      </p:ext>
+    </p:extLst>
+  </p:cSld>
+  <p:clrMapOvr>
+    <a:masterClrMapping/>
+  </p:clrMapOvr>
+</p:sld>
+</file>
+
+<file path=ppt/slides/slide17.xml><?xml version="1.0" encoding="utf-8"?>
+<p:sld xmlns:a="http://schemas.openxmlformats.org/drawingml/2006/main" xmlns:r="http://schemas.openxmlformats.org/officeDocument/2006/relationships" xmlns:p="http://schemas.openxmlformats.org/presentationml/2006/main">
+  <p:cSld>
+    <p:spTree>
+      <p:nvGrpSpPr>
+        <p:cNvPr id="1" name=""/>
+        <p:cNvGrpSpPr/>
+        <p:nvPr/>
+      </p:nvGrpSpPr>
+      <p:grpSpPr>
+        <a:xfrm>
+          <a:off x="0" y="0"/>
+          <a:ext cx="0" cy="0"/>
+          <a:chOff x="0" y="0"/>
+          <a:chExt cx="0" cy="0"/>
+        </a:xfrm>
+      </p:grpSpPr>
+      <p:grpSp>
+        <p:nvGrpSpPr>
+          <p:cNvPr id="4" name="群組 3"/>
+          <p:cNvGrpSpPr/>
+          <p:nvPr/>
+        </p:nvGrpSpPr>
+        <p:grpSpPr>
+          <a:xfrm>
+            <a:off x="2813010" y="-66898"/>
+            <a:ext cx="6208626" cy="6480303"/>
+            <a:chOff x="2813010" y="-66898"/>
+            <a:chExt cx="6208626" cy="6480303"/>
+          </a:xfrm>
+        </p:grpSpPr>
+        <p:pic>
+          <p:nvPicPr>
+            <p:cNvPr id="2" name="圖片 1"/>
+            <p:cNvPicPr>
+              <a:picLocks noChangeAspect="1"/>
+            </p:cNvPicPr>
+            <p:nvPr/>
+          </p:nvPicPr>
+          <p:blipFill>
+            <a:blip r:embed="rId2">
+              <a:extLst>
+                <a:ext uri="{28A0092B-C50C-407E-A947-70E740481C1C}">
+                  <a14:useLocalDpi xmlns:a14="http://schemas.microsoft.com/office/drawing/2010/main" val="0"/>
+                </a:ext>
+              </a:extLst>
+            </a:blip>
+            <a:stretch>
+              <a:fillRect/>
+            </a:stretch>
+          </p:blipFill>
+          <p:spPr>
+            <a:xfrm>
+              <a:off x="2813010" y="2904573"/>
+              <a:ext cx="6208626" cy="3508832"/>
+            </a:xfrm>
+            <a:prstGeom prst="rect">
+              <a:avLst/>
+            </a:prstGeom>
+          </p:spPr>
+        </p:pic>
+        <p:pic>
+          <p:nvPicPr>
+            <p:cNvPr id="3" name="圖片 2"/>
+            <p:cNvPicPr>
+              <a:picLocks noChangeAspect="1"/>
+            </p:cNvPicPr>
+            <p:nvPr/>
+          </p:nvPicPr>
+          <p:blipFill>
+            <a:blip r:embed="rId3">
+              <a:extLst>
+                <a:ext uri="{28A0092B-C50C-407E-A947-70E740481C1C}">
+                  <a14:useLocalDpi xmlns:a14="http://schemas.microsoft.com/office/drawing/2010/main" val="0"/>
+                </a:ext>
+              </a:extLst>
+            </a:blip>
+            <a:stretch>
+              <a:fillRect/>
+            </a:stretch>
+          </p:blipFill>
+          <p:spPr>
+            <a:xfrm>
+              <a:off x="2813010" y="-66898"/>
+              <a:ext cx="6208626" cy="2971471"/>
+            </a:xfrm>
+            <a:prstGeom prst="rect">
+              <a:avLst/>
+            </a:prstGeom>
+          </p:spPr>
+        </p:pic>
+      </p:grpSp>
+    </p:spTree>
+    <p:extLst>
+      <p:ext uri="{BB962C8B-B14F-4D97-AF65-F5344CB8AC3E}">
+        <p14:creationId xmlns:p14="http://schemas.microsoft.com/office/powerpoint/2010/main" val="3791563199"/>
+      </p:ext>
+    </p:extLst>
+  </p:cSld>
+  <p:clrMapOvr>
+    <a:masterClrMapping/>
+  </p:clrMapOvr>
+</p:sld>
+</file>
+
+<file path=ppt/slides/slide18.xml><?xml version="1.0" encoding="utf-8"?>
+<p:sld xmlns:a="http://schemas.openxmlformats.org/drawingml/2006/main" xmlns:r="http://schemas.openxmlformats.org/officeDocument/2006/relationships" xmlns:p="http://schemas.openxmlformats.org/presentationml/2006/main">
+  <p:cSld>
+    <p:spTree>
+      <p:nvGrpSpPr>
+        <p:cNvPr id="1" name=""/>
+        <p:cNvGrpSpPr/>
+        <p:nvPr/>
+      </p:nvGrpSpPr>
+      <p:grpSpPr>
+        <a:xfrm>
+          <a:off x="0" y="0"/>
+          <a:ext cx="0" cy="0"/>
+          <a:chOff x="0" y="0"/>
+          <a:chExt cx="0" cy="0"/>
+        </a:xfrm>
+      </p:grpSpPr>
+      <p:grpSp>
+        <p:nvGrpSpPr>
+          <p:cNvPr id="199" name="群組 198"/>
+          <p:cNvGrpSpPr/>
+          <p:nvPr/>
+        </p:nvGrpSpPr>
+        <p:grpSpPr>
+          <a:xfrm>
+            <a:off x="268935" y="672586"/>
+            <a:ext cx="11136291" cy="5626614"/>
+            <a:chOff x="268935" y="531472"/>
+            <a:chExt cx="11136291" cy="2653040"/>
+          </a:xfrm>
+        </p:grpSpPr>
+        <p:cxnSp>
+          <p:nvCxnSpPr>
+            <p:cNvPr id="3" name="直線接點 2"/>
+            <p:cNvCxnSpPr/>
+            <p:nvPr/>
+          </p:nvCxnSpPr>
+          <p:spPr>
+            <a:xfrm flipH="1">
+              <a:off x="724397" y="769653"/>
+              <a:ext cx="1" cy="995647"/>
+            </a:xfrm>
+            <a:prstGeom prst="line">
+              <a:avLst/>
+            </a:prstGeom>
+            <a:ln>
+              <a:headEnd type="arrow" w="med" len="med"/>
+              <a:tailEnd type="none" w="med" len="med"/>
+            </a:ln>
+          </p:spPr>
+          <p:style>
+            <a:lnRef idx="1">
+              <a:schemeClr val="dk1"/>
+            </a:lnRef>
+            <a:fillRef idx="0">
+              <a:schemeClr val="dk1"/>
+            </a:fillRef>
+            <a:effectRef idx="0">
+              <a:schemeClr val="dk1"/>
+            </a:effectRef>
+            <a:fontRef idx="minor">
+              <a:schemeClr val="tx1"/>
+            </a:fontRef>
+          </p:style>
+        </p:cxnSp>
+        <p:cxnSp>
+          <p:nvCxnSpPr>
+            <p:cNvPr id="14" name="直線接點 13"/>
+            <p:cNvCxnSpPr/>
+            <p:nvPr/>
+          </p:nvCxnSpPr>
+          <p:spPr>
+            <a:xfrm>
+              <a:off x="722416" y="1531917"/>
+              <a:ext cx="10001002" cy="0"/>
+            </a:xfrm>
+            <a:prstGeom prst="line">
+              <a:avLst/>
+            </a:prstGeom>
+            <a:ln>
+              <a:solidFill>
+                <a:schemeClr val="tx1"/>
+              </a:solidFill>
+              <a:headEnd type="none" w="med" len="med"/>
+              <a:tailEnd type="arrow" w="med" len="med"/>
+            </a:ln>
+          </p:spPr>
+          <p:style>
+            <a:lnRef idx="1">
+              <a:schemeClr val="accent1"/>
+            </a:lnRef>
+            <a:fillRef idx="0">
+              <a:schemeClr val="accent1"/>
+            </a:fillRef>
+            <a:effectRef idx="0">
+              <a:schemeClr val="accent1"/>
+            </a:effectRef>
+            <a:fontRef idx="minor">
+              <a:schemeClr val="tx1"/>
+            </a:fontRef>
+          </p:style>
+        </p:cxnSp>
+        <p:grpSp>
+          <p:nvGrpSpPr>
+            <p:cNvPr id="24" name="群組 23"/>
+            <p:cNvGrpSpPr/>
+            <p:nvPr/>
+          </p:nvGrpSpPr>
+          <p:grpSpPr>
+            <a:xfrm>
+              <a:off x="722416" y="1053728"/>
+              <a:ext cx="1791474" cy="475015"/>
+              <a:chOff x="722416" y="1007423"/>
+              <a:chExt cx="1978083" cy="524495"/>
+            </a:xfrm>
+          </p:grpSpPr>
+          <p:cxnSp>
+            <p:nvCxnSpPr>
+              <p:cNvPr id="16" name="直線接點 15"/>
+              <p:cNvCxnSpPr/>
+              <p:nvPr/>
+            </p:nvCxnSpPr>
+            <p:spPr>
+              <a:xfrm>
+                <a:off x="1377538" y="1007424"/>
+                <a:ext cx="666705" cy="0"/>
+              </a:xfrm>
+              <a:prstGeom prst="line">
+                <a:avLst/>
+              </a:prstGeom>
+              <a:ln>
+                <a:solidFill>
+                  <a:schemeClr val="bg1">
+                    <a:lumMod val="75000"/>
+                  </a:schemeClr>
+                </a:solidFill>
+              </a:ln>
+            </p:spPr>
+            <p:style>
+              <a:lnRef idx="1">
+                <a:schemeClr val="accent1"/>
+              </a:lnRef>
+              <a:fillRef idx="0">
+                <a:schemeClr val="accent1"/>
+              </a:fillRef>
+              <a:effectRef idx="0">
+                <a:schemeClr val="accent1"/>
+              </a:effectRef>
+              <a:fontRef idx="minor">
+                <a:schemeClr val="tx1"/>
+              </a:fontRef>
+            </p:style>
+          </p:cxnSp>
+          <p:cxnSp>
+            <p:nvCxnSpPr>
+              <p:cNvPr id="17" name="直線接點 16"/>
+              <p:cNvCxnSpPr/>
+              <p:nvPr/>
+            </p:nvCxnSpPr>
+            <p:spPr>
+              <a:xfrm flipV="1">
+                <a:off x="722416" y="1007424"/>
+                <a:ext cx="655122" cy="524494"/>
+              </a:xfrm>
+              <a:prstGeom prst="line">
+                <a:avLst/>
+              </a:prstGeom>
+              <a:ln>
+                <a:solidFill>
+                  <a:schemeClr val="bg1">
+                    <a:lumMod val="75000"/>
+                  </a:schemeClr>
+                </a:solidFill>
+              </a:ln>
+            </p:spPr>
+            <p:style>
+              <a:lnRef idx="1">
+                <a:schemeClr val="accent1"/>
+              </a:lnRef>
+              <a:fillRef idx="0">
+                <a:schemeClr val="accent1"/>
+              </a:fillRef>
+              <a:effectRef idx="0">
+                <a:schemeClr val="accent1"/>
+              </a:effectRef>
+              <a:fontRef idx="minor">
+                <a:schemeClr val="tx1"/>
+              </a:fontRef>
+            </p:style>
+          </p:cxnSp>
+          <p:cxnSp>
+            <p:nvCxnSpPr>
+              <p:cNvPr id="23" name="直線接點 22"/>
+              <p:cNvCxnSpPr/>
+              <p:nvPr/>
+            </p:nvCxnSpPr>
+            <p:spPr>
+              <a:xfrm flipH="1" flipV="1">
+                <a:off x="2045377" y="1007423"/>
+                <a:ext cx="655122" cy="524494"/>
+              </a:xfrm>
+              <a:prstGeom prst="line">
+                <a:avLst/>
+              </a:prstGeom>
+              <a:ln>
+                <a:solidFill>
+                  <a:schemeClr val="bg1">
+                    <a:lumMod val="75000"/>
+                  </a:schemeClr>
+                </a:solidFill>
+              </a:ln>
+            </p:spPr>
+            <p:style>
+              <a:lnRef idx="1">
+                <a:schemeClr val="accent1"/>
+              </a:lnRef>
+              <a:fillRef idx="0">
+                <a:schemeClr val="accent1"/>
+              </a:fillRef>
+              <a:effectRef idx="0">
+                <a:schemeClr val="accent1"/>
+              </a:effectRef>
+              <a:fontRef idx="minor">
+                <a:schemeClr val="tx1"/>
+              </a:fontRef>
+            </p:style>
+          </p:cxnSp>
+        </p:grpSp>
+        <p:grpSp>
+          <p:nvGrpSpPr>
+            <p:cNvPr id="32" name="群組 31"/>
+            <p:cNvGrpSpPr/>
+            <p:nvPr/>
+          </p:nvGrpSpPr>
+          <p:grpSpPr>
+            <a:xfrm>
+              <a:off x="4180787" y="1056904"/>
+              <a:ext cx="1294142" cy="477986"/>
+              <a:chOff x="4568042" y="2783461"/>
+              <a:chExt cx="1428947" cy="527775"/>
+            </a:xfrm>
+          </p:grpSpPr>
+          <p:grpSp>
+            <p:nvGrpSpPr>
+              <p:cNvPr id="25" name="群組 24"/>
+              <p:cNvGrpSpPr/>
+              <p:nvPr/>
+            </p:nvGrpSpPr>
+            <p:grpSpPr>
+              <a:xfrm>
+                <a:off x="4568042" y="2786742"/>
+                <a:ext cx="951053" cy="524494"/>
+                <a:chOff x="722416" y="1007424"/>
+                <a:chExt cx="951053" cy="524494"/>
+              </a:xfrm>
+            </p:grpSpPr>
+            <p:cxnSp>
+              <p:nvCxnSpPr>
+                <p:cNvPr id="26" name="直線接點 25"/>
+                <p:cNvCxnSpPr/>
+                <p:nvPr/>
+              </p:nvCxnSpPr>
+              <p:spPr>
+                <a:xfrm>
+                  <a:off x="1201387" y="1007424"/>
+                  <a:ext cx="472082" cy="0"/>
+                </a:xfrm>
+                <a:prstGeom prst="line">
+                  <a:avLst/>
+                </a:prstGeom>
+                <a:ln>
+                  <a:solidFill>
+                    <a:schemeClr val="bg1">
+                      <a:lumMod val="75000"/>
+                    </a:schemeClr>
+                  </a:solidFill>
+                </a:ln>
+              </p:spPr>
+              <p:style>
+                <a:lnRef idx="1">
+                  <a:schemeClr val="accent1"/>
+                </a:lnRef>
+                <a:fillRef idx="0">
+                  <a:schemeClr val="accent1"/>
+                </a:fillRef>
+                <a:effectRef idx="0">
+                  <a:schemeClr val="accent1"/>
+                </a:effectRef>
+                <a:fontRef idx="minor">
+                  <a:schemeClr val="tx1"/>
+                </a:fontRef>
+              </p:style>
+            </p:cxnSp>
+            <p:cxnSp>
+              <p:nvCxnSpPr>
+                <p:cNvPr id="27" name="直線接點 26"/>
+                <p:cNvCxnSpPr/>
+                <p:nvPr/>
+              </p:nvCxnSpPr>
+              <p:spPr>
+                <a:xfrm flipV="1">
+                  <a:off x="722416" y="1007424"/>
+                  <a:ext cx="478971" cy="524494"/>
+                </a:xfrm>
+                <a:prstGeom prst="line">
+                  <a:avLst/>
+                </a:prstGeom>
+                <a:ln>
+                  <a:solidFill>
+                    <a:schemeClr val="bg1">
+                      <a:lumMod val="75000"/>
+                    </a:schemeClr>
+                  </a:solidFill>
+                </a:ln>
+              </p:spPr>
+              <p:style>
+                <a:lnRef idx="1">
+                  <a:schemeClr val="accent1"/>
+                </a:lnRef>
+                <a:fillRef idx="0">
+                  <a:schemeClr val="accent1"/>
+                </a:fillRef>
+                <a:effectRef idx="0">
+                  <a:schemeClr val="accent1"/>
+                </a:effectRef>
+                <a:fontRef idx="minor">
+                  <a:schemeClr val="tx1"/>
+                </a:fontRef>
+              </p:style>
+            </p:cxnSp>
+          </p:grpSp>
+          <p:cxnSp>
+            <p:nvCxnSpPr>
+              <p:cNvPr id="30" name="直線接點 29"/>
+              <p:cNvCxnSpPr/>
+              <p:nvPr/>
+            </p:nvCxnSpPr>
+            <p:spPr>
+              <a:xfrm flipH="1" flipV="1">
+                <a:off x="5518019" y="2783461"/>
+                <a:ext cx="478970" cy="524495"/>
+              </a:xfrm>
+              <a:prstGeom prst="line">
+                <a:avLst/>
+              </a:prstGeom>
+              <a:ln>
+                <a:solidFill>
+                  <a:schemeClr val="bg1">
+                    <a:lumMod val="75000"/>
+                  </a:schemeClr>
+                </a:solidFill>
+              </a:ln>
+            </p:spPr>
+            <p:style>
+              <a:lnRef idx="1">
+                <a:schemeClr val="accent1"/>
+              </a:lnRef>
+              <a:fillRef idx="0">
+                <a:schemeClr val="accent1"/>
+              </a:fillRef>
+              <a:effectRef idx="0">
+                <a:schemeClr val="accent1"/>
+              </a:effectRef>
+              <a:fontRef idx="minor">
+                <a:schemeClr val="tx1"/>
+              </a:fontRef>
+            </p:style>
+          </p:cxnSp>
+        </p:grpSp>
+        <p:grpSp>
+          <p:nvGrpSpPr>
+            <p:cNvPr id="44" name="群組 43"/>
+            <p:cNvGrpSpPr/>
+            <p:nvPr/>
+          </p:nvGrpSpPr>
+          <p:grpSpPr>
+            <a:xfrm>
+              <a:off x="9314534" y="1052903"/>
+              <a:ext cx="804135" cy="475014"/>
+              <a:chOff x="7344888" y="2786742"/>
+              <a:chExt cx="887898" cy="524494"/>
+            </a:xfrm>
+          </p:grpSpPr>
+          <p:grpSp>
+            <p:nvGrpSpPr>
+              <p:cNvPr id="45" name="群組 44"/>
+              <p:cNvGrpSpPr/>
+              <p:nvPr/>
+            </p:nvGrpSpPr>
+            <p:grpSpPr>
+              <a:xfrm>
+                <a:off x="7344888" y="2786742"/>
+                <a:ext cx="592013" cy="524494"/>
+                <a:chOff x="722416" y="1007424"/>
+                <a:chExt cx="592013" cy="524494"/>
+              </a:xfrm>
+            </p:grpSpPr>
+            <p:cxnSp>
+              <p:nvCxnSpPr>
+                <p:cNvPr id="47" name="直線接點 46"/>
+                <p:cNvCxnSpPr/>
+                <p:nvPr/>
+              </p:nvCxnSpPr>
+              <p:spPr>
+                <a:xfrm>
+                  <a:off x="1013362" y="1007424"/>
+                  <a:ext cx="301067" cy="0"/>
+                </a:xfrm>
+                <a:prstGeom prst="line">
+                  <a:avLst/>
+                </a:prstGeom>
+                <a:ln>
+                  <a:solidFill>
+                    <a:schemeClr val="bg1">
+                      <a:lumMod val="75000"/>
+                    </a:schemeClr>
+                  </a:solidFill>
+                </a:ln>
+              </p:spPr>
+              <p:style>
+                <a:lnRef idx="1">
+                  <a:schemeClr val="accent1"/>
+                </a:lnRef>
+                <a:fillRef idx="0">
+                  <a:schemeClr val="accent1"/>
+                </a:fillRef>
+                <a:effectRef idx="0">
+                  <a:schemeClr val="accent1"/>
+                </a:effectRef>
+                <a:fontRef idx="minor">
+                  <a:schemeClr val="tx1"/>
+                </a:fontRef>
+              </p:style>
+            </p:cxnSp>
+            <p:cxnSp>
+              <p:nvCxnSpPr>
+                <p:cNvPr id="48" name="直線接點 47"/>
+                <p:cNvCxnSpPr/>
+                <p:nvPr/>
+              </p:nvCxnSpPr>
+              <p:spPr>
+                <a:xfrm flipV="1">
+                  <a:off x="722416" y="1007424"/>
+                  <a:ext cx="290946" cy="524494"/>
+                </a:xfrm>
+                <a:prstGeom prst="line">
+                  <a:avLst/>
+                </a:prstGeom>
+                <a:ln>
+                  <a:solidFill>
+                    <a:schemeClr val="bg1">
+                      <a:lumMod val="75000"/>
+                    </a:schemeClr>
+                  </a:solidFill>
+                </a:ln>
+              </p:spPr>
+              <p:style>
+                <a:lnRef idx="1">
+                  <a:schemeClr val="accent1"/>
+                </a:lnRef>
+                <a:fillRef idx="0">
+                  <a:schemeClr val="accent1"/>
+                </a:fillRef>
+                <a:effectRef idx="0">
+                  <a:schemeClr val="accent1"/>
+                </a:effectRef>
+                <a:fontRef idx="minor">
+                  <a:schemeClr val="tx1"/>
+                </a:fontRef>
+              </p:style>
+            </p:cxnSp>
+          </p:grpSp>
+          <p:cxnSp>
+            <p:nvCxnSpPr>
+              <p:cNvPr id="46" name="直線接點 45"/>
+              <p:cNvCxnSpPr/>
+              <p:nvPr/>
+            </p:nvCxnSpPr>
+            <p:spPr>
+              <a:xfrm flipH="1" flipV="1">
+                <a:off x="7941841" y="2786742"/>
+                <a:ext cx="290945" cy="524494"/>
+              </a:xfrm>
+              <a:prstGeom prst="line">
+                <a:avLst/>
+              </a:prstGeom>
+              <a:ln>
+                <a:solidFill>
+                  <a:schemeClr val="bg1">
+                    <a:lumMod val="75000"/>
+                  </a:schemeClr>
+                </a:solidFill>
+              </a:ln>
+            </p:spPr>
+            <p:style>
+              <a:lnRef idx="1">
+                <a:schemeClr val="accent1"/>
+              </a:lnRef>
+              <a:fillRef idx="0">
+                <a:schemeClr val="accent1"/>
+              </a:fillRef>
+              <a:effectRef idx="0">
+                <a:schemeClr val="accent1"/>
+              </a:effectRef>
+              <a:fontRef idx="minor">
+                <a:schemeClr val="tx1"/>
+              </a:fontRef>
+            </p:style>
+          </p:cxnSp>
+        </p:grpSp>
+        <p:grpSp>
+          <p:nvGrpSpPr>
+            <p:cNvPr id="63" name="群組 62"/>
+            <p:cNvGrpSpPr/>
+            <p:nvPr/>
+          </p:nvGrpSpPr>
+          <p:grpSpPr>
+            <a:xfrm>
+              <a:off x="6975904" y="1041028"/>
+              <a:ext cx="956552" cy="486889"/>
+              <a:chOff x="7059880" y="2458192"/>
+              <a:chExt cx="1056192" cy="537606"/>
+            </a:xfrm>
+          </p:grpSpPr>
+          <p:grpSp>
+            <p:nvGrpSpPr>
+              <p:cNvPr id="50" name="群組 49"/>
+              <p:cNvGrpSpPr/>
+              <p:nvPr/>
+            </p:nvGrpSpPr>
+            <p:grpSpPr>
+              <a:xfrm>
+                <a:off x="7059880" y="2458192"/>
+                <a:ext cx="710268" cy="524494"/>
+                <a:chOff x="722416" y="1007424"/>
+                <a:chExt cx="710268" cy="524494"/>
+              </a:xfrm>
+            </p:grpSpPr>
+            <p:cxnSp>
+              <p:nvCxnSpPr>
+                <p:cNvPr id="52" name="直線接點 51"/>
+                <p:cNvCxnSpPr/>
+                <p:nvPr/>
+              </p:nvCxnSpPr>
+              <p:spPr>
+                <a:xfrm>
+                  <a:off x="1072738" y="1007424"/>
+                  <a:ext cx="359946" cy="0"/>
+                </a:xfrm>
+                <a:prstGeom prst="line">
+                  <a:avLst/>
+                </a:prstGeom>
+                <a:ln>
+                  <a:solidFill>
+                    <a:schemeClr val="bg1">
+                      <a:lumMod val="75000"/>
+                    </a:schemeClr>
+                  </a:solidFill>
+                </a:ln>
+              </p:spPr>
+              <p:style>
+                <a:lnRef idx="1">
+                  <a:schemeClr val="accent1"/>
+                </a:lnRef>
+                <a:fillRef idx="0">
+                  <a:schemeClr val="accent1"/>
+                </a:fillRef>
+                <a:effectRef idx="0">
+                  <a:schemeClr val="accent1"/>
+                </a:effectRef>
+                <a:fontRef idx="minor">
+                  <a:schemeClr val="tx1"/>
+                </a:fontRef>
+              </p:style>
+            </p:cxnSp>
+            <p:cxnSp>
+              <p:nvCxnSpPr>
+                <p:cNvPr id="53" name="直線接點 52"/>
+                <p:cNvCxnSpPr/>
+                <p:nvPr/>
+              </p:nvCxnSpPr>
+              <p:spPr>
+                <a:xfrm flipV="1">
+                  <a:off x="722416" y="1007424"/>
+                  <a:ext cx="350322" cy="524494"/>
+                </a:xfrm>
+                <a:prstGeom prst="line">
+                  <a:avLst/>
+                </a:prstGeom>
+                <a:ln>
+                  <a:solidFill>
+                    <a:schemeClr val="bg1">
+                      <a:lumMod val="75000"/>
+                    </a:schemeClr>
+                  </a:solidFill>
+                </a:ln>
+              </p:spPr>
+              <p:style>
+                <a:lnRef idx="1">
+                  <a:schemeClr val="accent1"/>
+                </a:lnRef>
+                <a:fillRef idx="0">
+                  <a:schemeClr val="accent1"/>
+                </a:fillRef>
+                <a:effectRef idx="0">
+                  <a:schemeClr val="accent1"/>
+                </a:effectRef>
+                <a:fontRef idx="minor">
+                  <a:schemeClr val="tx1"/>
+                </a:fontRef>
+              </p:style>
+            </p:cxnSp>
+          </p:grpSp>
+          <p:cxnSp>
+            <p:nvCxnSpPr>
+              <p:cNvPr id="62" name="直線接點 61"/>
+              <p:cNvCxnSpPr/>
+              <p:nvPr/>
+            </p:nvCxnSpPr>
+            <p:spPr>
+              <a:xfrm flipH="1" flipV="1">
+                <a:off x="7765750" y="2471304"/>
+                <a:ext cx="350322" cy="524494"/>
+              </a:xfrm>
+              <a:prstGeom prst="line">
+                <a:avLst/>
+              </a:prstGeom>
+              <a:ln>
+                <a:solidFill>
+                  <a:schemeClr val="bg1">
+                    <a:lumMod val="75000"/>
+                  </a:schemeClr>
+                </a:solidFill>
+              </a:ln>
+            </p:spPr>
+            <p:style>
+              <a:lnRef idx="1">
+                <a:schemeClr val="accent1"/>
+              </a:lnRef>
+              <a:fillRef idx="0">
+                <a:schemeClr val="accent1"/>
+              </a:fillRef>
+              <a:effectRef idx="0">
+                <a:schemeClr val="accent1"/>
+              </a:effectRef>
+              <a:fontRef idx="minor">
+                <a:schemeClr val="tx1"/>
+              </a:fontRef>
+            </p:style>
+          </p:cxnSp>
+        </p:grpSp>
+        <p:cxnSp>
+          <p:nvCxnSpPr>
+            <p:cNvPr id="98" name="直線接點 97"/>
+            <p:cNvCxnSpPr/>
+            <p:nvPr/>
+          </p:nvCxnSpPr>
+          <p:spPr>
+            <a:xfrm flipH="1">
+              <a:off x="711433" y="2052056"/>
+              <a:ext cx="1" cy="989874"/>
+            </a:xfrm>
+            <a:prstGeom prst="line">
+              <a:avLst/>
+            </a:prstGeom>
+            <a:ln>
+              <a:headEnd type="arrow" w="med" len="med"/>
+              <a:tailEnd type="none" w="med" len="med"/>
+            </a:ln>
+          </p:spPr>
+          <p:style>
+            <a:lnRef idx="1">
+              <a:schemeClr val="dk1"/>
+            </a:lnRef>
+            <a:fillRef idx="0">
+              <a:schemeClr val="dk1"/>
+            </a:fillRef>
+            <a:effectRef idx="0">
+              <a:schemeClr val="dk1"/>
+            </a:effectRef>
+            <a:fontRef idx="minor">
+              <a:schemeClr val="tx1"/>
+            </a:fontRef>
+          </p:style>
+        </p:cxnSp>
+        <p:cxnSp>
+          <p:nvCxnSpPr>
+            <p:cNvPr id="99" name="直線接點 98"/>
+            <p:cNvCxnSpPr/>
+            <p:nvPr/>
+          </p:nvCxnSpPr>
+          <p:spPr>
+            <a:xfrm>
+              <a:off x="709453" y="2814320"/>
+              <a:ext cx="10001002" cy="0"/>
+            </a:xfrm>
+            <a:prstGeom prst="line">
+              <a:avLst/>
+            </a:prstGeom>
+            <a:ln>
+              <a:solidFill>
+                <a:schemeClr val="tx1"/>
+              </a:solidFill>
+              <a:headEnd type="none" w="med" len="med"/>
+              <a:tailEnd type="arrow" w="med" len="med"/>
+            </a:ln>
+          </p:spPr>
+          <p:style>
+            <a:lnRef idx="1">
+              <a:schemeClr val="accent1"/>
+            </a:lnRef>
+            <a:fillRef idx="0">
+              <a:schemeClr val="accent1"/>
+            </a:fillRef>
+            <a:effectRef idx="0">
+              <a:schemeClr val="accent1"/>
+            </a:effectRef>
+            <a:fontRef idx="minor">
+              <a:schemeClr val="tx1"/>
+            </a:fontRef>
+          </p:style>
+        </p:cxnSp>
+        <p:grpSp>
+          <p:nvGrpSpPr>
+            <p:cNvPr id="125" name="群組 124"/>
+            <p:cNvGrpSpPr/>
+            <p:nvPr/>
+          </p:nvGrpSpPr>
+          <p:grpSpPr>
+            <a:xfrm>
+              <a:off x="1302772" y="2336130"/>
+              <a:ext cx="1791474" cy="475015"/>
+              <a:chOff x="722416" y="1007423"/>
+              <a:chExt cx="1978083" cy="524495"/>
+            </a:xfrm>
+          </p:grpSpPr>
+          <p:cxnSp>
+            <p:nvCxnSpPr>
+              <p:cNvPr id="126" name="直線接點 125"/>
+              <p:cNvCxnSpPr/>
+              <p:nvPr/>
+            </p:nvCxnSpPr>
+            <p:spPr>
+              <a:xfrm>
+                <a:off x="1377538" y="1007424"/>
+                <a:ext cx="666705" cy="0"/>
+              </a:xfrm>
+              <a:prstGeom prst="line">
+                <a:avLst/>
+              </a:prstGeom>
+              <a:ln>
+                <a:solidFill>
+                  <a:schemeClr val="bg1">
+                    <a:lumMod val="75000"/>
+                  </a:schemeClr>
+                </a:solidFill>
+              </a:ln>
+            </p:spPr>
+            <p:style>
+              <a:lnRef idx="1">
+                <a:schemeClr val="accent1"/>
+              </a:lnRef>
+              <a:fillRef idx="0">
+                <a:schemeClr val="accent1"/>
+              </a:fillRef>
+              <a:effectRef idx="0">
+                <a:schemeClr val="accent1"/>
+              </a:effectRef>
+              <a:fontRef idx="minor">
+                <a:schemeClr val="tx1"/>
+              </a:fontRef>
+            </p:style>
+          </p:cxnSp>
+          <p:cxnSp>
+            <p:nvCxnSpPr>
+              <p:cNvPr id="127" name="直線接點 126"/>
+              <p:cNvCxnSpPr/>
+              <p:nvPr/>
+            </p:nvCxnSpPr>
+            <p:spPr>
+              <a:xfrm flipV="1">
+                <a:off x="722416" y="1007424"/>
+                <a:ext cx="655122" cy="524494"/>
+              </a:xfrm>
+              <a:prstGeom prst="line">
+                <a:avLst/>
+              </a:prstGeom>
+              <a:ln>
+                <a:solidFill>
+                  <a:schemeClr val="bg1">
+                    <a:lumMod val="75000"/>
+                  </a:schemeClr>
+                </a:solidFill>
+              </a:ln>
+            </p:spPr>
+            <p:style>
+              <a:lnRef idx="1">
+                <a:schemeClr val="accent1"/>
+              </a:lnRef>
+              <a:fillRef idx="0">
+                <a:schemeClr val="accent1"/>
+              </a:fillRef>
+              <a:effectRef idx="0">
+                <a:schemeClr val="accent1"/>
+              </a:effectRef>
+              <a:fontRef idx="minor">
+                <a:schemeClr val="tx1"/>
+              </a:fontRef>
+            </p:style>
+          </p:cxnSp>
+          <p:cxnSp>
+            <p:nvCxnSpPr>
+              <p:cNvPr id="128" name="直線接點 127"/>
+              <p:cNvCxnSpPr/>
+              <p:nvPr/>
+            </p:nvCxnSpPr>
+            <p:spPr>
+              <a:xfrm flipH="1" flipV="1">
+                <a:off x="2045377" y="1007423"/>
+                <a:ext cx="655122" cy="524494"/>
+              </a:xfrm>
+              <a:prstGeom prst="line">
+                <a:avLst/>
+              </a:prstGeom>
+              <a:ln>
+                <a:solidFill>
+                  <a:schemeClr val="bg1">
+                    <a:lumMod val="75000"/>
+                  </a:schemeClr>
+                </a:solidFill>
+              </a:ln>
+            </p:spPr>
+            <p:style>
+              <a:lnRef idx="1">
+                <a:schemeClr val="accent1"/>
+              </a:lnRef>
+              <a:fillRef idx="0">
+                <a:schemeClr val="accent1"/>
+              </a:fillRef>
+              <a:effectRef idx="0">
+                <a:schemeClr val="accent1"/>
+              </a:effectRef>
+              <a:fontRef idx="minor">
+                <a:schemeClr val="tx1"/>
+              </a:fontRef>
+            </p:style>
+          </p:cxnSp>
+        </p:grpSp>
+        <p:grpSp>
+          <p:nvGrpSpPr>
+            <p:cNvPr id="130" name="群組 129"/>
+            <p:cNvGrpSpPr/>
+            <p:nvPr/>
+          </p:nvGrpSpPr>
+          <p:grpSpPr>
+            <a:xfrm>
+              <a:off x="4598002" y="2337819"/>
+              <a:ext cx="1294142" cy="477986"/>
+              <a:chOff x="4568042" y="2783461"/>
+              <a:chExt cx="1428947" cy="527775"/>
+            </a:xfrm>
+          </p:grpSpPr>
+          <p:grpSp>
+            <p:nvGrpSpPr>
+              <p:cNvPr id="131" name="群組 130"/>
+              <p:cNvGrpSpPr/>
+              <p:nvPr/>
+            </p:nvGrpSpPr>
+            <p:grpSpPr>
+              <a:xfrm>
+                <a:off x="4568042" y="2786742"/>
+                <a:ext cx="951053" cy="524494"/>
+                <a:chOff x="722416" y="1007424"/>
+                <a:chExt cx="951053" cy="524494"/>
+              </a:xfrm>
+            </p:grpSpPr>
+            <p:cxnSp>
+              <p:nvCxnSpPr>
+                <p:cNvPr id="133" name="直線接點 132"/>
+                <p:cNvCxnSpPr/>
+                <p:nvPr/>
+              </p:nvCxnSpPr>
+              <p:spPr>
+                <a:xfrm>
+                  <a:off x="1201387" y="1007424"/>
+                  <a:ext cx="472082" cy="0"/>
+                </a:xfrm>
+                <a:prstGeom prst="line">
+                  <a:avLst/>
+                </a:prstGeom>
+                <a:ln>
+                  <a:solidFill>
+                    <a:schemeClr val="bg1">
+                      <a:lumMod val="75000"/>
+                    </a:schemeClr>
+                  </a:solidFill>
+                </a:ln>
+              </p:spPr>
+              <p:style>
+                <a:lnRef idx="1">
+                  <a:schemeClr val="accent1"/>
+                </a:lnRef>
+                <a:fillRef idx="0">
+                  <a:schemeClr val="accent1"/>
+                </a:fillRef>
+                <a:effectRef idx="0">
+                  <a:schemeClr val="accent1"/>
+                </a:effectRef>
+                <a:fontRef idx="minor">
+                  <a:schemeClr val="tx1"/>
+                </a:fontRef>
+              </p:style>
+            </p:cxnSp>
+            <p:cxnSp>
+              <p:nvCxnSpPr>
+                <p:cNvPr id="134" name="直線接點 133"/>
+                <p:cNvCxnSpPr/>
+                <p:nvPr/>
+              </p:nvCxnSpPr>
+              <p:spPr>
+                <a:xfrm flipV="1">
+                  <a:off x="722416" y="1007424"/>
+                  <a:ext cx="478971" cy="524494"/>
+                </a:xfrm>
+                <a:prstGeom prst="line">
+                  <a:avLst/>
+                </a:prstGeom>
+                <a:ln>
+                  <a:solidFill>
+                    <a:schemeClr val="bg1">
+                      <a:lumMod val="75000"/>
+                    </a:schemeClr>
+                  </a:solidFill>
+                </a:ln>
+              </p:spPr>
+              <p:style>
+                <a:lnRef idx="1">
+                  <a:schemeClr val="accent1"/>
+                </a:lnRef>
+                <a:fillRef idx="0">
+                  <a:schemeClr val="accent1"/>
+                </a:fillRef>
+                <a:effectRef idx="0">
+                  <a:schemeClr val="accent1"/>
+                </a:effectRef>
+                <a:fontRef idx="minor">
+                  <a:schemeClr val="tx1"/>
+                </a:fontRef>
+              </p:style>
+            </p:cxnSp>
+          </p:grpSp>
+          <p:cxnSp>
+            <p:nvCxnSpPr>
+              <p:cNvPr id="132" name="直線接點 131"/>
+              <p:cNvCxnSpPr/>
+              <p:nvPr/>
+            </p:nvCxnSpPr>
+            <p:spPr>
+              <a:xfrm flipH="1" flipV="1">
+                <a:off x="5518019" y="2783461"/>
+                <a:ext cx="478970" cy="524495"/>
+              </a:xfrm>
+              <a:prstGeom prst="line">
+                <a:avLst/>
+              </a:prstGeom>
+              <a:ln>
+                <a:solidFill>
+                  <a:schemeClr val="bg1">
+                    <a:lumMod val="75000"/>
+                  </a:schemeClr>
+                </a:solidFill>
+              </a:ln>
+            </p:spPr>
+            <p:style>
+              <a:lnRef idx="1">
+                <a:schemeClr val="accent1"/>
+              </a:lnRef>
+              <a:fillRef idx="0">
+                <a:schemeClr val="accent1"/>
+              </a:fillRef>
+              <a:effectRef idx="0">
+                <a:schemeClr val="accent1"/>
+              </a:effectRef>
+              <a:fontRef idx="minor">
+                <a:schemeClr val="tx1"/>
+              </a:fontRef>
+            </p:style>
+          </p:cxnSp>
+        </p:grpSp>
+        <p:grpSp>
+          <p:nvGrpSpPr>
+            <p:cNvPr id="136" name="群組 135"/>
+            <p:cNvGrpSpPr/>
+            <p:nvPr/>
+          </p:nvGrpSpPr>
+          <p:grpSpPr>
+            <a:xfrm>
+              <a:off x="7271094" y="2328922"/>
+              <a:ext cx="956552" cy="486889"/>
+              <a:chOff x="7059880" y="2458192"/>
+              <a:chExt cx="1056192" cy="537606"/>
+            </a:xfrm>
+          </p:grpSpPr>
+          <p:grpSp>
+            <p:nvGrpSpPr>
+              <p:cNvPr id="137" name="群組 136"/>
+              <p:cNvGrpSpPr/>
+              <p:nvPr/>
+            </p:nvGrpSpPr>
+            <p:grpSpPr>
+              <a:xfrm>
+                <a:off x="7059880" y="2458192"/>
+                <a:ext cx="710268" cy="524494"/>
+                <a:chOff x="722416" y="1007424"/>
+                <a:chExt cx="710268" cy="524494"/>
+              </a:xfrm>
+            </p:grpSpPr>
+            <p:cxnSp>
+              <p:nvCxnSpPr>
+                <p:cNvPr id="139" name="直線接點 138"/>
+                <p:cNvCxnSpPr/>
+                <p:nvPr/>
+              </p:nvCxnSpPr>
+              <p:spPr>
+                <a:xfrm>
+                  <a:off x="1072738" y="1007424"/>
+                  <a:ext cx="359946" cy="0"/>
+                </a:xfrm>
+                <a:prstGeom prst="line">
+                  <a:avLst/>
+                </a:prstGeom>
+                <a:ln>
+                  <a:solidFill>
+                    <a:schemeClr val="bg1">
+                      <a:lumMod val="75000"/>
+                    </a:schemeClr>
+                  </a:solidFill>
+                </a:ln>
+              </p:spPr>
+              <p:style>
+                <a:lnRef idx="1">
+                  <a:schemeClr val="accent1"/>
+                </a:lnRef>
+                <a:fillRef idx="0">
+                  <a:schemeClr val="accent1"/>
+                </a:fillRef>
+                <a:effectRef idx="0">
+                  <a:schemeClr val="accent1"/>
+                </a:effectRef>
+                <a:fontRef idx="minor">
+                  <a:schemeClr val="tx1"/>
+                </a:fontRef>
+              </p:style>
+            </p:cxnSp>
+            <p:cxnSp>
+              <p:nvCxnSpPr>
+                <p:cNvPr id="140" name="直線接點 139"/>
+                <p:cNvCxnSpPr/>
+                <p:nvPr/>
+              </p:nvCxnSpPr>
+              <p:spPr>
+                <a:xfrm flipV="1">
+                  <a:off x="722416" y="1007424"/>
+                  <a:ext cx="350322" cy="524494"/>
+                </a:xfrm>
+                <a:prstGeom prst="line">
+                  <a:avLst/>
+                </a:prstGeom>
+                <a:ln>
+                  <a:solidFill>
+                    <a:schemeClr val="bg1">
+                      <a:lumMod val="75000"/>
+                    </a:schemeClr>
+                  </a:solidFill>
+                </a:ln>
+              </p:spPr>
+              <p:style>
+                <a:lnRef idx="1">
+                  <a:schemeClr val="accent1"/>
+                </a:lnRef>
+                <a:fillRef idx="0">
+                  <a:schemeClr val="accent1"/>
+                </a:fillRef>
+                <a:effectRef idx="0">
+                  <a:schemeClr val="accent1"/>
+                </a:effectRef>
+                <a:fontRef idx="minor">
+                  <a:schemeClr val="tx1"/>
+                </a:fontRef>
+              </p:style>
+            </p:cxnSp>
+          </p:grpSp>
+          <p:cxnSp>
+            <p:nvCxnSpPr>
+              <p:cNvPr id="138" name="直線接點 137"/>
+              <p:cNvCxnSpPr/>
+              <p:nvPr/>
+            </p:nvCxnSpPr>
+            <p:spPr>
+              <a:xfrm flipH="1" flipV="1">
+                <a:off x="7765750" y="2471304"/>
+                <a:ext cx="350322" cy="524494"/>
+              </a:xfrm>
+              <a:prstGeom prst="line">
+                <a:avLst/>
+              </a:prstGeom>
+              <a:ln>
+                <a:solidFill>
+                  <a:schemeClr val="bg1">
+                    <a:lumMod val="75000"/>
+                  </a:schemeClr>
+                </a:solidFill>
+              </a:ln>
+            </p:spPr>
+            <p:style>
+              <a:lnRef idx="1">
+                <a:schemeClr val="accent1"/>
+              </a:lnRef>
+              <a:fillRef idx="0">
+                <a:schemeClr val="accent1"/>
+              </a:fillRef>
+              <a:effectRef idx="0">
+                <a:schemeClr val="accent1"/>
+              </a:effectRef>
+              <a:fontRef idx="minor">
+                <a:schemeClr val="tx1"/>
+              </a:fontRef>
+            </p:style>
+          </p:cxnSp>
+        </p:grpSp>
+        <p:grpSp>
+          <p:nvGrpSpPr>
+            <p:cNvPr id="142" name="群組 141"/>
+            <p:cNvGrpSpPr/>
+            <p:nvPr/>
+          </p:nvGrpSpPr>
+          <p:grpSpPr>
+            <a:xfrm>
+              <a:off x="9573749" y="2336467"/>
+              <a:ext cx="804135" cy="475014"/>
+              <a:chOff x="7344888" y="2786742"/>
+              <a:chExt cx="887898" cy="524494"/>
+            </a:xfrm>
+          </p:grpSpPr>
+          <p:grpSp>
+            <p:nvGrpSpPr>
+              <p:cNvPr id="143" name="群組 142"/>
+              <p:cNvGrpSpPr/>
+              <p:nvPr/>
+            </p:nvGrpSpPr>
+            <p:grpSpPr>
+              <a:xfrm>
+                <a:off x="7344888" y="2786742"/>
+                <a:ext cx="592013" cy="524494"/>
+                <a:chOff x="722416" y="1007424"/>
+                <a:chExt cx="592013" cy="524494"/>
+              </a:xfrm>
+            </p:grpSpPr>
+            <p:cxnSp>
+              <p:nvCxnSpPr>
+                <p:cNvPr id="145" name="直線接點 144"/>
+                <p:cNvCxnSpPr/>
+                <p:nvPr/>
+              </p:nvCxnSpPr>
+              <p:spPr>
+                <a:xfrm>
+                  <a:off x="1013362" y="1007424"/>
+                  <a:ext cx="301067" cy="0"/>
+                </a:xfrm>
+                <a:prstGeom prst="line">
+                  <a:avLst/>
+                </a:prstGeom>
+                <a:ln>
+                  <a:solidFill>
+                    <a:schemeClr val="bg1">
+                      <a:lumMod val="75000"/>
+                    </a:schemeClr>
+                  </a:solidFill>
+                </a:ln>
+              </p:spPr>
+              <p:style>
+                <a:lnRef idx="1">
+                  <a:schemeClr val="accent1"/>
+                </a:lnRef>
+                <a:fillRef idx="0">
+                  <a:schemeClr val="accent1"/>
+                </a:fillRef>
+                <a:effectRef idx="0">
+                  <a:schemeClr val="accent1"/>
+                </a:effectRef>
+                <a:fontRef idx="minor">
+                  <a:schemeClr val="tx1"/>
+                </a:fontRef>
+              </p:style>
+            </p:cxnSp>
+            <p:cxnSp>
+              <p:nvCxnSpPr>
+                <p:cNvPr id="146" name="直線接點 145"/>
+                <p:cNvCxnSpPr/>
+                <p:nvPr/>
+              </p:nvCxnSpPr>
+              <p:spPr>
+                <a:xfrm flipV="1">
+                  <a:off x="722416" y="1007424"/>
+                  <a:ext cx="290946" cy="524494"/>
+                </a:xfrm>
+                <a:prstGeom prst="line">
+                  <a:avLst/>
+                </a:prstGeom>
+                <a:ln>
+                  <a:solidFill>
+                    <a:schemeClr val="bg1">
+                      <a:lumMod val="75000"/>
+                    </a:schemeClr>
+                  </a:solidFill>
+                </a:ln>
+              </p:spPr>
+              <p:style>
+                <a:lnRef idx="1">
+                  <a:schemeClr val="accent1"/>
+                </a:lnRef>
+                <a:fillRef idx="0">
+                  <a:schemeClr val="accent1"/>
+                </a:fillRef>
+                <a:effectRef idx="0">
+                  <a:schemeClr val="accent1"/>
+                </a:effectRef>
+                <a:fontRef idx="minor">
+                  <a:schemeClr val="tx1"/>
+                </a:fontRef>
+              </p:style>
+            </p:cxnSp>
+          </p:grpSp>
+          <p:cxnSp>
+            <p:nvCxnSpPr>
+              <p:cNvPr id="144" name="直線接點 143"/>
+              <p:cNvCxnSpPr/>
+              <p:nvPr/>
+            </p:nvCxnSpPr>
+            <p:spPr>
+              <a:xfrm flipH="1" flipV="1">
+                <a:off x="7941841" y="2786742"/>
+                <a:ext cx="290945" cy="524494"/>
+              </a:xfrm>
+              <a:prstGeom prst="line">
+                <a:avLst/>
+              </a:prstGeom>
+              <a:ln>
+                <a:solidFill>
+                  <a:schemeClr val="bg1">
+                    <a:lumMod val="75000"/>
+                  </a:schemeClr>
+                </a:solidFill>
+              </a:ln>
+            </p:spPr>
+            <p:style>
+              <a:lnRef idx="1">
+                <a:schemeClr val="accent1"/>
+              </a:lnRef>
+              <a:fillRef idx="0">
+                <a:schemeClr val="accent1"/>
+              </a:fillRef>
+              <a:effectRef idx="0">
+                <a:schemeClr val="accent1"/>
+              </a:effectRef>
+              <a:fontRef idx="minor">
+                <a:schemeClr val="tx1"/>
+              </a:fontRef>
+            </p:style>
+          </p:cxnSp>
+        </p:grpSp>
+        <p:sp>
+          <p:nvSpPr>
+            <p:cNvPr id="152" name="文字方塊 151"/>
+            <p:cNvSpPr txBox="1"/>
+            <p:nvPr/>
+          </p:nvSpPr>
+          <p:spPr>
+            <a:xfrm>
+              <a:off x="10471956" y="1561088"/>
+              <a:ext cx="933269" cy="369332"/>
+            </a:xfrm>
+            <a:prstGeom prst="rect">
+              <a:avLst/>
+            </a:prstGeom>
+            <a:noFill/>
+          </p:spPr>
+          <p:txBody>
+            <a:bodyPr wrap="none" rtlCol="0">
+              <a:spAutoFit/>
+            </a:bodyPr>
+            <a:lstStyle/>
+            <a:p>
+              <a:r>
+                <a:rPr lang="en-US" altLang="zh-TW" dirty="0" smtClean="0"/>
+                <a:t>Time</a:t>
+              </a:r>
+              <a:r>
+                <a:rPr lang="zh-TW" altLang="en-US" dirty="0" smtClean="0"/>
+                <a:t> </a:t>
+              </a:r>
+              <a:r>
+                <a:rPr lang="en-US" altLang="zh-TW" dirty="0" smtClean="0"/>
+                <a:t>(s)</a:t>
+              </a:r>
+              <a:endParaRPr lang="zh-TW" altLang="en-US" dirty="0"/>
+            </a:p>
+          </p:txBody>
+        </p:sp>
+        <p:sp>
+          <p:nvSpPr>
+            <p:cNvPr id="153" name="文字方塊 152"/>
+            <p:cNvSpPr txBox="1"/>
+            <p:nvPr/>
+          </p:nvSpPr>
+          <p:spPr>
+            <a:xfrm>
+              <a:off x="10471957" y="2857264"/>
+              <a:ext cx="933269" cy="174146"/>
+            </a:xfrm>
+            <a:prstGeom prst="rect">
+              <a:avLst/>
+            </a:prstGeom>
+            <a:noFill/>
+          </p:spPr>
+          <p:txBody>
+            <a:bodyPr wrap="none" rtlCol="0">
+              <a:spAutoFit/>
+            </a:bodyPr>
+            <a:lstStyle/>
+            <a:p>
+              <a:r>
+                <a:rPr lang="en-US" altLang="zh-TW" dirty="0"/>
+                <a:t>Time (s)</a:t>
+              </a:r>
+              <a:endParaRPr lang="zh-TW" altLang="en-US" dirty="0"/>
+            </a:p>
+          </p:txBody>
+        </p:sp>
+        <p:sp>
+          <p:nvSpPr>
+            <p:cNvPr id="154" name="文字方塊 153"/>
+            <p:cNvSpPr txBox="1"/>
+            <p:nvPr/>
+          </p:nvSpPr>
+          <p:spPr>
+            <a:xfrm>
+              <a:off x="268935" y="531472"/>
+              <a:ext cx="867545" cy="369332"/>
+            </a:xfrm>
+            <a:prstGeom prst="rect">
+              <a:avLst/>
+            </a:prstGeom>
+            <a:noFill/>
+          </p:spPr>
+          <p:txBody>
+            <a:bodyPr wrap="none" rtlCol="0">
+              <a:spAutoFit/>
+            </a:bodyPr>
+            <a:lstStyle/>
+            <a:p>
+              <a:r>
+                <a:rPr lang="en-US" altLang="zh-TW" dirty="0" smtClean="0"/>
+                <a:t>X</a:t>
+              </a:r>
+              <a:r>
+                <a:rPr lang="zh-TW" altLang="en-US" dirty="0" smtClean="0"/>
+                <a:t> </a:t>
+              </a:r>
+              <a:r>
+                <a:rPr lang="en-US" altLang="zh-TW" dirty="0" smtClean="0"/>
+                <a:t>(mm)</a:t>
+              </a:r>
+              <a:endParaRPr lang="zh-TW" altLang="en-US" dirty="0"/>
+            </a:p>
+          </p:txBody>
+        </p:sp>
+        <p:sp>
+          <p:nvSpPr>
+            <p:cNvPr id="155" name="文字方塊 154"/>
+            <p:cNvSpPr txBox="1"/>
+            <p:nvPr/>
+          </p:nvSpPr>
+          <p:spPr>
+            <a:xfrm>
+              <a:off x="268935" y="1867390"/>
+              <a:ext cx="854721" cy="369332"/>
+            </a:xfrm>
+            <a:prstGeom prst="rect">
+              <a:avLst/>
+            </a:prstGeom>
+            <a:noFill/>
+          </p:spPr>
+          <p:txBody>
+            <a:bodyPr wrap="none" rtlCol="0">
+              <a:spAutoFit/>
+            </a:bodyPr>
+            <a:lstStyle/>
+            <a:p>
+              <a:r>
+                <a:rPr lang="en-US" altLang="zh-TW" dirty="0" smtClean="0"/>
+                <a:t>Z (mm)</a:t>
+              </a:r>
+              <a:endParaRPr lang="zh-TW" altLang="en-US" dirty="0"/>
+            </a:p>
+          </p:txBody>
+        </p:sp>
+        <p:cxnSp>
+          <p:nvCxnSpPr>
+            <p:cNvPr id="157" name="直線接點 156"/>
+            <p:cNvCxnSpPr/>
+            <p:nvPr/>
+          </p:nvCxnSpPr>
+          <p:spPr>
+            <a:xfrm>
+              <a:off x="5892144" y="2760117"/>
+              <a:ext cx="0" cy="106878"/>
+            </a:xfrm>
+            <a:prstGeom prst="line">
+              <a:avLst/>
+            </a:prstGeom>
+            <a:ln>
+              <a:solidFill>
+                <a:schemeClr val="tx1"/>
+              </a:solidFill>
+            </a:ln>
+          </p:spPr>
+          <p:style>
+            <a:lnRef idx="1">
+              <a:schemeClr val="accent1"/>
+            </a:lnRef>
+            <a:fillRef idx="0">
+              <a:schemeClr val="accent1"/>
+            </a:fillRef>
+            <a:effectRef idx="0">
+              <a:schemeClr val="accent1"/>
+            </a:effectRef>
+            <a:fontRef idx="minor">
+              <a:schemeClr val="tx1"/>
+            </a:fontRef>
+          </p:style>
+        </p:cxnSp>
+        <p:cxnSp>
+          <p:nvCxnSpPr>
+            <p:cNvPr id="158" name="直線接點 157"/>
+            <p:cNvCxnSpPr/>
+            <p:nvPr/>
+          </p:nvCxnSpPr>
+          <p:spPr>
+            <a:xfrm>
+              <a:off x="3094246" y="2750386"/>
+              <a:ext cx="0" cy="106878"/>
+            </a:xfrm>
+            <a:prstGeom prst="line">
+              <a:avLst/>
+            </a:prstGeom>
+            <a:ln>
+              <a:solidFill>
+                <a:schemeClr val="tx1"/>
+              </a:solidFill>
+            </a:ln>
+          </p:spPr>
+          <p:style>
+            <a:lnRef idx="1">
+              <a:schemeClr val="accent1"/>
+            </a:lnRef>
+            <a:fillRef idx="0">
+              <a:schemeClr val="accent1"/>
+            </a:fillRef>
+            <a:effectRef idx="0">
+              <a:schemeClr val="accent1"/>
+            </a:effectRef>
+            <a:fontRef idx="minor">
+              <a:schemeClr val="tx1"/>
+            </a:fontRef>
+          </p:style>
+        </p:cxnSp>
+        <p:cxnSp>
+          <p:nvCxnSpPr>
+            <p:cNvPr id="159" name="直線接點 158"/>
+            <p:cNvCxnSpPr/>
+            <p:nvPr/>
+          </p:nvCxnSpPr>
+          <p:spPr>
+            <a:xfrm>
+              <a:off x="8239635" y="2772639"/>
+              <a:ext cx="0" cy="106878"/>
+            </a:xfrm>
+            <a:prstGeom prst="line">
+              <a:avLst/>
+            </a:prstGeom>
+            <a:ln>
+              <a:solidFill>
+                <a:schemeClr val="tx1"/>
+              </a:solidFill>
+            </a:ln>
+          </p:spPr>
+          <p:style>
+            <a:lnRef idx="1">
+              <a:schemeClr val="accent1"/>
+            </a:lnRef>
+            <a:fillRef idx="0">
+              <a:schemeClr val="accent1"/>
+            </a:fillRef>
+            <a:effectRef idx="0">
+              <a:schemeClr val="accent1"/>
+            </a:effectRef>
+            <a:fontRef idx="minor">
+              <a:schemeClr val="tx1"/>
+            </a:fontRef>
+          </p:style>
+        </p:cxnSp>
+        <p:cxnSp>
+          <p:nvCxnSpPr>
+            <p:cNvPr id="160" name="直線接點 159"/>
+            <p:cNvCxnSpPr/>
+            <p:nvPr/>
+          </p:nvCxnSpPr>
+          <p:spPr>
+            <a:xfrm>
+              <a:off x="6975903" y="1477653"/>
+              <a:ext cx="0" cy="106878"/>
+            </a:xfrm>
+            <a:prstGeom prst="line">
+              <a:avLst/>
+            </a:prstGeom>
+            <a:ln>
+              <a:solidFill>
+                <a:schemeClr val="tx1"/>
+              </a:solidFill>
+            </a:ln>
+          </p:spPr>
+          <p:style>
+            <a:lnRef idx="1">
+              <a:schemeClr val="accent1"/>
+            </a:lnRef>
+            <a:fillRef idx="0">
+              <a:schemeClr val="accent1"/>
+            </a:fillRef>
+            <a:effectRef idx="0">
+              <a:schemeClr val="accent1"/>
+            </a:effectRef>
+            <a:fontRef idx="minor">
+              <a:schemeClr val="tx1"/>
+            </a:fontRef>
+          </p:style>
+        </p:cxnSp>
+        <p:cxnSp>
+          <p:nvCxnSpPr>
+            <p:cNvPr id="161" name="直線接點 160"/>
+            <p:cNvCxnSpPr/>
+            <p:nvPr/>
+          </p:nvCxnSpPr>
+          <p:spPr>
+            <a:xfrm>
+              <a:off x="4186427" y="1476806"/>
+              <a:ext cx="0" cy="106878"/>
+            </a:xfrm>
+            <a:prstGeom prst="line">
+              <a:avLst/>
+            </a:prstGeom>
+            <a:ln>
+              <a:solidFill>
+                <a:schemeClr val="tx1"/>
+              </a:solidFill>
+            </a:ln>
+          </p:spPr>
+          <p:style>
+            <a:lnRef idx="1">
+              <a:schemeClr val="accent1"/>
+            </a:lnRef>
+            <a:fillRef idx="0">
+              <a:schemeClr val="accent1"/>
+            </a:fillRef>
+            <a:effectRef idx="0">
+              <a:schemeClr val="accent1"/>
+            </a:effectRef>
+            <a:fontRef idx="minor">
+              <a:schemeClr val="tx1"/>
+            </a:fontRef>
+          </p:style>
+        </p:cxnSp>
+        <p:cxnSp>
+          <p:nvCxnSpPr>
+            <p:cNvPr id="163" name="直線接點 162"/>
+            <p:cNvCxnSpPr/>
+            <p:nvPr/>
+          </p:nvCxnSpPr>
+          <p:spPr>
+            <a:xfrm>
+              <a:off x="9318219" y="1477653"/>
+              <a:ext cx="0" cy="106878"/>
+            </a:xfrm>
+            <a:prstGeom prst="line">
+              <a:avLst/>
+            </a:prstGeom>
+            <a:ln>
+              <a:solidFill>
+                <a:schemeClr val="tx1"/>
+              </a:solidFill>
+            </a:ln>
+          </p:spPr>
+          <p:style>
+            <a:lnRef idx="1">
+              <a:schemeClr val="accent1"/>
+            </a:lnRef>
+            <a:fillRef idx="0">
+              <a:schemeClr val="accent1"/>
+            </a:fillRef>
+            <a:effectRef idx="0">
+              <a:schemeClr val="accent1"/>
+            </a:effectRef>
+            <a:fontRef idx="minor">
+              <a:schemeClr val="tx1"/>
+            </a:fontRef>
+          </p:style>
+        </p:cxnSp>
+        <p:cxnSp>
+          <p:nvCxnSpPr>
+            <p:cNvPr id="164" name="直線接點 163"/>
+            <p:cNvCxnSpPr/>
+            <p:nvPr/>
+          </p:nvCxnSpPr>
+          <p:spPr>
+            <a:xfrm>
+              <a:off x="10387919" y="2765547"/>
+              <a:ext cx="0" cy="106878"/>
+            </a:xfrm>
+            <a:prstGeom prst="line">
+              <a:avLst/>
+            </a:prstGeom>
+            <a:ln>
+              <a:solidFill>
+                <a:schemeClr val="tx1"/>
+              </a:solidFill>
+            </a:ln>
+          </p:spPr>
+          <p:style>
+            <a:lnRef idx="1">
+              <a:schemeClr val="accent1"/>
+            </a:lnRef>
+            <a:fillRef idx="0">
+              <a:schemeClr val="accent1"/>
+            </a:fillRef>
+            <a:effectRef idx="0">
+              <a:schemeClr val="accent1"/>
+            </a:effectRef>
+            <a:fontRef idx="minor">
+              <a:schemeClr val="tx1"/>
+            </a:fontRef>
+          </p:style>
+        </p:cxnSp>
+        <p:sp>
+          <p:nvSpPr>
+            <p:cNvPr id="165" name="文字方塊 164"/>
+            <p:cNvSpPr txBox="1"/>
+            <p:nvPr/>
+          </p:nvSpPr>
+          <p:spPr>
+            <a:xfrm>
+              <a:off x="2884895" y="2807717"/>
+              <a:ext cx="418704" cy="369332"/>
+            </a:xfrm>
+            <a:prstGeom prst="rect">
+              <a:avLst/>
+            </a:prstGeom>
+            <a:noFill/>
+          </p:spPr>
+          <p:txBody>
+            <a:bodyPr wrap="none" rtlCol="0">
+              <a:spAutoFit/>
+            </a:bodyPr>
+            <a:lstStyle/>
+            <a:p>
+              <a:r>
+                <a:rPr lang="en-US" altLang="zh-TW" dirty="0" smtClean="0"/>
+                <a:t>20</a:t>
+              </a:r>
+              <a:endParaRPr lang="zh-TW" altLang="en-US" dirty="0"/>
+            </a:p>
+          </p:txBody>
+        </p:sp>
+        <p:sp>
+          <p:nvSpPr>
+            <p:cNvPr id="166" name="文字方塊 165"/>
+            <p:cNvSpPr txBox="1"/>
+            <p:nvPr/>
+          </p:nvSpPr>
+          <p:spPr>
+            <a:xfrm>
+              <a:off x="3978976" y="1540017"/>
+              <a:ext cx="418704" cy="369332"/>
+            </a:xfrm>
+            <a:prstGeom prst="rect">
+              <a:avLst/>
+            </a:prstGeom>
+            <a:noFill/>
+          </p:spPr>
+          <p:txBody>
+            <a:bodyPr wrap="none" rtlCol="0">
+              <a:spAutoFit/>
+            </a:bodyPr>
+            <a:lstStyle/>
+            <a:p>
+              <a:r>
+                <a:rPr lang="en-US" altLang="zh-TW" dirty="0"/>
+                <a:t>3</a:t>
+              </a:r>
+              <a:r>
+                <a:rPr lang="en-US" altLang="zh-TW" dirty="0" smtClean="0"/>
+                <a:t>0</a:t>
+              </a:r>
+              <a:endParaRPr lang="zh-TW" altLang="en-US" dirty="0"/>
+            </a:p>
+          </p:txBody>
+        </p:sp>
+        <p:sp>
+          <p:nvSpPr>
+            <p:cNvPr id="167" name="文字方塊 166"/>
+            <p:cNvSpPr txBox="1"/>
+            <p:nvPr/>
+          </p:nvSpPr>
+          <p:spPr>
+            <a:xfrm>
+              <a:off x="9155045" y="1528616"/>
+              <a:ext cx="418704" cy="369332"/>
+            </a:xfrm>
+            <a:prstGeom prst="rect">
+              <a:avLst/>
+            </a:prstGeom>
+            <a:noFill/>
+          </p:spPr>
+          <p:txBody>
+            <a:bodyPr wrap="none" rtlCol="0">
+              <a:spAutoFit/>
+            </a:bodyPr>
+            <a:lstStyle/>
+            <a:p>
+              <a:r>
+                <a:rPr lang="en-US" altLang="zh-TW" dirty="0" smtClean="0"/>
+                <a:t>77</a:t>
+              </a:r>
+              <a:endParaRPr lang="zh-TW" altLang="en-US" dirty="0"/>
+            </a:p>
+          </p:txBody>
+        </p:sp>
+        <p:sp>
+          <p:nvSpPr>
+            <p:cNvPr id="168" name="文字方塊 167"/>
+            <p:cNvSpPr txBox="1"/>
+            <p:nvPr/>
+          </p:nvSpPr>
+          <p:spPr>
+            <a:xfrm>
+              <a:off x="5682792" y="2803825"/>
+              <a:ext cx="418704" cy="369332"/>
+            </a:xfrm>
+            <a:prstGeom prst="rect">
+              <a:avLst/>
+            </a:prstGeom>
+            <a:noFill/>
+          </p:spPr>
+          <p:txBody>
+            <a:bodyPr wrap="none" rtlCol="0">
+              <a:spAutoFit/>
+            </a:bodyPr>
+            <a:lstStyle/>
+            <a:p>
+              <a:r>
+                <a:rPr lang="en-US" altLang="zh-TW" dirty="0" smtClean="0"/>
+                <a:t>45</a:t>
+              </a:r>
+              <a:endParaRPr lang="zh-TW" altLang="en-US" dirty="0"/>
+            </a:p>
+          </p:txBody>
+        </p:sp>
+        <p:sp>
+          <p:nvSpPr>
+            <p:cNvPr id="169" name="文字方塊 168"/>
+            <p:cNvSpPr txBox="1"/>
+            <p:nvPr/>
+          </p:nvSpPr>
+          <p:spPr>
+            <a:xfrm>
+              <a:off x="6766551" y="1540017"/>
+              <a:ext cx="418704" cy="369332"/>
+            </a:xfrm>
+            <a:prstGeom prst="rect">
+              <a:avLst/>
+            </a:prstGeom>
+            <a:noFill/>
+          </p:spPr>
+          <p:txBody>
+            <a:bodyPr wrap="none" rtlCol="0">
+              <a:spAutoFit/>
+            </a:bodyPr>
+            <a:lstStyle/>
+            <a:p>
+              <a:r>
+                <a:rPr lang="en-US" altLang="zh-TW" dirty="0" smtClean="0"/>
+                <a:t>55</a:t>
+              </a:r>
+              <a:endParaRPr lang="zh-TW" altLang="en-US" dirty="0"/>
+            </a:p>
+          </p:txBody>
+        </p:sp>
+        <p:sp>
+          <p:nvSpPr>
+            <p:cNvPr id="170" name="文字方塊 169"/>
+            <p:cNvSpPr txBox="1"/>
+            <p:nvPr/>
+          </p:nvSpPr>
+          <p:spPr>
+            <a:xfrm>
+              <a:off x="8039718" y="2809073"/>
+              <a:ext cx="418704" cy="369332"/>
+            </a:xfrm>
+            <a:prstGeom prst="rect">
+              <a:avLst/>
+            </a:prstGeom>
+            <a:noFill/>
+          </p:spPr>
+          <p:txBody>
+            <a:bodyPr wrap="none" rtlCol="0">
+              <a:spAutoFit/>
+            </a:bodyPr>
+            <a:lstStyle/>
+            <a:p>
+              <a:r>
+                <a:rPr lang="en-US" altLang="zh-TW" dirty="0" smtClean="0"/>
+                <a:t>67</a:t>
+              </a:r>
+              <a:endParaRPr lang="zh-TW" altLang="en-US" dirty="0"/>
+            </a:p>
+          </p:txBody>
+        </p:sp>
+        <p:sp>
+          <p:nvSpPr>
+            <p:cNvPr id="171" name="文字方塊 170"/>
+            <p:cNvSpPr txBox="1"/>
+            <p:nvPr/>
+          </p:nvSpPr>
+          <p:spPr>
+            <a:xfrm>
+              <a:off x="10178567" y="2815180"/>
+              <a:ext cx="418704" cy="369332"/>
+            </a:xfrm>
+            <a:prstGeom prst="rect">
+              <a:avLst/>
+            </a:prstGeom>
+            <a:noFill/>
+          </p:spPr>
+          <p:txBody>
+            <a:bodyPr wrap="none" rtlCol="0">
+              <a:spAutoFit/>
+            </a:bodyPr>
+            <a:lstStyle/>
+            <a:p>
+              <a:r>
+                <a:rPr lang="en-US" altLang="zh-TW" dirty="0" smtClean="0"/>
+                <a:t>87</a:t>
+              </a:r>
+              <a:endParaRPr lang="zh-TW" altLang="en-US" dirty="0"/>
+            </a:p>
+          </p:txBody>
+        </p:sp>
+        <p:cxnSp>
+          <p:nvCxnSpPr>
+            <p:cNvPr id="172" name="直線接點 171"/>
+            <p:cNvCxnSpPr/>
+            <p:nvPr/>
+          </p:nvCxnSpPr>
+          <p:spPr>
+            <a:xfrm flipV="1">
+              <a:off x="650234" y="2337073"/>
+              <a:ext cx="122029" cy="1894"/>
+            </a:xfrm>
+            <a:prstGeom prst="line">
+              <a:avLst/>
+            </a:prstGeom>
+            <a:ln>
+              <a:solidFill>
+                <a:schemeClr val="tx1"/>
+              </a:solidFill>
+            </a:ln>
+          </p:spPr>
+          <p:style>
+            <a:lnRef idx="1">
+              <a:schemeClr val="accent1"/>
+            </a:lnRef>
+            <a:fillRef idx="0">
+              <a:schemeClr val="accent1"/>
+            </a:fillRef>
+            <a:effectRef idx="0">
+              <a:schemeClr val="accent1"/>
+            </a:effectRef>
+            <a:fontRef idx="minor">
+              <a:schemeClr val="tx1"/>
+            </a:fontRef>
+          </p:style>
+        </p:cxnSp>
+        <p:cxnSp>
+          <p:nvCxnSpPr>
+            <p:cNvPr id="176" name="直線接點 175"/>
+            <p:cNvCxnSpPr/>
+            <p:nvPr/>
+          </p:nvCxnSpPr>
+          <p:spPr>
+            <a:xfrm flipV="1">
+              <a:off x="672974" y="1061308"/>
+              <a:ext cx="122029" cy="1894"/>
+            </a:xfrm>
+            <a:prstGeom prst="line">
+              <a:avLst/>
+            </a:prstGeom>
+            <a:ln>
+              <a:solidFill>
+                <a:schemeClr val="tx1"/>
+              </a:solidFill>
+            </a:ln>
+          </p:spPr>
+          <p:style>
+            <a:lnRef idx="1">
+              <a:schemeClr val="accent1"/>
+            </a:lnRef>
+            <a:fillRef idx="0">
+              <a:schemeClr val="accent1"/>
+            </a:fillRef>
+            <a:effectRef idx="0">
+              <a:schemeClr val="accent1"/>
+            </a:effectRef>
+            <a:fontRef idx="minor">
+              <a:schemeClr val="tx1"/>
+            </a:fontRef>
+          </p:style>
+        </p:cxnSp>
+        <p:sp>
+          <p:nvSpPr>
+            <p:cNvPr id="178" name="文字方塊 177"/>
+            <p:cNvSpPr txBox="1"/>
+            <p:nvPr/>
+          </p:nvSpPr>
+          <p:spPr>
+            <a:xfrm>
+              <a:off x="296171" y="881634"/>
+              <a:ext cx="418704" cy="369332"/>
+            </a:xfrm>
+            <a:prstGeom prst="rect">
+              <a:avLst/>
+            </a:prstGeom>
+            <a:noFill/>
+          </p:spPr>
+          <p:txBody>
+            <a:bodyPr wrap="none" rtlCol="0">
+              <a:spAutoFit/>
+            </a:bodyPr>
+            <a:lstStyle/>
+            <a:p>
+              <a:r>
+                <a:rPr lang="en-US" altLang="zh-TW" dirty="0" smtClean="0"/>
+                <a:t>15</a:t>
+              </a:r>
+              <a:endParaRPr lang="zh-TW" altLang="en-US" dirty="0"/>
+            </a:p>
+          </p:txBody>
+        </p:sp>
+        <p:sp>
+          <p:nvSpPr>
+            <p:cNvPr id="179" name="文字方塊 178"/>
+            <p:cNvSpPr txBox="1"/>
+            <p:nvPr/>
+          </p:nvSpPr>
+          <p:spPr>
+            <a:xfrm>
+              <a:off x="284004" y="2165656"/>
+              <a:ext cx="418704" cy="369332"/>
+            </a:xfrm>
+            <a:prstGeom prst="rect">
+              <a:avLst/>
+            </a:prstGeom>
+            <a:noFill/>
+          </p:spPr>
+          <p:txBody>
+            <a:bodyPr wrap="none" rtlCol="0">
+              <a:spAutoFit/>
+            </a:bodyPr>
+            <a:lstStyle/>
+            <a:p>
+              <a:r>
+                <a:rPr lang="en-US" altLang="zh-TW" dirty="0" smtClean="0"/>
+                <a:t>15</a:t>
+              </a:r>
+              <a:endParaRPr lang="zh-TW" altLang="en-US" dirty="0"/>
+            </a:p>
+          </p:txBody>
+        </p:sp>
+        <p:grpSp>
+          <p:nvGrpSpPr>
+            <p:cNvPr id="182" name="群組 181"/>
+            <p:cNvGrpSpPr/>
+            <p:nvPr/>
+          </p:nvGrpSpPr>
+          <p:grpSpPr>
+            <a:xfrm>
+              <a:off x="1001536" y="1209016"/>
+              <a:ext cx="122029" cy="108772"/>
+              <a:chOff x="1617639" y="3388042"/>
+              <a:chExt cx="122029" cy="108772"/>
+            </a:xfrm>
+          </p:grpSpPr>
+          <p:cxnSp>
+            <p:nvCxnSpPr>
+              <p:cNvPr id="180" name="直線接點 179"/>
+              <p:cNvCxnSpPr/>
+              <p:nvPr/>
+            </p:nvCxnSpPr>
+            <p:spPr>
+              <a:xfrm flipV="1">
+                <a:off x="1617639" y="3494920"/>
+                <a:ext cx="122029" cy="1894"/>
+              </a:xfrm>
+              <a:prstGeom prst="line">
+                <a:avLst/>
+              </a:prstGeom>
+              <a:ln>
+                <a:solidFill>
+                  <a:schemeClr val="bg1">
+                    <a:lumMod val="50000"/>
+                  </a:schemeClr>
+                </a:solidFill>
+              </a:ln>
+            </p:spPr>
+            <p:style>
+              <a:lnRef idx="1">
+                <a:schemeClr val="accent1"/>
+              </a:lnRef>
+              <a:fillRef idx="0">
+                <a:schemeClr val="accent1"/>
+              </a:fillRef>
+              <a:effectRef idx="0">
+                <a:schemeClr val="accent1"/>
+              </a:effectRef>
+              <a:fontRef idx="minor">
+                <a:schemeClr val="tx1"/>
+              </a:fontRef>
+            </p:style>
+          </p:cxnSp>
+          <p:cxnSp>
+            <p:nvCxnSpPr>
+              <p:cNvPr id="181" name="直線接點 180"/>
+              <p:cNvCxnSpPr/>
+              <p:nvPr/>
+            </p:nvCxnSpPr>
+            <p:spPr>
+              <a:xfrm>
+                <a:off x="1739668" y="3388042"/>
+                <a:ext cx="0" cy="106878"/>
+              </a:xfrm>
+              <a:prstGeom prst="line">
+                <a:avLst/>
+              </a:prstGeom>
+              <a:ln>
+                <a:solidFill>
+                  <a:schemeClr val="bg1">
+                    <a:lumMod val="50000"/>
+                  </a:schemeClr>
+                </a:solidFill>
+              </a:ln>
+            </p:spPr>
+            <p:style>
+              <a:lnRef idx="1">
+                <a:schemeClr val="accent1"/>
+              </a:lnRef>
+              <a:fillRef idx="0">
+                <a:schemeClr val="accent1"/>
+              </a:fillRef>
+              <a:effectRef idx="0">
+                <a:schemeClr val="accent1"/>
+              </a:effectRef>
+              <a:fontRef idx="minor">
+                <a:schemeClr val="tx1"/>
+              </a:fontRef>
+            </p:style>
+          </p:cxnSp>
+        </p:grpSp>
+        <p:sp>
+          <p:nvSpPr>
+            <p:cNvPr id="183" name="文字方塊 182"/>
+            <p:cNvSpPr txBox="1"/>
+            <p:nvPr/>
+          </p:nvSpPr>
+          <p:spPr>
+            <a:xfrm>
+              <a:off x="1179568" y="1195538"/>
+              <a:ext cx="737510" cy="145122"/>
+            </a:xfrm>
+            <a:prstGeom prst="rect">
+              <a:avLst/>
+            </a:prstGeom>
+            <a:noFill/>
+          </p:spPr>
+          <p:txBody>
+            <a:bodyPr wrap="none" rtlCol="0">
+              <a:spAutoFit/>
+            </a:bodyPr>
+            <a:lstStyle/>
+            <a:p>
+              <a:r>
+                <a:rPr lang="en-US" altLang="zh-TW" sz="1400" dirty="0" smtClean="0">
+                  <a:solidFill>
+                    <a:schemeClr val="bg1">
+                      <a:lumMod val="50000"/>
+                    </a:schemeClr>
+                  </a:solidFill>
+                </a:rPr>
+                <a:t>3</a:t>
+              </a:r>
+              <a:r>
+                <a:rPr lang="zh-TW" altLang="en-US" sz="1400" dirty="0">
+                  <a:solidFill>
+                    <a:schemeClr val="bg1">
+                      <a:lumMod val="50000"/>
+                    </a:schemeClr>
+                  </a:solidFill>
+                </a:rPr>
+                <a:t> </a:t>
+              </a:r>
+              <a:r>
+                <a:rPr lang="en-US" altLang="zh-TW" sz="1400" dirty="0" smtClean="0">
+                  <a:solidFill>
+                    <a:schemeClr val="bg1">
+                      <a:lumMod val="50000"/>
+                    </a:schemeClr>
+                  </a:solidFill>
+                </a:rPr>
+                <a:t>mm/s</a:t>
+              </a:r>
+              <a:endParaRPr lang="zh-TW" altLang="en-US" sz="1400" dirty="0">
+                <a:solidFill>
+                  <a:schemeClr val="bg1">
+                    <a:lumMod val="50000"/>
+                  </a:schemeClr>
+                </a:solidFill>
+              </a:endParaRPr>
+            </a:p>
+          </p:txBody>
+        </p:sp>
+        <p:grpSp>
+          <p:nvGrpSpPr>
+            <p:cNvPr id="184" name="群組 183"/>
+            <p:cNvGrpSpPr/>
+            <p:nvPr/>
+          </p:nvGrpSpPr>
+          <p:grpSpPr>
+            <a:xfrm>
+              <a:off x="9407837" y="1145131"/>
+              <a:ext cx="122029" cy="216000"/>
+              <a:chOff x="1617639" y="3286540"/>
+              <a:chExt cx="122029" cy="216000"/>
+            </a:xfrm>
+          </p:grpSpPr>
+          <p:cxnSp>
+            <p:nvCxnSpPr>
+              <p:cNvPr id="185" name="直線接點 184"/>
+              <p:cNvCxnSpPr/>
+              <p:nvPr/>
+            </p:nvCxnSpPr>
+            <p:spPr>
+              <a:xfrm flipV="1">
+                <a:off x="1617639" y="3494920"/>
+                <a:ext cx="122029" cy="1894"/>
+              </a:xfrm>
+              <a:prstGeom prst="line">
+                <a:avLst/>
+              </a:prstGeom>
+              <a:ln>
+                <a:solidFill>
+                  <a:schemeClr val="bg1">
+                    <a:lumMod val="50000"/>
+                  </a:schemeClr>
+                </a:solidFill>
+              </a:ln>
+            </p:spPr>
+            <p:style>
+              <a:lnRef idx="1">
+                <a:schemeClr val="accent1"/>
+              </a:lnRef>
+              <a:fillRef idx="0">
+                <a:schemeClr val="accent1"/>
+              </a:fillRef>
+              <a:effectRef idx="0">
+                <a:schemeClr val="accent1"/>
+              </a:effectRef>
+              <a:fontRef idx="minor">
+                <a:schemeClr val="tx1"/>
+              </a:fontRef>
+            </p:style>
+          </p:cxnSp>
+          <p:cxnSp>
+            <p:nvCxnSpPr>
+              <p:cNvPr id="186" name="直線接點 185"/>
+              <p:cNvCxnSpPr/>
+              <p:nvPr/>
+            </p:nvCxnSpPr>
+            <p:spPr>
+              <a:xfrm>
+                <a:off x="1739668" y="3286540"/>
+                <a:ext cx="0" cy="216000"/>
+              </a:xfrm>
+              <a:prstGeom prst="line">
+                <a:avLst/>
+              </a:prstGeom>
+              <a:ln>
+                <a:solidFill>
+                  <a:schemeClr val="bg1">
+                    <a:lumMod val="50000"/>
+                  </a:schemeClr>
+                </a:solidFill>
+              </a:ln>
+            </p:spPr>
+            <p:style>
+              <a:lnRef idx="1">
+                <a:schemeClr val="accent1"/>
+              </a:lnRef>
+              <a:fillRef idx="0">
+                <a:schemeClr val="accent1"/>
+              </a:fillRef>
+              <a:effectRef idx="0">
+                <a:schemeClr val="accent1"/>
+              </a:effectRef>
+              <a:fontRef idx="minor">
+                <a:schemeClr val="tx1"/>
+              </a:fontRef>
+            </p:style>
+          </p:cxnSp>
+        </p:grpSp>
+        <p:sp>
+          <p:nvSpPr>
+            <p:cNvPr id="187" name="文字方塊 186"/>
+            <p:cNvSpPr txBox="1"/>
+            <p:nvPr/>
+          </p:nvSpPr>
+          <p:spPr>
+            <a:xfrm>
+              <a:off x="9535538" y="1218547"/>
+              <a:ext cx="737510" cy="145122"/>
+            </a:xfrm>
+            <a:prstGeom prst="rect">
+              <a:avLst/>
+            </a:prstGeom>
+            <a:noFill/>
+          </p:spPr>
+          <p:txBody>
+            <a:bodyPr wrap="none" rtlCol="0">
+              <a:spAutoFit/>
+            </a:bodyPr>
+            <a:lstStyle/>
+            <a:p>
+              <a:r>
+                <a:rPr lang="en-US" altLang="zh-TW" sz="1400" dirty="0" smtClean="0">
+                  <a:solidFill>
+                    <a:schemeClr val="bg1">
+                      <a:lumMod val="50000"/>
+                    </a:schemeClr>
+                  </a:solidFill>
+                </a:rPr>
+                <a:t>6</a:t>
+              </a:r>
+              <a:r>
+                <a:rPr lang="zh-TW" altLang="en-US" sz="1400" dirty="0" smtClean="0">
+                  <a:solidFill>
+                    <a:schemeClr val="bg1">
+                      <a:lumMod val="50000"/>
+                    </a:schemeClr>
+                  </a:solidFill>
+                </a:rPr>
+                <a:t> </a:t>
+              </a:r>
+              <a:r>
+                <a:rPr lang="en-US" altLang="zh-TW" sz="1400" dirty="0" smtClean="0">
+                  <a:solidFill>
+                    <a:schemeClr val="bg1">
+                      <a:lumMod val="50000"/>
+                    </a:schemeClr>
+                  </a:solidFill>
+                </a:rPr>
+                <a:t>mm/s</a:t>
+              </a:r>
+              <a:endParaRPr lang="zh-TW" altLang="en-US" sz="1400" dirty="0">
+                <a:solidFill>
+                  <a:schemeClr val="bg1">
+                    <a:lumMod val="50000"/>
+                  </a:schemeClr>
+                </a:solidFill>
+              </a:endParaRPr>
+            </a:p>
+          </p:txBody>
+        </p:sp>
+        <p:grpSp>
+          <p:nvGrpSpPr>
+            <p:cNvPr id="189" name="群組 188"/>
+            <p:cNvGrpSpPr/>
+            <p:nvPr/>
+          </p:nvGrpSpPr>
+          <p:grpSpPr>
+            <a:xfrm>
+              <a:off x="7070436" y="1204253"/>
+              <a:ext cx="122029" cy="186740"/>
+              <a:chOff x="1617639" y="3311037"/>
+              <a:chExt cx="122029" cy="186740"/>
+            </a:xfrm>
+          </p:grpSpPr>
+          <p:cxnSp>
+            <p:nvCxnSpPr>
+              <p:cNvPr id="190" name="直線接點 189"/>
+              <p:cNvCxnSpPr/>
+              <p:nvPr/>
+            </p:nvCxnSpPr>
+            <p:spPr>
+              <a:xfrm flipV="1">
+                <a:off x="1617639" y="3494920"/>
+                <a:ext cx="122029" cy="1894"/>
+              </a:xfrm>
+              <a:prstGeom prst="line">
+                <a:avLst/>
+              </a:prstGeom>
+              <a:ln>
+                <a:solidFill>
+                  <a:schemeClr val="bg1">
+                    <a:lumMod val="50000"/>
+                  </a:schemeClr>
+                </a:solidFill>
+              </a:ln>
+            </p:spPr>
+            <p:style>
+              <a:lnRef idx="1">
+                <a:schemeClr val="accent1"/>
+              </a:lnRef>
+              <a:fillRef idx="0">
+                <a:schemeClr val="accent1"/>
+              </a:fillRef>
+              <a:effectRef idx="0">
+                <a:schemeClr val="accent1"/>
+              </a:effectRef>
+              <a:fontRef idx="minor">
+                <a:schemeClr val="tx1"/>
+              </a:fontRef>
+            </p:style>
+          </p:cxnSp>
+          <p:cxnSp>
+            <p:nvCxnSpPr>
+              <p:cNvPr id="191" name="直線接點 190"/>
+              <p:cNvCxnSpPr/>
+              <p:nvPr/>
+            </p:nvCxnSpPr>
+            <p:spPr>
+              <a:xfrm>
+                <a:off x="1739668" y="3311037"/>
+                <a:ext cx="0" cy="186740"/>
+              </a:xfrm>
+              <a:prstGeom prst="line">
+                <a:avLst/>
+              </a:prstGeom>
+              <a:ln>
+                <a:solidFill>
+                  <a:schemeClr val="bg1">
+                    <a:lumMod val="50000"/>
+                  </a:schemeClr>
+                </a:solidFill>
+              </a:ln>
+            </p:spPr>
+            <p:style>
+              <a:lnRef idx="1">
+                <a:schemeClr val="accent1"/>
+              </a:lnRef>
+              <a:fillRef idx="0">
+                <a:schemeClr val="accent1"/>
+              </a:fillRef>
+              <a:effectRef idx="0">
+                <a:schemeClr val="accent1"/>
+              </a:effectRef>
+              <a:fontRef idx="minor">
+                <a:schemeClr val="tx1"/>
+              </a:fontRef>
+            </p:style>
+          </p:cxnSp>
+        </p:grpSp>
+        <p:sp>
+          <p:nvSpPr>
+            <p:cNvPr id="192" name="文字方塊 191"/>
+            <p:cNvSpPr txBox="1"/>
+            <p:nvPr/>
+          </p:nvSpPr>
+          <p:spPr>
+            <a:xfrm>
+              <a:off x="7190688" y="1241356"/>
+              <a:ext cx="737510" cy="145122"/>
+            </a:xfrm>
+            <a:prstGeom prst="rect">
+              <a:avLst/>
+            </a:prstGeom>
+            <a:noFill/>
+          </p:spPr>
+          <p:txBody>
+            <a:bodyPr wrap="none" rtlCol="0">
+              <a:spAutoFit/>
+            </a:bodyPr>
+            <a:lstStyle/>
+            <a:p>
+              <a:r>
+                <a:rPr lang="en-US" altLang="zh-TW" sz="1400" dirty="0" smtClean="0">
+                  <a:solidFill>
+                    <a:schemeClr val="bg1">
+                      <a:lumMod val="50000"/>
+                    </a:schemeClr>
+                  </a:solidFill>
+                </a:rPr>
+                <a:t>5</a:t>
+              </a:r>
+              <a:r>
+                <a:rPr lang="zh-TW" altLang="en-US" sz="1400" dirty="0" smtClean="0">
+                  <a:solidFill>
+                    <a:schemeClr val="bg1">
+                      <a:lumMod val="50000"/>
+                    </a:schemeClr>
+                  </a:solidFill>
+                </a:rPr>
+                <a:t> </a:t>
+              </a:r>
+              <a:r>
+                <a:rPr lang="en-US" altLang="zh-TW" sz="1400" dirty="0" smtClean="0">
+                  <a:solidFill>
+                    <a:schemeClr val="bg1">
+                      <a:lumMod val="50000"/>
+                    </a:schemeClr>
+                  </a:solidFill>
+                </a:rPr>
+                <a:t>mm/s</a:t>
+              </a:r>
+              <a:endParaRPr lang="zh-TW" altLang="en-US" sz="1400" dirty="0">
+                <a:solidFill>
+                  <a:schemeClr val="bg1">
+                    <a:lumMod val="50000"/>
+                  </a:schemeClr>
+                </a:solidFill>
+              </a:endParaRPr>
+            </a:p>
+          </p:txBody>
+        </p:sp>
+        <p:grpSp>
+          <p:nvGrpSpPr>
+            <p:cNvPr id="194" name="群組 193"/>
+            <p:cNvGrpSpPr/>
+            <p:nvPr/>
+          </p:nvGrpSpPr>
+          <p:grpSpPr>
+            <a:xfrm>
+              <a:off x="4322915" y="1250966"/>
+              <a:ext cx="122029" cy="140105"/>
+              <a:chOff x="1617639" y="3357672"/>
+              <a:chExt cx="122029" cy="140105"/>
+            </a:xfrm>
+          </p:grpSpPr>
+          <p:cxnSp>
+            <p:nvCxnSpPr>
+              <p:cNvPr id="195" name="直線接點 194"/>
+              <p:cNvCxnSpPr/>
+              <p:nvPr/>
+            </p:nvCxnSpPr>
+            <p:spPr>
+              <a:xfrm flipV="1">
+                <a:off x="1617639" y="3494920"/>
+                <a:ext cx="122029" cy="1894"/>
+              </a:xfrm>
+              <a:prstGeom prst="line">
+                <a:avLst/>
+              </a:prstGeom>
+              <a:ln>
+                <a:solidFill>
+                  <a:schemeClr val="bg1">
+                    <a:lumMod val="50000"/>
+                  </a:schemeClr>
+                </a:solidFill>
+              </a:ln>
+            </p:spPr>
+            <p:style>
+              <a:lnRef idx="1">
+                <a:schemeClr val="accent1"/>
+              </a:lnRef>
+              <a:fillRef idx="0">
+                <a:schemeClr val="accent1"/>
+              </a:fillRef>
+              <a:effectRef idx="0">
+                <a:schemeClr val="accent1"/>
+              </a:effectRef>
+              <a:fontRef idx="minor">
+                <a:schemeClr val="tx1"/>
+              </a:fontRef>
+            </p:style>
+          </p:cxnSp>
+          <p:cxnSp>
+            <p:nvCxnSpPr>
+              <p:cNvPr id="196" name="直線接點 195"/>
+              <p:cNvCxnSpPr/>
+              <p:nvPr/>
+            </p:nvCxnSpPr>
+            <p:spPr>
+              <a:xfrm>
+                <a:off x="1739668" y="3357672"/>
+                <a:ext cx="0" cy="140105"/>
+              </a:xfrm>
+              <a:prstGeom prst="line">
+                <a:avLst/>
+              </a:prstGeom>
+              <a:ln>
+                <a:solidFill>
+                  <a:schemeClr val="bg1">
+                    <a:lumMod val="50000"/>
+                  </a:schemeClr>
+                </a:solidFill>
+              </a:ln>
+            </p:spPr>
+            <p:style>
+              <a:lnRef idx="1">
+                <a:schemeClr val="accent1"/>
+              </a:lnRef>
+              <a:fillRef idx="0">
+                <a:schemeClr val="accent1"/>
+              </a:fillRef>
+              <a:effectRef idx="0">
+                <a:schemeClr val="accent1"/>
+              </a:effectRef>
+              <a:fontRef idx="minor">
+                <a:schemeClr val="tx1"/>
+              </a:fontRef>
+            </p:style>
+          </p:cxnSp>
+        </p:grpSp>
+        <p:sp>
+          <p:nvSpPr>
+            <p:cNvPr id="197" name="文字方塊 196"/>
+            <p:cNvSpPr txBox="1"/>
+            <p:nvPr/>
+          </p:nvSpPr>
+          <p:spPr>
+            <a:xfrm>
+              <a:off x="4468849" y="1250044"/>
+              <a:ext cx="737510" cy="145122"/>
+            </a:xfrm>
+            <a:prstGeom prst="rect">
+              <a:avLst/>
+            </a:prstGeom>
+            <a:noFill/>
+          </p:spPr>
+          <p:txBody>
+            <a:bodyPr wrap="none" rtlCol="0">
+              <a:spAutoFit/>
+            </a:bodyPr>
+            <a:lstStyle/>
+            <a:p>
+              <a:r>
+                <a:rPr lang="en-US" altLang="zh-TW" sz="1400" dirty="0">
+                  <a:solidFill>
+                    <a:schemeClr val="bg1">
+                      <a:lumMod val="50000"/>
+                    </a:schemeClr>
+                  </a:solidFill>
+                </a:rPr>
+                <a:t>4</a:t>
+              </a:r>
+              <a:r>
+                <a:rPr lang="zh-TW" altLang="en-US" sz="1400" dirty="0" smtClean="0">
+                  <a:solidFill>
+                    <a:schemeClr val="bg1">
+                      <a:lumMod val="50000"/>
+                    </a:schemeClr>
+                  </a:solidFill>
+                </a:rPr>
+                <a:t> </a:t>
+              </a:r>
+              <a:r>
+                <a:rPr lang="en-US" altLang="zh-TW" sz="1400" dirty="0" smtClean="0">
+                  <a:solidFill>
+                    <a:schemeClr val="bg1">
+                      <a:lumMod val="50000"/>
+                    </a:schemeClr>
+                  </a:solidFill>
+                </a:rPr>
+                <a:t>mm/s</a:t>
+              </a:r>
+              <a:endParaRPr lang="zh-TW" altLang="en-US" sz="1400" dirty="0">
+                <a:solidFill>
+                  <a:schemeClr val="bg1">
+                    <a:lumMod val="50000"/>
+                  </a:schemeClr>
+                </a:solidFill>
+              </a:endParaRPr>
+            </a:p>
+          </p:txBody>
+        </p:sp>
+      </p:grpSp>
+    </p:spTree>
+    <p:extLst>
+      <p:ext uri="{BB962C8B-B14F-4D97-AF65-F5344CB8AC3E}">
+        <p14:creationId xmlns:p14="http://schemas.microsoft.com/office/powerpoint/2010/main" val="160270608"/>
+      </p:ext>
+    </p:extLst>
+  </p:cSld>
+  <p:clrMapOvr>
+    <a:masterClrMapping/>
+  </p:clrMapOvr>
+</p:sld>
+</file>
+
 <file path=ppt/slides/slide2.xml><?xml version="1.0" encoding="utf-8"?>
 <p:sld xmlns:a="http://schemas.openxmlformats.org/drawingml/2006/main" xmlns:r="http://schemas.openxmlformats.org/officeDocument/2006/relationships" xmlns:p="http://schemas.openxmlformats.org/presentationml/2006/main">
   <p:cSld>
@@ -10254,7 +13162,7 @@
           <a:p>
             <a:fld id="{979F763D-BF21-4D53-8EEE-BB706C571577}" type="datetime1">
               <a:rPr lang="zh-TW" altLang="en-US" smtClean="0"/>
-              <a:t>2021/6/3</a:t>
+              <a:t>2021/6/5</a:t>
             </a:fld>
             <a:endParaRPr lang="zh-TW" altLang="en-US"/>
           </a:p>
@@ -11208,7 +14116,7 @@
           <a:p>
             <a:fld id="{979F763D-BF21-4D53-8EEE-BB706C571577}" type="datetime1">
               <a:rPr lang="zh-TW" altLang="en-US" smtClean="0"/>
-              <a:t>2021/6/3</a:t>
+              <a:t>2021/6/5</a:t>
             </a:fld>
             <a:endParaRPr lang="zh-TW" altLang="en-US"/>
           </a:p>

--- a/009YiChan/Chan's thesis/Images/Original/ppt.pptx
+++ b/009YiChan/Chan's thesis/Images/Original/ppt.pptx
@@ -5,7 +5,7 @@
     <p:sldMasterId id="2147483648" r:id="rId1"/>
   </p:sldMasterIdLst>
   <p:notesMasterIdLst>
-    <p:notesMasterId r:id="rId20"/>
+    <p:notesMasterId r:id="rId21"/>
   </p:notesMasterIdLst>
   <p:sldIdLst>
     <p:sldId id="257" r:id="rId2"/>
@@ -26,6 +26,7 @@
     <p:sldId id="274" r:id="rId17"/>
     <p:sldId id="275" r:id="rId18"/>
     <p:sldId id="276" r:id="rId19"/>
+    <p:sldId id="277" r:id="rId20"/>
   </p:sldIdLst>
   <p:sldSz cx="12192000" cy="6858000"/>
   <p:notesSz cx="6858000" cy="9144000"/>
@@ -214,7 +215,7 @@
           <a:p>
             <a:fld id="{1C8D2AD6-9366-4FD0-8D5E-D0A160B803F4}" type="datetimeFigureOut">
               <a:rPr lang="zh-TW" altLang="en-US" smtClean="0"/>
-              <a:t>2021/6/5</a:t>
+              <a:t>2021/6/6</a:t>
             </a:fld>
             <a:endParaRPr lang="zh-TW" altLang="en-US"/>
           </a:p>
@@ -697,7 +698,7 @@
           <a:p>
             <a:fld id="{CA9831EC-52C6-4491-A088-87BB9C263796}" type="datetimeFigureOut">
               <a:rPr lang="zh-TW" altLang="en-US" smtClean="0"/>
-              <a:t>2021/6/5</a:t>
+              <a:t>2021/6/6</a:t>
             </a:fld>
             <a:endParaRPr lang="zh-TW" altLang="en-US"/>
           </a:p>
@@ -865,7 +866,7 @@
           <a:p>
             <a:fld id="{CA9831EC-52C6-4491-A088-87BB9C263796}" type="datetimeFigureOut">
               <a:rPr lang="zh-TW" altLang="en-US" smtClean="0"/>
-              <a:t>2021/6/5</a:t>
+              <a:t>2021/6/6</a:t>
             </a:fld>
             <a:endParaRPr lang="zh-TW" altLang="en-US"/>
           </a:p>
@@ -1043,7 +1044,7 @@
           <a:p>
             <a:fld id="{CA9831EC-52C6-4491-A088-87BB9C263796}" type="datetimeFigureOut">
               <a:rPr lang="zh-TW" altLang="en-US" smtClean="0"/>
-              <a:t>2021/6/5</a:t>
+              <a:t>2021/6/6</a:t>
             </a:fld>
             <a:endParaRPr lang="zh-TW" altLang="en-US"/>
           </a:p>
@@ -1211,7 +1212,7 @@
           <a:p>
             <a:fld id="{CA9831EC-52C6-4491-A088-87BB9C263796}" type="datetimeFigureOut">
               <a:rPr lang="zh-TW" altLang="en-US" smtClean="0"/>
-              <a:t>2021/6/5</a:t>
+              <a:t>2021/6/6</a:t>
             </a:fld>
             <a:endParaRPr lang="zh-TW" altLang="en-US"/>
           </a:p>
@@ -1456,7 +1457,7 @@
           <a:p>
             <a:fld id="{CA9831EC-52C6-4491-A088-87BB9C263796}" type="datetimeFigureOut">
               <a:rPr lang="zh-TW" altLang="en-US" smtClean="0"/>
-              <a:t>2021/6/5</a:t>
+              <a:t>2021/6/6</a:t>
             </a:fld>
             <a:endParaRPr lang="zh-TW" altLang="en-US"/>
           </a:p>
@@ -1685,7 +1686,7 @@
           <a:p>
             <a:fld id="{CA9831EC-52C6-4491-A088-87BB9C263796}" type="datetimeFigureOut">
               <a:rPr lang="zh-TW" altLang="en-US" smtClean="0"/>
-              <a:t>2021/6/5</a:t>
+              <a:t>2021/6/6</a:t>
             </a:fld>
             <a:endParaRPr lang="zh-TW" altLang="en-US"/>
           </a:p>
@@ -2049,7 +2050,7 @@
           <a:p>
             <a:fld id="{CA9831EC-52C6-4491-A088-87BB9C263796}" type="datetimeFigureOut">
               <a:rPr lang="zh-TW" altLang="en-US" smtClean="0"/>
-              <a:t>2021/6/5</a:t>
+              <a:t>2021/6/6</a:t>
             </a:fld>
             <a:endParaRPr lang="zh-TW" altLang="en-US"/>
           </a:p>
@@ -2166,7 +2167,7 @@
           <a:p>
             <a:fld id="{CA9831EC-52C6-4491-A088-87BB9C263796}" type="datetimeFigureOut">
               <a:rPr lang="zh-TW" altLang="en-US" smtClean="0"/>
-              <a:t>2021/6/5</a:t>
+              <a:t>2021/6/6</a:t>
             </a:fld>
             <a:endParaRPr lang="zh-TW" altLang="en-US"/>
           </a:p>
@@ -2261,7 +2262,7 @@
           <a:p>
             <a:fld id="{CA9831EC-52C6-4491-A088-87BB9C263796}" type="datetimeFigureOut">
               <a:rPr lang="zh-TW" altLang="en-US" smtClean="0"/>
-              <a:t>2021/6/5</a:t>
+              <a:t>2021/6/6</a:t>
             </a:fld>
             <a:endParaRPr lang="zh-TW" altLang="en-US"/>
           </a:p>
@@ -2536,7 +2537,7 @@
           <a:p>
             <a:fld id="{CA9831EC-52C6-4491-A088-87BB9C263796}" type="datetimeFigureOut">
               <a:rPr lang="zh-TW" altLang="en-US" smtClean="0"/>
-              <a:t>2021/6/5</a:t>
+              <a:t>2021/6/6</a:t>
             </a:fld>
             <a:endParaRPr lang="zh-TW" altLang="en-US"/>
           </a:p>
@@ -2788,7 +2789,7 @@
           <a:p>
             <a:fld id="{CA9831EC-52C6-4491-A088-87BB9C263796}" type="datetimeFigureOut">
               <a:rPr lang="zh-TW" altLang="en-US" smtClean="0"/>
-              <a:t>2021/6/5</a:t>
+              <a:t>2021/6/6</a:t>
             </a:fld>
             <a:endParaRPr lang="zh-TW" altLang="en-US"/>
           </a:p>
@@ -2999,7 +3000,7 @@
           <a:p>
             <a:fld id="{CA9831EC-52C6-4491-A088-87BB9C263796}" type="datetimeFigureOut">
               <a:rPr lang="zh-TW" altLang="en-US" smtClean="0"/>
-              <a:t>2021/6/5</a:t>
+              <a:t>2021/6/6</a:t>
             </a:fld>
             <a:endParaRPr lang="zh-TW" altLang="en-US"/>
           </a:p>
@@ -9772,15 +9773,15 @@
             <a:lstStyle/>
             <a:p>
               <a:r>
-                <a:rPr lang="en-US" altLang="zh-TW" dirty="0" smtClean="0"/>
+                <a:rPr lang="en-US" altLang="zh-TW" dirty="0"/>
                 <a:t>Time</a:t>
               </a:r>
               <a:r>
-                <a:rPr lang="zh-TW" altLang="en-US" dirty="0" smtClean="0"/>
+                <a:rPr lang="zh-TW" altLang="en-US" dirty="0"/>
                 <a:t> </a:t>
               </a:r>
               <a:r>
-                <a:rPr lang="en-US" altLang="zh-TW" dirty="0" smtClean="0"/>
+                <a:rPr lang="en-US" altLang="zh-TW" dirty="0"/>
                 <a:t>(s)</a:t>
               </a:r>
               <a:endParaRPr lang="zh-TW" altLang="en-US" dirty="0"/>
@@ -9840,15 +9841,15 @@
             <a:lstStyle/>
             <a:p>
               <a:r>
-                <a:rPr lang="en-US" altLang="zh-TW" dirty="0" smtClean="0"/>
+                <a:rPr lang="en-US" altLang="zh-TW" dirty="0"/>
                 <a:t>X</a:t>
               </a:r>
               <a:r>
-                <a:rPr lang="zh-TW" altLang="en-US" dirty="0" smtClean="0"/>
+                <a:rPr lang="zh-TW" altLang="en-US" dirty="0"/>
                 <a:t> </a:t>
               </a:r>
               <a:r>
-                <a:rPr lang="en-US" altLang="zh-TW" dirty="0" smtClean="0"/>
+                <a:rPr lang="en-US" altLang="zh-TW" dirty="0"/>
                 <a:t>(mm)</a:t>
               </a:r>
               <a:endParaRPr lang="zh-TW" altLang="en-US" dirty="0"/>
@@ -9878,7 +9879,7 @@
             <a:lstStyle/>
             <a:p>
               <a:r>
-                <a:rPr lang="en-US" altLang="zh-TW" dirty="0" smtClean="0"/>
+                <a:rPr lang="en-US" altLang="zh-TW" dirty="0"/>
                 <a:t>Z (mm)</a:t>
               </a:r>
               <a:endParaRPr lang="zh-TW" altLang="en-US" dirty="0"/>
@@ -10153,7 +10154,7 @@
             <a:lstStyle/>
             <a:p>
               <a:r>
-                <a:rPr lang="en-US" altLang="zh-TW" dirty="0" smtClean="0"/>
+                <a:rPr lang="en-US" altLang="zh-TW" dirty="0"/>
                 <a:t>20</a:t>
               </a:r>
               <a:endParaRPr lang="zh-TW" altLang="en-US" dirty="0"/>
@@ -10184,11 +10185,7 @@
             <a:p>
               <a:r>
                 <a:rPr lang="en-US" altLang="zh-TW" dirty="0"/>
-                <a:t>3</a:t>
-              </a:r>
-              <a:r>
-                <a:rPr lang="en-US" altLang="zh-TW" dirty="0" smtClean="0"/>
-                <a:t>0</a:t>
+                <a:t>30</a:t>
               </a:r>
               <a:endParaRPr lang="zh-TW" altLang="en-US" dirty="0"/>
             </a:p>
@@ -10217,7 +10214,7 @@
             <a:lstStyle/>
             <a:p>
               <a:r>
-                <a:rPr lang="en-US" altLang="zh-TW" dirty="0" smtClean="0"/>
+                <a:rPr lang="en-US" altLang="zh-TW" dirty="0"/>
                 <a:t>77</a:t>
               </a:r>
               <a:endParaRPr lang="zh-TW" altLang="en-US" dirty="0"/>
@@ -10247,7 +10244,7 @@
             <a:lstStyle/>
             <a:p>
               <a:r>
-                <a:rPr lang="en-US" altLang="zh-TW" dirty="0" smtClean="0"/>
+                <a:rPr lang="en-US" altLang="zh-TW" dirty="0"/>
                 <a:t>45</a:t>
               </a:r>
               <a:endParaRPr lang="zh-TW" altLang="en-US" dirty="0"/>
@@ -10277,7 +10274,7 @@
             <a:lstStyle/>
             <a:p>
               <a:r>
-                <a:rPr lang="en-US" altLang="zh-TW" dirty="0" smtClean="0"/>
+                <a:rPr lang="en-US" altLang="zh-TW" dirty="0"/>
                 <a:t>55</a:t>
               </a:r>
               <a:endParaRPr lang="zh-TW" altLang="en-US" dirty="0"/>
@@ -10307,7 +10304,7 @@
             <a:lstStyle/>
             <a:p>
               <a:r>
-                <a:rPr lang="en-US" altLang="zh-TW" dirty="0" smtClean="0"/>
+                <a:rPr lang="en-US" altLang="zh-TW" dirty="0"/>
                 <a:t>67</a:t>
               </a:r>
               <a:endParaRPr lang="zh-TW" altLang="en-US" dirty="0"/>
@@ -10337,7 +10334,7 @@
             <a:lstStyle/>
             <a:p>
               <a:r>
-                <a:rPr lang="en-US" altLang="zh-TW" dirty="0" smtClean="0"/>
+                <a:rPr lang="en-US" altLang="zh-TW" dirty="0"/>
                 <a:t>87</a:t>
               </a:r>
               <a:endParaRPr lang="zh-TW" altLang="en-US" dirty="0"/>
@@ -10437,7 +10434,7 @@
             <a:lstStyle/>
             <a:p>
               <a:r>
-                <a:rPr lang="en-US" altLang="zh-TW" dirty="0" smtClean="0"/>
+                <a:rPr lang="en-US" altLang="zh-TW" dirty="0"/>
                 <a:t>15</a:t>
               </a:r>
               <a:endParaRPr lang="zh-TW" altLang="en-US" dirty="0"/>
@@ -10467,7 +10464,7 @@
             <a:lstStyle/>
             <a:p>
               <a:r>
-                <a:rPr lang="en-US" altLang="zh-TW" dirty="0" smtClean="0"/>
+                <a:rPr lang="en-US" altLang="zh-TW" dirty="0"/>
                 <a:t>15</a:t>
               </a:r>
               <a:endParaRPr lang="zh-TW" altLang="en-US" dirty="0"/>
@@ -10586,7 +10583,7 @@
             <a:lstStyle/>
             <a:p>
               <a:r>
-                <a:rPr lang="en-US" altLang="zh-TW" sz="1400" dirty="0" smtClean="0">
+                <a:rPr lang="en-US" altLang="zh-TW" sz="1400" dirty="0">
                   <a:solidFill>
                     <a:schemeClr val="bg1">
                       <a:lumMod val="50000"/>
@@ -10606,7 +10603,7 @@
                 <a:t> </a:t>
               </a:r>
               <a:r>
-                <a:rPr lang="en-US" altLang="zh-TW" sz="1400" dirty="0" smtClean="0">
+                <a:rPr lang="en-US" altLang="zh-TW" sz="1400" dirty="0">
                   <a:solidFill>
                     <a:schemeClr val="bg1">
                       <a:lumMod val="50000"/>
@@ -10737,7 +10734,7 @@
             <a:lstStyle/>
             <a:p>
               <a:r>
-                <a:rPr lang="en-US" altLang="zh-TW" sz="1400" dirty="0" smtClean="0">
+                <a:rPr lang="en-US" altLang="zh-TW" sz="1400" dirty="0">
                   <a:solidFill>
                     <a:schemeClr val="bg1">
                       <a:lumMod val="50000"/>
@@ -10747,7 +10744,7 @@
                 <a:t>6</a:t>
               </a:r>
               <a:r>
-                <a:rPr lang="zh-TW" altLang="en-US" sz="1400" dirty="0" smtClean="0">
+                <a:rPr lang="zh-TW" altLang="en-US" sz="1400" dirty="0">
                   <a:solidFill>
                     <a:schemeClr val="bg1">
                       <a:lumMod val="50000"/>
@@ -10757,7 +10754,7 @@
                 <a:t> </a:t>
               </a:r>
               <a:r>
-                <a:rPr lang="en-US" altLang="zh-TW" sz="1400" dirty="0" smtClean="0">
+                <a:rPr lang="en-US" altLang="zh-TW" sz="1400" dirty="0">
                   <a:solidFill>
                     <a:schemeClr val="bg1">
                       <a:lumMod val="50000"/>
@@ -10888,7 +10885,7 @@
             <a:lstStyle/>
             <a:p>
               <a:r>
-                <a:rPr lang="en-US" altLang="zh-TW" sz="1400" dirty="0" smtClean="0">
+                <a:rPr lang="en-US" altLang="zh-TW" sz="1400" dirty="0">
                   <a:solidFill>
                     <a:schemeClr val="bg1">
                       <a:lumMod val="50000"/>
@@ -10898,7 +10895,7 @@
                 <a:t>5</a:t>
               </a:r>
               <a:r>
-                <a:rPr lang="zh-TW" altLang="en-US" sz="1400" dirty="0" smtClean="0">
+                <a:rPr lang="zh-TW" altLang="en-US" sz="1400" dirty="0">
                   <a:solidFill>
                     <a:schemeClr val="bg1">
                       <a:lumMod val="50000"/>
@@ -10908,7 +10905,7 @@
                 <a:t> </a:t>
               </a:r>
               <a:r>
-                <a:rPr lang="en-US" altLang="zh-TW" sz="1400" dirty="0" smtClean="0">
+                <a:rPr lang="en-US" altLang="zh-TW" sz="1400" dirty="0">
                   <a:solidFill>
                     <a:schemeClr val="bg1">
                       <a:lumMod val="50000"/>
@@ -11049,7 +11046,7 @@
                 <a:t>4</a:t>
               </a:r>
               <a:r>
-                <a:rPr lang="zh-TW" altLang="en-US" sz="1400" dirty="0" smtClean="0">
+                <a:rPr lang="zh-TW" altLang="en-US" sz="1400" dirty="0">
                   <a:solidFill>
                     <a:schemeClr val="bg1">
                       <a:lumMod val="50000"/>
@@ -11059,7 +11056,7 @@
                 <a:t> </a:t>
               </a:r>
               <a:r>
-                <a:rPr lang="en-US" altLang="zh-TW" sz="1400" dirty="0" smtClean="0">
+                <a:rPr lang="en-US" altLang="zh-TW" sz="1400" dirty="0">
                   <a:solidFill>
                     <a:schemeClr val="bg1">
                       <a:lumMod val="50000"/>
@@ -11083,6 +11080,71 @@
     <p:extLst>
       <p:ext uri="{BB962C8B-B14F-4D97-AF65-F5344CB8AC3E}">
         <p14:creationId xmlns:p14="http://schemas.microsoft.com/office/powerpoint/2010/main" val="160270608"/>
+      </p:ext>
+    </p:extLst>
+  </p:cSld>
+  <p:clrMapOvr>
+    <a:masterClrMapping/>
+  </p:clrMapOvr>
+</p:sld>
+</file>
+
+<file path=ppt/slides/slide19.xml><?xml version="1.0" encoding="utf-8"?>
+<p:sld xmlns:a="http://schemas.openxmlformats.org/drawingml/2006/main" xmlns:r="http://schemas.openxmlformats.org/officeDocument/2006/relationships" xmlns:p="http://schemas.openxmlformats.org/presentationml/2006/main">
+  <p:cSld>
+    <p:spTree>
+      <p:nvGrpSpPr>
+        <p:cNvPr id="1" name=""/>
+        <p:cNvGrpSpPr/>
+        <p:nvPr/>
+      </p:nvGrpSpPr>
+      <p:grpSpPr>
+        <a:xfrm>
+          <a:off x="0" y="0"/>
+          <a:ext cx="0" cy="0"/>
+          <a:chOff x="0" y="0"/>
+          <a:chExt cx="0" cy="0"/>
+        </a:xfrm>
+      </p:grpSpPr>
+      <p:pic>
+        <p:nvPicPr>
+          <p:cNvPr id="2" name="圖片 1">
+            <a:extLst>
+              <a:ext uri="{FF2B5EF4-FFF2-40B4-BE49-F238E27FC236}">
+                <a16:creationId xmlns:a16="http://schemas.microsoft.com/office/drawing/2014/main" id="{954A22FA-FA16-41AC-A481-22E8BD812C2E}"/>
+              </a:ext>
+            </a:extLst>
+          </p:cNvPr>
+          <p:cNvPicPr>
+            <a:picLocks noChangeAspect="1"/>
+          </p:cNvPicPr>
+          <p:nvPr/>
+        </p:nvPicPr>
+        <p:blipFill rotWithShape="1">
+          <a:blip r:embed="rId2">
+            <a:extLst>
+              <a:ext uri="{28A0092B-C50C-407E-A947-70E740481C1C}">
+                <a14:useLocalDpi xmlns:a14="http://schemas.microsoft.com/office/drawing/2010/main" val="0"/>
+              </a:ext>
+            </a:extLst>
+          </a:blip>
+          <a:srcRect l="10104" r="7917"/>
+          <a:stretch/>
+        </p:blipFill>
+        <p:spPr>
+          <a:xfrm rot="16200000">
+            <a:off x="1242646" y="632420"/>
+            <a:ext cx="9144000" cy="5905777"/>
+          </a:xfrm>
+          <a:prstGeom prst="rect">
+            <a:avLst/>
+          </a:prstGeom>
+        </p:spPr>
+      </p:pic>
+    </p:spTree>
+    <p:extLst>
+      <p:ext uri="{BB962C8B-B14F-4D97-AF65-F5344CB8AC3E}">
+        <p14:creationId xmlns:p14="http://schemas.microsoft.com/office/powerpoint/2010/main" val="2225016885"/>
       </p:ext>
     </p:extLst>
   </p:cSld>
@@ -13162,7 +13224,7 @@
           <a:p>
             <a:fld id="{979F763D-BF21-4D53-8EEE-BB706C571577}" type="datetime1">
               <a:rPr lang="zh-TW" altLang="en-US" smtClean="0"/>
-              <a:t>2021/6/5</a:t>
+              <a:t>2021/6/6</a:t>
             </a:fld>
             <a:endParaRPr lang="zh-TW" altLang="en-US"/>
           </a:p>
@@ -14116,7 +14178,7 @@
           <a:p>
             <a:fld id="{979F763D-BF21-4D53-8EEE-BB706C571577}" type="datetime1">
               <a:rPr lang="zh-TW" altLang="en-US" smtClean="0"/>
-              <a:t>2021/6/5</a:t>
+              <a:t>2021/6/6</a:t>
             </a:fld>
             <a:endParaRPr lang="zh-TW" altLang="en-US"/>
           </a:p>

--- a/009YiChan/Chan's thesis/Images/Original/ppt.pptx
+++ b/009YiChan/Chan's thesis/Images/Original/ppt.pptx
@@ -5,7 +5,7 @@
     <p:sldMasterId id="2147483648" r:id="rId1"/>
   </p:sldMasterIdLst>
   <p:notesMasterIdLst>
-    <p:notesMasterId r:id="rId21"/>
+    <p:notesMasterId r:id="rId22"/>
   </p:notesMasterIdLst>
   <p:sldIdLst>
     <p:sldId id="257" r:id="rId2"/>
@@ -27,6 +27,7 @@
     <p:sldId id="275" r:id="rId18"/>
     <p:sldId id="276" r:id="rId19"/>
     <p:sldId id="277" r:id="rId20"/>
+    <p:sldId id="278" r:id="rId21"/>
   </p:sldIdLst>
   <p:sldSz cx="12192000" cy="6858000"/>
   <p:notesSz cx="6858000" cy="9144000"/>
@@ -215,7 +216,7 @@
           <a:p>
             <a:fld id="{1C8D2AD6-9366-4FD0-8D5E-D0A160B803F4}" type="datetimeFigureOut">
               <a:rPr lang="zh-TW" altLang="en-US" smtClean="0"/>
-              <a:t>2021/6/6</a:t>
+              <a:t>2021/6/11</a:t>
             </a:fld>
             <a:endParaRPr lang="zh-TW" altLang="en-US"/>
           </a:p>
@@ -698,7 +699,7 @@
           <a:p>
             <a:fld id="{CA9831EC-52C6-4491-A088-87BB9C263796}" type="datetimeFigureOut">
               <a:rPr lang="zh-TW" altLang="en-US" smtClean="0"/>
-              <a:t>2021/6/6</a:t>
+              <a:t>2021/6/11</a:t>
             </a:fld>
             <a:endParaRPr lang="zh-TW" altLang="en-US"/>
           </a:p>
@@ -866,7 +867,7 @@
           <a:p>
             <a:fld id="{CA9831EC-52C6-4491-A088-87BB9C263796}" type="datetimeFigureOut">
               <a:rPr lang="zh-TW" altLang="en-US" smtClean="0"/>
-              <a:t>2021/6/6</a:t>
+              <a:t>2021/6/11</a:t>
             </a:fld>
             <a:endParaRPr lang="zh-TW" altLang="en-US"/>
           </a:p>
@@ -1044,7 +1045,7 @@
           <a:p>
             <a:fld id="{CA9831EC-52C6-4491-A088-87BB9C263796}" type="datetimeFigureOut">
               <a:rPr lang="zh-TW" altLang="en-US" smtClean="0"/>
-              <a:t>2021/6/6</a:t>
+              <a:t>2021/6/11</a:t>
             </a:fld>
             <a:endParaRPr lang="zh-TW" altLang="en-US"/>
           </a:p>
@@ -1212,7 +1213,7 @@
           <a:p>
             <a:fld id="{CA9831EC-52C6-4491-A088-87BB9C263796}" type="datetimeFigureOut">
               <a:rPr lang="zh-TW" altLang="en-US" smtClean="0"/>
-              <a:t>2021/6/6</a:t>
+              <a:t>2021/6/11</a:t>
             </a:fld>
             <a:endParaRPr lang="zh-TW" altLang="en-US"/>
           </a:p>
@@ -1457,7 +1458,7 @@
           <a:p>
             <a:fld id="{CA9831EC-52C6-4491-A088-87BB9C263796}" type="datetimeFigureOut">
               <a:rPr lang="zh-TW" altLang="en-US" smtClean="0"/>
-              <a:t>2021/6/6</a:t>
+              <a:t>2021/6/11</a:t>
             </a:fld>
             <a:endParaRPr lang="zh-TW" altLang="en-US"/>
           </a:p>
@@ -1686,7 +1687,7 @@
           <a:p>
             <a:fld id="{CA9831EC-52C6-4491-A088-87BB9C263796}" type="datetimeFigureOut">
               <a:rPr lang="zh-TW" altLang="en-US" smtClean="0"/>
-              <a:t>2021/6/6</a:t>
+              <a:t>2021/6/11</a:t>
             </a:fld>
             <a:endParaRPr lang="zh-TW" altLang="en-US"/>
           </a:p>
@@ -2050,7 +2051,7 @@
           <a:p>
             <a:fld id="{CA9831EC-52C6-4491-A088-87BB9C263796}" type="datetimeFigureOut">
               <a:rPr lang="zh-TW" altLang="en-US" smtClean="0"/>
-              <a:t>2021/6/6</a:t>
+              <a:t>2021/6/11</a:t>
             </a:fld>
             <a:endParaRPr lang="zh-TW" altLang="en-US"/>
           </a:p>
@@ -2167,7 +2168,7 @@
           <a:p>
             <a:fld id="{CA9831EC-52C6-4491-A088-87BB9C263796}" type="datetimeFigureOut">
               <a:rPr lang="zh-TW" altLang="en-US" smtClean="0"/>
-              <a:t>2021/6/6</a:t>
+              <a:t>2021/6/11</a:t>
             </a:fld>
             <a:endParaRPr lang="zh-TW" altLang="en-US"/>
           </a:p>
@@ -2262,7 +2263,7 @@
           <a:p>
             <a:fld id="{CA9831EC-52C6-4491-A088-87BB9C263796}" type="datetimeFigureOut">
               <a:rPr lang="zh-TW" altLang="en-US" smtClean="0"/>
-              <a:t>2021/6/6</a:t>
+              <a:t>2021/6/11</a:t>
             </a:fld>
             <a:endParaRPr lang="zh-TW" altLang="en-US"/>
           </a:p>
@@ -2537,7 +2538,7 @@
           <a:p>
             <a:fld id="{CA9831EC-52C6-4491-A088-87BB9C263796}" type="datetimeFigureOut">
               <a:rPr lang="zh-TW" altLang="en-US" smtClean="0"/>
-              <a:t>2021/6/6</a:t>
+              <a:t>2021/6/11</a:t>
             </a:fld>
             <a:endParaRPr lang="zh-TW" altLang="en-US"/>
           </a:p>
@@ -2789,7 +2790,7 @@
           <a:p>
             <a:fld id="{CA9831EC-52C6-4491-A088-87BB9C263796}" type="datetimeFigureOut">
               <a:rPr lang="zh-TW" altLang="en-US" smtClean="0"/>
-              <a:t>2021/6/6</a:t>
+              <a:t>2021/6/11</a:t>
             </a:fld>
             <a:endParaRPr lang="zh-TW" altLang="en-US"/>
           </a:p>
@@ -3000,7 +3001,7 @@
           <a:p>
             <a:fld id="{CA9831EC-52C6-4491-A088-87BB9C263796}" type="datetimeFigureOut">
               <a:rPr lang="zh-TW" altLang="en-US" smtClean="0"/>
-              <a:t>2021/6/6</a:t>
+              <a:t>2021/6/11</a:t>
             </a:fld>
             <a:endParaRPr lang="zh-TW" altLang="en-US"/>
           </a:p>
@@ -8207,16 +8208,22 @@
       </p:grpSpPr>
       <p:grpSp>
         <p:nvGrpSpPr>
-          <p:cNvPr id="15" name="群組 14"/>
+          <p:cNvPr id="6" name="群組 5">
+            <a:extLst>
+              <a:ext uri="{FF2B5EF4-FFF2-40B4-BE49-F238E27FC236}">
+                <a16:creationId xmlns:a16="http://schemas.microsoft.com/office/drawing/2014/main" id="{965D09F1-D20C-4FA1-BBAB-9D59412A45B9}"/>
+              </a:ext>
+            </a:extLst>
+          </p:cNvPr>
           <p:cNvGrpSpPr/>
           <p:nvPr/>
         </p:nvGrpSpPr>
         <p:grpSpPr>
           <a:xfrm>
-            <a:off x="2494071" y="-30938"/>
-            <a:ext cx="6867525" cy="6888938"/>
-            <a:chOff x="2494071" y="-30938"/>
-            <a:chExt cx="6867525" cy="6888938"/>
+            <a:off x="2517436" y="0"/>
+            <a:ext cx="6829425" cy="6858000"/>
+            <a:chOff x="2517436" y="0"/>
+            <a:chExt cx="6829425" cy="6858000"/>
           </a:xfrm>
         </p:grpSpPr>
         <p:grpSp>
@@ -8332,7 +8339,13 @@
         </p:grpSp>
         <p:pic>
           <p:nvPicPr>
-            <p:cNvPr id="14" name="圖片 13"/>
+            <p:cNvPr id="4" name="圖片 3">
+              <a:extLst>
+                <a:ext uri="{FF2B5EF4-FFF2-40B4-BE49-F238E27FC236}">
+                  <a16:creationId xmlns:a16="http://schemas.microsoft.com/office/drawing/2014/main" id="{36B31BFF-2C10-4754-8A73-B88A68EA4A39}"/>
+                </a:ext>
+              </a:extLst>
+            </p:cNvPr>
             <p:cNvPicPr>
               <a:picLocks noChangeAspect="1"/>
             </p:cNvPicPr>
@@ -8352,8 +8365,8 @@
           </p:blipFill>
           <p:spPr>
             <a:xfrm>
-              <a:off x="2494071" y="-30938"/>
-              <a:ext cx="6867525" cy="5057775"/>
+              <a:off x="2517436" y="0"/>
+              <a:ext cx="6829425" cy="5057775"/>
             </a:xfrm>
             <a:prstGeom prst="rect">
               <a:avLst/>
@@ -8524,7 +8537,13 @@
             <a:prstGeom prst="line">
               <a:avLst/>
             </a:prstGeom>
-            <a:ln>
+            <a:ln w="28575">
+              <a:solidFill>
+                <a:schemeClr val="tx1">
+                  <a:lumMod val="75000"/>
+                  <a:lumOff val="25000"/>
+                </a:schemeClr>
+              </a:solidFill>
               <a:headEnd type="arrow" w="med" len="med"/>
               <a:tailEnd type="none" w="med" len="med"/>
             </a:ln>
@@ -8558,9 +8577,12 @@
             <a:prstGeom prst="line">
               <a:avLst/>
             </a:prstGeom>
-            <a:ln>
+            <a:ln w="28575">
               <a:solidFill>
-                <a:schemeClr val="tx1"/>
+                <a:schemeClr val="tx1">
+                  <a:lumMod val="75000"/>
+                  <a:lumOff val="25000"/>
+                </a:schemeClr>
               </a:solidFill>
               <a:headEnd type="none" w="med" len="med"/>
               <a:tailEnd type="arrow" w="med" len="med"/>
@@ -8609,10 +8631,11 @@
               <a:prstGeom prst="line">
                 <a:avLst/>
               </a:prstGeom>
-              <a:ln>
+              <a:ln w="28575">
                 <a:solidFill>
-                  <a:schemeClr val="bg1">
+                  <a:schemeClr val="tx1">
                     <a:lumMod val="75000"/>
+                    <a:lumOff val="25000"/>
                   </a:schemeClr>
                 </a:solidFill>
               </a:ln>
@@ -8646,10 +8669,11 @@
               <a:prstGeom prst="line">
                 <a:avLst/>
               </a:prstGeom>
-              <a:ln>
+              <a:ln w="28575">
                 <a:solidFill>
-                  <a:schemeClr val="bg1">
+                  <a:schemeClr val="tx1">
                     <a:lumMod val="75000"/>
+                    <a:lumOff val="25000"/>
                   </a:schemeClr>
                 </a:solidFill>
               </a:ln>
@@ -8683,10 +8707,11 @@
               <a:prstGeom prst="line">
                 <a:avLst/>
               </a:prstGeom>
-              <a:ln>
+              <a:ln w="28575">
                 <a:solidFill>
-                  <a:schemeClr val="bg1">
+                  <a:schemeClr val="tx1">
                     <a:lumMod val="75000"/>
+                    <a:lumOff val="25000"/>
                   </a:schemeClr>
                 </a:solidFill>
               </a:ln>
@@ -8749,10 +8774,11 @@
                 <a:prstGeom prst="line">
                   <a:avLst/>
                 </a:prstGeom>
-                <a:ln>
+                <a:ln w="28575">
                   <a:solidFill>
-                    <a:schemeClr val="bg1">
+                    <a:schemeClr val="tx1">
                       <a:lumMod val="75000"/>
+                      <a:lumOff val="25000"/>
                     </a:schemeClr>
                   </a:solidFill>
                 </a:ln>
@@ -8786,10 +8812,11 @@
                 <a:prstGeom prst="line">
                   <a:avLst/>
                 </a:prstGeom>
-                <a:ln>
+                <a:ln w="28575">
                   <a:solidFill>
-                    <a:schemeClr val="bg1">
+                    <a:schemeClr val="tx1">
                       <a:lumMod val="75000"/>
+                      <a:lumOff val="25000"/>
                     </a:schemeClr>
                   </a:solidFill>
                 </a:ln>
@@ -8824,10 +8851,11 @@
               <a:prstGeom prst="line">
                 <a:avLst/>
               </a:prstGeom>
-              <a:ln>
+              <a:ln w="28575">
                 <a:solidFill>
-                  <a:schemeClr val="bg1">
+                  <a:schemeClr val="tx1">
                     <a:lumMod val="75000"/>
+                    <a:lumOff val="25000"/>
                   </a:schemeClr>
                 </a:solidFill>
               </a:ln>
@@ -8890,10 +8918,11 @@
                 <a:prstGeom prst="line">
                   <a:avLst/>
                 </a:prstGeom>
-                <a:ln>
+                <a:ln w="28575">
                   <a:solidFill>
-                    <a:schemeClr val="bg1">
+                    <a:schemeClr val="tx1">
                       <a:lumMod val="75000"/>
+                      <a:lumOff val="25000"/>
                     </a:schemeClr>
                   </a:solidFill>
                 </a:ln>
@@ -8927,10 +8956,11 @@
                 <a:prstGeom prst="line">
                   <a:avLst/>
                 </a:prstGeom>
-                <a:ln>
+                <a:ln w="28575">
                   <a:solidFill>
-                    <a:schemeClr val="bg1">
+                    <a:schemeClr val="tx1">
                       <a:lumMod val="75000"/>
+                      <a:lumOff val="25000"/>
                     </a:schemeClr>
                   </a:solidFill>
                 </a:ln>
@@ -8965,10 +8995,11 @@
               <a:prstGeom prst="line">
                 <a:avLst/>
               </a:prstGeom>
-              <a:ln>
+              <a:ln w="28575">
                 <a:solidFill>
-                  <a:schemeClr val="bg1">
+                  <a:schemeClr val="tx1">
                     <a:lumMod val="75000"/>
+                    <a:lumOff val="25000"/>
                   </a:schemeClr>
                 </a:solidFill>
               </a:ln>
@@ -8997,10 +9028,10 @@
           </p:nvGrpSpPr>
           <p:grpSpPr>
             <a:xfrm>
-              <a:off x="6975904" y="1041028"/>
-              <a:ext cx="956552" cy="486889"/>
-              <a:chOff x="7059880" y="2458192"/>
-              <a:chExt cx="1056192" cy="537606"/>
+              <a:off x="6975904" y="1044715"/>
+              <a:ext cx="956552" cy="479519"/>
+              <a:chOff x="7059880" y="2462261"/>
+              <a:chExt cx="1056192" cy="529468"/>
             </a:xfrm>
           </p:grpSpPr>
           <p:grpSp>
@@ -9011,9 +9042,9 @@
             </p:nvGrpSpPr>
             <p:grpSpPr>
               <a:xfrm>
-                <a:off x="7059880" y="2458192"/>
+                <a:off x="7059880" y="2462261"/>
                 <a:ext cx="710268" cy="524494"/>
-                <a:chOff x="722416" y="1007424"/>
+                <a:chOff x="722416" y="1011493"/>
                 <a:chExt cx="710268" cy="524494"/>
               </a:xfrm>
             </p:grpSpPr>
@@ -9025,16 +9056,17 @@
               </p:nvCxnSpPr>
               <p:spPr>
                 <a:xfrm>
-                  <a:off x="1072738" y="1007424"/>
+                  <a:off x="1072738" y="1011493"/>
                   <a:ext cx="359946" cy="0"/>
                 </a:xfrm>
                 <a:prstGeom prst="line">
                   <a:avLst/>
                 </a:prstGeom>
-                <a:ln>
+                <a:ln w="28575">
                   <a:solidFill>
-                    <a:schemeClr val="bg1">
+                    <a:schemeClr val="tx1">
                       <a:lumMod val="75000"/>
+                      <a:lumOff val="25000"/>
                     </a:schemeClr>
                   </a:solidFill>
                 </a:ln>
@@ -9062,16 +9094,17 @@
               </p:nvCxnSpPr>
               <p:spPr>
                 <a:xfrm flipV="1">
-                  <a:off x="722416" y="1007424"/>
+                  <a:off x="722416" y="1011493"/>
                   <a:ext cx="350322" cy="524494"/>
                 </a:xfrm>
                 <a:prstGeom prst="line">
                   <a:avLst/>
                 </a:prstGeom>
-                <a:ln>
+                <a:ln w="28575">
                   <a:solidFill>
-                    <a:schemeClr val="bg1">
+                    <a:schemeClr val="tx1">
                       <a:lumMod val="75000"/>
+                      <a:lumOff val="25000"/>
                     </a:schemeClr>
                   </a:solidFill>
                 </a:ln>
@@ -9100,16 +9133,17 @@
             </p:nvCxnSpPr>
             <p:spPr>
               <a:xfrm flipH="1" flipV="1">
-                <a:off x="7765750" y="2471304"/>
+                <a:off x="7765750" y="2467235"/>
                 <a:ext cx="350322" cy="524494"/>
               </a:xfrm>
               <a:prstGeom prst="line">
                 <a:avLst/>
               </a:prstGeom>
-              <a:ln>
+              <a:ln w="28575">
                 <a:solidFill>
-                  <a:schemeClr val="bg1">
+                  <a:schemeClr val="tx1">
                     <a:lumMod val="75000"/>
+                    <a:lumOff val="25000"/>
                   </a:schemeClr>
                 </a:solidFill>
               </a:ln>
@@ -9144,7 +9178,13 @@
             <a:prstGeom prst="line">
               <a:avLst/>
             </a:prstGeom>
-            <a:ln>
+            <a:ln w="28575">
+              <a:solidFill>
+                <a:schemeClr val="tx1">
+                  <a:lumMod val="75000"/>
+                  <a:lumOff val="25000"/>
+                </a:schemeClr>
+              </a:solidFill>
               <a:headEnd type="arrow" w="med" len="med"/>
               <a:tailEnd type="none" w="med" len="med"/>
             </a:ln>
@@ -9178,9 +9218,12 @@
             <a:prstGeom prst="line">
               <a:avLst/>
             </a:prstGeom>
-            <a:ln>
+            <a:ln w="28575">
               <a:solidFill>
-                <a:schemeClr val="tx1"/>
+                <a:schemeClr val="tx1">
+                  <a:lumMod val="75000"/>
+                  <a:lumOff val="25000"/>
+                </a:schemeClr>
               </a:solidFill>
               <a:headEnd type="none" w="med" len="med"/>
               <a:tailEnd type="arrow" w="med" len="med"/>
@@ -9229,10 +9272,11 @@
               <a:prstGeom prst="line">
                 <a:avLst/>
               </a:prstGeom>
-              <a:ln>
+              <a:ln w="28575">
                 <a:solidFill>
-                  <a:schemeClr val="bg1">
+                  <a:schemeClr val="tx1">
                     <a:lumMod val="75000"/>
+                    <a:lumOff val="25000"/>
                   </a:schemeClr>
                 </a:solidFill>
               </a:ln>
@@ -9266,10 +9310,11 @@
               <a:prstGeom prst="line">
                 <a:avLst/>
               </a:prstGeom>
-              <a:ln>
+              <a:ln w="28575">
                 <a:solidFill>
-                  <a:schemeClr val="bg1">
+                  <a:schemeClr val="tx1">
                     <a:lumMod val="75000"/>
+                    <a:lumOff val="25000"/>
                   </a:schemeClr>
                 </a:solidFill>
               </a:ln>
@@ -9303,10 +9348,11 @@
               <a:prstGeom prst="line">
                 <a:avLst/>
               </a:prstGeom>
-              <a:ln>
+              <a:ln w="28575">
                 <a:solidFill>
-                  <a:schemeClr val="bg1">
+                  <a:schemeClr val="tx1">
                     <a:lumMod val="75000"/>
+                    <a:lumOff val="25000"/>
                   </a:schemeClr>
                 </a:solidFill>
               </a:ln>
@@ -9369,10 +9415,11 @@
                 <a:prstGeom prst="line">
                   <a:avLst/>
                 </a:prstGeom>
-                <a:ln>
+                <a:ln w="28575">
                   <a:solidFill>
-                    <a:schemeClr val="bg1">
+                    <a:schemeClr val="tx1">
                       <a:lumMod val="75000"/>
+                      <a:lumOff val="25000"/>
                     </a:schemeClr>
                   </a:solidFill>
                 </a:ln>
@@ -9406,10 +9453,11 @@
                 <a:prstGeom prst="line">
                   <a:avLst/>
                 </a:prstGeom>
-                <a:ln>
+                <a:ln w="28575">
                   <a:solidFill>
-                    <a:schemeClr val="bg1">
+                    <a:schemeClr val="tx1">
                       <a:lumMod val="75000"/>
+                      <a:lumOff val="25000"/>
                     </a:schemeClr>
                   </a:solidFill>
                 </a:ln>
@@ -9444,10 +9492,11 @@
               <a:prstGeom prst="line">
                 <a:avLst/>
               </a:prstGeom>
-              <a:ln>
+              <a:ln w="28575">
                 <a:solidFill>
-                  <a:schemeClr val="bg1">
+                  <a:schemeClr val="tx1">
                     <a:lumMod val="75000"/>
+                    <a:lumOff val="25000"/>
                   </a:schemeClr>
                 </a:solidFill>
               </a:ln>
@@ -9476,10 +9525,10 @@
           </p:nvGrpSpPr>
           <p:grpSpPr>
             <a:xfrm>
-              <a:off x="7271094" y="2328922"/>
-              <a:ext cx="956552" cy="486889"/>
-              <a:chOff x="7059880" y="2458192"/>
-              <a:chExt cx="1056192" cy="537606"/>
+              <a:off x="7271094" y="2332608"/>
+              <a:ext cx="956552" cy="483204"/>
+              <a:chOff x="7059880" y="2462261"/>
+              <a:chExt cx="1056192" cy="533537"/>
             </a:xfrm>
           </p:grpSpPr>
           <p:grpSp>
@@ -9490,9 +9539,9 @@
             </p:nvGrpSpPr>
             <p:grpSpPr>
               <a:xfrm>
-                <a:off x="7059880" y="2458192"/>
+                <a:off x="7059880" y="2462261"/>
                 <a:ext cx="710268" cy="524494"/>
-                <a:chOff x="722416" y="1007424"/>
+                <a:chOff x="722416" y="1011493"/>
                 <a:chExt cx="710268" cy="524494"/>
               </a:xfrm>
             </p:grpSpPr>
@@ -9504,16 +9553,17 @@
               </p:nvCxnSpPr>
               <p:spPr>
                 <a:xfrm>
-                  <a:off x="1072738" y="1007424"/>
+                  <a:off x="1072738" y="1011493"/>
                   <a:ext cx="359946" cy="0"/>
                 </a:xfrm>
                 <a:prstGeom prst="line">
                   <a:avLst/>
                 </a:prstGeom>
-                <a:ln>
+                <a:ln w="28575">
                   <a:solidFill>
-                    <a:schemeClr val="bg1">
+                    <a:schemeClr val="tx1">
                       <a:lumMod val="75000"/>
+                      <a:lumOff val="25000"/>
                     </a:schemeClr>
                   </a:solidFill>
                 </a:ln>
@@ -9541,16 +9591,17 @@
               </p:nvCxnSpPr>
               <p:spPr>
                 <a:xfrm flipV="1">
-                  <a:off x="722416" y="1007424"/>
+                  <a:off x="722416" y="1011493"/>
                   <a:ext cx="350322" cy="524494"/>
                 </a:xfrm>
                 <a:prstGeom prst="line">
                   <a:avLst/>
                 </a:prstGeom>
-                <a:ln>
+                <a:ln w="28575">
                   <a:solidFill>
-                    <a:schemeClr val="bg1">
+                    <a:schemeClr val="tx1">
                       <a:lumMod val="75000"/>
+                      <a:lumOff val="25000"/>
                     </a:schemeClr>
                   </a:solidFill>
                 </a:ln>
@@ -9585,10 +9636,11 @@
               <a:prstGeom prst="line">
                 <a:avLst/>
               </a:prstGeom>
-              <a:ln>
+              <a:ln w="28575">
                 <a:solidFill>
-                  <a:schemeClr val="bg1">
+                  <a:schemeClr val="tx1">
                     <a:lumMod val="75000"/>
+                    <a:lumOff val="25000"/>
                   </a:schemeClr>
                 </a:solidFill>
               </a:ln>
@@ -9651,10 +9703,11 @@
                 <a:prstGeom prst="line">
                   <a:avLst/>
                 </a:prstGeom>
-                <a:ln>
+                <a:ln w="28575">
                   <a:solidFill>
-                    <a:schemeClr val="bg1">
+                    <a:schemeClr val="tx1">
                       <a:lumMod val="75000"/>
+                      <a:lumOff val="25000"/>
                     </a:schemeClr>
                   </a:solidFill>
                 </a:ln>
@@ -9688,10 +9741,11 @@
                 <a:prstGeom prst="line">
                   <a:avLst/>
                 </a:prstGeom>
-                <a:ln>
+                <a:ln w="28575">
                   <a:solidFill>
-                    <a:schemeClr val="bg1">
+                    <a:schemeClr val="tx1">
                       <a:lumMod val="75000"/>
+                      <a:lumOff val="25000"/>
                     </a:schemeClr>
                   </a:solidFill>
                 </a:ln>
@@ -9726,10 +9780,11 @@
               <a:prstGeom prst="line">
                 <a:avLst/>
               </a:prstGeom>
-              <a:ln>
+              <a:ln w="28575">
                 <a:solidFill>
-                  <a:schemeClr val="bg1">
+                  <a:schemeClr val="tx1">
                     <a:lumMod val="75000"/>
+                    <a:lumOff val="25000"/>
                   </a:schemeClr>
                 </a:solidFill>
               </a:ln>
@@ -9765,6 +9820,9 @@
               <a:avLst/>
             </a:prstGeom>
             <a:noFill/>
+            <a:ln w="28575">
+              <a:noFill/>
+            </a:ln>
           </p:spPr>
           <p:txBody>
             <a:bodyPr wrap="none" rtlCol="0">
@@ -9803,6 +9861,9 @@
               <a:avLst/>
             </a:prstGeom>
             <a:noFill/>
+            <a:ln w="28575">
+              <a:noFill/>
+            </a:ln>
           </p:spPr>
           <p:txBody>
             <a:bodyPr wrap="none" rtlCol="0">
@@ -9833,6 +9894,9 @@
               <a:avLst/>
             </a:prstGeom>
             <a:noFill/>
+            <a:ln w="28575">
+              <a:noFill/>
+            </a:ln>
           </p:spPr>
           <p:txBody>
             <a:bodyPr wrap="none" rtlCol="0">
@@ -9871,6 +9935,9 @@
               <a:avLst/>
             </a:prstGeom>
             <a:noFill/>
+            <a:ln w="28575">
+              <a:noFill/>
+            </a:ln>
           </p:spPr>
           <p:txBody>
             <a:bodyPr wrap="none" rtlCol="0">
@@ -9900,9 +9967,12 @@
             <a:prstGeom prst="line">
               <a:avLst/>
             </a:prstGeom>
-            <a:ln>
+            <a:ln w="28575">
               <a:solidFill>
-                <a:schemeClr val="tx1"/>
+                <a:schemeClr val="tx1">
+                  <a:lumMod val="75000"/>
+                  <a:lumOff val="25000"/>
+                </a:schemeClr>
               </a:solidFill>
             </a:ln>
           </p:spPr>
@@ -9935,9 +10005,12 @@
             <a:prstGeom prst="line">
               <a:avLst/>
             </a:prstGeom>
-            <a:ln>
+            <a:ln w="28575">
               <a:solidFill>
-                <a:schemeClr val="tx1"/>
+                <a:schemeClr val="tx1">
+                  <a:lumMod val="75000"/>
+                  <a:lumOff val="25000"/>
+                </a:schemeClr>
               </a:solidFill>
             </a:ln>
           </p:spPr>
@@ -9970,9 +10043,12 @@
             <a:prstGeom prst="line">
               <a:avLst/>
             </a:prstGeom>
-            <a:ln>
+            <a:ln w="28575">
               <a:solidFill>
-                <a:schemeClr val="tx1"/>
+                <a:schemeClr val="tx1">
+                  <a:lumMod val="75000"/>
+                  <a:lumOff val="25000"/>
+                </a:schemeClr>
               </a:solidFill>
             </a:ln>
           </p:spPr>
@@ -10005,9 +10081,12 @@
             <a:prstGeom prst="line">
               <a:avLst/>
             </a:prstGeom>
-            <a:ln>
+            <a:ln w="28575">
               <a:solidFill>
-                <a:schemeClr val="tx1"/>
+                <a:schemeClr val="tx1">
+                  <a:lumMod val="75000"/>
+                  <a:lumOff val="25000"/>
+                </a:schemeClr>
               </a:solidFill>
             </a:ln>
           </p:spPr>
@@ -10040,9 +10119,12 @@
             <a:prstGeom prst="line">
               <a:avLst/>
             </a:prstGeom>
-            <a:ln>
+            <a:ln w="28575">
               <a:solidFill>
-                <a:schemeClr val="tx1"/>
+                <a:schemeClr val="tx1">
+                  <a:lumMod val="75000"/>
+                  <a:lumOff val="25000"/>
+                </a:schemeClr>
               </a:solidFill>
             </a:ln>
           </p:spPr>
@@ -10075,9 +10157,12 @@
             <a:prstGeom prst="line">
               <a:avLst/>
             </a:prstGeom>
-            <a:ln>
+            <a:ln w="28575">
               <a:solidFill>
-                <a:schemeClr val="tx1"/>
+                <a:schemeClr val="tx1">
+                  <a:lumMod val="75000"/>
+                  <a:lumOff val="25000"/>
+                </a:schemeClr>
               </a:solidFill>
             </a:ln>
           </p:spPr>
@@ -10110,9 +10195,12 @@
             <a:prstGeom prst="line">
               <a:avLst/>
             </a:prstGeom>
-            <a:ln>
+            <a:ln w="28575">
               <a:solidFill>
-                <a:schemeClr val="tx1"/>
+                <a:schemeClr val="tx1">
+                  <a:lumMod val="75000"/>
+                  <a:lumOff val="25000"/>
+                </a:schemeClr>
               </a:solidFill>
             </a:ln>
           </p:spPr>
@@ -10146,6 +10234,9 @@
               <a:avLst/>
             </a:prstGeom>
             <a:noFill/>
+            <a:ln w="28575">
+              <a:noFill/>
+            </a:ln>
           </p:spPr>
           <p:txBody>
             <a:bodyPr wrap="none" rtlCol="0">
@@ -10176,6 +10267,9 @@
               <a:avLst/>
             </a:prstGeom>
             <a:noFill/>
+            <a:ln w="28575">
+              <a:noFill/>
+            </a:ln>
           </p:spPr>
           <p:txBody>
             <a:bodyPr wrap="none" rtlCol="0">
@@ -10206,6 +10300,9 @@
               <a:avLst/>
             </a:prstGeom>
             <a:noFill/>
+            <a:ln w="28575">
+              <a:noFill/>
+            </a:ln>
           </p:spPr>
           <p:txBody>
             <a:bodyPr wrap="none" rtlCol="0">
@@ -10236,6 +10333,9 @@
               <a:avLst/>
             </a:prstGeom>
             <a:noFill/>
+            <a:ln w="28575">
+              <a:noFill/>
+            </a:ln>
           </p:spPr>
           <p:txBody>
             <a:bodyPr wrap="none" rtlCol="0">
@@ -10266,6 +10366,9 @@
               <a:avLst/>
             </a:prstGeom>
             <a:noFill/>
+            <a:ln w="28575">
+              <a:noFill/>
+            </a:ln>
           </p:spPr>
           <p:txBody>
             <a:bodyPr wrap="none" rtlCol="0">
@@ -10296,6 +10399,9 @@
               <a:avLst/>
             </a:prstGeom>
             <a:noFill/>
+            <a:ln w="28575">
+              <a:noFill/>
+            </a:ln>
           </p:spPr>
           <p:txBody>
             <a:bodyPr wrap="none" rtlCol="0">
@@ -10326,6 +10432,9 @@
               <a:avLst/>
             </a:prstGeom>
             <a:noFill/>
+            <a:ln w="28575">
+              <a:noFill/>
+            </a:ln>
           </p:spPr>
           <p:txBody>
             <a:bodyPr wrap="none" rtlCol="0">
@@ -10355,9 +10464,12 @@
             <a:prstGeom prst="line">
               <a:avLst/>
             </a:prstGeom>
-            <a:ln>
+            <a:ln w="28575">
               <a:solidFill>
-                <a:schemeClr val="tx1"/>
+                <a:schemeClr val="tx1">
+                  <a:lumMod val="75000"/>
+                  <a:lumOff val="25000"/>
+                </a:schemeClr>
               </a:solidFill>
             </a:ln>
           </p:spPr>
@@ -10390,9 +10502,12 @@
             <a:prstGeom prst="line">
               <a:avLst/>
             </a:prstGeom>
-            <a:ln>
+            <a:ln w="28575">
               <a:solidFill>
-                <a:schemeClr val="tx1"/>
+                <a:schemeClr val="tx1">
+                  <a:lumMod val="75000"/>
+                  <a:lumOff val="25000"/>
+                </a:schemeClr>
               </a:solidFill>
             </a:ln>
           </p:spPr>
@@ -10426,6 +10541,9 @@
               <a:avLst/>
             </a:prstGeom>
             <a:noFill/>
+            <a:ln w="28575">
+              <a:noFill/>
+            </a:ln>
           </p:spPr>
           <p:txBody>
             <a:bodyPr wrap="none" rtlCol="0">
@@ -10456,6 +10574,9 @@
               <a:avLst/>
             </a:prstGeom>
             <a:noFill/>
+            <a:ln w="28575">
+              <a:noFill/>
+            </a:ln>
           </p:spPr>
           <p:txBody>
             <a:bodyPr wrap="none" rtlCol="0">
@@ -10499,10 +10620,11 @@
               <a:prstGeom prst="line">
                 <a:avLst/>
               </a:prstGeom>
-              <a:ln>
+              <a:ln w="28575">
                 <a:solidFill>
-                  <a:schemeClr val="bg1">
-                    <a:lumMod val="50000"/>
+                  <a:schemeClr val="tx1">
+                    <a:lumMod val="75000"/>
+                    <a:lumOff val="25000"/>
                   </a:schemeClr>
                 </a:solidFill>
               </a:ln>
@@ -10536,10 +10658,11 @@
               <a:prstGeom prst="line">
                 <a:avLst/>
               </a:prstGeom>
-              <a:ln>
+              <a:ln w="28575">
                 <a:solidFill>
-                  <a:schemeClr val="bg1">
-                    <a:lumMod val="50000"/>
+                  <a:schemeClr val="tx1">
+                    <a:lumMod val="75000"/>
+                    <a:lumOff val="25000"/>
                   </a:schemeClr>
                 </a:solidFill>
               </a:ln>
@@ -10568,13 +10691,16 @@
           </p:nvSpPr>
           <p:spPr>
             <a:xfrm>
-              <a:off x="1179568" y="1195538"/>
+              <a:off x="1211137" y="1361131"/>
               <a:ext cx="737510" cy="145122"/>
             </a:xfrm>
             <a:prstGeom prst="rect">
               <a:avLst/>
             </a:prstGeom>
             <a:noFill/>
+            <a:ln w="28575">
+              <a:noFill/>
+            </a:ln>
           </p:spPr>
           <p:txBody>
             <a:bodyPr wrap="none" rtlCol="0">
@@ -10585,8 +10711,9 @@
               <a:r>
                 <a:rPr lang="en-US" altLang="zh-TW" sz="1400" dirty="0">
                   <a:solidFill>
-                    <a:schemeClr val="bg1">
-                      <a:lumMod val="50000"/>
+                    <a:schemeClr val="tx1">
+                      <a:lumMod val="75000"/>
+                      <a:lumOff val="25000"/>
                     </a:schemeClr>
                   </a:solidFill>
                 </a:rPr>
@@ -10595,8 +10722,9 @@
               <a:r>
                 <a:rPr lang="zh-TW" altLang="en-US" sz="1400" dirty="0">
                   <a:solidFill>
-                    <a:schemeClr val="bg1">
-                      <a:lumMod val="50000"/>
+                    <a:schemeClr val="tx1">
+                      <a:lumMod val="75000"/>
+                      <a:lumOff val="25000"/>
                     </a:schemeClr>
                   </a:solidFill>
                 </a:rPr>
@@ -10605,8 +10733,9 @@
               <a:r>
                 <a:rPr lang="en-US" altLang="zh-TW" sz="1400" dirty="0">
                   <a:solidFill>
-                    <a:schemeClr val="bg1">
-                      <a:lumMod val="50000"/>
+                    <a:schemeClr val="tx1">
+                      <a:lumMod val="75000"/>
+                      <a:lumOff val="25000"/>
                     </a:schemeClr>
                   </a:solidFill>
                 </a:rPr>
@@ -10614,8 +10743,9 @@
               </a:r>
               <a:endParaRPr lang="zh-TW" altLang="en-US" sz="1400" dirty="0">
                 <a:solidFill>
-                  <a:schemeClr val="bg1">
-                    <a:lumMod val="50000"/>
+                  <a:schemeClr val="tx1">
+                    <a:lumMod val="75000"/>
+                    <a:lumOff val="25000"/>
                   </a:schemeClr>
                 </a:solidFill>
               </a:endParaRPr>
@@ -10650,10 +10780,11 @@
               <a:prstGeom prst="line">
                 <a:avLst/>
               </a:prstGeom>
-              <a:ln>
+              <a:ln w="28575">
                 <a:solidFill>
-                  <a:schemeClr val="bg1">
-                    <a:lumMod val="50000"/>
+                  <a:schemeClr val="tx1">
+                    <a:lumMod val="75000"/>
+                    <a:lumOff val="25000"/>
                   </a:schemeClr>
                 </a:solidFill>
               </a:ln>
@@ -10687,10 +10818,11 @@
               <a:prstGeom prst="line">
                 <a:avLst/>
               </a:prstGeom>
-              <a:ln>
+              <a:ln w="28575">
                 <a:solidFill>
-                  <a:schemeClr val="bg1">
-                    <a:lumMod val="50000"/>
+                  <a:schemeClr val="tx1">
+                    <a:lumMod val="75000"/>
+                    <a:lumOff val="25000"/>
                   </a:schemeClr>
                 </a:solidFill>
               </a:ln>
@@ -10719,13 +10851,16 @@
           </p:nvSpPr>
           <p:spPr>
             <a:xfrm>
-              <a:off x="9535538" y="1218547"/>
+              <a:off x="9364019" y="1387429"/>
               <a:ext cx="737510" cy="145122"/>
             </a:xfrm>
             <a:prstGeom prst="rect">
               <a:avLst/>
             </a:prstGeom>
             <a:noFill/>
+            <a:ln w="28575">
+              <a:noFill/>
+            </a:ln>
           </p:spPr>
           <p:txBody>
             <a:bodyPr wrap="none" rtlCol="0">
@@ -10736,8 +10871,9 @@
               <a:r>
                 <a:rPr lang="en-US" altLang="zh-TW" sz="1400" dirty="0">
                   <a:solidFill>
-                    <a:schemeClr val="bg1">
-                      <a:lumMod val="50000"/>
+                    <a:schemeClr val="tx1">
+                      <a:lumMod val="75000"/>
+                      <a:lumOff val="25000"/>
                     </a:schemeClr>
                   </a:solidFill>
                 </a:rPr>
@@ -10746,8 +10882,9 @@
               <a:r>
                 <a:rPr lang="zh-TW" altLang="en-US" sz="1400" dirty="0">
                   <a:solidFill>
-                    <a:schemeClr val="bg1">
-                      <a:lumMod val="50000"/>
+                    <a:schemeClr val="tx1">
+                      <a:lumMod val="75000"/>
+                      <a:lumOff val="25000"/>
                     </a:schemeClr>
                   </a:solidFill>
                 </a:rPr>
@@ -10756,8 +10893,9 @@
               <a:r>
                 <a:rPr lang="en-US" altLang="zh-TW" sz="1400" dirty="0">
                   <a:solidFill>
-                    <a:schemeClr val="bg1">
-                      <a:lumMod val="50000"/>
+                    <a:schemeClr val="tx1">
+                      <a:lumMod val="75000"/>
+                      <a:lumOff val="25000"/>
                     </a:schemeClr>
                   </a:solidFill>
                 </a:rPr>
@@ -10765,8 +10903,9 @@
               </a:r>
               <a:endParaRPr lang="zh-TW" altLang="en-US" sz="1400" dirty="0">
                 <a:solidFill>
-                  <a:schemeClr val="bg1">
-                    <a:lumMod val="50000"/>
+                  <a:schemeClr val="tx1">
+                    <a:lumMod val="75000"/>
+                    <a:lumOff val="25000"/>
                   </a:schemeClr>
                 </a:solidFill>
               </a:endParaRPr>
@@ -10801,10 +10940,11 @@
               <a:prstGeom prst="line">
                 <a:avLst/>
               </a:prstGeom>
-              <a:ln>
+              <a:ln w="28575">
                 <a:solidFill>
-                  <a:schemeClr val="bg1">
-                    <a:lumMod val="50000"/>
+                  <a:schemeClr val="tx1">
+                    <a:lumMod val="75000"/>
+                    <a:lumOff val="25000"/>
                   </a:schemeClr>
                 </a:solidFill>
               </a:ln>
@@ -10838,10 +10978,11 @@
               <a:prstGeom prst="line">
                 <a:avLst/>
               </a:prstGeom>
-              <a:ln>
+              <a:ln w="28575">
                 <a:solidFill>
-                  <a:schemeClr val="bg1">
-                    <a:lumMod val="50000"/>
+                  <a:schemeClr val="tx1">
+                    <a:lumMod val="75000"/>
+                    <a:lumOff val="25000"/>
                   </a:schemeClr>
                 </a:solidFill>
               </a:ln>
@@ -10870,13 +11011,16 @@
           </p:nvSpPr>
           <p:spPr>
             <a:xfrm>
-              <a:off x="7190688" y="1241356"/>
+              <a:off x="7082206" y="1396240"/>
               <a:ext cx="737510" cy="145122"/>
             </a:xfrm>
             <a:prstGeom prst="rect">
               <a:avLst/>
             </a:prstGeom>
             <a:noFill/>
+            <a:ln w="28575">
+              <a:noFill/>
+            </a:ln>
           </p:spPr>
           <p:txBody>
             <a:bodyPr wrap="none" rtlCol="0">
@@ -10887,8 +11031,9 @@
               <a:r>
                 <a:rPr lang="en-US" altLang="zh-TW" sz="1400" dirty="0">
                   <a:solidFill>
-                    <a:schemeClr val="bg1">
-                      <a:lumMod val="50000"/>
+                    <a:schemeClr val="tx1">
+                      <a:lumMod val="75000"/>
+                      <a:lumOff val="25000"/>
                     </a:schemeClr>
                   </a:solidFill>
                 </a:rPr>
@@ -10897,8 +11042,9 @@
               <a:r>
                 <a:rPr lang="zh-TW" altLang="en-US" sz="1400" dirty="0">
                   <a:solidFill>
-                    <a:schemeClr val="bg1">
-                      <a:lumMod val="50000"/>
+                    <a:schemeClr val="tx1">
+                      <a:lumMod val="75000"/>
+                      <a:lumOff val="25000"/>
                     </a:schemeClr>
                   </a:solidFill>
                 </a:rPr>
@@ -10907,8 +11053,9 @@
               <a:r>
                 <a:rPr lang="en-US" altLang="zh-TW" sz="1400" dirty="0">
                   <a:solidFill>
-                    <a:schemeClr val="bg1">
-                      <a:lumMod val="50000"/>
+                    <a:schemeClr val="tx1">
+                      <a:lumMod val="75000"/>
+                      <a:lumOff val="25000"/>
                     </a:schemeClr>
                   </a:solidFill>
                 </a:rPr>
@@ -10916,8 +11063,9 @@
               </a:r>
               <a:endParaRPr lang="zh-TW" altLang="en-US" sz="1400" dirty="0">
                 <a:solidFill>
-                  <a:schemeClr val="bg1">
-                    <a:lumMod val="50000"/>
+                  <a:schemeClr val="tx1">
+                    <a:lumMod val="75000"/>
+                    <a:lumOff val="25000"/>
                   </a:schemeClr>
                 </a:solidFill>
               </a:endParaRPr>
@@ -10952,10 +11100,11 @@
               <a:prstGeom prst="line">
                 <a:avLst/>
               </a:prstGeom>
-              <a:ln>
+              <a:ln w="28575">
                 <a:solidFill>
-                  <a:schemeClr val="bg1">
-                    <a:lumMod val="50000"/>
+                  <a:schemeClr val="tx1">
+                    <a:lumMod val="75000"/>
+                    <a:lumOff val="25000"/>
                   </a:schemeClr>
                 </a:solidFill>
               </a:ln>
@@ -10989,10 +11138,11 @@
               <a:prstGeom prst="line">
                 <a:avLst/>
               </a:prstGeom>
-              <a:ln>
+              <a:ln w="28575">
                 <a:solidFill>
-                  <a:schemeClr val="bg1">
-                    <a:lumMod val="50000"/>
+                  <a:schemeClr val="tx1">
+                    <a:lumMod val="75000"/>
+                    <a:lumOff val="25000"/>
                   </a:schemeClr>
                 </a:solidFill>
               </a:ln>
@@ -11021,13 +11171,16 @@
           </p:nvSpPr>
           <p:spPr>
             <a:xfrm>
-              <a:off x="4468849" y="1250044"/>
+              <a:off x="4462379" y="1375727"/>
               <a:ext cx="737510" cy="145122"/>
             </a:xfrm>
             <a:prstGeom prst="rect">
               <a:avLst/>
             </a:prstGeom>
             <a:noFill/>
+            <a:ln w="28575">
+              <a:noFill/>
+            </a:ln>
           </p:spPr>
           <p:txBody>
             <a:bodyPr wrap="none" rtlCol="0">
@@ -11038,8 +11191,9 @@
               <a:r>
                 <a:rPr lang="en-US" altLang="zh-TW" sz="1400" dirty="0">
                   <a:solidFill>
-                    <a:schemeClr val="bg1">
-                      <a:lumMod val="50000"/>
+                    <a:schemeClr val="tx1">
+                      <a:lumMod val="75000"/>
+                      <a:lumOff val="25000"/>
                     </a:schemeClr>
                   </a:solidFill>
                 </a:rPr>
@@ -11048,8 +11202,9 @@
               <a:r>
                 <a:rPr lang="zh-TW" altLang="en-US" sz="1400" dirty="0">
                   <a:solidFill>
-                    <a:schemeClr val="bg1">
-                      <a:lumMod val="50000"/>
+                    <a:schemeClr val="tx1">
+                      <a:lumMod val="75000"/>
+                      <a:lumOff val="25000"/>
                     </a:schemeClr>
                   </a:solidFill>
                 </a:rPr>
@@ -11058,8 +11213,9 @@
               <a:r>
                 <a:rPr lang="en-US" altLang="zh-TW" sz="1400" dirty="0">
                   <a:solidFill>
-                    <a:schemeClr val="bg1">
-                      <a:lumMod val="50000"/>
+                    <a:schemeClr val="tx1">
+                      <a:lumMod val="75000"/>
+                      <a:lumOff val="25000"/>
                     </a:schemeClr>
                   </a:solidFill>
                 </a:rPr>
@@ -11067,8 +11223,9 @@
               </a:r>
               <a:endParaRPr lang="zh-TW" altLang="en-US" sz="1400" dirty="0">
                 <a:solidFill>
-                  <a:schemeClr val="bg1">
-                    <a:lumMod val="50000"/>
+                  <a:schemeClr val="tx1">
+                    <a:lumMod val="75000"/>
+                    <a:lumOff val="25000"/>
                   </a:schemeClr>
                 </a:solidFill>
               </a:endParaRPr>
@@ -11660,6 +11817,435 @@
     <p:extLst>
       <p:ext uri="{BB962C8B-B14F-4D97-AF65-F5344CB8AC3E}">
         <p14:creationId xmlns:p14="http://schemas.microsoft.com/office/powerpoint/2010/main" val="842310813"/>
+      </p:ext>
+    </p:extLst>
+  </p:cSld>
+  <p:clrMapOvr>
+    <a:masterClrMapping/>
+  </p:clrMapOvr>
+</p:sld>
+</file>
+
+<file path=ppt/slides/slide20.xml><?xml version="1.0" encoding="utf-8"?>
+<p:sld xmlns:a="http://schemas.openxmlformats.org/drawingml/2006/main" xmlns:r="http://schemas.openxmlformats.org/officeDocument/2006/relationships" xmlns:p="http://schemas.openxmlformats.org/presentationml/2006/main">
+  <p:cSld>
+    <p:spTree>
+      <p:nvGrpSpPr>
+        <p:cNvPr id="1" name=""/>
+        <p:cNvGrpSpPr/>
+        <p:nvPr/>
+      </p:nvGrpSpPr>
+      <p:grpSpPr>
+        <a:xfrm>
+          <a:off x="0" y="0"/>
+          <a:ext cx="0" cy="0"/>
+          <a:chOff x="0" y="0"/>
+          <a:chExt cx="0" cy="0"/>
+        </a:xfrm>
+      </p:grpSpPr>
+      <p:grpSp>
+        <p:nvGrpSpPr>
+          <p:cNvPr id="19" name="群組 18">
+            <a:extLst>
+              <a:ext uri="{FF2B5EF4-FFF2-40B4-BE49-F238E27FC236}">
+                <a16:creationId xmlns:a16="http://schemas.microsoft.com/office/drawing/2014/main" id="{64696F21-57C0-43D7-9859-50A627546C19}"/>
+              </a:ext>
+            </a:extLst>
+          </p:cNvPr>
+          <p:cNvGrpSpPr/>
+          <p:nvPr/>
+        </p:nvGrpSpPr>
+        <p:grpSpPr>
+          <a:xfrm>
+            <a:off x="3002340" y="549000"/>
+            <a:ext cx="5806892" cy="5800522"/>
+            <a:chOff x="3002340" y="549000"/>
+            <a:chExt cx="5806892" cy="5800522"/>
+          </a:xfrm>
+        </p:grpSpPr>
+        <p:pic>
+          <p:nvPicPr>
+            <p:cNvPr id="2" name="圖片 1">
+              <a:extLst>
+                <a:ext uri="{FF2B5EF4-FFF2-40B4-BE49-F238E27FC236}">
+                  <a16:creationId xmlns:a16="http://schemas.microsoft.com/office/drawing/2014/main" id="{5F0F8C46-18D1-45D2-95B9-BCAC5E4BD9E5}"/>
+                </a:ext>
+              </a:extLst>
+            </p:cNvPr>
+            <p:cNvPicPr>
+              <a:picLocks noChangeAspect="1"/>
+            </p:cNvPicPr>
+            <p:nvPr/>
+          </p:nvPicPr>
+          <p:blipFill>
+            <a:blip r:embed="rId2" cstate="print">
+              <a:extLst>
+                <a:ext uri="{28A0092B-C50C-407E-A947-70E740481C1C}">
+                  <a14:useLocalDpi xmlns:a14="http://schemas.microsoft.com/office/drawing/2010/main" val="0"/>
+                </a:ext>
+              </a:extLst>
+            </a:blip>
+            <a:stretch>
+              <a:fillRect/>
+            </a:stretch>
+          </p:blipFill>
+          <p:spPr>
+            <a:xfrm>
+              <a:off x="5929232" y="549000"/>
+              <a:ext cx="2880000" cy="2880000"/>
+            </a:xfrm>
+            <a:prstGeom prst="rect">
+              <a:avLst/>
+            </a:prstGeom>
+          </p:spPr>
+        </p:pic>
+        <p:pic>
+          <p:nvPicPr>
+            <p:cNvPr id="3" name="圖片 2">
+              <a:extLst>
+                <a:ext uri="{FF2B5EF4-FFF2-40B4-BE49-F238E27FC236}">
+                  <a16:creationId xmlns:a16="http://schemas.microsoft.com/office/drawing/2014/main" id="{71E16D06-5906-44B9-8E9C-EF57799D8B7A}"/>
+                </a:ext>
+              </a:extLst>
+            </p:cNvPr>
+            <p:cNvPicPr>
+              <a:picLocks noChangeAspect="1"/>
+            </p:cNvPicPr>
+            <p:nvPr/>
+          </p:nvPicPr>
+          <p:blipFill>
+            <a:blip r:embed="rId3" cstate="print">
+              <a:extLst>
+                <a:ext uri="{28A0092B-C50C-407E-A947-70E740481C1C}">
+                  <a14:useLocalDpi xmlns:a14="http://schemas.microsoft.com/office/drawing/2010/main" val="0"/>
+                </a:ext>
+              </a:extLst>
+            </a:blip>
+            <a:stretch>
+              <a:fillRect/>
+            </a:stretch>
+          </p:blipFill>
+          <p:spPr>
+            <a:xfrm>
+              <a:off x="3010155" y="549000"/>
+              <a:ext cx="2880000" cy="2880000"/>
+            </a:xfrm>
+            <a:prstGeom prst="rect">
+              <a:avLst/>
+            </a:prstGeom>
+          </p:spPr>
+        </p:pic>
+        <p:pic>
+          <p:nvPicPr>
+            <p:cNvPr id="4" name="圖片 3">
+              <a:extLst>
+                <a:ext uri="{FF2B5EF4-FFF2-40B4-BE49-F238E27FC236}">
+                  <a16:creationId xmlns:a16="http://schemas.microsoft.com/office/drawing/2014/main" id="{CBD232FE-9207-4011-883D-0B9846287926}"/>
+                </a:ext>
+              </a:extLst>
+            </p:cNvPr>
+            <p:cNvPicPr>
+              <a:picLocks noChangeAspect="1"/>
+            </p:cNvPicPr>
+            <p:nvPr/>
+          </p:nvPicPr>
+          <p:blipFill>
+            <a:blip r:embed="rId4" cstate="print">
+              <a:extLst>
+                <a:ext uri="{28A0092B-C50C-407E-A947-70E740481C1C}">
+                  <a14:useLocalDpi xmlns:a14="http://schemas.microsoft.com/office/drawing/2010/main" val="0"/>
+                </a:ext>
+              </a:extLst>
+            </a:blip>
+            <a:stretch>
+              <a:fillRect/>
+            </a:stretch>
+          </p:blipFill>
+          <p:spPr>
+            <a:xfrm>
+              <a:off x="5929232" y="3469522"/>
+              <a:ext cx="2880000" cy="2880000"/>
+            </a:xfrm>
+            <a:prstGeom prst="rect">
+              <a:avLst/>
+            </a:prstGeom>
+          </p:spPr>
+        </p:pic>
+        <p:pic>
+          <p:nvPicPr>
+            <p:cNvPr id="5" name="圖片 4">
+              <a:extLst>
+                <a:ext uri="{FF2B5EF4-FFF2-40B4-BE49-F238E27FC236}">
+                  <a16:creationId xmlns:a16="http://schemas.microsoft.com/office/drawing/2014/main" id="{279C07C4-B55C-46C9-8063-60F517BD6A0F}"/>
+                </a:ext>
+              </a:extLst>
+            </p:cNvPr>
+            <p:cNvPicPr>
+              <a:picLocks noChangeAspect="1"/>
+            </p:cNvPicPr>
+            <p:nvPr/>
+          </p:nvPicPr>
+          <p:blipFill>
+            <a:blip r:embed="rId5" cstate="print">
+              <a:extLst>
+                <a:ext uri="{28A0092B-C50C-407E-A947-70E740481C1C}">
+                  <a14:useLocalDpi xmlns:a14="http://schemas.microsoft.com/office/drawing/2010/main" val="0"/>
+                </a:ext>
+              </a:extLst>
+            </a:blip>
+            <a:stretch>
+              <a:fillRect/>
+            </a:stretch>
+          </p:blipFill>
+          <p:spPr>
+            <a:xfrm>
+              <a:off x="3010155" y="3469522"/>
+              <a:ext cx="2880000" cy="2880000"/>
+            </a:xfrm>
+            <a:prstGeom prst="rect">
+              <a:avLst/>
+            </a:prstGeom>
+          </p:spPr>
+        </p:pic>
+        <p:cxnSp>
+          <p:nvCxnSpPr>
+            <p:cNvPr id="6" name="直線接點 5">
+              <a:extLst>
+                <a:ext uri="{FF2B5EF4-FFF2-40B4-BE49-F238E27FC236}">
+                  <a16:creationId xmlns:a16="http://schemas.microsoft.com/office/drawing/2014/main" id="{44A02981-9A43-4031-B123-B332321627F6}"/>
+                </a:ext>
+              </a:extLst>
+            </p:cNvPr>
+            <p:cNvCxnSpPr>
+              <a:cxnSpLocks/>
+            </p:cNvCxnSpPr>
+            <p:nvPr/>
+          </p:nvCxnSpPr>
+          <p:spPr>
+            <a:xfrm>
+              <a:off x="3002340" y="3448885"/>
+              <a:ext cx="5799077" cy="0"/>
+            </a:xfrm>
+            <a:prstGeom prst="line">
+              <a:avLst/>
+            </a:prstGeom>
+            <a:ln w="38100">
+              <a:solidFill>
+                <a:schemeClr val="tx1"/>
+              </a:solidFill>
+              <a:headEnd type="none" w="med" len="med"/>
+              <a:tailEnd type="none" w="med" len="med"/>
+            </a:ln>
+          </p:spPr>
+          <p:style>
+            <a:lnRef idx="1">
+              <a:schemeClr val="accent1"/>
+            </a:lnRef>
+            <a:fillRef idx="0">
+              <a:schemeClr val="accent1"/>
+            </a:fillRef>
+            <a:effectRef idx="0">
+              <a:schemeClr val="accent1"/>
+            </a:effectRef>
+            <a:fontRef idx="minor">
+              <a:schemeClr val="tx1"/>
+            </a:fontRef>
+          </p:style>
+        </p:cxnSp>
+        <p:cxnSp>
+          <p:nvCxnSpPr>
+            <p:cNvPr id="9" name="直線接點 8">
+              <a:extLst>
+                <a:ext uri="{FF2B5EF4-FFF2-40B4-BE49-F238E27FC236}">
+                  <a16:creationId xmlns:a16="http://schemas.microsoft.com/office/drawing/2014/main" id="{B8F53357-F084-45C1-955C-F384802E6107}"/>
+                </a:ext>
+              </a:extLst>
+            </p:cNvPr>
+            <p:cNvCxnSpPr>
+              <a:cxnSpLocks/>
+            </p:cNvCxnSpPr>
+            <p:nvPr/>
+          </p:nvCxnSpPr>
+          <p:spPr>
+            <a:xfrm>
+              <a:off x="5909693" y="549000"/>
+              <a:ext cx="0" cy="5800522"/>
+            </a:xfrm>
+            <a:prstGeom prst="line">
+              <a:avLst/>
+            </a:prstGeom>
+            <a:ln w="38100">
+              <a:solidFill>
+                <a:schemeClr val="tx1"/>
+              </a:solidFill>
+              <a:headEnd type="none" w="med" len="med"/>
+              <a:tailEnd type="none" w="med" len="med"/>
+            </a:ln>
+          </p:spPr>
+          <p:style>
+            <a:lnRef idx="1">
+              <a:schemeClr val="accent1"/>
+            </a:lnRef>
+            <a:fillRef idx="0">
+              <a:schemeClr val="accent1"/>
+            </a:fillRef>
+            <a:effectRef idx="0">
+              <a:schemeClr val="accent1"/>
+            </a:effectRef>
+            <a:fontRef idx="minor">
+              <a:schemeClr val="tx1"/>
+            </a:fontRef>
+          </p:style>
+        </p:cxnSp>
+        <p:sp>
+          <p:nvSpPr>
+            <p:cNvPr id="15" name="文字方塊 14">
+              <a:extLst>
+                <a:ext uri="{FF2B5EF4-FFF2-40B4-BE49-F238E27FC236}">
+                  <a16:creationId xmlns:a16="http://schemas.microsoft.com/office/drawing/2014/main" id="{4A2E21C4-75E4-4313-A368-558339A6CA64}"/>
+                </a:ext>
+              </a:extLst>
+            </p:cNvPr>
+            <p:cNvSpPr txBox="1"/>
+            <p:nvPr/>
+          </p:nvSpPr>
+          <p:spPr>
+            <a:xfrm>
+              <a:off x="3157416" y="664307"/>
+              <a:ext cx="301686" cy="369332"/>
+            </a:xfrm>
+            <a:prstGeom prst="rect">
+              <a:avLst/>
+            </a:prstGeom>
+            <a:noFill/>
+          </p:spPr>
+          <p:txBody>
+            <a:bodyPr wrap="none" rtlCol="0">
+              <a:spAutoFit/>
+            </a:bodyPr>
+            <a:lstStyle/>
+            <a:p>
+              <a:r>
+                <a:rPr lang="en-US" altLang="zh-TW" dirty="0"/>
+                <a:t>1</a:t>
+              </a:r>
+              <a:endParaRPr lang="zh-TW" altLang="en-US" dirty="0"/>
+            </a:p>
+          </p:txBody>
+        </p:sp>
+        <p:sp>
+          <p:nvSpPr>
+            <p:cNvPr id="16" name="文字方塊 15">
+              <a:extLst>
+                <a:ext uri="{FF2B5EF4-FFF2-40B4-BE49-F238E27FC236}">
+                  <a16:creationId xmlns:a16="http://schemas.microsoft.com/office/drawing/2014/main" id="{F55DA2B9-2A1B-4BA1-8221-3BD1EAF2D1EB}"/>
+                </a:ext>
+              </a:extLst>
+            </p:cNvPr>
+            <p:cNvSpPr txBox="1"/>
+            <p:nvPr/>
+          </p:nvSpPr>
+          <p:spPr>
+            <a:xfrm>
+              <a:off x="6096000" y="3515756"/>
+              <a:ext cx="301686" cy="369332"/>
+            </a:xfrm>
+            <a:prstGeom prst="rect">
+              <a:avLst/>
+            </a:prstGeom>
+            <a:noFill/>
+          </p:spPr>
+          <p:txBody>
+            <a:bodyPr wrap="none" rtlCol="0">
+              <a:spAutoFit/>
+            </a:bodyPr>
+            <a:lstStyle/>
+            <a:p>
+              <a:r>
+                <a:rPr lang="en-US" altLang="zh-TW" dirty="0"/>
+                <a:t>4</a:t>
+              </a:r>
+              <a:endParaRPr lang="zh-TW" altLang="en-US" dirty="0"/>
+            </a:p>
+          </p:txBody>
+        </p:sp>
+        <p:sp>
+          <p:nvSpPr>
+            <p:cNvPr id="17" name="文字方塊 16">
+              <a:extLst>
+                <a:ext uri="{FF2B5EF4-FFF2-40B4-BE49-F238E27FC236}">
+                  <a16:creationId xmlns:a16="http://schemas.microsoft.com/office/drawing/2014/main" id="{F10E16E1-1F5B-4124-83A2-94B0560261C2}"/>
+                </a:ext>
+              </a:extLst>
+            </p:cNvPr>
+            <p:cNvSpPr txBox="1"/>
+            <p:nvPr/>
+          </p:nvSpPr>
+          <p:spPr>
+            <a:xfrm>
+              <a:off x="3107410" y="3512041"/>
+              <a:ext cx="301686" cy="369332"/>
+            </a:xfrm>
+            <a:prstGeom prst="rect">
+              <a:avLst/>
+            </a:prstGeom>
+            <a:noFill/>
+          </p:spPr>
+          <p:txBody>
+            <a:bodyPr wrap="none" rtlCol="0">
+              <a:spAutoFit/>
+            </a:bodyPr>
+            <a:lstStyle/>
+            <a:p>
+              <a:r>
+                <a:rPr lang="en-US" altLang="zh-TW" dirty="0"/>
+                <a:t>3</a:t>
+              </a:r>
+              <a:endParaRPr lang="zh-TW" altLang="en-US" dirty="0"/>
+            </a:p>
+          </p:txBody>
+        </p:sp>
+        <p:sp>
+          <p:nvSpPr>
+            <p:cNvPr id="18" name="文字方塊 17">
+              <a:extLst>
+                <a:ext uri="{FF2B5EF4-FFF2-40B4-BE49-F238E27FC236}">
+                  <a16:creationId xmlns:a16="http://schemas.microsoft.com/office/drawing/2014/main" id="{C6CD26A8-5ED5-4722-932B-E9F5CBC27097}"/>
+                </a:ext>
+              </a:extLst>
+            </p:cNvPr>
+            <p:cNvSpPr txBox="1"/>
+            <p:nvPr/>
+          </p:nvSpPr>
+          <p:spPr>
+            <a:xfrm>
+              <a:off x="6040530" y="654482"/>
+              <a:ext cx="301686" cy="369332"/>
+            </a:xfrm>
+            <a:prstGeom prst="rect">
+              <a:avLst/>
+            </a:prstGeom>
+            <a:noFill/>
+          </p:spPr>
+          <p:txBody>
+            <a:bodyPr wrap="none" rtlCol="0">
+              <a:spAutoFit/>
+            </a:bodyPr>
+            <a:lstStyle/>
+            <a:p>
+              <a:r>
+                <a:rPr lang="en-US" altLang="zh-TW" dirty="0"/>
+                <a:t>2</a:t>
+              </a:r>
+              <a:endParaRPr lang="zh-TW" altLang="en-US" dirty="0"/>
+            </a:p>
+          </p:txBody>
+        </p:sp>
+      </p:grpSp>
+    </p:spTree>
+    <p:extLst>
+      <p:ext uri="{BB962C8B-B14F-4D97-AF65-F5344CB8AC3E}">
+        <p14:creationId xmlns:p14="http://schemas.microsoft.com/office/powerpoint/2010/main" val="37834434"/>
       </p:ext>
     </p:extLst>
   </p:cSld>
@@ -13224,7 +13810,7 @@
           <a:p>
             <a:fld id="{979F763D-BF21-4D53-8EEE-BB706C571577}" type="datetime1">
               <a:rPr lang="zh-TW" altLang="en-US" smtClean="0"/>
-              <a:t>2021/6/6</a:t>
+              <a:t>2021/6/11</a:t>
             </a:fld>
             <a:endParaRPr lang="zh-TW" altLang="en-US"/>
           </a:p>
@@ -14178,7 +14764,7 @@
           <a:p>
             <a:fld id="{979F763D-BF21-4D53-8EEE-BB706C571577}" type="datetime1">
               <a:rPr lang="zh-TW" altLang="en-US" smtClean="0"/>
-              <a:t>2021/6/6</a:t>
+              <a:t>2021/6/11</a:t>
             </a:fld>
             <a:endParaRPr lang="zh-TW" altLang="en-US"/>
           </a:p>
